--- a/基于视频分析的森林烟火识别算法研究-蔡敏.pptx
+++ b/基于视频分析的森林烟火识别算法研究-蔡敏.pptx
@@ -5,7 +5,7 @@
     <p:sldMasterId id="2147483672" r:id="rId1"/>
   </p:sldMasterIdLst>
   <p:notesMasterIdLst>
-    <p:notesMasterId r:id="rId22"/>
+    <p:notesMasterId r:id="rId31"/>
   </p:notesMasterIdLst>
   <p:sldIdLst>
     <p:sldId id="257" r:id="rId2"/>
@@ -17,17 +17,26 @@
     <p:sldId id="275" r:id="rId8"/>
     <p:sldId id="278" r:id="rId9"/>
     <p:sldId id="277" r:id="rId10"/>
-    <p:sldId id="287" r:id="rId11"/>
-    <p:sldId id="280" r:id="rId12"/>
-    <p:sldId id="279" r:id="rId13"/>
-    <p:sldId id="282" r:id="rId14"/>
-    <p:sldId id="281" r:id="rId15"/>
-    <p:sldId id="283" r:id="rId16"/>
-    <p:sldId id="272" r:id="rId17"/>
-    <p:sldId id="284" r:id="rId18"/>
-    <p:sldId id="285" r:id="rId19"/>
-    <p:sldId id="286" r:id="rId20"/>
-    <p:sldId id="267" r:id="rId21"/>
+    <p:sldId id="288" r:id="rId11"/>
+    <p:sldId id="291" r:id="rId12"/>
+    <p:sldId id="290" r:id="rId13"/>
+    <p:sldId id="280" r:id="rId14"/>
+    <p:sldId id="293" r:id="rId15"/>
+    <p:sldId id="292" r:id="rId16"/>
+    <p:sldId id="295" r:id="rId17"/>
+    <p:sldId id="294" r:id="rId18"/>
+    <p:sldId id="296" r:id="rId19"/>
+    <p:sldId id="297" r:id="rId20"/>
+    <p:sldId id="298" r:id="rId21"/>
+    <p:sldId id="279" r:id="rId22"/>
+    <p:sldId id="282" r:id="rId23"/>
+    <p:sldId id="281" r:id="rId24"/>
+    <p:sldId id="283" r:id="rId25"/>
+    <p:sldId id="272" r:id="rId26"/>
+    <p:sldId id="284" r:id="rId27"/>
+    <p:sldId id="285" r:id="rId28"/>
+    <p:sldId id="286" r:id="rId29"/>
+    <p:sldId id="267" r:id="rId30"/>
   </p:sldIdLst>
   <p:sldSz cx="9144000" cy="6858000" type="screen4x3"/>
   <p:notesSz cx="6858000" cy="9144000"/>
@@ -413,11 +422,11 @@
         </c:dLbls>
         <c:marker val="1"/>
         <c:smooth val="0"/>
-        <c:axId val="5603648"/>
-        <c:axId val="5605608"/>
+        <c:axId val="420345376"/>
+        <c:axId val="420345768"/>
       </c:lineChart>
       <c:catAx>
-        <c:axId val="5603648"/>
+        <c:axId val="420345376"/>
         <c:scaling>
           <c:orientation val="minMax"/>
         </c:scaling>
@@ -427,7 +436,7 @@
         <c:majorTickMark val="none"/>
         <c:minorTickMark val="none"/>
         <c:tickLblPos val="none"/>
-        <c:crossAx val="5605608"/>
+        <c:crossAx val="420345768"/>
         <c:crosses val="autoZero"/>
         <c:auto val="1"/>
         <c:lblAlgn val="ctr"/>
@@ -435,7 +444,7 @@
         <c:noMultiLvlLbl val="0"/>
       </c:catAx>
       <c:valAx>
-        <c:axId val="5605608"/>
+        <c:axId val="420345768"/>
         <c:scaling>
           <c:orientation val="minMax"/>
         </c:scaling>
@@ -486,7 +495,7 @@
             <a:endParaRPr lang="zh-CN"/>
           </a:p>
         </c:txPr>
-        <c:crossAx val="5603648"/>
+        <c:crossAx val="420345376"/>
         <c:crosses val="autoZero"/>
         <c:crossBetween val="between"/>
       </c:valAx>
@@ -607,7 +616,7 @@
           <a:p>
             <a:fld id="{4CCA81FB-84C2-46F2-95AF-5B75DD96F234}" type="datetimeFigureOut">
               <a:rPr lang="zh-CN" altLang="en-US" smtClean="0"/>
-              <a:t>2018/4/5</a:t>
+              <a:t>2018/4/6</a:t>
             </a:fld>
             <a:endParaRPr lang="zh-CN" altLang="en-US"/>
           </a:p>
@@ -1116,7 +1125,7 @@
                 </a:solidFill>
               </a:rPr>
               <a:pPr/>
-              <a:t>2018/4/5</a:t>
+              <a:t>2018/4/6</a:t>
             </a:fld>
             <a:endParaRPr lang="zh-CN" altLang="en-US">
               <a:solidFill>
@@ -1328,7 +1337,7 @@
                 </a:solidFill>
               </a:rPr>
               <a:pPr/>
-              <a:t>2018/4/5</a:t>
+              <a:t>2018/4/6</a:t>
             </a:fld>
             <a:endParaRPr lang="zh-CN" altLang="en-US">
               <a:solidFill>
@@ -1530,7 +1539,7 @@
                 </a:solidFill>
               </a:rPr>
               <a:pPr/>
-              <a:t>2018/4/5</a:t>
+              <a:t>2018/4/6</a:t>
             </a:fld>
             <a:endParaRPr lang="zh-CN" altLang="en-US">
               <a:solidFill>
@@ -1808,7 +1817,7 @@
                 </a:solidFill>
               </a:rPr>
               <a:pPr/>
-              <a:t>2018/4/5</a:t>
+              <a:t>2018/4/6</a:t>
             </a:fld>
             <a:endParaRPr lang="zh-CN" altLang="en-US">
               <a:solidFill>
@@ -2128,7 +2137,7 @@
                 </a:solidFill>
               </a:rPr>
               <a:pPr/>
-              <a:t>2018/4/5</a:t>
+              <a:t>2018/4/6</a:t>
             </a:fld>
             <a:endParaRPr lang="zh-CN" altLang="en-US">
               <a:solidFill>
@@ -2582,7 +2591,7 @@
                 </a:solidFill>
               </a:rPr>
               <a:pPr/>
-              <a:t>2018/4/5</a:t>
+              <a:t>2018/4/6</a:t>
             </a:fld>
             <a:endParaRPr lang="zh-CN" altLang="en-US">
               <a:solidFill>
@@ -2732,7 +2741,7 @@
                 </a:solidFill>
               </a:rPr>
               <a:pPr/>
-              <a:t>2018/4/5</a:t>
+              <a:t>2018/4/6</a:t>
             </a:fld>
             <a:endParaRPr lang="zh-CN" altLang="en-US">
               <a:solidFill>
@@ -2859,7 +2868,7 @@
                 </a:solidFill>
               </a:rPr>
               <a:pPr/>
-              <a:t>2018/4/5</a:t>
+              <a:t>2018/4/6</a:t>
             </a:fld>
             <a:endParaRPr lang="zh-CN" altLang="en-US">
               <a:solidFill>
@@ -3168,7 +3177,7 @@
                 </a:solidFill>
               </a:rPr>
               <a:pPr/>
-              <a:t>2018/4/5</a:t>
+              <a:t>2018/4/6</a:t>
             </a:fld>
             <a:endParaRPr lang="zh-CN" altLang="en-US">
               <a:solidFill>
@@ -3453,7 +3462,7 @@
                 </a:solidFill>
               </a:rPr>
               <a:pPr/>
-              <a:t>2018/4/5</a:t>
+              <a:t>2018/4/6</a:t>
             </a:fld>
             <a:endParaRPr lang="zh-CN" altLang="en-US">
               <a:solidFill>
@@ -3698,7 +3707,7 @@
                 </a:solidFill>
               </a:rPr>
               <a:pPr/>
-              <a:t>2018/4/5</a:t>
+              <a:t>2018/4/6</a:t>
             </a:fld>
             <a:endParaRPr lang="zh-CN" altLang="en-US">
               <a:solidFill>
@@ -4499,17 +4508,276 @@
           <a:lstStyle/>
           <a:p>
             <a:r>
+              <a:rPr lang="zh-CN" altLang="en-US" dirty="0"/>
+              <a:t>去雾处理</a:t>
+            </a:r>
+            <a:endParaRPr lang="zh-CN" altLang="en-US" b="0" dirty="0"/>
+          </a:p>
+        </p:txBody>
+      </p:sp>
+      <p:pic>
+        <p:nvPicPr>
+          <p:cNvPr id="14" name="图片 13" descr="E:\研究生毕业设计\论文\chapter2\去雾实验结果\原图\1-3.jpg"/>
+          <p:cNvPicPr>
+            <a:picLocks noChangeAspect="1"/>
+          </p:cNvPicPr>
+          <p:nvPr/>
+        </p:nvPicPr>
+        <p:blipFill>
+          <a:blip r:embed="rId2" cstate="print">
+            <a:extLst>
+              <a:ext uri="{28A0092B-C50C-407E-A947-70E740481C1C}">
+                <a14:useLocalDpi xmlns:a14="http://schemas.microsoft.com/office/drawing/2010/main" val="0"/>
+              </a:ext>
+            </a:extLst>
+          </a:blip>
+          <a:srcRect/>
+          <a:stretch>
+            <a:fillRect/>
+          </a:stretch>
+        </p:blipFill>
+        <p:spPr bwMode="auto">
+          <a:xfrm>
+            <a:off x="995470" y="1358446"/>
+            <a:ext cx="3024305" cy="2160000"/>
+          </a:xfrm>
+          <a:prstGeom prst="rect">
+            <a:avLst/>
+          </a:prstGeom>
+          <a:noFill/>
+          <a:ln>
+            <a:noFill/>
+          </a:ln>
+        </p:spPr>
+      </p:pic>
+      <p:pic>
+        <p:nvPicPr>
+          <p:cNvPr id="15" name="图片 14" descr="E:\研究生毕业设计\论文\chapter2\去雾实验结果\MSRCR\1-3.jpg"/>
+          <p:cNvPicPr>
+            <a:picLocks noChangeAspect="1"/>
+          </p:cNvPicPr>
+          <p:nvPr/>
+        </p:nvPicPr>
+        <p:blipFill>
+          <a:blip r:embed="rId3" cstate="print">
+            <a:extLst>
+              <a:ext uri="{28A0092B-C50C-407E-A947-70E740481C1C}">
+                <a14:useLocalDpi xmlns:a14="http://schemas.microsoft.com/office/drawing/2010/main" val="0"/>
+              </a:ext>
+            </a:extLst>
+          </a:blip>
+          <a:srcRect/>
+          <a:stretch>
+            <a:fillRect/>
+          </a:stretch>
+        </p:blipFill>
+        <p:spPr bwMode="auto">
+          <a:xfrm>
+            <a:off x="4958682" y="1358446"/>
+            <a:ext cx="3024305" cy="2160000"/>
+          </a:xfrm>
+          <a:prstGeom prst="rect">
+            <a:avLst/>
+          </a:prstGeom>
+          <a:noFill/>
+          <a:ln>
+            <a:noFill/>
+          </a:ln>
+        </p:spPr>
+      </p:pic>
+      <p:pic>
+        <p:nvPicPr>
+          <p:cNvPr id="16" name="图片 15" descr="E:\研究生毕业设计\论文\chapter2\去雾实验结果\HSVEqualize\1-3.jpg"/>
+          <p:cNvPicPr>
+            <a:picLocks noChangeAspect="1"/>
+          </p:cNvPicPr>
+          <p:nvPr/>
+        </p:nvPicPr>
+        <p:blipFill>
+          <a:blip r:embed="rId4" cstate="print">
+            <a:extLst>
+              <a:ext uri="{28A0092B-C50C-407E-A947-70E740481C1C}">
+                <a14:useLocalDpi xmlns:a14="http://schemas.microsoft.com/office/drawing/2010/main" val="0"/>
+              </a:ext>
+            </a:extLst>
+          </a:blip>
+          <a:srcRect/>
+          <a:stretch>
+            <a:fillRect/>
+          </a:stretch>
+        </p:blipFill>
+        <p:spPr bwMode="auto">
+          <a:xfrm>
+            <a:off x="995470" y="4027976"/>
+            <a:ext cx="3024305" cy="2160000"/>
+          </a:xfrm>
+          <a:prstGeom prst="rect">
+            <a:avLst/>
+          </a:prstGeom>
+          <a:noFill/>
+          <a:ln>
+            <a:noFill/>
+          </a:ln>
+        </p:spPr>
+      </p:pic>
+      <p:pic>
+        <p:nvPicPr>
+          <p:cNvPr id="17" name="图片 16" descr="E:\研究生毕业设计\论文\chapter2\去雾实验结果\DarkChannel\1-3.jpg"/>
+          <p:cNvPicPr>
+            <a:picLocks noChangeAspect="1"/>
+          </p:cNvPicPr>
+          <p:nvPr/>
+        </p:nvPicPr>
+        <p:blipFill>
+          <a:blip r:embed="rId5" cstate="print">
+            <a:extLst>
+              <a:ext uri="{28A0092B-C50C-407E-A947-70E740481C1C}">
+                <a14:useLocalDpi xmlns:a14="http://schemas.microsoft.com/office/drawing/2010/main" val="0"/>
+              </a:ext>
+            </a:extLst>
+          </a:blip>
+          <a:srcRect/>
+          <a:stretch>
+            <a:fillRect/>
+          </a:stretch>
+        </p:blipFill>
+        <p:spPr bwMode="auto">
+          <a:xfrm>
+            <a:off x="4958682" y="4027976"/>
+            <a:ext cx="3024305" cy="2160000"/>
+          </a:xfrm>
+          <a:prstGeom prst="rect">
+            <a:avLst/>
+          </a:prstGeom>
+          <a:noFill/>
+          <a:ln>
+            <a:noFill/>
+          </a:ln>
+        </p:spPr>
+      </p:pic>
+      <p:sp>
+        <p:nvSpPr>
+          <p:cNvPr id="4" name="文本框 3"/>
+          <p:cNvSpPr txBox="1"/>
+          <p:nvPr/>
+        </p:nvSpPr>
+        <p:spPr>
+          <a:xfrm>
+            <a:off x="2072456" y="3653402"/>
+            <a:ext cx="870331" cy="374574"/>
+          </a:xfrm>
+          <a:prstGeom prst="rect">
+            <a:avLst/>
+          </a:prstGeom>
+          <a:noFill/>
+        </p:spPr>
+        <p:txBody>
+          <a:bodyPr wrap="square" rtlCol="0">
+            <a:spAutoFit/>
+          </a:bodyPr>
+          <a:lstStyle/>
+          <a:p>
+            <a:r>
+              <a:rPr lang="zh-CN" altLang="en-US" dirty="0"/>
+              <a:t>原图</a:t>
+            </a:r>
+          </a:p>
+        </p:txBody>
+      </p:sp>
+      <p:sp>
+        <p:nvSpPr>
+          <p:cNvPr id="18" name="文本框 17"/>
+          <p:cNvSpPr txBox="1"/>
+          <p:nvPr/>
+        </p:nvSpPr>
+        <p:spPr>
+          <a:xfrm>
+            <a:off x="5973893" y="3658644"/>
+            <a:ext cx="993882" cy="369332"/>
+          </a:xfrm>
+          <a:prstGeom prst="rect">
+            <a:avLst/>
+          </a:prstGeom>
+          <a:noFill/>
+        </p:spPr>
+        <p:txBody>
+          <a:bodyPr wrap="square" rtlCol="0">
+            <a:spAutoFit/>
+          </a:bodyPr>
+          <a:lstStyle/>
+          <a:p>
+            <a:r>
+              <a:rPr lang="en-US" altLang="zh-CN" dirty="0" smtClean="0"/>
+              <a:t>MSRCR</a:t>
+            </a:r>
+            <a:endParaRPr lang="zh-CN" altLang="en-US" dirty="0"/>
+          </a:p>
+        </p:txBody>
+      </p:sp>
+      <p:sp>
+        <p:nvSpPr>
+          <p:cNvPr id="19" name="文本框 18"/>
+          <p:cNvSpPr txBox="1"/>
+          <p:nvPr/>
+        </p:nvSpPr>
+        <p:spPr>
+          <a:xfrm>
+            <a:off x="2213932" y="6328174"/>
+            <a:ext cx="587377" cy="369332"/>
+          </a:xfrm>
+          <a:prstGeom prst="rect">
+            <a:avLst/>
+          </a:prstGeom>
+          <a:noFill/>
+        </p:spPr>
+        <p:txBody>
+          <a:bodyPr wrap="square" rtlCol="0">
+            <a:spAutoFit/>
+          </a:bodyPr>
+          <a:lstStyle/>
+          <a:p>
+            <a:r>
+              <a:rPr lang="en-US" altLang="zh-CN" dirty="0" smtClean="0"/>
+              <a:t>HE</a:t>
+            </a:r>
+            <a:endParaRPr lang="zh-CN" altLang="en-US" dirty="0"/>
+          </a:p>
+        </p:txBody>
+      </p:sp>
+      <p:sp>
+        <p:nvSpPr>
+          <p:cNvPr id="20" name="文本框 19"/>
+          <p:cNvSpPr txBox="1"/>
+          <p:nvPr/>
+        </p:nvSpPr>
+        <p:spPr>
+          <a:xfrm>
+            <a:off x="5765372" y="6328174"/>
+            <a:ext cx="1410924" cy="369332"/>
+          </a:xfrm>
+          <a:prstGeom prst="rect">
+            <a:avLst/>
+          </a:prstGeom>
+          <a:noFill/>
+        </p:spPr>
+        <p:txBody>
+          <a:bodyPr wrap="square" rtlCol="0">
+            <a:spAutoFit/>
+          </a:bodyPr>
+          <a:lstStyle/>
+          <a:p>
+            <a:r>
               <a:rPr lang="zh-CN" altLang="en-US" dirty="0" smtClean="0"/>
-              <a:t>图像增强</a:t>
-            </a:r>
-            <a:endParaRPr lang="zh-CN" altLang="en-US" b="0" dirty="0"/>
+              <a:t>暗通道去雾</a:t>
+            </a:r>
+            <a:endParaRPr lang="zh-CN" altLang="en-US" dirty="0"/>
           </a:p>
         </p:txBody>
       </p:sp>
     </p:spTree>
     <p:extLst>
       <p:ext uri="{BB962C8B-B14F-4D97-AF65-F5344CB8AC3E}">
-        <p14:creationId xmlns:p14="http://schemas.microsoft.com/office/powerpoint/2010/main" val="2210069370"/>
+        <p14:creationId xmlns:p14="http://schemas.microsoft.com/office/powerpoint/2010/main" val="3261138297"/>
       </p:ext>
     </p:extLst>
   </p:cSld>
@@ -4559,24 +4827,1454 @@
           <a:lstStyle/>
           <a:p>
             <a:r>
+              <a:rPr lang="zh-CN" altLang="en-US" dirty="0"/>
+              <a:t>去雾处理</a:t>
+            </a:r>
+            <a:endParaRPr lang="zh-CN" altLang="en-US" b="0" dirty="0"/>
+          </a:p>
+        </p:txBody>
+      </p:sp>
+      <p:sp>
+        <p:nvSpPr>
+          <p:cNvPr id="4" name="文本框 3"/>
+          <p:cNvSpPr txBox="1"/>
+          <p:nvPr/>
+        </p:nvSpPr>
+        <p:spPr>
+          <a:xfrm>
+            <a:off x="2072456" y="3653402"/>
+            <a:ext cx="870331" cy="374574"/>
+          </a:xfrm>
+          <a:prstGeom prst="rect">
+            <a:avLst/>
+          </a:prstGeom>
+          <a:noFill/>
+        </p:spPr>
+        <p:txBody>
+          <a:bodyPr wrap="square" rtlCol="0">
+            <a:spAutoFit/>
+          </a:bodyPr>
+          <a:lstStyle/>
+          <a:p>
+            <a:r>
+              <a:rPr lang="zh-CN" altLang="en-US" dirty="0"/>
+              <a:t>原图</a:t>
+            </a:r>
+          </a:p>
+        </p:txBody>
+      </p:sp>
+      <p:sp>
+        <p:nvSpPr>
+          <p:cNvPr id="18" name="文本框 17"/>
+          <p:cNvSpPr txBox="1"/>
+          <p:nvPr/>
+        </p:nvSpPr>
+        <p:spPr>
+          <a:xfrm>
+            <a:off x="5973893" y="3658644"/>
+            <a:ext cx="993882" cy="369332"/>
+          </a:xfrm>
+          <a:prstGeom prst="rect">
+            <a:avLst/>
+          </a:prstGeom>
+          <a:noFill/>
+        </p:spPr>
+        <p:txBody>
+          <a:bodyPr wrap="square" rtlCol="0">
+            <a:spAutoFit/>
+          </a:bodyPr>
+          <a:lstStyle/>
+          <a:p>
+            <a:r>
               <a:rPr lang="en-US" altLang="zh-CN" dirty="0" smtClean="0"/>
-              <a:t>Solution</a:t>
-            </a:r>
-            <a:r>
-              <a:rPr lang="en-US" altLang="zh-CN" sz="1400" dirty="0" smtClean="0"/>
-              <a:t> </a:t>
-            </a:r>
-            <a:r>
-              <a:rPr lang="en-US" altLang="zh-CN" sz="2800" b="0" dirty="0" smtClean="0"/>
-              <a:t>(</a:t>
-            </a:r>
-            <a:r>
-              <a:rPr lang="zh-CN" altLang="en-US" sz="2800" b="0" dirty="0" smtClean="0"/>
-              <a:t>方案</a:t>
-            </a:r>
-            <a:r>
-              <a:rPr lang="en-US" altLang="zh-CN" sz="2800" b="0" dirty="0" smtClean="0"/>
-              <a:t>)</a:t>
+              <a:t>MSRCR</a:t>
+            </a:r>
+            <a:endParaRPr lang="zh-CN" altLang="en-US" dirty="0"/>
+          </a:p>
+        </p:txBody>
+      </p:sp>
+      <p:sp>
+        <p:nvSpPr>
+          <p:cNvPr id="19" name="文本框 18"/>
+          <p:cNvSpPr txBox="1"/>
+          <p:nvPr/>
+        </p:nvSpPr>
+        <p:spPr>
+          <a:xfrm>
+            <a:off x="2213932" y="6328174"/>
+            <a:ext cx="587377" cy="369332"/>
+          </a:xfrm>
+          <a:prstGeom prst="rect">
+            <a:avLst/>
+          </a:prstGeom>
+          <a:noFill/>
+        </p:spPr>
+        <p:txBody>
+          <a:bodyPr wrap="square" rtlCol="0">
+            <a:spAutoFit/>
+          </a:bodyPr>
+          <a:lstStyle/>
+          <a:p>
+            <a:r>
+              <a:rPr lang="en-US" altLang="zh-CN" dirty="0" smtClean="0"/>
+              <a:t>HE</a:t>
+            </a:r>
+            <a:endParaRPr lang="zh-CN" altLang="en-US" dirty="0"/>
+          </a:p>
+        </p:txBody>
+      </p:sp>
+      <p:sp>
+        <p:nvSpPr>
+          <p:cNvPr id="20" name="文本框 19"/>
+          <p:cNvSpPr txBox="1"/>
+          <p:nvPr/>
+        </p:nvSpPr>
+        <p:spPr>
+          <a:xfrm>
+            <a:off x="5765372" y="6328174"/>
+            <a:ext cx="1410924" cy="369332"/>
+          </a:xfrm>
+          <a:prstGeom prst="rect">
+            <a:avLst/>
+          </a:prstGeom>
+          <a:noFill/>
+        </p:spPr>
+        <p:txBody>
+          <a:bodyPr wrap="square" rtlCol="0">
+            <a:spAutoFit/>
+          </a:bodyPr>
+          <a:lstStyle/>
+          <a:p>
+            <a:r>
+              <a:rPr lang="zh-CN" altLang="en-US" dirty="0" smtClean="0"/>
+              <a:t>暗通道去雾</a:t>
+            </a:r>
+            <a:endParaRPr lang="zh-CN" altLang="en-US" dirty="0"/>
+          </a:p>
+        </p:txBody>
+      </p:sp>
+      <p:pic>
+        <p:nvPicPr>
+          <p:cNvPr id="11" name="图片 10" descr="E:\研究生毕业设计\论文\chapter2\去雾实验结果\原图\2.jpg"/>
+          <p:cNvPicPr>
+            <a:picLocks noChangeAspect="1"/>
+          </p:cNvPicPr>
+          <p:nvPr/>
+        </p:nvPicPr>
+        <p:blipFill>
+          <a:blip r:embed="rId2" cstate="print">
+            <a:extLst>
+              <a:ext uri="{28A0092B-C50C-407E-A947-70E740481C1C}">
+                <a14:useLocalDpi xmlns:a14="http://schemas.microsoft.com/office/drawing/2010/main" val="0"/>
+              </a:ext>
+            </a:extLst>
+          </a:blip>
+          <a:srcRect/>
+          <a:stretch>
+            <a:fillRect/>
+          </a:stretch>
+        </p:blipFill>
+        <p:spPr bwMode="auto">
+          <a:xfrm>
+            <a:off x="995467" y="1353204"/>
+            <a:ext cx="3024305" cy="2160000"/>
+          </a:xfrm>
+          <a:prstGeom prst="rect">
+            <a:avLst/>
+          </a:prstGeom>
+          <a:noFill/>
+          <a:ln>
+            <a:noFill/>
+          </a:ln>
+        </p:spPr>
+      </p:pic>
+      <p:pic>
+        <p:nvPicPr>
+          <p:cNvPr id="12" name="图片 11" descr="E:\研究生毕业设计\论文\chapter2\去雾实验结果\MSRCR\2.jpg"/>
+          <p:cNvPicPr>
+            <a:picLocks noChangeAspect="1"/>
+          </p:cNvPicPr>
+          <p:nvPr/>
+        </p:nvPicPr>
+        <p:blipFill>
+          <a:blip r:embed="rId3" cstate="print">
+            <a:extLst>
+              <a:ext uri="{28A0092B-C50C-407E-A947-70E740481C1C}">
+                <a14:useLocalDpi xmlns:a14="http://schemas.microsoft.com/office/drawing/2010/main" val="0"/>
+              </a:ext>
+            </a:extLst>
+          </a:blip>
+          <a:srcRect/>
+          <a:stretch>
+            <a:fillRect/>
+          </a:stretch>
+        </p:blipFill>
+        <p:spPr bwMode="auto">
+          <a:xfrm>
+            <a:off x="4958680" y="1353204"/>
+            <a:ext cx="3024305" cy="2160000"/>
+          </a:xfrm>
+          <a:prstGeom prst="rect">
+            <a:avLst/>
+          </a:prstGeom>
+          <a:noFill/>
+          <a:ln>
+            <a:noFill/>
+          </a:ln>
+        </p:spPr>
+      </p:pic>
+      <p:pic>
+        <p:nvPicPr>
+          <p:cNvPr id="13" name="图片 12" descr="E:\研究生毕业设计\论文\chapter2\去雾实验结果\HSVEqualize\2.jpg"/>
+          <p:cNvPicPr>
+            <a:picLocks noChangeAspect="1"/>
+          </p:cNvPicPr>
+          <p:nvPr/>
+        </p:nvPicPr>
+        <p:blipFill>
+          <a:blip r:embed="rId4" cstate="print">
+            <a:extLst>
+              <a:ext uri="{28A0092B-C50C-407E-A947-70E740481C1C}">
+                <a14:useLocalDpi xmlns:a14="http://schemas.microsoft.com/office/drawing/2010/main" val="0"/>
+              </a:ext>
+            </a:extLst>
+          </a:blip>
+          <a:srcRect/>
+          <a:stretch>
+            <a:fillRect/>
+          </a:stretch>
+        </p:blipFill>
+        <p:spPr bwMode="auto">
+          <a:xfrm>
+            <a:off x="995466" y="4027976"/>
+            <a:ext cx="3024305" cy="2160000"/>
+          </a:xfrm>
+          <a:prstGeom prst="rect">
+            <a:avLst/>
+          </a:prstGeom>
+          <a:noFill/>
+          <a:ln>
+            <a:noFill/>
+          </a:ln>
+        </p:spPr>
+      </p:pic>
+      <p:pic>
+        <p:nvPicPr>
+          <p:cNvPr id="21" name="图片 20" descr="E:\研究生毕业设计\论文\chapter2\去雾实验结果\DarkChannel\2.jpg"/>
+          <p:cNvPicPr>
+            <a:picLocks noChangeAspect="1"/>
+          </p:cNvPicPr>
+          <p:nvPr/>
+        </p:nvPicPr>
+        <p:blipFill>
+          <a:blip r:embed="rId5" cstate="print">
+            <a:extLst>
+              <a:ext uri="{28A0092B-C50C-407E-A947-70E740481C1C}">
+                <a14:useLocalDpi xmlns:a14="http://schemas.microsoft.com/office/drawing/2010/main" val="0"/>
+              </a:ext>
+            </a:extLst>
+          </a:blip>
+          <a:srcRect/>
+          <a:stretch>
+            <a:fillRect/>
+          </a:stretch>
+        </p:blipFill>
+        <p:spPr bwMode="auto">
+          <a:xfrm>
+            <a:off x="4958679" y="4027976"/>
+            <a:ext cx="3024305" cy="2160000"/>
+          </a:xfrm>
+          <a:prstGeom prst="rect">
+            <a:avLst/>
+          </a:prstGeom>
+          <a:noFill/>
+          <a:ln>
+            <a:noFill/>
+          </a:ln>
+        </p:spPr>
+      </p:pic>
+    </p:spTree>
+    <p:extLst>
+      <p:ext uri="{BB962C8B-B14F-4D97-AF65-F5344CB8AC3E}">
+        <p14:creationId xmlns:p14="http://schemas.microsoft.com/office/powerpoint/2010/main" val="2446304141"/>
+      </p:ext>
+    </p:extLst>
+  </p:cSld>
+  <p:clrMapOvr>
+    <a:masterClrMapping/>
+  </p:clrMapOvr>
+  <p:timing>
+    <p:tnLst>
+      <p:par>
+        <p:cTn id="1" dur="indefinite" restart="never" nodeType="tmRoot"/>
+      </p:par>
+    </p:tnLst>
+  </p:timing>
+</p:sld>
+</file>
+
+<file path=ppt/slides/slide12.xml><?xml version="1.0" encoding="utf-8"?>
+<p:sld xmlns:a="http://schemas.openxmlformats.org/drawingml/2006/main" xmlns:r="http://schemas.openxmlformats.org/officeDocument/2006/relationships" xmlns:p="http://schemas.openxmlformats.org/presentationml/2006/main">
+  <p:cSld>
+    <p:spTree>
+      <p:nvGrpSpPr>
+        <p:cNvPr id="1" name=""/>
+        <p:cNvGrpSpPr/>
+        <p:nvPr/>
+      </p:nvGrpSpPr>
+      <p:grpSpPr>
+        <a:xfrm>
+          <a:off x="0" y="0"/>
+          <a:ext cx="0" cy="0"/>
+          <a:chOff x="0" y="0"/>
+          <a:chExt cx="0" cy="0"/>
+        </a:xfrm>
+      </p:grpSpPr>
+      <p:sp>
+        <p:nvSpPr>
+          <p:cNvPr id="2" name="文本占位符 1"/>
+          <p:cNvSpPr>
+            <a:spLocks noGrp="1"/>
+          </p:cNvSpPr>
+          <p:nvPr>
+            <p:ph type="body" sz="quarter" idx="10"/>
+          </p:nvPr>
+        </p:nvSpPr>
+        <p:spPr/>
+        <p:txBody>
+          <a:bodyPr/>
+          <a:lstStyle/>
+          <a:p>
+            <a:r>
+              <a:rPr lang="zh-CN" altLang="en-US" dirty="0"/>
+              <a:t>去雾处理</a:t>
+            </a:r>
+            <a:endParaRPr lang="zh-CN" altLang="en-US" b="0" dirty="0"/>
+          </a:p>
+        </p:txBody>
+      </p:sp>
+      <p:grpSp>
+        <p:nvGrpSpPr>
+          <p:cNvPr id="5" name="组合 4"/>
+          <p:cNvGrpSpPr/>
+          <p:nvPr/>
+        </p:nvGrpSpPr>
+        <p:grpSpPr>
+          <a:xfrm>
+            <a:off x="711115" y="1760918"/>
+            <a:ext cx="803049" cy="262191"/>
+            <a:chOff x="683546" y="2736327"/>
+            <a:chExt cx="803049" cy="262191"/>
+          </a:xfrm>
+        </p:grpSpPr>
+        <p:sp>
+          <p:nvSpPr>
+            <p:cNvPr id="6" name="矩形 5"/>
+            <p:cNvSpPr/>
+            <p:nvPr/>
+          </p:nvSpPr>
+          <p:spPr>
+            <a:xfrm rot="18900000" flipH="1">
+              <a:off x="861276" y="2736327"/>
+              <a:ext cx="262191" cy="262191"/>
+            </a:xfrm>
+            <a:prstGeom prst="rect">
+              <a:avLst/>
+            </a:prstGeom>
+            <a:solidFill>
+              <a:schemeClr val="accent5"/>
+            </a:solidFill>
+            <a:ln>
+              <a:noFill/>
+            </a:ln>
+          </p:spPr>
+          <p:style>
+            <a:lnRef idx="2">
+              <a:schemeClr val="accent1">
+                <a:shade val="50000"/>
+              </a:schemeClr>
+            </a:lnRef>
+            <a:fillRef idx="1">
+              <a:schemeClr val="accent1"/>
+            </a:fillRef>
+            <a:effectRef idx="0">
+              <a:schemeClr val="accent1"/>
+            </a:effectRef>
+            <a:fontRef idx="minor">
+              <a:schemeClr val="lt1"/>
+            </a:fontRef>
+          </p:style>
+          <p:txBody>
+            <a:bodyPr rtlCol="0" anchor="ctr"/>
+            <a:lstStyle/>
+            <a:p>
+              <a:pPr algn="ctr"/>
+              <a:endParaRPr lang="zh-CN" altLang="en-US">
+                <a:solidFill>
+                  <a:prstClr val="white"/>
+                </a:solidFill>
+              </a:endParaRPr>
+            </a:p>
+          </p:txBody>
+        </p:sp>
+        <p:cxnSp>
+          <p:nvCxnSpPr>
+            <p:cNvPr id="7" name="直接连接符 6"/>
+            <p:cNvCxnSpPr/>
+            <p:nvPr/>
+          </p:nvCxnSpPr>
+          <p:spPr>
+            <a:xfrm rot="18900000" flipH="1">
+              <a:off x="683546" y="2960121"/>
+              <a:ext cx="803049" cy="0"/>
+            </a:xfrm>
+            <a:prstGeom prst="line">
+              <a:avLst/>
+            </a:prstGeom>
+            <a:ln w="25400">
+              <a:gradFill>
+                <a:gsLst>
+                  <a:gs pos="0">
+                    <a:schemeClr val="accent5">
+                      <a:alpha val="0"/>
+                    </a:schemeClr>
+                  </a:gs>
+                  <a:gs pos="50000">
+                    <a:schemeClr val="accent5"/>
+                  </a:gs>
+                  <a:gs pos="100000">
+                    <a:schemeClr val="accent5">
+                      <a:alpha val="0"/>
+                    </a:schemeClr>
+                  </a:gs>
+                </a:gsLst>
+                <a:lin ang="0" scaled="0"/>
+              </a:gradFill>
+            </a:ln>
+          </p:spPr>
+          <p:style>
+            <a:lnRef idx="1">
+              <a:schemeClr val="accent1"/>
+            </a:lnRef>
+            <a:fillRef idx="0">
+              <a:schemeClr val="accent1"/>
+            </a:fillRef>
+            <a:effectRef idx="0">
+              <a:schemeClr val="accent1"/>
+            </a:effectRef>
+            <a:fontRef idx="minor">
+              <a:schemeClr val="tx1"/>
+            </a:fontRef>
+          </p:style>
+        </p:cxnSp>
+      </p:grpSp>
+      <p:grpSp>
+        <p:nvGrpSpPr>
+          <p:cNvPr id="8" name="组合 7"/>
+          <p:cNvGrpSpPr/>
+          <p:nvPr/>
+        </p:nvGrpSpPr>
+        <p:grpSpPr>
+          <a:xfrm>
+            <a:off x="711115" y="4221266"/>
+            <a:ext cx="803049" cy="262191"/>
+            <a:chOff x="683546" y="2736327"/>
+            <a:chExt cx="803049" cy="262191"/>
+          </a:xfrm>
+        </p:grpSpPr>
+        <p:sp>
+          <p:nvSpPr>
+            <p:cNvPr id="9" name="矩形 8"/>
+            <p:cNvSpPr/>
+            <p:nvPr/>
+          </p:nvSpPr>
+          <p:spPr>
+            <a:xfrm rot="18900000" flipH="1">
+              <a:off x="861276" y="2736327"/>
+              <a:ext cx="262191" cy="262191"/>
+            </a:xfrm>
+            <a:prstGeom prst="rect">
+              <a:avLst/>
+            </a:prstGeom>
+            <a:noFill/>
+            <a:ln>
+              <a:solidFill>
+                <a:srgbClr val="4472C4"/>
+              </a:solidFill>
+            </a:ln>
+          </p:spPr>
+          <p:style>
+            <a:lnRef idx="2">
+              <a:schemeClr val="accent1">
+                <a:shade val="50000"/>
+              </a:schemeClr>
+            </a:lnRef>
+            <a:fillRef idx="1">
+              <a:schemeClr val="accent1"/>
+            </a:fillRef>
+            <a:effectRef idx="0">
+              <a:schemeClr val="accent1"/>
+            </a:effectRef>
+            <a:fontRef idx="minor">
+              <a:schemeClr val="lt1"/>
+            </a:fontRef>
+          </p:style>
+          <p:txBody>
+            <a:bodyPr rtlCol="0" anchor="ctr"/>
+            <a:lstStyle/>
+            <a:p>
+              <a:pPr algn="ctr"/>
+              <a:endParaRPr lang="zh-CN" altLang="en-US">
+                <a:solidFill>
+                  <a:prstClr val="white"/>
+                </a:solidFill>
+              </a:endParaRPr>
+            </a:p>
+          </p:txBody>
+        </p:sp>
+        <p:cxnSp>
+          <p:nvCxnSpPr>
+            <p:cNvPr id="10" name="直接连接符 9"/>
+            <p:cNvCxnSpPr/>
+            <p:nvPr/>
+          </p:nvCxnSpPr>
+          <p:spPr>
+            <a:xfrm rot="18900000" flipH="1">
+              <a:off x="683546" y="2960121"/>
+              <a:ext cx="803049" cy="0"/>
+            </a:xfrm>
+            <a:prstGeom prst="line">
+              <a:avLst/>
+            </a:prstGeom>
+            <a:ln w="25400">
+              <a:gradFill>
+                <a:gsLst>
+                  <a:gs pos="0">
+                    <a:schemeClr val="accent5">
+                      <a:alpha val="0"/>
+                    </a:schemeClr>
+                  </a:gs>
+                  <a:gs pos="50000">
+                    <a:schemeClr val="accent5"/>
+                  </a:gs>
+                  <a:gs pos="100000">
+                    <a:schemeClr val="accent5">
+                      <a:alpha val="0"/>
+                    </a:schemeClr>
+                  </a:gs>
+                </a:gsLst>
+                <a:lin ang="0" scaled="0"/>
+              </a:gradFill>
+            </a:ln>
+          </p:spPr>
+          <p:style>
+            <a:lnRef idx="1">
+              <a:schemeClr val="accent1"/>
+            </a:lnRef>
+            <a:fillRef idx="0">
+              <a:schemeClr val="accent1"/>
+            </a:fillRef>
+            <a:effectRef idx="0">
+              <a:schemeClr val="accent1"/>
+            </a:effectRef>
+            <a:fontRef idx="minor">
+              <a:schemeClr val="tx1"/>
+            </a:fontRef>
+          </p:style>
+        </p:cxnSp>
+      </p:grpSp>
+      <p:cxnSp>
+        <p:nvCxnSpPr>
+          <p:cNvPr id="12" name="直接连接符 11"/>
+          <p:cNvCxnSpPr/>
+          <p:nvPr/>
+        </p:nvCxnSpPr>
+        <p:spPr>
+          <a:xfrm>
+            <a:off x="98603" y="3893686"/>
+            <a:ext cx="5940152" cy="0"/>
+          </a:xfrm>
+          <a:prstGeom prst="line">
+            <a:avLst/>
+          </a:prstGeom>
+          <a:ln w="15875">
+            <a:gradFill>
+              <a:gsLst>
+                <a:gs pos="13000">
+                  <a:schemeClr val="accent5"/>
+                </a:gs>
+                <a:gs pos="100000">
+                  <a:schemeClr val="accent5">
+                    <a:alpha val="0"/>
+                  </a:schemeClr>
+                </a:gs>
+              </a:gsLst>
+              <a:lin ang="0" scaled="0"/>
+            </a:gradFill>
+          </a:ln>
+        </p:spPr>
+        <p:style>
+          <a:lnRef idx="1">
+            <a:schemeClr val="accent1"/>
+          </a:lnRef>
+          <a:fillRef idx="0">
+            <a:schemeClr val="accent1"/>
+          </a:fillRef>
+          <a:effectRef idx="0">
+            <a:schemeClr val="accent1"/>
+          </a:effectRef>
+          <a:fontRef idx="minor">
+            <a:schemeClr val="tx1"/>
+          </a:fontRef>
+        </p:style>
+      </p:cxnSp>
+      <p:cxnSp>
+        <p:nvCxnSpPr>
+          <p:cNvPr id="13" name="直接连接符 12"/>
+          <p:cNvCxnSpPr/>
+          <p:nvPr/>
+        </p:nvCxnSpPr>
+        <p:spPr>
+          <a:xfrm rot="16200000">
+            <a:off x="-441457" y="3546016"/>
+            <a:ext cx="2088232" cy="0"/>
+          </a:xfrm>
+          <a:prstGeom prst="line">
+            <a:avLst/>
+          </a:prstGeom>
+          <a:ln w="15875">
+            <a:gradFill>
+              <a:gsLst>
+                <a:gs pos="13000">
+                  <a:schemeClr val="accent5"/>
+                </a:gs>
+                <a:gs pos="100000">
+                  <a:schemeClr val="accent5">
+                    <a:alpha val="0"/>
+                  </a:schemeClr>
+                </a:gs>
+              </a:gsLst>
+              <a:lin ang="0" scaled="0"/>
+            </a:gradFill>
+          </a:ln>
+        </p:spPr>
+        <p:style>
+          <a:lnRef idx="1">
+            <a:schemeClr val="accent1"/>
+          </a:lnRef>
+          <a:fillRef idx="0">
+            <a:schemeClr val="accent1"/>
+          </a:fillRef>
+          <a:effectRef idx="0">
+            <a:schemeClr val="accent1"/>
+          </a:effectRef>
+          <a:fontRef idx="minor">
+            <a:schemeClr val="tx1"/>
+          </a:fontRef>
+        </p:style>
+      </p:cxnSp>
+      <p:graphicFrame>
+        <p:nvGraphicFramePr>
+          <p:cNvPr id="4" name="表格 3"/>
+          <p:cNvGraphicFramePr>
+            <a:graphicFrameLocks noGrp="1"/>
+          </p:cNvGraphicFramePr>
+          <p:nvPr>
+            <p:extLst>
+              <p:ext uri="{D42A27DB-BD31-4B8C-83A1-F6EECF244321}">
+                <p14:modId xmlns:p14="http://schemas.microsoft.com/office/powerpoint/2010/main" val="589186900"/>
+              </p:ext>
+            </p:extLst>
+          </p:nvPr>
+        </p:nvGraphicFramePr>
+        <p:xfrm>
+          <a:off x="1528796" y="1682951"/>
+          <a:ext cx="6535551" cy="2053415"/>
+        </p:xfrm>
+        <a:graphic>
+          <a:graphicData uri="http://schemas.openxmlformats.org/drawingml/2006/table">
+            <a:tbl>
+              <a:tblPr firstCol="1">
+                <a:tableStyleId>{5C22544A-7EE6-4342-B048-85BDC9FD1C3A}</a:tableStyleId>
+              </a:tblPr>
+              <a:tblGrid>
+                <a:gridCol w="1755569"/>
+                <a:gridCol w="1959664"/>
+                <a:gridCol w="2820318"/>
+              </a:tblGrid>
+              <a:tr h="377267">
+                <a:tc rowSpan="3">
+                  <a:txBody>
+                    <a:bodyPr/>
+                    <a:lstStyle/>
+                    <a:p>
+                      <a:pPr indent="266700" algn="ctr">
+                        <a:lnSpc>
+                          <a:spcPct val="125000"/>
+                        </a:lnSpc>
+                        <a:spcAft>
+                          <a:spcPts val="0"/>
+                        </a:spcAft>
+                      </a:pPr>
+                      <a:r>
+                        <a:rPr lang="zh-CN" sz="1800" kern="100" dirty="0">
+                          <a:effectLst/>
+                        </a:rPr>
+                        <a:t>硬件环境</a:t>
+                      </a:r>
+                      <a:endParaRPr lang="zh-CN" sz="2400" kern="100" dirty="0">
+                        <a:effectLst/>
+                        <a:latin typeface="宋体" panose="02010600030101010101" pitchFamily="2" charset="-122"/>
+                        <a:ea typeface="宋体" panose="02010600030101010101" pitchFamily="2" charset="-122"/>
+                        <a:cs typeface="Times New Roman" panose="02020603050405020304" pitchFamily="18" charset="0"/>
+                      </a:endParaRPr>
+                    </a:p>
+                  </a:txBody>
+                  <a:tcPr marL="68580" marR="68580" marT="0" marB="0" anchor="ctr"/>
+                </a:tc>
+                <a:tc>
+                  <a:txBody>
+                    <a:bodyPr/>
+                    <a:lstStyle/>
+                    <a:p>
+                      <a:pPr indent="266700" algn="ctr">
+                        <a:lnSpc>
+                          <a:spcPct val="125000"/>
+                        </a:lnSpc>
+                        <a:spcAft>
+                          <a:spcPts val="0"/>
+                        </a:spcAft>
+                      </a:pPr>
+                      <a:r>
+                        <a:rPr lang="en-US" sz="1800" kern="100">
+                          <a:effectLst/>
+                        </a:rPr>
+                        <a:t>CPU</a:t>
+                      </a:r>
+                      <a:endParaRPr lang="zh-CN" sz="2400" kern="100">
+                        <a:effectLst/>
+                        <a:latin typeface="宋体" panose="02010600030101010101" pitchFamily="2" charset="-122"/>
+                        <a:ea typeface="宋体" panose="02010600030101010101" pitchFamily="2" charset="-122"/>
+                        <a:cs typeface="Times New Roman" panose="02020603050405020304" pitchFamily="18" charset="0"/>
+                      </a:endParaRPr>
+                    </a:p>
+                  </a:txBody>
+                  <a:tcPr marL="68580" marR="68580" marT="0" marB="0" anchor="ctr"/>
+                </a:tc>
+                <a:tc>
+                  <a:txBody>
+                    <a:bodyPr/>
+                    <a:lstStyle/>
+                    <a:p>
+                      <a:pPr indent="266700" algn="ctr">
+                        <a:lnSpc>
+                          <a:spcPct val="125000"/>
+                        </a:lnSpc>
+                        <a:spcAft>
+                          <a:spcPts val="0"/>
+                        </a:spcAft>
+                      </a:pPr>
+                      <a:r>
+                        <a:rPr lang="en-US" sz="1800" kern="100">
+                          <a:effectLst/>
+                        </a:rPr>
+                        <a:t>Intel i5-3470</a:t>
+                      </a:r>
+                      <a:endParaRPr lang="zh-CN" sz="2400" kern="100">
+                        <a:effectLst/>
+                        <a:latin typeface="宋体" panose="02010600030101010101" pitchFamily="2" charset="-122"/>
+                        <a:ea typeface="宋体" panose="02010600030101010101" pitchFamily="2" charset="-122"/>
+                        <a:cs typeface="Times New Roman" panose="02020603050405020304" pitchFamily="18" charset="0"/>
+                      </a:endParaRPr>
+                    </a:p>
+                  </a:txBody>
+                  <a:tcPr marL="68580" marR="68580" marT="0" marB="0" anchor="ctr"/>
+                </a:tc>
+              </a:tr>
+              <a:tr h="419037">
+                <a:tc vMerge="1">
+                  <a:txBody>
+                    <a:bodyPr/>
+                    <a:lstStyle/>
+                    <a:p>
+                      <a:endParaRPr lang="zh-CN" altLang="en-US"/>
+                    </a:p>
+                  </a:txBody>
+                  <a:tcPr/>
+                </a:tc>
+                <a:tc>
+                  <a:txBody>
+                    <a:bodyPr/>
+                    <a:lstStyle/>
+                    <a:p>
+                      <a:pPr indent="266700" algn="ctr">
+                        <a:lnSpc>
+                          <a:spcPct val="125000"/>
+                        </a:lnSpc>
+                        <a:spcAft>
+                          <a:spcPts val="0"/>
+                        </a:spcAft>
+                      </a:pPr>
+                      <a:r>
+                        <a:rPr lang="zh-CN" sz="1800" kern="100" dirty="0">
+                          <a:effectLst/>
+                        </a:rPr>
+                        <a:t>内存</a:t>
+                      </a:r>
+                      <a:endParaRPr lang="zh-CN" sz="2400" kern="100" dirty="0">
+                        <a:effectLst/>
+                        <a:latin typeface="宋体" panose="02010600030101010101" pitchFamily="2" charset="-122"/>
+                        <a:ea typeface="宋体" panose="02010600030101010101" pitchFamily="2" charset="-122"/>
+                        <a:cs typeface="Times New Roman" panose="02020603050405020304" pitchFamily="18" charset="0"/>
+                      </a:endParaRPr>
+                    </a:p>
+                  </a:txBody>
+                  <a:tcPr marL="68580" marR="68580" marT="0" marB="0" anchor="ctr"/>
+                </a:tc>
+                <a:tc>
+                  <a:txBody>
+                    <a:bodyPr/>
+                    <a:lstStyle/>
+                    <a:p>
+                      <a:pPr indent="266700" algn="ctr">
+                        <a:lnSpc>
+                          <a:spcPct val="125000"/>
+                        </a:lnSpc>
+                        <a:spcAft>
+                          <a:spcPts val="0"/>
+                        </a:spcAft>
+                      </a:pPr>
+                      <a:r>
+                        <a:rPr lang="en-US" sz="1800" kern="100">
+                          <a:effectLst/>
+                        </a:rPr>
+                        <a:t>4GB</a:t>
+                      </a:r>
+                      <a:endParaRPr lang="zh-CN" sz="2400" kern="100">
+                        <a:effectLst/>
+                        <a:latin typeface="宋体" panose="02010600030101010101" pitchFamily="2" charset="-122"/>
+                        <a:ea typeface="宋体" panose="02010600030101010101" pitchFamily="2" charset="-122"/>
+                        <a:cs typeface="Times New Roman" panose="02020603050405020304" pitchFamily="18" charset="0"/>
+                      </a:endParaRPr>
+                    </a:p>
+                  </a:txBody>
+                  <a:tcPr marL="68580" marR="68580" marT="0" marB="0" anchor="ctr"/>
+                </a:tc>
+              </a:tr>
+              <a:tr h="419037">
+                <a:tc vMerge="1">
+                  <a:txBody>
+                    <a:bodyPr/>
+                    <a:lstStyle/>
+                    <a:p>
+                      <a:endParaRPr lang="zh-CN" altLang="en-US"/>
+                    </a:p>
+                  </a:txBody>
+                  <a:tcPr/>
+                </a:tc>
+                <a:tc>
+                  <a:txBody>
+                    <a:bodyPr/>
+                    <a:lstStyle/>
+                    <a:p>
+                      <a:pPr indent="266700" algn="ctr">
+                        <a:lnSpc>
+                          <a:spcPct val="125000"/>
+                        </a:lnSpc>
+                        <a:spcAft>
+                          <a:spcPts val="0"/>
+                        </a:spcAft>
+                      </a:pPr>
+                      <a:r>
+                        <a:rPr lang="zh-CN" sz="1800" kern="100" dirty="0">
+                          <a:effectLst/>
+                        </a:rPr>
+                        <a:t>操作系统</a:t>
+                      </a:r>
+                      <a:endParaRPr lang="zh-CN" sz="2400" kern="100" dirty="0">
+                        <a:effectLst/>
+                        <a:latin typeface="宋体" panose="02010600030101010101" pitchFamily="2" charset="-122"/>
+                        <a:ea typeface="宋体" panose="02010600030101010101" pitchFamily="2" charset="-122"/>
+                        <a:cs typeface="Times New Roman" panose="02020603050405020304" pitchFamily="18" charset="0"/>
+                      </a:endParaRPr>
+                    </a:p>
+                  </a:txBody>
+                  <a:tcPr marL="68580" marR="68580" marT="0" marB="0" anchor="ctr"/>
+                </a:tc>
+                <a:tc>
+                  <a:txBody>
+                    <a:bodyPr/>
+                    <a:lstStyle/>
+                    <a:p>
+                      <a:pPr indent="266700" algn="ctr">
+                        <a:lnSpc>
+                          <a:spcPct val="125000"/>
+                        </a:lnSpc>
+                        <a:spcAft>
+                          <a:spcPts val="0"/>
+                        </a:spcAft>
+                      </a:pPr>
+                      <a:r>
+                        <a:rPr lang="en-US" sz="1800" kern="100">
+                          <a:effectLst/>
+                        </a:rPr>
+                        <a:t>Windows 7 32bit</a:t>
+                      </a:r>
+                      <a:endParaRPr lang="zh-CN" sz="2400" kern="100">
+                        <a:effectLst/>
+                        <a:latin typeface="宋体" panose="02010600030101010101" pitchFamily="2" charset="-122"/>
+                        <a:ea typeface="宋体" panose="02010600030101010101" pitchFamily="2" charset="-122"/>
+                        <a:cs typeface="Times New Roman" panose="02020603050405020304" pitchFamily="18" charset="0"/>
+                      </a:endParaRPr>
+                    </a:p>
+                  </a:txBody>
+                  <a:tcPr marL="68580" marR="68580" marT="0" marB="0" anchor="ctr"/>
+                </a:tc>
+              </a:tr>
+              <a:tr h="419037">
+                <a:tc rowSpan="2">
+                  <a:txBody>
+                    <a:bodyPr/>
+                    <a:lstStyle/>
+                    <a:p>
+                      <a:pPr indent="266700" algn="ctr">
+                        <a:lnSpc>
+                          <a:spcPct val="125000"/>
+                        </a:lnSpc>
+                        <a:spcAft>
+                          <a:spcPts val="0"/>
+                        </a:spcAft>
+                      </a:pPr>
+                      <a:r>
+                        <a:rPr lang="zh-CN" sz="1800" kern="100">
+                          <a:effectLst/>
+                        </a:rPr>
+                        <a:t>软件环境</a:t>
+                      </a:r>
+                      <a:endParaRPr lang="zh-CN" sz="2400" kern="100">
+                        <a:effectLst/>
+                        <a:latin typeface="宋体" panose="02010600030101010101" pitchFamily="2" charset="-122"/>
+                        <a:ea typeface="宋体" panose="02010600030101010101" pitchFamily="2" charset="-122"/>
+                        <a:cs typeface="Times New Roman" panose="02020603050405020304" pitchFamily="18" charset="0"/>
+                      </a:endParaRPr>
+                    </a:p>
+                  </a:txBody>
+                  <a:tcPr marL="68580" marR="68580" marT="0" marB="0" anchor="ctr"/>
+                </a:tc>
+                <a:tc>
+                  <a:txBody>
+                    <a:bodyPr/>
+                    <a:lstStyle/>
+                    <a:p>
+                      <a:pPr indent="266700" algn="ctr">
+                        <a:lnSpc>
+                          <a:spcPct val="125000"/>
+                        </a:lnSpc>
+                        <a:spcAft>
+                          <a:spcPts val="0"/>
+                        </a:spcAft>
+                      </a:pPr>
+                      <a:r>
+                        <a:rPr lang="en-US" sz="1800" kern="100">
+                          <a:effectLst/>
+                        </a:rPr>
+                        <a:t>IDE</a:t>
+                      </a:r>
+                      <a:endParaRPr lang="zh-CN" sz="2400" kern="100">
+                        <a:effectLst/>
+                        <a:latin typeface="宋体" panose="02010600030101010101" pitchFamily="2" charset="-122"/>
+                        <a:ea typeface="宋体" panose="02010600030101010101" pitchFamily="2" charset="-122"/>
+                        <a:cs typeface="Times New Roman" panose="02020603050405020304" pitchFamily="18" charset="0"/>
+                      </a:endParaRPr>
+                    </a:p>
+                  </a:txBody>
+                  <a:tcPr marL="68580" marR="68580" marT="0" marB="0" anchor="ctr"/>
+                </a:tc>
+                <a:tc>
+                  <a:txBody>
+                    <a:bodyPr/>
+                    <a:lstStyle/>
+                    <a:p>
+                      <a:pPr indent="266700" algn="ctr">
+                        <a:lnSpc>
+                          <a:spcPct val="125000"/>
+                        </a:lnSpc>
+                        <a:spcAft>
+                          <a:spcPts val="0"/>
+                        </a:spcAft>
+                      </a:pPr>
+                      <a:r>
+                        <a:rPr lang="en-US" sz="1800" kern="100">
+                          <a:effectLst/>
+                        </a:rPr>
+                        <a:t>VS2013</a:t>
+                      </a:r>
+                      <a:endParaRPr lang="zh-CN" sz="2400" kern="100">
+                        <a:effectLst/>
+                        <a:latin typeface="宋体" panose="02010600030101010101" pitchFamily="2" charset="-122"/>
+                        <a:ea typeface="宋体" panose="02010600030101010101" pitchFamily="2" charset="-122"/>
+                        <a:cs typeface="Times New Roman" panose="02020603050405020304" pitchFamily="18" charset="0"/>
+                      </a:endParaRPr>
+                    </a:p>
+                  </a:txBody>
+                  <a:tcPr marL="68580" marR="68580" marT="0" marB="0" anchor="ctr"/>
+                </a:tc>
+              </a:tr>
+              <a:tr h="419037">
+                <a:tc vMerge="1">
+                  <a:txBody>
+                    <a:bodyPr/>
+                    <a:lstStyle/>
+                    <a:p>
+                      <a:endParaRPr lang="zh-CN" altLang="en-US"/>
+                    </a:p>
+                  </a:txBody>
+                  <a:tcPr/>
+                </a:tc>
+                <a:tc>
+                  <a:txBody>
+                    <a:bodyPr/>
+                    <a:lstStyle/>
+                    <a:p>
+                      <a:pPr indent="266700" algn="ctr">
+                        <a:lnSpc>
+                          <a:spcPct val="125000"/>
+                        </a:lnSpc>
+                        <a:spcAft>
+                          <a:spcPts val="0"/>
+                        </a:spcAft>
+                      </a:pPr>
+                      <a:r>
+                        <a:rPr lang="en-US" sz="1800" kern="100">
+                          <a:effectLst/>
+                        </a:rPr>
+                        <a:t>OpenCV</a:t>
+                      </a:r>
+                      <a:r>
+                        <a:rPr lang="zh-CN" sz="1800" kern="100">
+                          <a:effectLst/>
+                        </a:rPr>
+                        <a:t>版本</a:t>
+                      </a:r>
+                      <a:endParaRPr lang="zh-CN" sz="2400" kern="100">
+                        <a:effectLst/>
+                        <a:latin typeface="宋体" panose="02010600030101010101" pitchFamily="2" charset="-122"/>
+                        <a:ea typeface="宋体" panose="02010600030101010101" pitchFamily="2" charset="-122"/>
+                        <a:cs typeface="Times New Roman" panose="02020603050405020304" pitchFamily="18" charset="0"/>
+                      </a:endParaRPr>
+                    </a:p>
+                  </a:txBody>
+                  <a:tcPr marL="68580" marR="68580" marT="0" marB="0" anchor="ctr"/>
+                </a:tc>
+                <a:tc>
+                  <a:txBody>
+                    <a:bodyPr/>
+                    <a:lstStyle/>
+                    <a:p>
+                      <a:pPr indent="266700" algn="ctr">
+                        <a:lnSpc>
+                          <a:spcPct val="125000"/>
+                        </a:lnSpc>
+                        <a:spcAft>
+                          <a:spcPts val="0"/>
+                        </a:spcAft>
+                      </a:pPr>
+                      <a:r>
+                        <a:rPr lang="en-US" sz="1800" kern="100" dirty="0">
+                          <a:effectLst/>
+                        </a:rPr>
+                        <a:t>2.4.9</a:t>
+                      </a:r>
+                      <a:endParaRPr lang="zh-CN" sz="2400" kern="100" dirty="0">
+                        <a:effectLst/>
+                        <a:latin typeface="宋体" panose="02010600030101010101" pitchFamily="2" charset="-122"/>
+                        <a:ea typeface="宋体" panose="02010600030101010101" pitchFamily="2" charset="-122"/>
+                        <a:cs typeface="Times New Roman" panose="02020603050405020304" pitchFamily="18" charset="0"/>
+                      </a:endParaRPr>
+                    </a:p>
+                  </a:txBody>
+                  <a:tcPr marL="68580" marR="68580" marT="0" marB="0" anchor="ctr"/>
+                </a:tc>
+              </a:tr>
+            </a:tbl>
+          </a:graphicData>
+        </a:graphic>
+      </p:graphicFrame>
+      <p:graphicFrame>
+        <p:nvGraphicFramePr>
+          <p:cNvPr id="14" name="表格 13"/>
+          <p:cNvGraphicFramePr>
+            <a:graphicFrameLocks noGrp="1"/>
+          </p:cNvGraphicFramePr>
+          <p:nvPr>
+            <p:extLst>
+              <p:ext uri="{D42A27DB-BD31-4B8C-83A1-F6EECF244321}">
+                <p14:modId xmlns:p14="http://schemas.microsoft.com/office/powerpoint/2010/main" val="3370671435"/>
+              </p:ext>
+            </p:extLst>
+          </p:nvPr>
+        </p:nvGraphicFramePr>
+        <p:xfrm>
+          <a:off x="1528795" y="4328050"/>
+          <a:ext cx="6535551" cy="1913092"/>
+        </p:xfrm>
+        <a:graphic>
+          <a:graphicData uri="http://schemas.openxmlformats.org/drawingml/2006/table">
+            <a:tbl>
+              <a:tblPr firstRow="1">
+                <a:tableStyleId>{5C22544A-7EE6-4342-B048-85BDC9FD1C3A}</a:tableStyleId>
+              </a:tblPr>
+              <a:tblGrid>
+                <a:gridCol w="4348637"/>
+                <a:gridCol w="2186914"/>
+              </a:tblGrid>
+              <a:tr h="478273">
+                <a:tc>
+                  <a:txBody>
+                    <a:bodyPr/>
+                    <a:lstStyle/>
+                    <a:p>
+                      <a:pPr indent="266700" algn="ctr">
+                        <a:lnSpc>
+                          <a:spcPct val="125000"/>
+                        </a:lnSpc>
+                        <a:spcAft>
+                          <a:spcPts val="0"/>
+                        </a:spcAft>
+                      </a:pPr>
+                      <a:r>
+                        <a:rPr lang="zh-CN" sz="1800" kern="100" dirty="0">
+                          <a:effectLst/>
+                        </a:rPr>
+                        <a:t>去雾方法</a:t>
+                      </a:r>
+                      <a:endParaRPr lang="zh-CN" sz="2400" kern="100" dirty="0">
+                        <a:solidFill>
+                          <a:srgbClr val="000000"/>
+                        </a:solidFill>
+                        <a:effectLst/>
+                        <a:latin typeface="宋体" panose="02010600030101010101" pitchFamily="2" charset="-122"/>
+                        <a:ea typeface="宋体" panose="02010600030101010101" pitchFamily="2" charset="-122"/>
+                        <a:cs typeface="Times New Roman" panose="02020603050405020304" pitchFamily="18" charset="0"/>
+                      </a:endParaRPr>
+                    </a:p>
+                  </a:txBody>
+                  <a:tcPr marL="68580" marR="68580" marT="0" marB="0" anchor="ctr"/>
+                </a:tc>
+                <a:tc>
+                  <a:txBody>
+                    <a:bodyPr/>
+                    <a:lstStyle/>
+                    <a:p>
+                      <a:pPr indent="266700" algn="ctr">
+                        <a:lnSpc>
+                          <a:spcPct val="125000"/>
+                        </a:lnSpc>
+                        <a:spcAft>
+                          <a:spcPts val="0"/>
+                        </a:spcAft>
+                      </a:pPr>
+                      <a:r>
+                        <a:rPr lang="zh-CN" sz="1800" kern="100">
+                          <a:effectLst/>
+                        </a:rPr>
+                        <a:t>时间</a:t>
+                      </a:r>
+                      <a:r>
+                        <a:rPr lang="en-US" sz="1800" kern="100">
+                          <a:effectLst/>
+                        </a:rPr>
+                        <a:t>(ms)</a:t>
+                      </a:r>
+                      <a:endParaRPr lang="zh-CN" sz="2400" kern="100">
+                        <a:solidFill>
+                          <a:srgbClr val="000000"/>
+                        </a:solidFill>
+                        <a:effectLst/>
+                        <a:latin typeface="宋体" panose="02010600030101010101" pitchFamily="2" charset="-122"/>
+                        <a:ea typeface="宋体" panose="02010600030101010101" pitchFamily="2" charset="-122"/>
+                        <a:cs typeface="Times New Roman" panose="02020603050405020304" pitchFamily="18" charset="0"/>
+                      </a:endParaRPr>
+                    </a:p>
+                  </a:txBody>
+                  <a:tcPr marL="68580" marR="68580" marT="0" marB="0" anchor="ctr"/>
+                </a:tc>
+              </a:tr>
+              <a:tr h="478273">
+                <a:tc>
+                  <a:txBody>
+                    <a:bodyPr/>
+                    <a:lstStyle/>
+                    <a:p>
+                      <a:pPr indent="266700" algn="ctr">
+                        <a:lnSpc>
+                          <a:spcPct val="125000"/>
+                        </a:lnSpc>
+                        <a:spcAft>
+                          <a:spcPts val="0"/>
+                        </a:spcAft>
+                      </a:pPr>
+                      <a:r>
+                        <a:rPr lang="zh-CN" sz="1800" kern="100" dirty="0">
+                          <a:effectLst/>
+                        </a:rPr>
+                        <a:t>带彩色恢复的多尺度</a:t>
+                      </a:r>
+                      <a:r>
+                        <a:rPr lang="en-US" sz="1800" kern="100" dirty="0" err="1">
+                          <a:effectLst/>
+                        </a:rPr>
+                        <a:t>Retinex</a:t>
+                      </a:r>
+                      <a:r>
+                        <a:rPr lang="en-US" sz="1800" kern="100" dirty="0">
+                          <a:effectLst/>
+                        </a:rPr>
+                        <a:t> (MSRCR)</a:t>
+                      </a:r>
+                      <a:endParaRPr lang="zh-CN" sz="2400" kern="100" dirty="0">
+                        <a:solidFill>
+                          <a:srgbClr val="000000"/>
+                        </a:solidFill>
+                        <a:effectLst/>
+                        <a:latin typeface="宋体" panose="02010600030101010101" pitchFamily="2" charset="-122"/>
+                        <a:ea typeface="宋体" panose="02010600030101010101" pitchFamily="2" charset="-122"/>
+                        <a:cs typeface="Times New Roman" panose="02020603050405020304" pitchFamily="18" charset="0"/>
+                      </a:endParaRPr>
+                    </a:p>
+                  </a:txBody>
+                  <a:tcPr marL="68580" marR="68580" marT="0" marB="0" anchor="ctr"/>
+                </a:tc>
+                <a:tc>
+                  <a:txBody>
+                    <a:bodyPr/>
+                    <a:lstStyle/>
+                    <a:p>
+                      <a:pPr indent="266700" algn="ctr">
+                        <a:lnSpc>
+                          <a:spcPct val="125000"/>
+                        </a:lnSpc>
+                        <a:spcAft>
+                          <a:spcPts val="0"/>
+                        </a:spcAft>
+                      </a:pPr>
+                      <a:r>
+                        <a:rPr lang="en-US" sz="1800" kern="100">
+                          <a:effectLst/>
+                        </a:rPr>
+                        <a:t>293.79</a:t>
+                      </a:r>
+                      <a:endParaRPr lang="zh-CN" sz="2400" kern="100">
+                        <a:solidFill>
+                          <a:srgbClr val="000000"/>
+                        </a:solidFill>
+                        <a:effectLst/>
+                        <a:latin typeface="宋体" panose="02010600030101010101" pitchFamily="2" charset="-122"/>
+                        <a:ea typeface="宋体" panose="02010600030101010101" pitchFamily="2" charset="-122"/>
+                        <a:cs typeface="Times New Roman" panose="02020603050405020304" pitchFamily="18" charset="0"/>
+                      </a:endParaRPr>
+                    </a:p>
+                  </a:txBody>
+                  <a:tcPr marL="68580" marR="68580" marT="0" marB="0" anchor="ctr"/>
+                </a:tc>
+              </a:tr>
+              <a:tr h="478273">
+                <a:tc>
+                  <a:txBody>
+                    <a:bodyPr/>
+                    <a:lstStyle/>
+                    <a:p>
+                      <a:pPr indent="266700" algn="ctr">
+                        <a:lnSpc>
+                          <a:spcPct val="125000"/>
+                        </a:lnSpc>
+                        <a:spcAft>
+                          <a:spcPts val="0"/>
+                        </a:spcAft>
+                      </a:pPr>
+                      <a:r>
+                        <a:rPr lang="zh-CN" sz="1800" kern="100">
+                          <a:effectLst/>
+                        </a:rPr>
+                        <a:t>直方图均衡化</a:t>
+                      </a:r>
+                      <a:r>
+                        <a:rPr lang="en-US" sz="1800" kern="100">
+                          <a:effectLst/>
+                        </a:rPr>
+                        <a:t>(HE)</a:t>
+                      </a:r>
+                      <a:endParaRPr lang="zh-CN" sz="2400" kern="100">
+                        <a:solidFill>
+                          <a:srgbClr val="000000"/>
+                        </a:solidFill>
+                        <a:effectLst/>
+                        <a:latin typeface="宋体" panose="02010600030101010101" pitchFamily="2" charset="-122"/>
+                        <a:ea typeface="宋体" panose="02010600030101010101" pitchFamily="2" charset="-122"/>
+                        <a:cs typeface="Times New Roman" panose="02020603050405020304" pitchFamily="18" charset="0"/>
+                      </a:endParaRPr>
+                    </a:p>
+                  </a:txBody>
+                  <a:tcPr marL="68580" marR="68580" marT="0" marB="0" anchor="ctr"/>
+                </a:tc>
+                <a:tc>
+                  <a:txBody>
+                    <a:bodyPr/>
+                    <a:lstStyle/>
+                    <a:p>
+                      <a:pPr indent="266700" algn="ctr">
+                        <a:lnSpc>
+                          <a:spcPct val="125000"/>
+                        </a:lnSpc>
+                        <a:spcAft>
+                          <a:spcPts val="0"/>
+                        </a:spcAft>
+                      </a:pPr>
+                      <a:r>
+                        <a:rPr lang="en-US" sz="1800" kern="100">
+                          <a:effectLst/>
+                        </a:rPr>
+                        <a:t>28.48</a:t>
+                      </a:r>
+                      <a:endParaRPr lang="zh-CN" sz="2400" kern="100">
+                        <a:solidFill>
+                          <a:srgbClr val="000000"/>
+                        </a:solidFill>
+                        <a:effectLst/>
+                        <a:latin typeface="宋体" panose="02010600030101010101" pitchFamily="2" charset="-122"/>
+                        <a:ea typeface="宋体" panose="02010600030101010101" pitchFamily="2" charset="-122"/>
+                        <a:cs typeface="Times New Roman" panose="02020603050405020304" pitchFamily="18" charset="0"/>
+                      </a:endParaRPr>
+                    </a:p>
+                  </a:txBody>
+                  <a:tcPr marL="68580" marR="68580" marT="0" marB="0" anchor="ctr"/>
+                </a:tc>
+              </a:tr>
+              <a:tr h="478273">
+                <a:tc>
+                  <a:txBody>
+                    <a:bodyPr/>
+                    <a:lstStyle/>
+                    <a:p>
+                      <a:pPr indent="266700" algn="ctr">
+                        <a:lnSpc>
+                          <a:spcPct val="125000"/>
+                        </a:lnSpc>
+                        <a:spcAft>
+                          <a:spcPts val="0"/>
+                        </a:spcAft>
+                      </a:pPr>
+                      <a:r>
+                        <a:rPr lang="zh-CN" sz="1800" kern="100">
+                          <a:effectLst/>
+                        </a:rPr>
+                        <a:t>暗通道</a:t>
+                      </a:r>
+                      <a:endParaRPr lang="zh-CN" sz="2400" kern="100">
+                        <a:solidFill>
+                          <a:srgbClr val="000000"/>
+                        </a:solidFill>
+                        <a:effectLst/>
+                        <a:latin typeface="宋体" panose="02010600030101010101" pitchFamily="2" charset="-122"/>
+                        <a:ea typeface="宋体" panose="02010600030101010101" pitchFamily="2" charset="-122"/>
+                        <a:cs typeface="Times New Roman" panose="02020603050405020304" pitchFamily="18" charset="0"/>
+                      </a:endParaRPr>
+                    </a:p>
+                  </a:txBody>
+                  <a:tcPr marL="68580" marR="68580" marT="0" marB="0" anchor="ctr"/>
+                </a:tc>
+                <a:tc>
+                  <a:txBody>
+                    <a:bodyPr/>
+                    <a:lstStyle/>
+                    <a:p>
+                      <a:pPr indent="266700" algn="ctr">
+                        <a:lnSpc>
+                          <a:spcPct val="125000"/>
+                        </a:lnSpc>
+                        <a:spcAft>
+                          <a:spcPts val="0"/>
+                        </a:spcAft>
+                      </a:pPr>
+                      <a:r>
+                        <a:rPr lang="en-US" sz="1800" kern="100" dirty="0">
+                          <a:effectLst/>
+                        </a:rPr>
+                        <a:t>899.11</a:t>
+                      </a:r>
+                      <a:endParaRPr lang="zh-CN" sz="2400" kern="100" dirty="0">
+                        <a:solidFill>
+                          <a:srgbClr val="000000"/>
+                        </a:solidFill>
+                        <a:effectLst/>
+                        <a:latin typeface="宋体" panose="02010600030101010101" pitchFamily="2" charset="-122"/>
+                        <a:ea typeface="宋体" panose="02010600030101010101" pitchFamily="2" charset="-122"/>
+                        <a:cs typeface="Times New Roman" panose="02020603050405020304" pitchFamily="18" charset="0"/>
+                      </a:endParaRPr>
+                    </a:p>
+                  </a:txBody>
+                  <a:tcPr marL="68580" marR="68580" marT="0" marB="0" anchor="ctr"/>
+                </a:tc>
+              </a:tr>
+            </a:tbl>
+          </a:graphicData>
+        </a:graphic>
+      </p:graphicFrame>
+    </p:spTree>
+    <p:extLst>
+      <p:ext uri="{BB962C8B-B14F-4D97-AF65-F5344CB8AC3E}">
+        <p14:creationId xmlns:p14="http://schemas.microsoft.com/office/powerpoint/2010/main" val="4039391802"/>
+      </p:ext>
+    </p:extLst>
+  </p:cSld>
+  <p:clrMapOvr>
+    <a:masterClrMapping/>
+  </p:clrMapOvr>
+  <p:timing>
+    <p:tnLst>
+      <p:par>
+        <p:cTn id="1" dur="indefinite" restart="never" nodeType="tmRoot"/>
+      </p:par>
+    </p:tnLst>
+  </p:timing>
+</p:sld>
+</file>
+
+<file path=ppt/slides/slide13.xml><?xml version="1.0" encoding="utf-8"?>
+<p:sld xmlns:a="http://schemas.openxmlformats.org/drawingml/2006/main" xmlns:r="http://schemas.openxmlformats.org/officeDocument/2006/relationships" xmlns:p="http://schemas.openxmlformats.org/presentationml/2006/main">
+  <p:cSld>
+    <p:spTree>
+      <p:nvGrpSpPr>
+        <p:cNvPr id="1" name=""/>
+        <p:cNvGrpSpPr/>
+        <p:nvPr/>
+      </p:nvGrpSpPr>
+      <p:grpSpPr>
+        <a:xfrm>
+          <a:off x="0" y="0"/>
+          <a:ext cx="0" cy="0"/>
+          <a:chOff x="0" y="0"/>
+          <a:chExt cx="0" cy="0"/>
+        </a:xfrm>
+      </p:grpSpPr>
+      <p:sp>
+        <p:nvSpPr>
+          <p:cNvPr id="2" name="文本占位符 1"/>
+          <p:cNvSpPr>
+            <a:spLocks noGrp="1"/>
+          </p:cNvSpPr>
+          <p:nvPr>
+            <p:ph type="body" sz="quarter" idx="10"/>
+          </p:nvPr>
+        </p:nvSpPr>
+        <p:spPr/>
+        <p:txBody>
+          <a:bodyPr/>
+          <a:lstStyle/>
+          <a:p>
+            <a:r>
+              <a:rPr lang="zh-CN" altLang="en-US" dirty="0"/>
+              <a:t>去雾处理</a:t>
             </a:r>
             <a:endParaRPr lang="zh-CN" altLang="en-US" b="0" dirty="0"/>
           </a:p>
@@ -4722,7 +6420,7 @@
           <p:spPr>
             <a:xfrm>
               <a:off x="2164999" y="3530169"/>
-              <a:ext cx="1826371" cy="954107"/>
+              <a:ext cx="1826371" cy="461665"/>
             </a:xfrm>
             <a:prstGeom prst="rect">
               <a:avLst/>
@@ -4736,20 +6434,10 @@
             <a:p>
               <a:pPr algn="ctr"/>
               <a:r>
-                <a:rPr lang="en-US" altLang="zh-CN" sz="3200" b="1" dirty="0" smtClean="0">
-                  <a:solidFill>
-                    <a:prstClr val="black"/>
-                  </a:solidFill>
-                </a:rPr>
-                <a:t>Simple</a:t>
+                <a:rPr lang="zh-CN" altLang="en-US" sz="2400" dirty="0" smtClean="0"/>
+                <a:t>暗通道判断</a:t>
               </a:r>
-            </a:p>
-            <a:p>
-              <a:pPr algn="ctr"/>
-              <a:r>
-                <a:rPr lang="zh-CN" altLang="en-US" sz="2400" dirty="0"/>
-                <a:t>简单</a:t>
-              </a:r>
+              <a:endParaRPr lang="zh-CN" altLang="en-US" sz="2400" dirty="0"/>
             </a:p>
           </p:txBody>
         </p:sp>
@@ -4894,7 +6582,7 @@
           <p:spPr>
             <a:xfrm>
               <a:off x="5071938" y="3530169"/>
-              <a:ext cx="1987757" cy="954107"/>
+              <a:ext cx="1987757" cy="461665"/>
             </a:xfrm>
             <a:prstGeom prst="rect">
               <a:avLst/>
@@ -4908,62 +6596,22 @@
             <a:p>
               <a:pPr algn="ctr"/>
               <a:r>
-                <a:rPr lang="en-US" altLang="zh-CN" sz="3200" b="1" dirty="0" smtClean="0">
+                <a:rPr lang="zh-CN" altLang="en-US" sz="2400" dirty="0" smtClean="0">
                   <a:solidFill>
                     <a:prstClr val="white"/>
                   </a:solidFill>
                 </a:rPr>
-                <a:t>Effective</a:t>
+                <a:t>直方图处理</a:t>
               </a:r>
-            </a:p>
-            <a:p>
-              <a:pPr algn="ctr"/>
-              <a:r>
-                <a:rPr lang="zh-CN" altLang="en-US" sz="2400" dirty="0">
-                  <a:solidFill>
-                    <a:prstClr val="white"/>
-                  </a:solidFill>
-                </a:rPr>
-                <a:t>有效</a:t>
-              </a:r>
+              <a:endParaRPr lang="zh-CN" altLang="en-US" sz="2400" dirty="0">
+                <a:solidFill>
+                  <a:prstClr val="white"/>
+                </a:solidFill>
+              </a:endParaRPr>
             </a:p>
           </p:txBody>
         </p:sp>
       </p:grpSp>
-      <p:sp>
-        <p:nvSpPr>
-          <p:cNvPr id="14" name="矩形 13"/>
-          <p:cNvSpPr/>
-          <p:nvPr/>
-        </p:nvSpPr>
-        <p:spPr>
-          <a:xfrm>
-            <a:off x="647564" y="6065248"/>
-            <a:ext cx="7848872" cy="430887"/>
-          </a:xfrm>
-          <a:prstGeom prst="rect">
-            <a:avLst/>
-          </a:prstGeom>
-        </p:spPr>
-        <p:txBody>
-          <a:bodyPr wrap="square">
-            <a:spAutoFit/>
-          </a:bodyPr>
-          <a:lstStyle/>
-          <a:p>
-            <a:pPr algn="ctr"/>
-            <a:r>
-              <a:rPr lang="zh-CN" altLang="en-US" sz="2200" dirty="0" smtClean="0">
-                <a:latin typeface="+mn-ea"/>
-              </a:rPr>
-              <a:t>总结提出的方案，不仅简单，而且有效。</a:t>
-            </a:r>
-            <a:endParaRPr lang="zh-CN" altLang="en-US" sz="2200" dirty="0">
-              <a:latin typeface="+mn-ea"/>
-            </a:endParaRPr>
-          </a:p>
-        </p:txBody>
-      </p:sp>
     </p:spTree>
     <p:extLst>
       <p:ext uri="{BB962C8B-B14F-4D97-AF65-F5344CB8AC3E}">
@@ -4984,7 +6632,4061 @@
 </p:sld>
 </file>
 
-<file path=ppt/slides/slide12.xml><?xml version="1.0" encoding="utf-8"?>
+<file path=ppt/slides/slide14.xml><?xml version="1.0" encoding="utf-8"?>
+<p:sld xmlns:a="http://schemas.openxmlformats.org/drawingml/2006/main" xmlns:r="http://schemas.openxmlformats.org/officeDocument/2006/relationships" xmlns:p="http://schemas.openxmlformats.org/presentationml/2006/main">
+  <p:cSld>
+    <p:spTree>
+      <p:nvGrpSpPr>
+        <p:cNvPr id="1" name=""/>
+        <p:cNvGrpSpPr/>
+        <p:nvPr/>
+      </p:nvGrpSpPr>
+      <p:grpSpPr>
+        <a:xfrm>
+          <a:off x="0" y="0"/>
+          <a:ext cx="0" cy="0"/>
+          <a:chOff x="0" y="0"/>
+          <a:chExt cx="0" cy="0"/>
+        </a:xfrm>
+      </p:grpSpPr>
+      <p:sp>
+        <p:nvSpPr>
+          <p:cNvPr id="2" name="文本占位符 1"/>
+          <p:cNvSpPr>
+            <a:spLocks noGrp="1"/>
+          </p:cNvSpPr>
+          <p:nvPr>
+            <p:ph type="body" sz="quarter" idx="10"/>
+          </p:nvPr>
+        </p:nvSpPr>
+        <p:spPr/>
+        <p:txBody>
+          <a:bodyPr/>
+          <a:lstStyle/>
+          <a:p>
+            <a:r>
+              <a:rPr lang="zh-CN" altLang="en-US" dirty="0"/>
+              <a:t>去雾处理</a:t>
+            </a:r>
+            <a:endParaRPr lang="zh-CN" altLang="en-US" b="0" dirty="0"/>
+          </a:p>
+        </p:txBody>
+      </p:sp>
+      <p:pic>
+        <p:nvPicPr>
+          <p:cNvPr id="14" name="图片 13" descr="E:\研究生毕业设计\论文\chapter2\去雾实验结果\Dark+HE\0736.jpg"/>
+          <p:cNvPicPr/>
+          <p:nvPr/>
+        </p:nvPicPr>
+        <p:blipFill>
+          <a:blip r:embed="rId2" cstate="print">
+            <a:extLst>
+              <a:ext uri="{28A0092B-C50C-407E-A947-70E740481C1C}">
+                <a14:useLocalDpi xmlns:a14="http://schemas.microsoft.com/office/drawing/2010/main" val="0"/>
+              </a:ext>
+            </a:extLst>
+          </a:blip>
+          <a:srcRect/>
+          <a:stretch>
+            <a:fillRect/>
+          </a:stretch>
+        </p:blipFill>
+        <p:spPr bwMode="auto">
+          <a:xfrm>
+            <a:off x="1518129" y="1599243"/>
+            <a:ext cx="2519680" cy="1799590"/>
+          </a:xfrm>
+          <a:prstGeom prst="rect">
+            <a:avLst/>
+          </a:prstGeom>
+          <a:noFill/>
+          <a:ln>
+            <a:noFill/>
+          </a:ln>
+        </p:spPr>
+      </p:pic>
+      <p:pic>
+        <p:nvPicPr>
+          <p:cNvPr id="15" name="图片 14" descr="E:\研究生毕业设计\论文\chapter2\去雾实验结果\Dark+HE\处理后0736.jpg"/>
+          <p:cNvPicPr/>
+          <p:nvPr/>
+        </p:nvPicPr>
+        <p:blipFill>
+          <a:blip r:embed="rId3" cstate="print">
+            <a:extLst>
+              <a:ext uri="{28A0092B-C50C-407E-A947-70E740481C1C}">
+                <a14:useLocalDpi xmlns:a14="http://schemas.microsoft.com/office/drawing/2010/main" val="0"/>
+              </a:ext>
+            </a:extLst>
+          </a:blip>
+          <a:srcRect/>
+          <a:stretch>
+            <a:fillRect/>
+          </a:stretch>
+        </p:blipFill>
+        <p:spPr bwMode="auto">
+          <a:xfrm>
+            <a:off x="5190438" y="1599243"/>
+            <a:ext cx="2519680" cy="1799590"/>
+          </a:xfrm>
+          <a:prstGeom prst="rect">
+            <a:avLst/>
+          </a:prstGeom>
+          <a:noFill/>
+          <a:ln>
+            <a:noFill/>
+          </a:ln>
+        </p:spPr>
+      </p:pic>
+      <p:pic>
+        <p:nvPicPr>
+          <p:cNvPr id="16" name="图片 15" descr="E:\研究生毕业设计\论文\chapter2\去雾实验结果\Dark+HE\175922_2.jpg"/>
+          <p:cNvPicPr/>
+          <p:nvPr/>
+        </p:nvPicPr>
+        <p:blipFill>
+          <a:blip r:embed="rId4" cstate="print">
+            <a:extLst>
+              <a:ext uri="{28A0092B-C50C-407E-A947-70E740481C1C}">
+                <a14:useLocalDpi xmlns:a14="http://schemas.microsoft.com/office/drawing/2010/main" val="0"/>
+              </a:ext>
+            </a:extLst>
+          </a:blip>
+          <a:srcRect/>
+          <a:stretch>
+            <a:fillRect/>
+          </a:stretch>
+        </p:blipFill>
+        <p:spPr bwMode="auto">
+          <a:xfrm>
+            <a:off x="1518129" y="4051889"/>
+            <a:ext cx="2519680" cy="1799590"/>
+          </a:xfrm>
+          <a:prstGeom prst="rect">
+            <a:avLst/>
+          </a:prstGeom>
+          <a:noFill/>
+          <a:ln>
+            <a:noFill/>
+          </a:ln>
+        </p:spPr>
+      </p:pic>
+      <p:pic>
+        <p:nvPicPr>
+          <p:cNvPr id="17" name="图片 16" descr="E:\研究生毕业设计\论文\chapter2\去雾实验结果\Dark+HE\处理后175922_2(1).jpg"/>
+          <p:cNvPicPr/>
+          <p:nvPr/>
+        </p:nvPicPr>
+        <p:blipFill>
+          <a:blip r:embed="rId5" cstate="print">
+            <a:extLst>
+              <a:ext uri="{28A0092B-C50C-407E-A947-70E740481C1C}">
+                <a14:useLocalDpi xmlns:a14="http://schemas.microsoft.com/office/drawing/2010/main" val="0"/>
+              </a:ext>
+            </a:extLst>
+          </a:blip>
+          <a:srcRect/>
+          <a:stretch>
+            <a:fillRect/>
+          </a:stretch>
+        </p:blipFill>
+        <p:spPr bwMode="auto">
+          <a:xfrm>
+            <a:off x="5190438" y="4051889"/>
+            <a:ext cx="2519680" cy="1799590"/>
+          </a:xfrm>
+          <a:prstGeom prst="rect">
+            <a:avLst/>
+          </a:prstGeom>
+          <a:noFill/>
+          <a:ln>
+            <a:noFill/>
+          </a:ln>
+        </p:spPr>
+      </p:pic>
+    </p:spTree>
+    <p:extLst>
+      <p:ext uri="{BB962C8B-B14F-4D97-AF65-F5344CB8AC3E}">
+        <p14:creationId xmlns:p14="http://schemas.microsoft.com/office/powerpoint/2010/main" val="2589292402"/>
+      </p:ext>
+    </p:extLst>
+  </p:cSld>
+  <p:clrMapOvr>
+    <a:masterClrMapping/>
+  </p:clrMapOvr>
+  <mc:AlternateContent xmlns:mc="http://schemas.openxmlformats.org/markup-compatibility/2006" xmlns:p14="http://schemas.microsoft.com/office/powerpoint/2010/main">
+    <mc:Choice Requires="p14">
+      <p:transition p14:dur="10"/>
+    </mc:Choice>
+    <mc:Fallback xmlns="">
+      <p:transition/>
+    </mc:Fallback>
+  </mc:AlternateContent>
+  <p:timing>
+    <p:tnLst>
+      <p:par>
+        <p:cTn id="1" dur="indefinite" restart="never" nodeType="tmRoot"/>
+      </p:par>
+    </p:tnLst>
+  </p:timing>
+</p:sld>
+</file>
+
+<file path=ppt/slides/slide15.xml><?xml version="1.0" encoding="utf-8"?>
+<p:sld xmlns:a="http://schemas.openxmlformats.org/drawingml/2006/main" xmlns:r="http://schemas.openxmlformats.org/officeDocument/2006/relationships" xmlns:p="http://schemas.openxmlformats.org/presentationml/2006/main">
+  <p:cSld>
+    <p:spTree>
+      <p:nvGrpSpPr>
+        <p:cNvPr id="1" name=""/>
+        <p:cNvGrpSpPr/>
+        <p:nvPr/>
+      </p:nvGrpSpPr>
+      <p:grpSpPr>
+        <a:xfrm>
+          <a:off x="0" y="0"/>
+          <a:ext cx="0" cy="0"/>
+          <a:chOff x="0" y="0"/>
+          <a:chExt cx="0" cy="0"/>
+        </a:xfrm>
+      </p:grpSpPr>
+      <p:sp>
+        <p:nvSpPr>
+          <p:cNvPr id="2" name="文本占位符 1"/>
+          <p:cNvSpPr>
+            <a:spLocks noGrp="1"/>
+          </p:cNvSpPr>
+          <p:nvPr>
+            <p:ph type="body" sz="quarter" idx="10"/>
+          </p:nvPr>
+        </p:nvSpPr>
+        <p:spPr/>
+        <p:txBody>
+          <a:bodyPr/>
+          <a:lstStyle/>
+          <a:p>
+            <a:r>
+              <a:rPr lang="zh-CN" altLang="en-US" dirty="0"/>
+              <a:t>去雾处理</a:t>
+            </a:r>
+            <a:endParaRPr lang="zh-CN" altLang="en-US" b="0" dirty="0"/>
+          </a:p>
+        </p:txBody>
+      </p:sp>
+      <p:pic>
+        <p:nvPicPr>
+          <p:cNvPr id="22" name="图片 21" descr="E:\研究生毕业设计\论文\chapter2\去雾实验结果\Dark+HE\smoke_dongshan.jpg"/>
+          <p:cNvPicPr/>
+          <p:nvPr/>
+        </p:nvPicPr>
+        <p:blipFill>
+          <a:blip r:embed="rId2">
+            <a:extLst>
+              <a:ext uri="{28A0092B-C50C-407E-A947-70E740481C1C}">
+                <a14:useLocalDpi xmlns:a14="http://schemas.microsoft.com/office/drawing/2010/main" val="0"/>
+              </a:ext>
+            </a:extLst>
+          </a:blip>
+          <a:srcRect/>
+          <a:stretch>
+            <a:fillRect/>
+          </a:stretch>
+        </p:blipFill>
+        <p:spPr bwMode="auto">
+          <a:xfrm>
+            <a:off x="1268027" y="1661669"/>
+            <a:ext cx="2519680" cy="1799590"/>
+          </a:xfrm>
+          <a:prstGeom prst="rect">
+            <a:avLst/>
+          </a:prstGeom>
+          <a:noFill/>
+          <a:ln>
+            <a:noFill/>
+          </a:ln>
+        </p:spPr>
+      </p:pic>
+      <p:pic>
+        <p:nvPicPr>
+          <p:cNvPr id="23" name="图片 22" descr="E:\研究生毕业设计\论文\chapter2\去雾实验结果\Dark+HE\处理后smoke_dongshan.jpg"/>
+          <p:cNvPicPr/>
+          <p:nvPr/>
+        </p:nvPicPr>
+        <p:blipFill>
+          <a:blip r:embed="rId3">
+            <a:extLst>
+              <a:ext uri="{28A0092B-C50C-407E-A947-70E740481C1C}">
+                <a14:useLocalDpi xmlns:a14="http://schemas.microsoft.com/office/drawing/2010/main" val="0"/>
+              </a:ext>
+            </a:extLst>
+          </a:blip>
+          <a:srcRect/>
+          <a:stretch>
+            <a:fillRect/>
+          </a:stretch>
+        </p:blipFill>
+        <p:spPr bwMode="auto">
+          <a:xfrm>
+            <a:off x="5004841" y="1661669"/>
+            <a:ext cx="2519680" cy="1799590"/>
+          </a:xfrm>
+          <a:prstGeom prst="rect">
+            <a:avLst/>
+          </a:prstGeom>
+          <a:noFill/>
+          <a:ln>
+            <a:noFill/>
+          </a:ln>
+        </p:spPr>
+      </p:pic>
+      <p:pic>
+        <p:nvPicPr>
+          <p:cNvPr id="24" name="图片 23" descr="E:\研究生毕业设计\论文\chapter2\去雾实验结果\Dark+HE\Smoke_Manavgat_Raw.jpg"/>
+          <p:cNvPicPr/>
+          <p:nvPr/>
+        </p:nvPicPr>
+        <p:blipFill>
+          <a:blip r:embed="rId4">
+            <a:extLst>
+              <a:ext uri="{28A0092B-C50C-407E-A947-70E740481C1C}">
+                <a14:useLocalDpi xmlns:a14="http://schemas.microsoft.com/office/drawing/2010/main" val="0"/>
+              </a:ext>
+            </a:extLst>
+          </a:blip>
+          <a:srcRect/>
+          <a:stretch>
+            <a:fillRect/>
+          </a:stretch>
+        </p:blipFill>
+        <p:spPr bwMode="auto">
+          <a:xfrm>
+            <a:off x="1268027" y="3831535"/>
+            <a:ext cx="2519680" cy="1799590"/>
+          </a:xfrm>
+          <a:prstGeom prst="rect">
+            <a:avLst/>
+          </a:prstGeom>
+          <a:noFill/>
+          <a:ln>
+            <a:noFill/>
+          </a:ln>
+        </p:spPr>
+      </p:pic>
+      <p:pic>
+        <p:nvPicPr>
+          <p:cNvPr id="25" name="图片 24" descr="E:\研究生毕业设计\论文\chapter2\去雾实验结果\Dark+HE\处理后Smoke_Manavgat_Raw.jpg"/>
+          <p:cNvPicPr/>
+          <p:nvPr/>
+        </p:nvPicPr>
+        <p:blipFill>
+          <a:blip r:embed="rId5">
+            <a:extLst>
+              <a:ext uri="{28A0092B-C50C-407E-A947-70E740481C1C}">
+                <a14:useLocalDpi xmlns:a14="http://schemas.microsoft.com/office/drawing/2010/main" val="0"/>
+              </a:ext>
+            </a:extLst>
+          </a:blip>
+          <a:srcRect/>
+          <a:stretch>
+            <a:fillRect/>
+          </a:stretch>
+        </p:blipFill>
+        <p:spPr bwMode="auto">
+          <a:xfrm>
+            <a:off x="5004841" y="3831535"/>
+            <a:ext cx="2519680" cy="1799590"/>
+          </a:xfrm>
+          <a:prstGeom prst="rect">
+            <a:avLst/>
+          </a:prstGeom>
+          <a:noFill/>
+          <a:ln>
+            <a:noFill/>
+          </a:ln>
+        </p:spPr>
+      </p:pic>
+    </p:spTree>
+    <p:extLst>
+      <p:ext uri="{BB962C8B-B14F-4D97-AF65-F5344CB8AC3E}">
+        <p14:creationId xmlns:p14="http://schemas.microsoft.com/office/powerpoint/2010/main" val="3711634799"/>
+      </p:ext>
+    </p:extLst>
+  </p:cSld>
+  <p:clrMapOvr>
+    <a:masterClrMapping/>
+  </p:clrMapOvr>
+  <mc:AlternateContent xmlns:mc="http://schemas.openxmlformats.org/markup-compatibility/2006" xmlns:p14="http://schemas.microsoft.com/office/powerpoint/2010/main">
+    <mc:Choice Requires="p14">
+      <p:transition p14:dur="10"/>
+    </mc:Choice>
+    <mc:Fallback xmlns="">
+      <p:transition/>
+    </mc:Fallback>
+  </mc:AlternateContent>
+  <p:timing>
+    <p:tnLst>
+      <p:par>
+        <p:cTn id="1" dur="indefinite" restart="never" nodeType="tmRoot"/>
+      </p:par>
+    </p:tnLst>
+  </p:timing>
+</p:sld>
+</file>
+
+<file path=ppt/slides/slide16.xml><?xml version="1.0" encoding="utf-8"?>
+<p:sld xmlns:a="http://schemas.openxmlformats.org/drawingml/2006/main" xmlns:r="http://schemas.openxmlformats.org/officeDocument/2006/relationships" xmlns:p="http://schemas.openxmlformats.org/presentationml/2006/main">
+  <p:cSld>
+    <p:spTree>
+      <p:nvGrpSpPr>
+        <p:cNvPr id="1" name=""/>
+        <p:cNvGrpSpPr/>
+        <p:nvPr/>
+      </p:nvGrpSpPr>
+      <p:grpSpPr>
+        <a:xfrm>
+          <a:off x="0" y="0"/>
+          <a:ext cx="0" cy="0"/>
+          <a:chOff x="0" y="0"/>
+          <a:chExt cx="0" cy="0"/>
+        </a:xfrm>
+      </p:grpSpPr>
+      <p:sp>
+        <p:nvSpPr>
+          <p:cNvPr id="2" name="文本占位符 1"/>
+          <p:cNvSpPr>
+            <a:spLocks noGrp="1"/>
+          </p:cNvSpPr>
+          <p:nvPr>
+            <p:ph type="body" sz="quarter" idx="10"/>
+          </p:nvPr>
+        </p:nvSpPr>
+        <p:spPr/>
+        <p:txBody>
+          <a:bodyPr/>
+          <a:lstStyle/>
+          <a:p>
+            <a:r>
+              <a:rPr lang="zh-CN" altLang="en-US" dirty="0"/>
+              <a:t>运动目标分割</a:t>
+            </a:r>
+            <a:endParaRPr lang="zh-CN" altLang="en-US" b="0" dirty="0"/>
+          </a:p>
+        </p:txBody>
+      </p:sp>
+      <p:sp>
+        <p:nvSpPr>
+          <p:cNvPr id="3" name="矩形 2"/>
+          <p:cNvSpPr/>
+          <p:nvPr/>
+        </p:nvSpPr>
+        <p:spPr>
+          <a:xfrm>
+            <a:off x="647564" y="1965339"/>
+            <a:ext cx="7848872" cy="769441"/>
+          </a:xfrm>
+          <a:prstGeom prst="rect">
+            <a:avLst/>
+          </a:prstGeom>
+        </p:spPr>
+        <p:txBody>
+          <a:bodyPr wrap="square">
+            <a:spAutoFit/>
+          </a:bodyPr>
+          <a:lstStyle/>
+          <a:p>
+            <a:pPr indent="457200" algn="just"/>
+            <a:r>
+              <a:rPr lang="zh-CN" altLang="en-US" sz="2200" dirty="0" smtClean="0">
+                <a:solidFill>
+                  <a:schemeClr val="accent2"/>
+                </a:solidFill>
+                <a:latin typeface="微软雅黑 Light" panose="020B0502040204020203" pitchFamily="34" charset="-122"/>
+                <a:ea typeface="微软雅黑 Light" panose="020B0502040204020203" pitchFamily="34" charset="-122"/>
+              </a:rPr>
+              <a:t>帧间差分法</a:t>
+            </a:r>
+            <a:r>
+              <a:rPr lang="zh-CN" altLang="en-US" sz="2200" dirty="0">
+                <a:solidFill>
+                  <a:schemeClr val="accent2"/>
+                </a:solidFill>
+                <a:latin typeface="微软雅黑 Light" panose="020B0502040204020203" pitchFamily="34" charset="-122"/>
+                <a:ea typeface="微软雅黑 Light" panose="020B0502040204020203" pitchFamily="34" charset="-122"/>
+              </a:rPr>
+              <a:t>：</a:t>
+            </a:r>
+            <a:r>
+              <a:rPr lang="zh-CN" altLang="en-US" sz="2200" dirty="0">
+                <a:latin typeface="微软雅黑 Light" panose="020B0502040204020203" pitchFamily="34" charset="-122"/>
+                <a:ea typeface="微软雅黑 Light" panose="020B0502040204020203" pitchFamily="34" charset="-122"/>
+              </a:rPr>
+              <a:t>利用相邻两帧或多帧之间的差值进行运动检测</a:t>
+            </a:r>
+          </a:p>
+        </p:txBody>
+      </p:sp>
+      <p:grpSp>
+        <p:nvGrpSpPr>
+          <p:cNvPr id="5" name="组合 4"/>
+          <p:cNvGrpSpPr/>
+          <p:nvPr/>
+        </p:nvGrpSpPr>
+        <p:grpSpPr>
+          <a:xfrm>
+            <a:off x="711115" y="1662772"/>
+            <a:ext cx="803049" cy="262191"/>
+            <a:chOff x="683546" y="2736327"/>
+            <a:chExt cx="803049" cy="262191"/>
+          </a:xfrm>
+        </p:grpSpPr>
+        <p:sp>
+          <p:nvSpPr>
+            <p:cNvPr id="6" name="矩形 5"/>
+            <p:cNvSpPr/>
+            <p:nvPr/>
+          </p:nvSpPr>
+          <p:spPr>
+            <a:xfrm rot="18900000" flipH="1">
+              <a:off x="861276" y="2736327"/>
+              <a:ext cx="262191" cy="262191"/>
+            </a:xfrm>
+            <a:prstGeom prst="rect">
+              <a:avLst/>
+            </a:prstGeom>
+            <a:solidFill>
+              <a:schemeClr val="accent5"/>
+            </a:solidFill>
+            <a:ln>
+              <a:noFill/>
+            </a:ln>
+          </p:spPr>
+          <p:style>
+            <a:lnRef idx="2">
+              <a:schemeClr val="accent1">
+                <a:shade val="50000"/>
+              </a:schemeClr>
+            </a:lnRef>
+            <a:fillRef idx="1">
+              <a:schemeClr val="accent1"/>
+            </a:fillRef>
+            <a:effectRef idx="0">
+              <a:schemeClr val="accent1"/>
+            </a:effectRef>
+            <a:fontRef idx="minor">
+              <a:schemeClr val="lt1"/>
+            </a:fontRef>
+          </p:style>
+          <p:txBody>
+            <a:bodyPr rtlCol="0" anchor="ctr"/>
+            <a:lstStyle/>
+            <a:p>
+              <a:pPr algn="ctr"/>
+              <a:endParaRPr lang="zh-CN" altLang="en-US">
+                <a:solidFill>
+                  <a:prstClr val="white"/>
+                </a:solidFill>
+              </a:endParaRPr>
+            </a:p>
+          </p:txBody>
+        </p:sp>
+        <p:cxnSp>
+          <p:nvCxnSpPr>
+            <p:cNvPr id="7" name="直接连接符 6"/>
+            <p:cNvCxnSpPr/>
+            <p:nvPr/>
+          </p:nvCxnSpPr>
+          <p:spPr>
+            <a:xfrm rot="18900000" flipH="1">
+              <a:off x="683546" y="2960121"/>
+              <a:ext cx="803049" cy="0"/>
+            </a:xfrm>
+            <a:prstGeom prst="line">
+              <a:avLst/>
+            </a:prstGeom>
+            <a:ln w="25400">
+              <a:gradFill>
+                <a:gsLst>
+                  <a:gs pos="0">
+                    <a:schemeClr val="accent5">
+                      <a:alpha val="0"/>
+                    </a:schemeClr>
+                  </a:gs>
+                  <a:gs pos="50000">
+                    <a:schemeClr val="accent5"/>
+                  </a:gs>
+                  <a:gs pos="100000">
+                    <a:schemeClr val="accent5">
+                      <a:alpha val="0"/>
+                    </a:schemeClr>
+                  </a:gs>
+                </a:gsLst>
+                <a:lin ang="0" scaled="0"/>
+              </a:gradFill>
+            </a:ln>
+          </p:spPr>
+          <p:style>
+            <a:lnRef idx="1">
+              <a:schemeClr val="accent1"/>
+            </a:lnRef>
+            <a:fillRef idx="0">
+              <a:schemeClr val="accent1"/>
+            </a:fillRef>
+            <a:effectRef idx="0">
+              <a:schemeClr val="accent1"/>
+            </a:effectRef>
+            <a:fontRef idx="minor">
+              <a:schemeClr val="tx1"/>
+            </a:fontRef>
+          </p:style>
+        </p:cxnSp>
+      </p:grpSp>
+      <p:grpSp>
+        <p:nvGrpSpPr>
+          <p:cNvPr id="8" name="组合 7"/>
+          <p:cNvGrpSpPr/>
+          <p:nvPr/>
+        </p:nvGrpSpPr>
+        <p:grpSpPr>
+          <a:xfrm>
+            <a:off x="587932" y="3258608"/>
+            <a:ext cx="803049" cy="262191"/>
+            <a:chOff x="683546" y="2736327"/>
+            <a:chExt cx="803049" cy="262191"/>
+          </a:xfrm>
+        </p:grpSpPr>
+        <p:sp>
+          <p:nvSpPr>
+            <p:cNvPr id="9" name="矩形 8"/>
+            <p:cNvSpPr/>
+            <p:nvPr/>
+          </p:nvSpPr>
+          <p:spPr>
+            <a:xfrm rot="18900000" flipH="1">
+              <a:off x="861276" y="2736327"/>
+              <a:ext cx="262191" cy="262191"/>
+            </a:xfrm>
+            <a:prstGeom prst="rect">
+              <a:avLst/>
+            </a:prstGeom>
+            <a:noFill/>
+            <a:ln>
+              <a:solidFill>
+                <a:srgbClr val="4472C4"/>
+              </a:solidFill>
+            </a:ln>
+          </p:spPr>
+          <p:style>
+            <a:lnRef idx="2">
+              <a:schemeClr val="accent1">
+                <a:shade val="50000"/>
+              </a:schemeClr>
+            </a:lnRef>
+            <a:fillRef idx="1">
+              <a:schemeClr val="accent1"/>
+            </a:fillRef>
+            <a:effectRef idx="0">
+              <a:schemeClr val="accent1"/>
+            </a:effectRef>
+            <a:fontRef idx="minor">
+              <a:schemeClr val="lt1"/>
+            </a:fontRef>
+          </p:style>
+          <p:txBody>
+            <a:bodyPr rtlCol="0" anchor="ctr"/>
+            <a:lstStyle/>
+            <a:p>
+              <a:pPr algn="ctr"/>
+              <a:endParaRPr lang="zh-CN" altLang="en-US">
+                <a:solidFill>
+                  <a:prstClr val="white"/>
+                </a:solidFill>
+              </a:endParaRPr>
+            </a:p>
+          </p:txBody>
+        </p:sp>
+        <p:cxnSp>
+          <p:nvCxnSpPr>
+            <p:cNvPr id="10" name="直接连接符 9"/>
+            <p:cNvCxnSpPr/>
+            <p:nvPr/>
+          </p:nvCxnSpPr>
+          <p:spPr>
+            <a:xfrm rot="18900000" flipH="1">
+              <a:off x="683546" y="2960121"/>
+              <a:ext cx="803049" cy="0"/>
+            </a:xfrm>
+            <a:prstGeom prst="line">
+              <a:avLst/>
+            </a:prstGeom>
+            <a:ln w="25400">
+              <a:gradFill>
+                <a:gsLst>
+                  <a:gs pos="0">
+                    <a:schemeClr val="accent5">
+                      <a:alpha val="0"/>
+                    </a:schemeClr>
+                  </a:gs>
+                  <a:gs pos="50000">
+                    <a:schemeClr val="accent5"/>
+                  </a:gs>
+                  <a:gs pos="100000">
+                    <a:schemeClr val="accent5">
+                      <a:alpha val="0"/>
+                    </a:schemeClr>
+                  </a:gs>
+                </a:gsLst>
+                <a:lin ang="0" scaled="0"/>
+              </a:gradFill>
+            </a:ln>
+          </p:spPr>
+          <p:style>
+            <a:lnRef idx="1">
+              <a:schemeClr val="accent1"/>
+            </a:lnRef>
+            <a:fillRef idx="0">
+              <a:schemeClr val="accent1"/>
+            </a:fillRef>
+            <a:effectRef idx="0">
+              <a:schemeClr val="accent1"/>
+            </a:effectRef>
+            <a:fontRef idx="minor">
+              <a:schemeClr val="tx1"/>
+            </a:fontRef>
+          </p:style>
+        </p:cxnSp>
+      </p:grpSp>
+      <p:sp>
+        <p:nvSpPr>
+          <p:cNvPr id="11" name="矩形 10"/>
+          <p:cNvSpPr/>
+          <p:nvPr/>
+        </p:nvSpPr>
+        <p:spPr>
+          <a:xfrm>
+            <a:off x="641985" y="3540303"/>
+            <a:ext cx="7848872" cy="769441"/>
+          </a:xfrm>
+          <a:prstGeom prst="rect">
+            <a:avLst/>
+          </a:prstGeom>
+        </p:spPr>
+        <p:txBody>
+          <a:bodyPr wrap="square">
+            <a:spAutoFit/>
+          </a:bodyPr>
+          <a:lstStyle/>
+          <a:p>
+            <a:pPr indent="457200" algn="just"/>
+            <a:r>
+              <a:rPr lang="zh-CN" altLang="en-US" sz="2200" dirty="0" smtClean="0">
+                <a:solidFill>
+                  <a:schemeClr val="accent2"/>
+                </a:solidFill>
+                <a:latin typeface="微软雅黑 Light" panose="020B0502040204020203" pitchFamily="34" charset="-122"/>
+                <a:ea typeface="微软雅黑 Light" panose="020B0502040204020203" pitchFamily="34" charset="-122"/>
+              </a:rPr>
+              <a:t>基于运动场的估计方法：</a:t>
+            </a:r>
+            <a:r>
+              <a:rPr lang="zh-CN" altLang="en-US" sz="2200" dirty="0">
+                <a:latin typeface="微软雅黑 Light" panose="020B0502040204020203" pitchFamily="34" charset="-122"/>
+                <a:ea typeface="微软雅黑 Light" panose="020B0502040204020203" pitchFamily="34" charset="-122"/>
+              </a:rPr>
+              <a:t>通过运动目标与背景的不同运动模式进行运动</a:t>
+            </a:r>
+            <a:r>
+              <a:rPr lang="zh-CN" altLang="en-US" sz="2200" dirty="0" smtClean="0">
+                <a:latin typeface="微软雅黑 Light" panose="020B0502040204020203" pitchFamily="34" charset="-122"/>
+                <a:ea typeface="微软雅黑 Light" panose="020B0502040204020203" pitchFamily="34" charset="-122"/>
+              </a:rPr>
+              <a:t>检测，如光流法</a:t>
+            </a:r>
+            <a:endParaRPr lang="zh-CN" altLang="en-US" sz="2200" dirty="0">
+              <a:latin typeface="微软雅黑 Light" panose="020B0502040204020203" pitchFamily="34" charset="-122"/>
+              <a:ea typeface="微软雅黑 Light" panose="020B0502040204020203" pitchFamily="34" charset="-122"/>
+            </a:endParaRPr>
+          </a:p>
+        </p:txBody>
+      </p:sp>
+      <p:sp>
+        <p:nvSpPr>
+          <p:cNvPr id="17" name="矩形 16"/>
+          <p:cNvSpPr/>
+          <p:nvPr/>
+        </p:nvSpPr>
+        <p:spPr>
+          <a:xfrm>
+            <a:off x="737169" y="5115267"/>
+            <a:ext cx="7848872" cy="769441"/>
+          </a:xfrm>
+          <a:prstGeom prst="rect">
+            <a:avLst/>
+          </a:prstGeom>
+        </p:spPr>
+        <p:txBody>
+          <a:bodyPr wrap="square">
+            <a:spAutoFit/>
+          </a:bodyPr>
+          <a:lstStyle/>
+          <a:p>
+            <a:pPr indent="457200" algn="just"/>
+            <a:r>
+              <a:rPr lang="zh-CN" altLang="en-US" sz="2200" dirty="0" smtClean="0">
+                <a:solidFill>
+                  <a:schemeClr val="accent2"/>
+                </a:solidFill>
+                <a:latin typeface="微软雅黑 Light" panose="020B0502040204020203" pitchFamily="34" charset="-122"/>
+                <a:ea typeface="微软雅黑 Light" panose="020B0502040204020203" pitchFamily="34" charset="-122"/>
+              </a:rPr>
+              <a:t>背景差分法：</a:t>
+            </a:r>
+            <a:r>
+              <a:rPr lang="zh-CN" altLang="en-US" sz="2200" dirty="0">
+                <a:latin typeface="微软雅黑 Light" panose="020B0502040204020203" pitchFamily="34" charset="-122"/>
+                <a:ea typeface="微软雅黑 Light" panose="020B0502040204020203" pitchFamily="34" charset="-122"/>
+              </a:rPr>
+              <a:t>建模估计背景图像，通过视频图像与背景模型的差值进行运动</a:t>
+            </a:r>
+            <a:r>
+              <a:rPr lang="zh-CN" altLang="en-US" sz="2200" dirty="0" smtClean="0">
+                <a:latin typeface="微软雅黑 Light" panose="020B0502040204020203" pitchFamily="34" charset="-122"/>
+                <a:ea typeface="微软雅黑 Light" panose="020B0502040204020203" pitchFamily="34" charset="-122"/>
+              </a:rPr>
+              <a:t>检测，如高斯混合模型、</a:t>
+            </a:r>
+            <a:r>
+              <a:rPr lang="en-US" altLang="zh-CN" sz="2200" dirty="0" smtClean="0">
+                <a:latin typeface="微软雅黑 Light" panose="020B0502040204020203" pitchFamily="34" charset="-122"/>
+                <a:ea typeface="微软雅黑 Light" panose="020B0502040204020203" pitchFamily="34" charset="-122"/>
+              </a:rPr>
+              <a:t>VIBE</a:t>
+            </a:r>
+            <a:endParaRPr lang="zh-CN" altLang="en-US" sz="2200" dirty="0">
+              <a:latin typeface="微软雅黑 Light" panose="020B0502040204020203" pitchFamily="34" charset="-122"/>
+              <a:ea typeface="微软雅黑 Light" panose="020B0502040204020203" pitchFamily="34" charset="-122"/>
+            </a:endParaRPr>
+          </a:p>
+        </p:txBody>
+      </p:sp>
+      <p:grpSp>
+        <p:nvGrpSpPr>
+          <p:cNvPr id="20" name="组合 19"/>
+          <p:cNvGrpSpPr/>
+          <p:nvPr/>
+        </p:nvGrpSpPr>
+        <p:grpSpPr>
+          <a:xfrm>
+            <a:off x="708020" y="4798774"/>
+            <a:ext cx="803049" cy="262191"/>
+            <a:chOff x="683546" y="2736327"/>
+            <a:chExt cx="803049" cy="262191"/>
+          </a:xfrm>
+        </p:grpSpPr>
+        <p:sp>
+          <p:nvSpPr>
+            <p:cNvPr id="21" name="矩形 20"/>
+            <p:cNvSpPr/>
+            <p:nvPr/>
+          </p:nvSpPr>
+          <p:spPr>
+            <a:xfrm rot="18900000" flipH="1">
+              <a:off x="861276" y="2736327"/>
+              <a:ext cx="262191" cy="262191"/>
+            </a:xfrm>
+            <a:prstGeom prst="rect">
+              <a:avLst/>
+            </a:prstGeom>
+            <a:solidFill>
+              <a:schemeClr val="accent5"/>
+            </a:solidFill>
+            <a:ln>
+              <a:noFill/>
+            </a:ln>
+          </p:spPr>
+          <p:style>
+            <a:lnRef idx="2">
+              <a:schemeClr val="accent1">
+                <a:shade val="50000"/>
+              </a:schemeClr>
+            </a:lnRef>
+            <a:fillRef idx="1">
+              <a:schemeClr val="accent1"/>
+            </a:fillRef>
+            <a:effectRef idx="0">
+              <a:schemeClr val="accent1"/>
+            </a:effectRef>
+            <a:fontRef idx="minor">
+              <a:schemeClr val="lt1"/>
+            </a:fontRef>
+          </p:style>
+          <p:txBody>
+            <a:bodyPr rtlCol="0" anchor="ctr"/>
+            <a:lstStyle/>
+            <a:p>
+              <a:pPr algn="ctr"/>
+              <a:endParaRPr lang="zh-CN" altLang="en-US">
+                <a:solidFill>
+                  <a:prstClr val="white"/>
+                </a:solidFill>
+              </a:endParaRPr>
+            </a:p>
+          </p:txBody>
+        </p:sp>
+        <p:cxnSp>
+          <p:nvCxnSpPr>
+            <p:cNvPr id="22" name="直接连接符 21"/>
+            <p:cNvCxnSpPr/>
+            <p:nvPr/>
+          </p:nvCxnSpPr>
+          <p:spPr>
+            <a:xfrm rot="18900000" flipH="1">
+              <a:off x="683546" y="2960121"/>
+              <a:ext cx="803049" cy="0"/>
+            </a:xfrm>
+            <a:prstGeom prst="line">
+              <a:avLst/>
+            </a:prstGeom>
+            <a:ln w="25400">
+              <a:gradFill>
+                <a:gsLst>
+                  <a:gs pos="0">
+                    <a:schemeClr val="accent5">
+                      <a:alpha val="0"/>
+                    </a:schemeClr>
+                  </a:gs>
+                  <a:gs pos="50000">
+                    <a:schemeClr val="accent5"/>
+                  </a:gs>
+                  <a:gs pos="100000">
+                    <a:schemeClr val="accent5">
+                      <a:alpha val="0"/>
+                    </a:schemeClr>
+                  </a:gs>
+                </a:gsLst>
+                <a:lin ang="0" scaled="0"/>
+              </a:gradFill>
+            </a:ln>
+          </p:spPr>
+          <p:style>
+            <a:lnRef idx="1">
+              <a:schemeClr val="accent1"/>
+            </a:lnRef>
+            <a:fillRef idx="0">
+              <a:schemeClr val="accent1"/>
+            </a:fillRef>
+            <a:effectRef idx="0">
+              <a:schemeClr val="accent1"/>
+            </a:effectRef>
+            <a:fontRef idx="minor">
+              <a:schemeClr val="tx1"/>
+            </a:fontRef>
+          </p:style>
+        </p:cxnSp>
+      </p:grpSp>
+    </p:spTree>
+    <p:extLst>
+      <p:ext uri="{BB962C8B-B14F-4D97-AF65-F5344CB8AC3E}">
+        <p14:creationId xmlns:p14="http://schemas.microsoft.com/office/powerpoint/2010/main" val="1264435911"/>
+      </p:ext>
+    </p:extLst>
+  </p:cSld>
+  <p:clrMapOvr>
+    <a:masterClrMapping/>
+  </p:clrMapOvr>
+  <p:timing>
+    <p:tnLst>
+      <p:par>
+        <p:cTn id="1" dur="indefinite" restart="never" nodeType="tmRoot"/>
+      </p:par>
+    </p:tnLst>
+  </p:timing>
+</p:sld>
+</file>
+
+<file path=ppt/slides/slide17.xml><?xml version="1.0" encoding="utf-8"?>
+<p:sld xmlns:a="http://schemas.openxmlformats.org/drawingml/2006/main" xmlns:r="http://schemas.openxmlformats.org/officeDocument/2006/relationships" xmlns:p="http://schemas.openxmlformats.org/presentationml/2006/main">
+  <p:cSld>
+    <p:spTree>
+      <p:nvGrpSpPr>
+        <p:cNvPr id="1" name=""/>
+        <p:cNvGrpSpPr/>
+        <p:nvPr/>
+      </p:nvGrpSpPr>
+      <p:grpSpPr>
+        <a:xfrm>
+          <a:off x="0" y="0"/>
+          <a:ext cx="0" cy="0"/>
+          <a:chOff x="0" y="0"/>
+          <a:chExt cx="0" cy="0"/>
+        </a:xfrm>
+      </p:grpSpPr>
+      <p:sp>
+        <p:nvSpPr>
+          <p:cNvPr id="2" name="文本占位符 1"/>
+          <p:cNvSpPr>
+            <a:spLocks noGrp="1"/>
+          </p:cNvSpPr>
+          <p:nvPr>
+            <p:ph type="body" sz="quarter" idx="10"/>
+          </p:nvPr>
+        </p:nvSpPr>
+        <p:spPr/>
+        <p:txBody>
+          <a:bodyPr/>
+          <a:lstStyle/>
+          <a:p>
+            <a:r>
+              <a:rPr lang="en-US" altLang="zh-CN" b="0" dirty="0" smtClean="0"/>
+              <a:t>Vibe</a:t>
+            </a:r>
+            <a:r>
+              <a:rPr lang="zh-CN" altLang="en-US" b="0" dirty="0" smtClean="0"/>
+              <a:t>运动检测实验</a:t>
+            </a:r>
+            <a:endParaRPr lang="zh-CN" altLang="en-US" b="0" dirty="0"/>
+          </a:p>
+        </p:txBody>
+      </p:sp>
+      <p:graphicFrame>
+        <p:nvGraphicFramePr>
+          <p:cNvPr id="3" name="表格 2"/>
+          <p:cNvGraphicFramePr>
+            <a:graphicFrameLocks noGrp="1"/>
+          </p:cNvGraphicFramePr>
+          <p:nvPr>
+            <p:extLst>
+              <p:ext uri="{D42A27DB-BD31-4B8C-83A1-F6EECF244321}">
+                <p14:modId xmlns:p14="http://schemas.microsoft.com/office/powerpoint/2010/main" val="1104808588"/>
+              </p:ext>
+            </p:extLst>
+          </p:nvPr>
+        </p:nvGraphicFramePr>
+        <p:xfrm>
+          <a:off x="1692929" y="4296507"/>
+          <a:ext cx="6162856" cy="1718468"/>
+        </p:xfrm>
+        <a:graphic>
+          <a:graphicData uri="http://schemas.openxmlformats.org/drawingml/2006/table">
+            <a:tbl>
+              <a:tblPr firstRow="1">
+                <a:tableStyleId>{5C22544A-7EE6-4342-B048-85BDC9FD1C3A}</a:tableStyleId>
+              </a:tblPr>
+              <a:tblGrid>
+                <a:gridCol w="3081428"/>
+                <a:gridCol w="3081428"/>
+              </a:tblGrid>
+              <a:tr h="429617">
+                <a:tc>
+                  <a:txBody>
+                    <a:bodyPr/>
+                    <a:lstStyle/>
+                    <a:p>
+                      <a:pPr indent="266700" algn="ctr">
+                        <a:lnSpc>
+                          <a:spcPct val="125000"/>
+                        </a:lnSpc>
+                        <a:spcAft>
+                          <a:spcPts val="0"/>
+                        </a:spcAft>
+                      </a:pPr>
+                      <a:r>
+                        <a:rPr lang="zh-CN" sz="1800" kern="100" dirty="0">
+                          <a:effectLst/>
+                        </a:rPr>
+                        <a:t>运动目标检测方法</a:t>
+                      </a:r>
+                      <a:endParaRPr lang="zh-CN" sz="2400" kern="100" dirty="0">
+                        <a:solidFill>
+                          <a:srgbClr val="000000"/>
+                        </a:solidFill>
+                        <a:effectLst/>
+                        <a:latin typeface="宋体" panose="02010600030101010101" pitchFamily="2" charset="-122"/>
+                        <a:ea typeface="宋体" panose="02010600030101010101" pitchFamily="2" charset="-122"/>
+                        <a:cs typeface="Times New Roman" panose="02020603050405020304" pitchFamily="18" charset="0"/>
+                      </a:endParaRPr>
+                    </a:p>
+                  </a:txBody>
+                  <a:tcPr marL="68580" marR="68580" marT="0" marB="0" anchor="ctr"/>
+                </a:tc>
+                <a:tc>
+                  <a:txBody>
+                    <a:bodyPr/>
+                    <a:lstStyle/>
+                    <a:p>
+                      <a:pPr indent="266700" algn="ctr">
+                        <a:lnSpc>
+                          <a:spcPct val="125000"/>
+                        </a:lnSpc>
+                        <a:spcAft>
+                          <a:spcPts val="0"/>
+                        </a:spcAft>
+                      </a:pPr>
+                      <a:r>
+                        <a:rPr lang="zh-CN" sz="1800" kern="100">
+                          <a:effectLst/>
+                        </a:rPr>
+                        <a:t>时间消耗（</a:t>
+                      </a:r>
+                      <a:r>
+                        <a:rPr lang="en-US" sz="1800" kern="100">
+                          <a:effectLst/>
+                        </a:rPr>
+                        <a:t>ms/</a:t>
+                      </a:r>
+                      <a:r>
+                        <a:rPr lang="zh-CN" sz="1800" kern="100">
+                          <a:effectLst/>
+                        </a:rPr>
+                        <a:t>帧）</a:t>
+                      </a:r>
+                      <a:endParaRPr lang="zh-CN" sz="2400" kern="100">
+                        <a:solidFill>
+                          <a:srgbClr val="000000"/>
+                        </a:solidFill>
+                        <a:effectLst/>
+                        <a:latin typeface="宋体" panose="02010600030101010101" pitchFamily="2" charset="-122"/>
+                        <a:ea typeface="宋体" panose="02010600030101010101" pitchFamily="2" charset="-122"/>
+                        <a:cs typeface="Times New Roman" panose="02020603050405020304" pitchFamily="18" charset="0"/>
+                      </a:endParaRPr>
+                    </a:p>
+                  </a:txBody>
+                  <a:tcPr marL="68580" marR="68580" marT="0" marB="0" anchor="ctr"/>
+                </a:tc>
+              </a:tr>
+              <a:tr h="429617">
+                <a:tc>
+                  <a:txBody>
+                    <a:bodyPr/>
+                    <a:lstStyle/>
+                    <a:p>
+                      <a:pPr indent="266700" algn="ctr">
+                        <a:lnSpc>
+                          <a:spcPct val="125000"/>
+                        </a:lnSpc>
+                        <a:spcAft>
+                          <a:spcPts val="0"/>
+                        </a:spcAft>
+                        <a:tabLst>
+                          <a:tab pos="371475" algn="l"/>
+                          <a:tab pos="1249045" algn="ctr"/>
+                        </a:tabLst>
+                      </a:pPr>
+                      <a:r>
+                        <a:rPr lang="zh-CN" sz="1800" kern="100" dirty="0" smtClean="0">
+                          <a:effectLst/>
+                        </a:rPr>
+                        <a:t>光</a:t>
+                      </a:r>
+                      <a:r>
+                        <a:rPr lang="zh-CN" sz="1800" kern="100" dirty="0">
+                          <a:effectLst/>
+                        </a:rPr>
+                        <a:t>流法</a:t>
+                      </a:r>
+                      <a:endParaRPr lang="zh-CN" sz="2400" kern="100" dirty="0">
+                        <a:solidFill>
+                          <a:srgbClr val="000000"/>
+                        </a:solidFill>
+                        <a:effectLst/>
+                        <a:latin typeface="宋体" panose="02010600030101010101" pitchFamily="2" charset="-122"/>
+                        <a:ea typeface="宋体" panose="02010600030101010101" pitchFamily="2" charset="-122"/>
+                        <a:cs typeface="Times New Roman" panose="02020603050405020304" pitchFamily="18" charset="0"/>
+                      </a:endParaRPr>
+                    </a:p>
+                  </a:txBody>
+                  <a:tcPr marL="68580" marR="68580" marT="0" marB="0" anchor="ctr"/>
+                </a:tc>
+                <a:tc>
+                  <a:txBody>
+                    <a:bodyPr/>
+                    <a:lstStyle/>
+                    <a:p>
+                      <a:pPr indent="266700" algn="ctr">
+                        <a:lnSpc>
+                          <a:spcPct val="125000"/>
+                        </a:lnSpc>
+                        <a:spcAft>
+                          <a:spcPts val="0"/>
+                        </a:spcAft>
+                      </a:pPr>
+                      <a:r>
+                        <a:rPr lang="en-US" sz="1800" kern="100">
+                          <a:effectLst/>
+                        </a:rPr>
+                        <a:t>107.274</a:t>
+                      </a:r>
+                      <a:endParaRPr lang="zh-CN" sz="2400" kern="100">
+                        <a:solidFill>
+                          <a:srgbClr val="000000"/>
+                        </a:solidFill>
+                        <a:effectLst/>
+                        <a:latin typeface="宋体" panose="02010600030101010101" pitchFamily="2" charset="-122"/>
+                        <a:ea typeface="宋体" panose="02010600030101010101" pitchFamily="2" charset="-122"/>
+                        <a:cs typeface="Times New Roman" panose="02020603050405020304" pitchFamily="18" charset="0"/>
+                      </a:endParaRPr>
+                    </a:p>
+                  </a:txBody>
+                  <a:tcPr marL="68580" marR="68580" marT="0" marB="0" anchor="ctr"/>
+                </a:tc>
+              </a:tr>
+              <a:tr h="429617">
+                <a:tc>
+                  <a:txBody>
+                    <a:bodyPr/>
+                    <a:lstStyle/>
+                    <a:p>
+                      <a:pPr indent="266700" algn="ctr">
+                        <a:lnSpc>
+                          <a:spcPct val="125000"/>
+                        </a:lnSpc>
+                        <a:spcAft>
+                          <a:spcPts val="0"/>
+                        </a:spcAft>
+                      </a:pPr>
+                      <a:r>
+                        <a:rPr lang="zh-CN" sz="1800" kern="100">
+                          <a:effectLst/>
+                        </a:rPr>
+                        <a:t>高斯混合模型</a:t>
+                      </a:r>
+                      <a:endParaRPr lang="zh-CN" sz="2400" kern="100">
+                        <a:solidFill>
+                          <a:srgbClr val="000000"/>
+                        </a:solidFill>
+                        <a:effectLst/>
+                        <a:latin typeface="宋体" panose="02010600030101010101" pitchFamily="2" charset="-122"/>
+                        <a:ea typeface="宋体" panose="02010600030101010101" pitchFamily="2" charset="-122"/>
+                        <a:cs typeface="Times New Roman" panose="02020603050405020304" pitchFamily="18" charset="0"/>
+                      </a:endParaRPr>
+                    </a:p>
+                  </a:txBody>
+                  <a:tcPr marL="68580" marR="68580" marT="0" marB="0" anchor="ctr"/>
+                </a:tc>
+                <a:tc>
+                  <a:txBody>
+                    <a:bodyPr/>
+                    <a:lstStyle/>
+                    <a:p>
+                      <a:pPr indent="266700" algn="ctr">
+                        <a:lnSpc>
+                          <a:spcPct val="125000"/>
+                        </a:lnSpc>
+                        <a:spcAft>
+                          <a:spcPts val="0"/>
+                        </a:spcAft>
+                      </a:pPr>
+                      <a:r>
+                        <a:rPr lang="en-US" sz="1800" kern="100">
+                          <a:effectLst/>
+                        </a:rPr>
+                        <a:t>93.441</a:t>
+                      </a:r>
+                      <a:endParaRPr lang="zh-CN" sz="2400" kern="100">
+                        <a:solidFill>
+                          <a:srgbClr val="000000"/>
+                        </a:solidFill>
+                        <a:effectLst/>
+                        <a:latin typeface="宋体" panose="02010600030101010101" pitchFamily="2" charset="-122"/>
+                        <a:ea typeface="宋体" panose="02010600030101010101" pitchFamily="2" charset="-122"/>
+                        <a:cs typeface="Times New Roman" panose="02020603050405020304" pitchFamily="18" charset="0"/>
+                      </a:endParaRPr>
+                    </a:p>
+                  </a:txBody>
+                  <a:tcPr marL="68580" marR="68580" marT="0" marB="0" anchor="ctr"/>
+                </a:tc>
+              </a:tr>
+              <a:tr h="429617">
+                <a:tc>
+                  <a:txBody>
+                    <a:bodyPr/>
+                    <a:lstStyle/>
+                    <a:p>
+                      <a:pPr indent="266700" algn="ctr">
+                        <a:lnSpc>
+                          <a:spcPct val="125000"/>
+                        </a:lnSpc>
+                        <a:spcAft>
+                          <a:spcPts val="0"/>
+                        </a:spcAft>
+                      </a:pPr>
+                      <a:r>
+                        <a:rPr lang="en-US" sz="1800" kern="100" dirty="0">
+                          <a:solidFill>
+                            <a:srgbClr val="FF0000"/>
+                          </a:solidFill>
+                          <a:effectLst/>
+                        </a:rPr>
+                        <a:t>VIBE</a:t>
+                      </a:r>
+                      <a:endParaRPr lang="zh-CN" sz="2400" kern="100" dirty="0">
+                        <a:solidFill>
+                          <a:srgbClr val="FF0000"/>
+                        </a:solidFill>
+                        <a:effectLst/>
+                        <a:latin typeface="宋体" panose="02010600030101010101" pitchFamily="2" charset="-122"/>
+                        <a:ea typeface="宋体" panose="02010600030101010101" pitchFamily="2" charset="-122"/>
+                        <a:cs typeface="Times New Roman" panose="02020603050405020304" pitchFamily="18" charset="0"/>
+                      </a:endParaRPr>
+                    </a:p>
+                  </a:txBody>
+                  <a:tcPr marL="68580" marR="68580" marT="0" marB="0" anchor="ctr"/>
+                </a:tc>
+                <a:tc>
+                  <a:txBody>
+                    <a:bodyPr/>
+                    <a:lstStyle/>
+                    <a:p>
+                      <a:pPr indent="266700" algn="ctr">
+                        <a:lnSpc>
+                          <a:spcPct val="125000"/>
+                        </a:lnSpc>
+                        <a:spcAft>
+                          <a:spcPts val="0"/>
+                        </a:spcAft>
+                      </a:pPr>
+                      <a:r>
+                        <a:rPr lang="en-US" sz="1800" kern="100" dirty="0">
+                          <a:solidFill>
+                            <a:srgbClr val="FF0000"/>
+                          </a:solidFill>
+                          <a:effectLst/>
+                        </a:rPr>
+                        <a:t>70.233</a:t>
+                      </a:r>
+                      <a:endParaRPr lang="zh-CN" sz="2400" kern="100" dirty="0">
+                        <a:solidFill>
+                          <a:srgbClr val="FF0000"/>
+                        </a:solidFill>
+                        <a:effectLst/>
+                        <a:latin typeface="宋体" panose="02010600030101010101" pitchFamily="2" charset="-122"/>
+                        <a:ea typeface="宋体" panose="02010600030101010101" pitchFamily="2" charset="-122"/>
+                        <a:cs typeface="Times New Roman" panose="02020603050405020304" pitchFamily="18" charset="0"/>
+                      </a:endParaRPr>
+                    </a:p>
+                  </a:txBody>
+                  <a:tcPr marL="68580" marR="68580" marT="0" marB="0" anchor="ctr"/>
+                </a:tc>
+              </a:tr>
+            </a:tbl>
+          </a:graphicData>
+        </a:graphic>
+      </p:graphicFrame>
+      <p:pic>
+        <p:nvPicPr>
+          <p:cNvPr id="16" name="图片 15" descr="C:\Users\KylinC\Desktop\原始VIBE结果\1047.jpg"/>
+          <p:cNvPicPr>
+            <a:picLocks noChangeAspect="1"/>
+          </p:cNvPicPr>
+          <p:nvPr/>
+        </p:nvPicPr>
+        <p:blipFill>
+          <a:blip r:embed="rId2">
+            <a:extLst>
+              <a:ext uri="{28A0092B-C50C-407E-A947-70E740481C1C}">
+                <a14:useLocalDpi xmlns:a14="http://schemas.microsoft.com/office/drawing/2010/main" val="0"/>
+              </a:ext>
+            </a:extLst>
+          </a:blip>
+          <a:srcRect/>
+          <a:stretch>
+            <a:fillRect/>
+          </a:stretch>
+        </p:blipFill>
+        <p:spPr bwMode="auto">
+          <a:xfrm>
+            <a:off x="1306916" y="1541347"/>
+            <a:ext cx="3024305" cy="2160000"/>
+          </a:xfrm>
+          <a:prstGeom prst="rect">
+            <a:avLst/>
+          </a:prstGeom>
+          <a:noFill/>
+          <a:ln>
+            <a:noFill/>
+          </a:ln>
+        </p:spPr>
+      </p:pic>
+      <p:pic>
+        <p:nvPicPr>
+          <p:cNvPr id="17" name="图片 16" descr="C:\Users\KylinC\Desktop\原始VIBE结果\1048.jpg"/>
+          <p:cNvPicPr>
+            <a:picLocks noChangeAspect="1"/>
+          </p:cNvPicPr>
+          <p:nvPr/>
+        </p:nvPicPr>
+        <p:blipFill>
+          <a:blip r:embed="rId3">
+            <a:extLst>
+              <a:ext uri="{28A0092B-C50C-407E-A947-70E740481C1C}">
+                <a14:useLocalDpi xmlns:a14="http://schemas.microsoft.com/office/drawing/2010/main" val="0"/>
+              </a:ext>
+            </a:extLst>
+          </a:blip>
+          <a:srcRect/>
+          <a:stretch>
+            <a:fillRect/>
+          </a:stretch>
+        </p:blipFill>
+        <p:spPr bwMode="auto">
+          <a:xfrm>
+            <a:off x="5196395" y="1541347"/>
+            <a:ext cx="3024305" cy="2160000"/>
+          </a:xfrm>
+          <a:prstGeom prst="rect">
+            <a:avLst/>
+          </a:prstGeom>
+          <a:noFill/>
+          <a:ln>
+            <a:noFill/>
+          </a:ln>
+        </p:spPr>
+      </p:pic>
+    </p:spTree>
+    <p:extLst>
+      <p:ext uri="{BB962C8B-B14F-4D97-AF65-F5344CB8AC3E}">
+        <p14:creationId xmlns:p14="http://schemas.microsoft.com/office/powerpoint/2010/main" val="3274039631"/>
+      </p:ext>
+    </p:extLst>
+  </p:cSld>
+  <p:clrMapOvr>
+    <a:masterClrMapping/>
+  </p:clrMapOvr>
+  <p:timing>
+    <p:tnLst>
+      <p:par>
+        <p:cTn id="1" dur="indefinite" restart="never" nodeType="tmRoot"/>
+      </p:par>
+    </p:tnLst>
+  </p:timing>
+</p:sld>
+</file>
+
+<file path=ppt/slides/slide18.xml><?xml version="1.0" encoding="utf-8"?>
+<p:sld xmlns:a="http://schemas.openxmlformats.org/drawingml/2006/main" xmlns:r="http://schemas.openxmlformats.org/officeDocument/2006/relationships" xmlns:p="http://schemas.openxmlformats.org/presentationml/2006/main">
+  <p:cSld>
+    <p:spTree>
+      <p:nvGrpSpPr>
+        <p:cNvPr id="1" name=""/>
+        <p:cNvGrpSpPr/>
+        <p:nvPr/>
+      </p:nvGrpSpPr>
+      <p:grpSpPr>
+        <a:xfrm>
+          <a:off x="0" y="0"/>
+          <a:ext cx="0" cy="0"/>
+          <a:chOff x="0" y="0"/>
+          <a:chExt cx="0" cy="0"/>
+        </a:xfrm>
+      </p:grpSpPr>
+      <p:sp>
+        <p:nvSpPr>
+          <p:cNvPr id="2" name="文本占位符 1"/>
+          <p:cNvSpPr>
+            <a:spLocks noGrp="1"/>
+          </p:cNvSpPr>
+          <p:nvPr>
+            <p:ph type="body" sz="quarter" idx="10"/>
+          </p:nvPr>
+        </p:nvSpPr>
+        <p:spPr/>
+        <p:txBody>
+          <a:bodyPr/>
+          <a:lstStyle/>
+          <a:p>
+            <a:r>
+              <a:rPr lang="en-US" altLang="zh-CN" b="0" dirty="0" smtClean="0"/>
+              <a:t>Vibe</a:t>
+            </a:r>
+            <a:r>
+              <a:rPr lang="zh-CN" altLang="en-US" b="0" dirty="0" smtClean="0"/>
+              <a:t>运动检测改进</a:t>
+            </a:r>
+            <a:endParaRPr lang="zh-CN" altLang="en-US" b="0" dirty="0"/>
+          </a:p>
+        </p:txBody>
+      </p:sp>
+      <p:sp>
+        <p:nvSpPr>
+          <p:cNvPr id="6" name="矩形 5"/>
+          <p:cNvSpPr/>
+          <p:nvPr/>
+        </p:nvSpPr>
+        <p:spPr>
+          <a:xfrm>
+            <a:off x="647564" y="1959249"/>
+            <a:ext cx="7848872" cy="769441"/>
+          </a:xfrm>
+          <a:prstGeom prst="rect">
+            <a:avLst/>
+          </a:prstGeom>
+        </p:spPr>
+        <p:txBody>
+          <a:bodyPr wrap="square">
+            <a:spAutoFit/>
+          </a:bodyPr>
+          <a:lstStyle/>
+          <a:p>
+            <a:pPr indent="457200" algn="just"/>
+            <a:r>
+              <a:rPr lang="zh-CN" altLang="en-US" sz="2200" dirty="0" smtClean="0">
+                <a:latin typeface="微软雅黑 Light" panose="020B0502040204020203" pitchFamily="34" charset="-122"/>
+                <a:ea typeface="微软雅黑 Light" panose="020B0502040204020203" pitchFamily="34" charset="-122"/>
+              </a:rPr>
+              <a:t>引入开关变量提高算法速度：</a:t>
+            </a:r>
+            <a:endParaRPr lang="en-US" altLang="zh-CN" sz="2200" dirty="0" smtClean="0">
+              <a:latin typeface="微软雅黑 Light" panose="020B0502040204020203" pitchFamily="34" charset="-122"/>
+              <a:ea typeface="微软雅黑 Light" panose="020B0502040204020203" pitchFamily="34" charset="-122"/>
+            </a:endParaRPr>
+          </a:p>
+          <a:p>
+            <a:pPr indent="457200" algn="just"/>
+            <a:r>
+              <a:rPr lang="zh-CN" altLang="en-US" sz="2200" dirty="0" smtClean="0">
+                <a:solidFill>
+                  <a:schemeClr val="accent2"/>
+                </a:solidFill>
+                <a:latin typeface="微软雅黑 Light" panose="020B0502040204020203" pitchFamily="34" charset="-122"/>
+                <a:ea typeface="微软雅黑 Light" panose="020B0502040204020203" pitchFamily="34" charset="-122"/>
+              </a:rPr>
+              <a:t>所以，需要选择这样的方案。</a:t>
+            </a:r>
+            <a:endParaRPr lang="zh-CN" altLang="en-US" sz="2200" dirty="0">
+              <a:solidFill>
+                <a:schemeClr val="accent2"/>
+              </a:solidFill>
+              <a:latin typeface="微软雅黑 Light" panose="020B0502040204020203" pitchFamily="34" charset="-122"/>
+              <a:ea typeface="微软雅黑 Light" panose="020B0502040204020203" pitchFamily="34" charset="-122"/>
+            </a:endParaRPr>
+          </a:p>
+        </p:txBody>
+      </p:sp>
+      <p:grpSp>
+        <p:nvGrpSpPr>
+          <p:cNvPr id="7" name="组合 6"/>
+          <p:cNvGrpSpPr/>
+          <p:nvPr/>
+        </p:nvGrpSpPr>
+        <p:grpSpPr>
+          <a:xfrm>
+            <a:off x="711115" y="1760918"/>
+            <a:ext cx="803049" cy="262191"/>
+            <a:chOff x="683546" y="2736327"/>
+            <a:chExt cx="803049" cy="262191"/>
+          </a:xfrm>
+        </p:grpSpPr>
+        <p:sp>
+          <p:nvSpPr>
+            <p:cNvPr id="8" name="矩形 7"/>
+            <p:cNvSpPr/>
+            <p:nvPr/>
+          </p:nvSpPr>
+          <p:spPr>
+            <a:xfrm rot="18900000" flipH="1">
+              <a:off x="861276" y="2736327"/>
+              <a:ext cx="262191" cy="262191"/>
+            </a:xfrm>
+            <a:prstGeom prst="rect">
+              <a:avLst/>
+            </a:prstGeom>
+            <a:solidFill>
+              <a:schemeClr val="accent5"/>
+            </a:solidFill>
+            <a:ln>
+              <a:noFill/>
+            </a:ln>
+          </p:spPr>
+          <p:style>
+            <a:lnRef idx="2">
+              <a:schemeClr val="accent1">
+                <a:shade val="50000"/>
+              </a:schemeClr>
+            </a:lnRef>
+            <a:fillRef idx="1">
+              <a:schemeClr val="accent1"/>
+            </a:fillRef>
+            <a:effectRef idx="0">
+              <a:schemeClr val="accent1"/>
+            </a:effectRef>
+            <a:fontRef idx="minor">
+              <a:schemeClr val="lt1"/>
+            </a:fontRef>
+          </p:style>
+          <p:txBody>
+            <a:bodyPr rtlCol="0" anchor="ctr"/>
+            <a:lstStyle/>
+            <a:p>
+              <a:pPr algn="ctr"/>
+              <a:endParaRPr lang="zh-CN" altLang="en-US">
+                <a:solidFill>
+                  <a:prstClr val="white"/>
+                </a:solidFill>
+              </a:endParaRPr>
+            </a:p>
+          </p:txBody>
+        </p:sp>
+        <p:cxnSp>
+          <p:nvCxnSpPr>
+            <p:cNvPr id="9" name="直接连接符 8"/>
+            <p:cNvCxnSpPr/>
+            <p:nvPr/>
+          </p:nvCxnSpPr>
+          <p:spPr>
+            <a:xfrm rot="18900000" flipH="1">
+              <a:off x="683546" y="2960121"/>
+              <a:ext cx="803049" cy="0"/>
+            </a:xfrm>
+            <a:prstGeom prst="line">
+              <a:avLst/>
+            </a:prstGeom>
+            <a:ln w="25400">
+              <a:gradFill>
+                <a:gsLst>
+                  <a:gs pos="0">
+                    <a:schemeClr val="accent5">
+                      <a:alpha val="0"/>
+                    </a:schemeClr>
+                  </a:gs>
+                  <a:gs pos="50000">
+                    <a:schemeClr val="accent5"/>
+                  </a:gs>
+                  <a:gs pos="100000">
+                    <a:schemeClr val="accent5">
+                      <a:alpha val="0"/>
+                    </a:schemeClr>
+                  </a:gs>
+                </a:gsLst>
+                <a:lin ang="0" scaled="0"/>
+              </a:gradFill>
+            </a:ln>
+          </p:spPr>
+          <p:style>
+            <a:lnRef idx="1">
+              <a:schemeClr val="accent1"/>
+            </a:lnRef>
+            <a:fillRef idx="0">
+              <a:schemeClr val="accent1"/>
+            </a:fillRef>
+            <a:effectRef idx="0">
+              <a:schemeClr val="accent1"/>
+            </a:effectRef>
+            <a:fontRef idx="minor">
+              <a:schemeClr val="tx1"/>
+            </a:fontRef>
+          </p:style>
+        </p:cxnSp>
+      </p:grpSp>
+      <p:grpSp>
+        <p:nvGrpSpPr>
+          <p:cNvPr id="10" name="组合 9"/>
+          <p:cNvGrpSpPr/>
+          <p:nvPr/>
+        </p:nvGrpSpPr>
+        <p:grpSpPr>
+          <a:xfrm>
+            <a:off x="711115" y="4221266"/>
+            <a:ext cx="803049" cy="262191"/>
+            <a:chOff x="683546" y="2736327"/>
+            <a:chExt cx="803049" cy="262191"/>
+          </a:xfrm>
+        </p:grpSpPr>
+        <p:sp>
+          <p:nvSpPr>
+            <p:cNvPr id="11" name="矩形 10"/>
+            <p:cNvSpPr/>
+            <p:nvPr/>
+          </p:nvSpPr>
+          <p:spPr>
+            <a:xfrm rot="18900000" flipH="1">
+              <a:off x="861276" y="2736327"/>
+              <a:ext cx="262191" cy="262191"/>
+            </a:xfrm>
+            <a:prstGeom prst="rect">
+              <a:avLst/>
+            </a:prstGeom>
+            <a:noFill/>
+            <a:ln>
+              <a:solidFill>
+                <a:srgbClr val="4472C4"/>
+              </a:solidFill>
+            </a:ln>
+          </p:spPr>
+          <p:style>
+            <a:lnRef idx="2">
+              <a:schemeClr val="accent1">
+                <a:shade val="50000"/>
+              </a:schemeClr>
+            </a:lnRef>
+            <a:fillRef idx="1">
+              <a:schemeClr val="accent1"/>
+            </a:fillRef>
+            <a:effectRef idx="0">
+              <a:schemeClr val="accent1"/>
+            </a:effectRef>
+            <a:fontRef idx="minor">
+              <a:schemeClr val="lt1"/>
+            </a:fontRef>
+          </p:style>
+          <p:txBody>
+            <a:bodyPr rtlCol="0" anchor="ctr"/>
+            <a:lstStyle/>
+            <a:p>
+              <a:pPr algn="ctr"/>
+              <a:endParaRPr lang="zh-CN" altLang="en-US">
+                <a:solidFill>
+                  <a:prstClr val="white"/>
+                </a:solidFill>
+              </a:endParaRPr>
+            </a:p>
+          </p:txBody>
+        </p:sp>
+        <p:cxnSp>
+          <p:nvCxnSpPr>
+            <p:cNvPr id="12" name="直接连接符 11"/>
+            <p:cNvCxnSpPr/>
+            <p:nvPr/>
+          </p:nvCxnSpPr>
+          <p:spPr>
+            <a:xfrm rot="18900000" flipH="1">
+              <a:off x="683546" y="2960121"/>
+              <a:ext cx="803049" cy="0"/>
+            </a:xfrm>
+            <a:prstGeom prst="line">
+              <a:avLst/>
+            </a:prstGeom>
+            <a:ln w="25400">
+              <a:gradFill>
+                <a:gsLst>
+                  <a:gs pos="0">
+                    <a:schemeClr val="accent5">
+                      <a:alpha val="0"/>
+                    </a:schemeClr>
+                  </a:gs>
+                  <a:gs pos="50000">
+                    <a:schemeClr val="accent5"/>
+                  </a:gs>
+                  <a:gs pos="100000">
+                    <a:schemeClr val="accent5">
+                      <a:alpha val="0"/>
+                    </a:schemeClr>
+                  </a:gs>
+                </a:gsLst>
+                <a:lin ang="0" scaled="0"/>
+              </a:gradFill>
+            </a:ln>
+          </p:spPr>
+          <p:style>
+            <a:lnRef idx="1">
+              <a:schemeClr val="accent1"/>
+            </a:lnRef>
+            <a:fillRef idx="0">
+              <a:schemeClr val="accent1"/>
+            </a:fillRef>
+            <a:effectRef idx="0">
+              <a:schemeClr val="accent1"/>
+            </a:effectRef>
+            <a:fontRef idx="minor">
+              <a:schemeClr val="tx1"/>
+            </a:fontRef>
+          </p:style>
+        </p:cxnSp>
+      </p:grpSp>
+      <p:sp>
+        <p:nvSpPr>
+          <p:cNvPr id="13" name="矩形 12"/>
+          <p:cNvSpPr/>
+          <p:nvPr/>
+        </p:nvSpPr>
+        <p:spPr>
+          <a:xfrm>
+            <a:off x="647564" y="4416222"/>
+            <a:ext cx="7848872" cy="1446550"/>
+          </a:xfrm>
+          <a:prstGeom prst="rect">
+            <a:avLst/>
+          </a:prstGeom>
+        </p:spPr>
+        <p:txBody>
+          <a:bodyPr wrap="square">
+            <a:spAutoFit/>
+          </a:bodyPr>
+          <a:lstStyle/>
+          <a:p>
+            <a:pPr indent="457200" algn="just"/>
+            <a:r>
+              <a:rPr lang="zh-CN" altLang="en-US" sz="2200" dirty="0" smtClean="0">
+                <a:latin typeface="微软雅黑 Light" panose="020B0502040204020203" pitchFamily="34" charset="-122"/>
+                <a:ea typeface="微软雅黑 Light" panose="020B0502040204020203" pitchFamily="34" charset="-122"/>
+              </a:rPr>
+              <a:t>引入场景变换检测与快速跟新策略：</a:t>
+            </a:r>
+            <a:endParaRPr lang="en-US" altLang="zh-CN" sz="2200" dirty="0" smtClean="0">
+              <a:latin typeface="微软雅黑 Light" panose="020B0502040204020203" pitchFamily="34" charset="-122"/>
+              <a:ea typeface="微软雅黑 Light" panose="020B0502040204020203" pitchFamily="34" charset="-122"/>
+            </a:endParaRPr>
+          </a:p>
+          <a:p>
+            <a:pPr indent="457200" algn="just"/>
+            <a:endParaRPr lang="en-US" altLang="zh-CN" sz="2200" dirty="0" smtClean="0">
+              <a:latin typeface="微软雅黑 Light" panose="020B0502040204020203" pitchFamily="34" charset="-122"/>
+              <a:ea typeface="微软雅黑 Light" panose="020B0502040204020203" pitchFamily="34" charset="-122"/>
+            </a:endParaRPr>
+          </a:p>
+          <a:p>
+            <a:pPr indent="457200" algn="just"/>
+            <a:endParaRPr lang="en-US" altLang="zh-CN" sz="2200" dirty="0">
+              <a:latin typeface="微软雅黑 Light" panose="020B0502040204020203" pitchFamily="34" charset="-122"/>
+              <a:ea typeface="微软雅黑 Light" panose="020B0502040204020203" pitchFamily="34" charset="-122"/>
+            </a:endParaRPr>
+          </a:p>
+          <a:p>
+            <a:pPr indent="457200" algn="just"/>
+            <a:r>
+              <a:rPr lang="zh-CN" altLang="en-US" sz="2200" dirty="0" smtClean="0">
+                <a:solidFill>
+                  <a:schemeClr val="accent2"/>
+                </a:solidFill>
+                <a:latin typeface="微软雅黑 Light" panose="020B0502040204020203" pitchFamily="34" charset="-122"/>
+                <a:ea typeface="微软雅黑 Light" panose="020B0502040204020203" pitchFamily="34" charset="-122"/>
+              </a:rPr>
+              <a:t>所以，需要选择这样的方案。</a:t>
+            </a:r>
+            <a:endParaRPr lang="zh-CN" altLang="en-US" sz="2200" dirty="0">
+              <a:solidFill>
+                <a:schemeClr val="accent2"/>
+              </a:solidFill>
+              <a:latin typeface="微软雅黑 Light" panose="020B0502040204020203" pitchFamily="34" charset="-122"/>
+              <a:ea typeface="微软雅黑 Light" panose="020B0502040204020203" pitchFamily="34" charset="-122"/>
+            </a:endParaRPr>
+          </a:p>
+        </p:txBody>
+      </p:sp>
+      <p:cxnSp>
+        <p:nvCxnSpPr>
+          <p:cNvPr id="14" name="直接连接符 13"/>
+          <p:cNvCxnSpPr/>
+          <p:nvPr/>
+        </p:nvCxnSpPr>
+        <p:spPr>
+          <a:xfrm>
+            <a:off x="98603" y="3893686"/>
+            <a:ext cx="5940152" cy="0"/>
+          </a:xfrm>
+          <a:prstGeom prst="line">
+            <a:avLst/>
+          </a:prstGeom>
+          <a:ln w="15875">
+            <a:gradFill>
+              <a:gsLst>
+                <a:gs pos="13000">
+                  <a:schemeClr val="accent5"/>
+                </a:gs>
+                <a:gs pos="100000">
+                  <a:schemeClr val="accent5">
+                    <a:alpha val="0"/>
+                  </a:schemeClr>
+                </a:gs>
+              </a:gsLst>
+              <a:lin ang="0" scaled="0"/>
+            </a:gradFill>
+          </a:ln>
+        </p:spPr>
+        <p:style>
+          <a:lnRef idx="1">
+            <a:schemeClr val="accent1"/>
+          </a:lnRef>
+          <a:fillRef idx="0">
+            <a:schemeClr val="accent1"/>
+          </a:fillRef>
+          <a:effectRef idx="0">
+            <a:schemeClr val="accent1"/>
+          </a:effectRef>
+          <a:fontRef idx="minor">
+            <a:schemeClr val="tx1"/>
+          </a:fontRef>
+        </p:style>
+      </p:cxnSp>
+      <p:cxnSp>
+        <p:nvCxnSpPr>
+          <p:cNvPr id="15" name="直接连接符 14"/>
+          <p:cNvCxnSpPr/>
+          <p:nvPr/>
+        </p:nvCxnSpPr>
+        <p:spPr>
+          <a:xfrm rot="16200000">
+            <a:off x="-441457" y="3546016"/>
+            <a:ext cx="2088232" cy="0"/>
+          </a:xfrm>
+          <a:prstGeom prst="line">
+            <a:avLst/>
+          </a:prstGeom>
+          <a:ln w="15875">
+            <a:gradFill>
+              <a:gsLst>
+                <a:gs pos="13000">
+                  <a:schemeClr val="accent5"/>
+                </a:gs>
+                <a:gs pos="100000">
+                  <a:schemeClr val="accent5">
+                    <a:alpha val="0"/>
+                  </a:schemeClr>
+                </a:gs>
+              </a:gsLst>
+              <a:lin ang="0" scaled="0"/>
+            </a:gradFill>
+          </a:ln>
+        </p:spPr>
+        <p:style>
+          <a:lnRef idx="1">
+            <a:schemeClr val="accent1"/>
+          </a:lnRef>
+          <a:fillRef idx="0">
+            <a:schemeClr val="accent1"/>
+          </a:fillRef>
+          <a:effectRef idx="0">
+            <a:schemeClr val="accent1"/>
+          </a:effectRef>
+          <a:fontRef idx="minor">
+            <a:schemeClr val="tx1"/>
+          </a:fontRef>
+        </p:style>
+      </p:cxnSp>
+      <p:sp>
+        <p:nvSpPr>
+          <p:cNvPr id="4" name="Rectangle 2"/>
+          <p:cNvSpPr>
+            <a:spLocks noChangeArrowheads="1"/>
+          </p:cNvSpPr>
+          <p:nvPr/>
+        </p:nvSpPr>
+        <p:spPr bwMode="auto">
+          <a:xfrm>
+            <a:off x="0" y="0"/>
+            <a:ext cx="9144000" cy="0"/>
+          </a:xfrm>
+          <a:prstGeom prst="rect">
+            <a:avLst/>
+          </a:prstGeom>
+          <a:noFill/>
+          <a:ln>
+            <a:noFill/>
+          </a:ln>
+          <a:effectLst/>
+          <a:extLst>
+            <a:ext uri="{909E8E84-426E-40DD-AFC4-6F175D3DCCD1}">
+              <a14:hiddenFill xmlns:a14="http://schemas.microsoft.com/office/drawing/2010/main">
+                <a:solidFill>
+                  <a:schemeClr val="accent1"/>
+                </a:solidFill>
+              </a14:hiddenFill>
+            </a:ext>
+            <a:ext uri="{91240B29-F687-4F45-9708-019B960494DF}">
+              <a14:hiddenLine xmlns:a14="http://schemas.microsoft.com/office/drawing/2010/main" w="9525">
+                <a:solidFill>
+                  <a:schemeClr val="tx1"/>
+                </a:solidFill>
+                <a:miter lim="800000"/>
+                <a:headEnd/>
+                <a:tailEnd/>
+              </a14:hiddenLine>
+            </a:ext>
+            <a:ext uri="{AF507438-7753-43E0-B8FC-AC1667EBCBE1}">
+              <a14:hiddenEffects xmlns:a14="http://schemas.microsoft.com/office/drawing/2010/main">
+                <a:effectLst>
+                  <a:outerShdw dist="35921" dir="2700000" algn="ctr" rotWithShape="0">
+                    <a:schemeClr val="bg2"/>
+                  </a:outerShdw>
+                </a:effectLst>
+              </a14:hiddenEffects>
+            </a:ext>
+          </a:extLst>
+        </p:spPr>
+        <p:txBody>
+          <a:bodyPr vert="horz" wrap="none" lIns="91440" tIns="45720" rIns="91440" bIns="45720" numCol="1" anchor="ctr" anchorCtr="0" compatLnSpc="1">
+            <a:prstTxWarp prst="textNoShape">
+              <a:avLst/>
+            </a:prstTxWarp>
+            <a:spAutoFit/>
+          </a:bodyPr>
+          <a:lstStyle/>
+          <a:p>
+            <a:endParaRPr lang="zh-CN" altLang="en-US"/>
+          </a:p>
+        </p:txBody>
+      </p:sp>
+      <p:graphicFrame>
+        <p:nvGraphicFramePr>
+          <p:cNvPr id="5" name="对象 4"/>
+          <p:cNvGraphicFramePr>
+            <a:graphicFrameLocks noChangeAspect="1"/>
+          </p:cNvGraphicFramePr>
+          <p:nvPr>
+            <p:extLst>
+              <p:ext uri="{D42A27DB-BD31-4B8C-83A1-F6EECF244321}">
+                <p14:modId xmlns:p14="http://schemas.microsoft.com/office/powerpoint/2010/main" val="2821522775"/>
+              </p:ext>
+            </p:extLst>
+          </p:nvPr>
+        </p:nvGraphicFramePr>
+        <p:xfrm>
+          <a:off x="6038755" y="4166885"/>
+          <a:ext cx="1342002" cy="846494"/>
+        </p:xfrm>
+        <a:graphic>
+          <a:graphicData uri="http://schemas.openxmlformats.org/presentationml/2006/ole">
+            <mc:AlternateContent xmlns:mc="http://schemas.openxmlformats.org/markup-compatibility/2006">
+              <mc:Choice xmlns:v="urn:schemas-microsoft-com:vml" Requires="v">
+                <p:oleObj spid="_x0000_s3088" name="Equation" r:id="rId3" imgW="622080" imgH="393480" progId="Equation.DSMT4">
+                  <p:embed/>
+                </p:oleObj>
+              </mc:Choice>
+              <mc:Fallback>
+                <p:oleObj name="Equation" r:id="rId3" imgW="622080" imgH="393480" progId="Equation.DSMT4">
+                  <p:embed/>
+                  <p:pic>
+                    <p:nvPicPr>
+                      <p:cNvPr id="0" name="Object 1"/>
+                      <p:cNvPicPr>
+                        <a:picLocks noChangeAspect="1" noChangeArrowheads="1"/>
+                      </p:cNvPicPr>
+                      <p:nvPr/>
+                    </p:nvPicPr>
+                    <p:blipFill>
+                      <a:blip r:embed="rId4"/>
+                      <a:srcRect/>
+                      <a:stretch>
+                        <a:fillRect/>
+                      </a:stretch>
+                    </p:blipFill>
+                    <p:spPr bwMode="auto">
+                      <a:xfrm>
+                        <a:off x="6038755" y="4166885"/>
+                        <a:ext cx="1342002" cy="846494"/>
+                      </a:xfrm>
+                      <a:prstGeom prst="rect">
+                        <a:avLst/>
+                      </a:prstGeom>
+                      <a:noFill/>
+                    </p:spPr>
+                  </p:pic>
+                </p:oleObj>
+              </mc:Fallback>
+            </mc:AlternateContent>
+          </a:graphicData>
+        </a:graphic>
+      </p:graphicFrame>
+    </p:spTree>
+    <p:extLst>
+      <p:ext uri="{BB962C8B-B14F-4D97-AF65-F5344CB8AC3E}">
+        <p14:creationId xmlns:p14="http://schemas.microsoft.com/office/powerpoint/2010/main" val="3932447347"/>
+      </p:ext>
+    </p:extLst>
+  </p:cSld>
+  <p:clrMapOvr>
+    <a:masterClrMapping/>
+  </p:clrMapOvr>
+  <p:timing>
+    <p:tnLst>
+      <p:par>
+        <p:cTn id="1" dur="indefinite" restart="never" nodeType="tmRoot"/>
+      </p:par>
+    </p:tnLst>
+  </p:timing>
+</p:sld>
+</file>
+
+<file path=ppt/slides/slide19.xml><?xml version="1.0" encoding="utf-8"?>
+<p:sld xmlns:a="http://schemas.openxmlformats.org/drawingml/2006/main" xmlns:r="http://schemas.openxmlformats.org/officeDocument/2006/relationships" xmlns:p="http://schemas.openxmlformats.org/presentationml/2006/main">
+  <p:cSld>
+    <p:spTree>
+      <p:nvGrpSpPr>
+        <p:cNvPr id="1" name=""/>
+        <p:cNvGrpSpPr/>
+        <p:nvPr/>
+      </p:nvGrpSpPr>
+      <p:grpSpPr>
+        <a:xfrm>
+          <a:off x="0" y="0"/>
+          <a:ext cx="0" cy="0"/>
+          <a:chOff x="0" y="0"/>
+          <a:chExt cx="0" cy="0"/>
+        </a:xfrm>
+      </p:grpSpPr>
+      <p:sp>
+        <p:nvSpPr>
+          <p:cNvPr id="2" name="文本占位符 1"/>
+          <p:cNvSpPr>
+            <a:spLocks noGrp="1"/>
+          </p:cNvSpPr>
+          <p:nvPr>
+            <p:ph type="body" sz="quarter" idx="10"/>
+          </p:nvPr>
+        </p:nvSpPr>
+        <p:spPr/>
+        <p:txBody>
+          <a:bodyPr/>
+          <a:lstStyle/>
+          <a:p>
+            <a:r>
+              <a:rPr lang="zh-CN" altLang="en-US" b="0" dirty="0" smtClean="0"/>
+              <a:t>改进</a:t>
+            </a:r>
+            <a:r>
+              <a:rPr lang="en-US" altLang="zh-CN" b="0" dirty="0" smtClean="0"/>
+              <a:t>vibe</a:t>
+            </a:r>
+            <a:r>
+              <a:rPr lang="zh-CN" altLang="en-US" b="0" dirty="0" smtClean="0"/>
+              <a:t>实验</a:t>
+            </a:r>
+            <a:endParaRPr lang="zh-CN" altLang="en-US" b="0" dirty="0"/>
+          </a:p>
+        </p:txBody>
+      </p:sp>
+      <p:sp>
+        <p:nvSpPr>
+          <p:cNvPr id="4" name="Rectangle 2"/>
+          <p:cNvSpPr>
+            <a:spLocks noChangeArrowheads="1"/>
+          </p:cNvSpPr>
+          <p:nvPr/>
+        </p:nvSpPr>
+        <p:spPr bwMode="auto">
+          <a:xfrm>
+            <a:off x="0" y="0"/>
+            <a:ext cx="9144000" cy="0"/>
+          </a:xfrm>
+          <a:prstGeom prst="rect">
+            <a:avLst/>
+          </a:prstGeom>
+          <a:noFill/>
+          <a:ln>
+            <a:noFill/>
+          </a:ln>
+          <a:effectLst/>
+          <a:extLst>
+            <a:ext uri="{909E8E84-426E-40DD-AFC4-6F175D3DCCD1}">
+              <a14:hiddenFill xmlns:a14="http://schemas.microsoft.com/office/drawing/2010/main">
+                <a:solidFill>
+                  <a:schemeClr val="accent1"/>
+                </a:solidFill>
+              </a14:hiddenFill>
+            </a:ext>
+            <a:ext uri="{91240B29-F687-4F45-9708-019B960494DF}">
+              <a14:hiddenLine xmlns:a14="http://schemas.microsoft.com/office/drawing/2010/main" w="9525">
+                <a:solidFill>
+                  <a:schemeClr val="tx1"/>
+                </a:solidFill>
+                <a:miter lim="800000"/>
+                <a:headEnd/>
+                <a:tailEnd/>
+              </a14:hiddenLine>
+            </a:ext>
+            <a:ext uri="{AF507438-7753-43E0-B8FC-AC1667EBCBE1}">
+              <a14:hiddenEffects xmlns:a14="http://schemas.microsoft.com/office/drawing/2010/main">
+                <a:effectLst>
+                  <a:outerShdw dist="35921" dir="2700000" algn="ctr" rotWithShape="0">
+                    <a:schemeClr val="bg2"/>
+                  </a:outerShdw>
+                </a:effectLst>
+              </a14:hiddenEffects>
+            </a:ext>
+          </a:extLst>
+        </p:spPr>
+        <p:txBody>
+          <a:bodyPr vert="horz" wrap="none" lIns="91440" tIns="45720" rIns="91440" bIns="45720" numCol="1" anchor="ctr" anchorCtr="0" compatLnSpc="1">
+            <a:prstTxWarp prst="textNoShape">
+              <a:avLst/>
+            </a:prstTxWarp>
+            <a:spAutoFit/>
+          </a:bodyPr>
+          <a:lstStyle/>
+          <a:p>
+            <a:endParaRPr lang="zh-CN" altLang="en-US"/>
+          </a:p>
+        </p:txBody>
+      </p:sp>
+      <p:graphicFrame>
+        <p:nvGraphicFramePr>
+          <p:cNvPr id="3" name="表格 2"/>
+          <p:cNvGraphicFramePr>
+            <a:graphicFrameLocks noGrp="1"/>
+          </p:cNvGraphicFramePr>
+          <p:nvPr>
+            <p:extLst>
+              <p:ext uri="{D42A27DB-BD31-4B8C-83A1-F6EECF244321}">
+                <p14:modId xmlns:p14="http://schemas.microsoft.com/office/powerpoint/2010/main" val="559395366"/>
+              </p:ext>
+            </p:extLst>
+          </p:nvPr>
+        </p:nvGraphicFramePr>
+        <p:xfrm>
+          <a:off x="1256975" y="1758590"/>
+          <a:ext cx="6598286" cy="2129950"/>
+        </p:xfrm>
+        <a:graphic>
+          <a:graphicData uri="http://schemas.openxmlformats.org/drawingml/2006/table">
+            <a:tbl>
+              <a:tblPr firstRow="1">
+                <a:tableStyleId>{5C22544A-7EE6-4342-B048-85BDC9FD1C3A}</a:tableStyleId>
+              </a:tblPr>
+              <a:tblGrid>
+                <a:gridCol w="3299143"/>
+                <a:gridCol w="3299143"/>
+              </a:tblGrid>
+              <a:tr h="425990">
+                <a:tc>
+                  <a:txBody>
+                    <a:bodyPr/>
+                    <a:lstStyle/>
+                    <a:p>
+                      <a:pPr indent="266700" algn="ctr">
+                        <a:lnSpc>
+                          <a:spcPct val="125000"/>
+                        </a:lnSpc>
+                        <a:spcAft>
+                          <a:spcPts val="0"/>
+                        </a:spcAft>
+                      </a:pPr>
+                      <a:r>
+                        <a:rPr lang="zh-CN" sz="1800" kern="100" dirty="0">
+                          <a:effectLst/>
+                        </a:rPr>
+                        <a:t>运动目标检测方法</a:t>
+                      </a:r>
+                      <a:endParaRPr lang="zh-CN" sz="2400" kern="100" dirty="0">
+                        <a:solidFill>
+                          <a:srgbClr val="000000"/>
+                        </a:solidFill>
+                        <a:effectLst/>
+                        <a:latin typeface="宋体" panose="02010600030101010101" pitchFamily="2" charset="-122"/>
+                        <a:ea typeface="宋体" panose="02010600030101010101" pitchFamily="2" charset="-122"/>
+                        <a:cs typeface="Times New Roman" panose="02020603050405020304" pitchFamily="18" charset="0"/>
+                      </a:endParaRPr>
+                    </a:p>
+                  </a:txBody>
+                  <a:tcPr marL="68580" marR="68580" marT="0" marB="0"/>
+                </a:tc>
+                <a:tc>
+                  <a:txBody>
+                    <a:bodyPr/>
+                    <a:lstStyle/>
+                    <a:p>
+                      <a:pPr indent="266700" algn="ctr">
+                        <a:lnSpc>
+                          <a:spcPct val="125000"/>
+                        </a:lnSpc>
+                        <a:spcAft>
+                          <a:spcPts val="0"/>
+                        </a:spcAft>
+                      </a:pPr>
+                      <a:r>
+                        <a:rPr lang="zh-CN" sz="1800" kern="100" dirty="0">
+                          <a:effectLst/>
+                        </a:rPr>
+                        <a:t>时间消耗（</a:t>
+                      </a:r>
+                      <a:r>
+                        <a:rPr lang="en-US" sz="1800" kern="100" dirty="0" err="1">
+                          <a:effectLst/>
+                        </a:rPr>
+                        <a:t>ms</a:t>
+                      </a:r>
+                      <a:r>
+                        <a:rPr lang="en-US" sz="1800" kern="100" dirty="0">
+                          <a:effectLst/>
+                        </a:rPr>
+                        <a:t>/</a:t>
+                      </a:r>
+                      <a:r>
+                        <a:rPr lang="zh-CN" sz="1800" kern="100" dirty="0">
+                          <a:effectLst/>
+                        </a:rPr>
+                        <a:t>帧）</a:t>
+                      </a:r>
+                      <a:endParaRPr lang="zh-CN" sz="2400" kern="100" dirty="0">
+                        <a:solidFill>
+                          <a:srgbClr val="000000"/>
+                        </a:solidFill>
+                        <a:effectLst/>
+                        <a:latin typeface="宋体" panose="02010600030101010101" pitchFamily="2" charset="-122"/>
+                        <a:ea typeface="宋体" panose="02010600030101010101" pitchFamily="2" charset="-122"/>
+                        <a:cs typeface="Times New Roman" panose="02020603050405020304" pitchFamily="18" charset="0"/>
+                      </a:endParaRPr>
+                    </a:p>
+                  </a:txBody>
+                  <a:tcPr marL="68580" marR="68580" marT="0" marB="0"/>
+                </a:tc>
+              </a:tr>
+              <a:tr h="425990">
+                <a:tc>
+                  <a:txBody>
+                    <a:bodyPr/>
+                    <a:lstStyle/>
+                    <a:p>
+                      <a:pPr indent="266700" algn="ctr">
+                        <a:lnSpc>
+                          <a:spcPct val="125000"/>
+                        </a:lnSpc>
+                        <a:spcAft>
+                          <a:spcPts val="0"/>
+                        </a:spcAft>
+                      </a:pPr>
+                      <a:r>
+                        <a:rPr lang="zh-CN" sz="1800" kern="100" dirty="0">
+                          <a:effectLst/>
+                        </a:rPr>
+                        <a:t>光流法</a:t>
+                      </a:r>
+                      <a:endParaRPr lang="zh-CN" sz="2400" kern="100" dirty="0">
+                        <a:solidFill>
+                          <a:srgbClr val="000000"/>
+                        </a:solidFill>
+                        <a:effectLst/>
+                        <a:latin typeface="宋体" panose="02010600030101010101" pitchFamily="2" charset="-122"/>
+                        <a:ea typeface="宋体" panose="02010600030101010101" pitchFamily="2" charset="-122"/>
+                        <a:cs typeface="Times New Roman" panose="02020603050405020304" pitchFamily="18" charset="0"/>
+                      </a:endParaRPr>
+                    </a:p>
+                  </a:txBody>
+                  <a:tcPr marL="68580" marR="68580" marT="0" marB="0"/>
+                </a:tc>
+                <a:tc>
+                  <a:txBody>
+                    <a:bodyPr/>
+                    <a:lstStyle/>
+                    <a:p>
+                      <a:pPr indent="266700" algn="ctr">
+                        <a:lnSpc>
+                          <a:spcPct val="125000"/>
+                        </a:lnSpc>
+                        <a:spcAft>
+                          <a:spcPts val="0"/>
+                        </a:spcAft>
+                      </a:pPr>
+                      <a:r>
+                        <a:rPr lang="en-US" sz="1800" kern="100">
+                          <a:effectLst/>
+                        </a:rPr>
+                        <a:t>107.274</a:t>
+                      </a:r>
+                      <a:endParaRPr lang="zh-CN" sz="2400" kern="100">
+                        <a:solidFill>
+                          <a:srgbClr val="000000"/>
+                        </a:solidFill>
+                        <a:effectLst/>
+                        <a:latin typeface="宋体" panose="02010600030101010101" pitchFamily="2" charset="-122"/>
+                        <a:ea typeface="宋体" panose="02010600030101010101" pitchFamily="2" charset="-122"/>
+                        <a:cs typeface="Times New Roman" panose="02020603050405020304" pitchFamily="18" charset="0"/>
+                      </a:endParaRPr>
+                    </a:p>
+                  </a:txBody>
+                  <a:tcPr marL="68580" marR="68580" marT="0" marB="0"/>
+                </a:tc>
+              </a:tr>
+              <a:tr h="425990">
+                <a:tc>
+                  <a:txBody>
+                    <a:bodyPr/>
+                    <a:lstStyle/>
+                    <a:p>
+                      <a:pPr indent="266700" algn="ctr">
+                        <a:lnSpc>
+                          <a:spcPct val="125000"/>
+                        </a:lnSpc>
+                        <a:spcAft>
+                          <a:spcPts val="0"/>
+                        </a:spcAft>
+                      </a:pPr>
+                      <a:r>
+                        <a:rPr lang="zh-CN" sz="1800" kern="100">
+                          <a:effectLst/>
+                        </a:rPr>
+                        <a:t>高斯混合模型</a:t>
+                      </a:r>
+                      <a:endParaRPr lang="zh-CN" sz="2400" kern="100">
+                        <a:solidFill>
+                          <a:srgbClr val="000000"/>
+                        </a:solidFill>
+                        <a:effectLst/>
+                        <a:latin typeface="宋体" panose="02010600030101010101" pitchFamily="2" charset="-122"/>
+                        <a:ea typeface="宋体" panose="02010600030101010101" pitchFamily="2" charset="-122"/>
+                        <a:cs typeface="Times New Roman" panose="02020603050405020304" pitchFamily="18" charset="0"/>
+                      </a:endParaRPr>
+                    </a:p>
+                  </a:txBody>
+                  <a:tcPr marL="68580" marR="68580" marT="0" marB="0"/>
+                </a:tc>
+                <a:tc>
+                  <a:txBody>
+                    <a:bodyPr/>
+                    <a:lstStyle/>
+                    <a:p>
+                      <a:pPr indent="266700" algn="ctr">
+                        <a:lnSpc>
+                          <a:spcPct val="125000"/>
+                        </a:lnSpc>
+                        <a:spcAft>
+                          <a:spcPts val="0"/>
+                        </a:spcAft>
+                      </a:pPr>
+                      <a:r>
+                        <a:rPr lang="en-US" sz="1800" kern="100">
+                          <a:effectLst/>
+                        </a:rPr>
+                        <a:t>93.441</a:t>
+                      </a:r>
+                      <a:endParaRPr lang="zh-CN" sz="2400" kern="100">
+                        <a:solidFill>
+                          <a:srgbClr val="000000"/>
+                        </a:solidFill>
+                        <a:effectLst/>
+                        <a:latin typeface="宋体" panose="02010600030101010101" pitchFamily="2" charset="-122"/>
+                        <a:ea typeface="宋体" panose="02010600030101010101" pitchFamily="2" charset="-122"/>
+                        <a:cs typeface="Times New Roman" panose="02020603050405020304" pitchFamily="18" charset="0"/>
+                      </a:endParaRPr>
+                    </a:p>
+                  </a:txBody>
+                  <a:tcPr marL="68580" marR="68580" marT="0" marB="0"/>
+                </a:tc>
+              </a:tr>
+              <a:tr h="425990">
+                <a:tc>
+                  <a:txBody>
+                    <a:bodyPr/>
+                    <a:lstStyle/>
+                    <a:p>
+                      <a:pPr indent="266700" algn="ctr">
+                        <a:lnSpc>
+                          <a:spcPct val="125000"/>
+                        </a:lnSpc>
+                        <a:spcAft>
+                          <a:spcPts val="0"/>
+                        </a:spcAft>
+                      </a:pPr>
+                      <a:r>
+                        <a:rPr lang="en-US" sz="1800" kern="100">
+                          <a:effectLst/>
+                        </a:rPr>
+                        <a:t>VIBE</a:t>
+                      </a:r>
+                      <a:endParaRPr lang="zh-CN" sz="2400" kern="100">
+                        <a:solidFill>
+                          <a:srgbClr val="000000"/>
+                        </a:solidFill>
+                        <a:effectLst/>
+                        <a:latin typeface="宋体" panose="02010600030101010101" pitchFamily="2" charset="-122"/>
+                        <a:ea typeface="宋体" panose="02010600030101010101" pitchFamily="2" charset="-122"/>
+                        <a:cs typeface="Times New Roman" panose="02020603050405020304" pitchFamily="18" charset="0"/>
+                      </a:endParaRPr>
+                    </a:p>
+                  </a:txBody>
+                  <a:tcPr marL="68580" marR="68580" marT="0" marB="0"/>
+                </a:tc>
+                <a:tc>
+                  <a:txBody>
+                    <a:bodyPr/>
+                    <a:lstStyle/>
+                    <a:p>
+                      <a:pPr indent="266700" algn="ctr">
+                        <a:lnSpc>
+                          <a:spcPct val="125000"/>
+                        </a:lnSpc>
+                        <a:spcAft>
+                          <a:spcPts val="0"/>
+                        </a:spcAft>
+                      </a:pPr>
+                      <a:r>
+                        <a:rPr lang="en-US" sz="1800" kern="100">
+                          <a:effectLst/>
+                        </a:rPr>
+                        <a:t>70.233</a:t>
+                      </a:r>
+                      <a:endParaRPr lang="zh-CN" sz="2400" kern="100">
+                        <a:solidFill>
+                          <a:srgbClr val="000000"/>
+                        </a:solidFill>
+                        <a:effectLst/>
+                        <a:latin typeface="宋体" panose="02010600030101010101" pitchFamily="2" charset="-122"/>
+                        <a:ea typeface="宋体" panose="02010600030101010101" pitchFamily="2" charset="-122"/>
+                        <a:cs typeface="Times New Roman" panose="02020603050405020304" pitchFamily="18" charset="0"/>
+                      </a:endParaRPr>
+                    </a:p>
+                  </a:txBody>
+                  <a:tcPr marL="68580" marR="68580" marT="0" marB="0"/>
+                </a:tc>
+              </a:tr>
+              <a:tr h="425990">
+                <a:tc>
+                  <a:txBody>
+                    <a:bodyPr/>
+                    <a:lstStyle/>
+                    <a:p>
+                      <a:pPr indent="266700" algn="ctr">
+                        <a:lnSpc>
+                          <a:spcPct val="125000"/>
+                        </a:lnSpc>
+                        <a:spcAft>
+                          <a:spcPts val="0"/>
+                        </a:spcAft>
+                      </a:pPr>
+                      <a:r>
+                        <a:rPr lang="zh-CN" sz="1800" kern="100">
+                          <a:effectLst/>
+                        </a:rPr>
+                        <a:t>改进</a:t>
+                      </a:r>
+                      <a:r>
+                        <a:rPr lang="en-US" sz="1800" kern="100">
+                          <a:effectLst/>
+                        </a:rPr>
+                        <a:t>VIBE</a:t>
+                      </a:r>
+                      <a:endParaRPr lang="zh-CN" sz="2400" kern="100">
+                        <a:solidFill>
+                          <a:srgbClr val="000000"/>
+                        </a:solidFill>
+                        <a:effectLst/>
+                        <a:latin typeface="宋体" panose="02010600030101010101" pitchFamily="2" charset="-122"/>
+                        <a:ea typeface="宋体" panose="02010600030101010101" pitchFamily="2" charset="-122"/>
+                        <a:cs typeface="Times New Roman" panose="02020603050405020304" pitchFamily="18" charset="0"/>
+                      </a:endParaRPr>
+                    </a:p>
+                  </a:txBody>
+                  <a:tcPr marL="68580" marR="68580" marT="0" marB="0"/>
+                </a:tc>
+                <a:tc>
+                  <a:txBody>
+                    <a:bodyPr/>
+                    <a:lstStyle/>
+                    <a:p>
+                      <a:pPr indent="266700" algn="ctr">
+                        <a:lnSpc>
+                          <a:spcPct val="125000"/>
+                        </a:lnSpc>
+                        <a:spcAft>
+                          <a:spcPts val="0"/>
+                        </a:spcAft>
+                      </a:pPr>
+                      <a:r>
+                        <a:rPr lang="en-US" sz="1800" kern="100" dirty="0">
+                          <a:effectLst/>
+                        </a:rPr>
+                        <a:t>62.454</a:t>
+                      </a:r>
+                      <a:endParaRPr lang="zh-CN" sz="2400" kern="100" dirty="0">
+                        <a:solidFill>
+                          <a:srgbClr val="000000"/>
+                        </a:solidFill>
+                        <a:effectLst/>
+                        <a:latin typeface="宋体" panose="02010600030101010101" pitchFamily="2" charset="-122"/>
+                        <a:ea typeface="宋体" panose="02010600030101010101" pitchFamily="2" charset="-122"/>
+                        <a:cs typeface="Times New Roman" panose="02020603050405020304" pitchFamily="18" charset="0"/>
+                      </a:endParaRPr>
+                    </a:p>
+                  </a:txBody>
+                  <a:tcPr marL="68580" marR="68580" marT="0" marB="0"/>
+                </a:tc>
+              </a:tr>
+            </a:tbl>
+          </a:graphicData>
+        </a:graphic>
+      </p:graphicFrame>
+      <p:graphicFrame>
+        <p:nvGraphicFramePr>
+          <p:cNvPr id="16" name="表格 15"/>
+          <p:cNvGraphicFramePr>
+            <a:graphicFrameLocks noGrp="1"/>
+          </p:cNvGraphicFramePr>
+          <p:nvPr>
+            <p:extLst>
+              <p:ext uri="{D42A27DB-BD31-4B8C-83A1-F6EECF244321}">
+                <p14:modId xmlns:p14="http://schemas.microsoft.com/office/powerpoint/2010/main" val="506211275"/>
+              </p:ext>
+            </p:extLst>
+          </p:nvPr>
+        </p:nvGraphicFramePr>
+        <p:xfrm>
+          <a:off x="1256974" y="4763516"/>
+          <a:ext cx="6598287" cy="1783626"/>
+        </p:xfrm>
+        <a:graphic>
+          <a:graphicData uri="http://schemas.openxmlformats.org/drawingml/2006/table">
+            <a:tbl>
+              <a:tblPr firstRow="1">
+                <a:tableStyleId>{5C22544A-7EE6-4342-B048-85BDC9FD1C3A}</a:tableStyleId>
+              </a:tblPr>
+              <a:tblGrid>
+                <a:gridCol w="1911453"/>
+                <a:gridCol w="2253209"/>
+                <a:gridCol w="2433625"/>
+              </a:tblGrid>
+              <a:tr h="377372">
+                <a:tc>
+                  <a:txBody>
+                    <a:bodyPr/>
+                    <a:lstStyle/>
+                    <a:p>
+                      <a:pPr indent="266700" algn="ctr">
+                        <a:lnSpc>
+                          <a:spcPct val="125000"/>
+                        </a:lnSpc>
+                        <a:spcAft>
+                          <a:spcPts val="0"/>
+                        </a:spcAft>
+                      </a:pPr>
+                      <a:r>
+                        <a:rPr lang="zh-CN" sz="1800" kern="100" dirty="0">
+                          <a:effectLst/>
+                        </a:rPr>
+                        <a:t>运动目标检测方法</a:t>
+                      </a:r>
+                      <a:endParaRPr lang="zh-CN" sz="2400" kern="100" dirty="0">
+                        <a:solidFill>
+                          <a:srgbClr val="000000"/>
+                        </a:solidFill>
+                        <a:effectLst/>
+                        <a:latin typeface="宋体" panose="02010600030101010101" pitchFamily="2" charset="-122"/>
+                        <a:ea typeface="宋体" panose="02010600030101010101" pitchFamily="2" charset="-122"/>
+                        <a:cs typeface="Times New Roman" panose="02020603050405020304" pitchFamily="18" charset="0"/>
+                      </a:endParaRPr>
+                    </a:p>
+                  </a:txBody>
+                  <a:tcPr marL="68580" marR="68580" marT="0" marB="0"/>
+                </a:tc>
+                <a:tc>
+                  <a:txBody>
+                    <a:bodyPr/>
+                    <a:lstStyle/>
+                    <a:p>
+                      <a:pPr indent="266700" algn="ctr">
+                        <a:lnSpc>
+                          <a:spcPct val="125000"/>
+                        </a:lnSpc>
+                        <a:spcAft>
+                          <a:spcPts val="0"/>
+                        </a:spcAft>
+                      </a:pPr>
+                      <a:r>
+                        <a:rPr lang="zh-CN" sz="1800" kern="100" dirty="0">
+                          <a:effectLst/>
+                        </a:rPr>
+                        <a:t>适应场景变化所需帧数</a:t>
+                      </a:r>
+                      <a:endParaRPr lang="zh-CN" sz="2400" kern="100" dirty="0">
+                        <a:solidFill>
+                          <a:srgbClr val="000000"/>
+                        </a:solidFill>
+                        <a:effectLst/>
+                        <a:latin typeface="宋体" panose="02010600030101010101" pitchFamily="2" charset="-122"/>
+                        <a:ea typeface="宋体" panose="02010600030101010101" pitchFamily="2" charset="-122"/>
+                        <a:cs typeface="Times New Roman" panose="02020603050405020304" pitchFamily="18" charset="0"/>
+                      </a:endParaRPr>
+                    </a:p>
+                  </a:txBody>
+                  <a:tcPr marL="68580" marR="68580" marT="0" marB="0"/>
+                </a:tc>
+                <a:tc>
+                  <a:txBody>
+                    <a:bodyPr/>
+                    <a:lstStyle/>
+                    <a:p>
+                      <a:pPr indent="266700" algn="ctr">
+                        <a:lnSpc>
+                          <a:spcPct val="125000"/>
+                        </a:lnSpc>
+                        <a:spcAft>
+                          <a:spcPts val="0"/>
+                        </a:spcAft>
+                      </a:pPr>
+                      <a:r>
+                        <a:rPr lang="zh-CN" sz="1800" kern="100" dirty="0">
+                          <a:effectLst/>
+                        </a:rPr>
+                        <a:t>适应场景变化所需时间</a:t>
+                      </a:r>
+                      <a:r>
+                        <a:rPr lang="en-US" sz="1800" kern="100" dirty="0">
+                          <a:effectLst/>
+                        </a:rPr>
+                        <a:t>/s</a:t>
+                      </a:r>
+                      <a:endParaRPr lang="zh-CN" sz="2400" kern="100" dirty="0">
+                        <a:solidFill>
+                          <a:srgbClr val="000000"/>
+                        </a:solidFill>
+                        <a:effectLst/>
+                        <a:latin typeface="宋体" panose="02010600030101010101" pitchFamily="2" charset="-122"/>
+                        <a:ea typeface="宋体" panose="02010600030101010101" pitchFamily="2" charset="-122"/>
+                        <a:cs typeface="Times New Roman" panose="02020603050405020304" pitchFamily="18" charset="0"/>
+                      </a:endParaRPr>
+                    </a:p>
+                  </a:txBody>
+                  <a:tcPr marL="68580" marR="68580" marT="0" marB="0"/>
+                </a:tc>
+              </a:tr>
+              <a:tr h="377372">
+                <a:tc>
+                  <a:txBody>
+                    <a:bodyPr/>
+                    <a:lstStyle/>
+                    <a:p>
+                      <a:pPr indent="266700" algn="ctr">
+                        <a:lnSpc>
+                          <a:spcPct val="125000"/>
+                        </a:lnSpc>
+                        <a:spcAft>
+                          <a:spcPts val="0"/>
+                        </a:spcAft>
+                      </a:pPr>
+                      <a:r>
+                        <a:rPr lang="zh-CN" sz="1800" kern="100">
+                          <a:effectLst/>
+                        </a:rPr>
+                        <a:t>高斯混合模型</a:t>
+                      </a:r>
+                      <a:endParaRPr lang="zh-CN" sz="2400" kern="100">
+                        <a:solidFill>
+                          <a:srgbClr val="000000"/>
+                        </a:solidFill>
+                        <a:effectLst/>
+                        <a:latin typeface="宋体" panose="02010600030101010101" pitchFamily="2" charset="-122"/>
+                        <a:ea typeface="宋体" panose="02010600030101010101" pitchFamily="2" charset="-122"/>
+                        <a:cs typeface="Times New Roman" panose="02020603050405020304" pitchFamily="18" charset="0"/>
+                      </a:endParaRPr>
+                    </a:p>
+                  </a:txBody>
+                  <a:tcPr marL="68580" marR="68580" marT="0" marB="0"/>
+                </a:tc>
+                <a:tc>
+                  <a:txBody>
+                    <a:bodyPr/>
+                    <a:lstStyle/>
+                    <a:p>
+                      <a:pPr indent="266700" algn="ctr">
+                        <a:lnSpc>
+                          <a:spcPct val="125000"/>
+                        </a:lnSpc>
+                        <a:spcAft>
+                          <a:spcPts val="0"/>
+                        </a:spcAft>
+                      </a:pPr>
+                      <a:r>
+                        <a:rPr lang="en-US" sz="1800" kern="100" dirty="0">
+                          <a:effectLst/>
+                        </a:rPr>
+                        <a:t>182</a:t>
+                      </a:r>
+                      <a:endParaRPr lang="zh-CN" sz="2400" kern="100" dirty="0">
+                        <a:solidFill>
+                          <a:srgbClr val="000000"/>
+                        </a:solidFill>
+                        <a:effectLst/>
+                        <a:latin typeface="宋体" panose="02010600030101010101" pitchFamily="2" charset="-122"/>
+                        <a:ea typeface="宋体" panose="02010600030101010101" pitchFamily="2" charset="-122"/>
+                        <a:cs typeface="Times New Roman" panose="02020603050405020304" pitchFamily="18" charset="0"/>
+                      </a:endParaRPr>
+                    </a:p>
+                  </a:txBody>
+                  <a:tcPr marL="68580" marR="68580" marT="0" marB="0"/>
+                </a:tc>
+                <a:tc>
+                  <a:txBody>
+                    <a:bodyPr/>
+                    <a:lstStyle/>
+                    <a:p>
+                      <a:pPr indent="266700" algn="ctr">
+                        <a:lnSpc>
+                          <a:spcPct val="125000"/>
+                        </a:lnSpc>
+                        <a:spcAft>
+                          <a:spcPts val="0"/>
+                        </a:spcAft>
+                      </a:pPr>
+                      <a:r>
+                        <a:rPr lang="en-US" sz="1800" kern="100">
+                          <a:effectLst/>
+                        </a:rPr>
+                        <a:t>17.006</a:t>
+                      </a:r>
+                      <a:endParaRPr lang="zh-CN" sz="2400" kern="100">
+                        <a:solidFill>
+                          <a:srgbClr val="000000"/>
+                        </a:solidFill>
+                        <a:effectLst/>
+                        <a:latin typeface="宋体" panose="02010600030101010101" pitchFamily="2" charset="-122"/>
+                        <a:ea typeface="宋体" panose="02010600030101010101" pitchFamily="2" charset="-122"/>
+                        <a:cs typeface="Times New Roman" panose="02020603050405020304" pitchFamily="18" charset="0"/>
+                      </a:endParaRPr>
+                    </a:p>
+                  </a:txBody>
+                  <a:tcPr marL="68580" marR="68580" marT="0" marB="0"/>
+                </a:tc>
+              </a:tr>
+              <a:tr h="377372">
+                <a:tc>
+                  <a:txBody>
+                    <a:bodyPr/>
+                    <a:lstStyle/>
+                    <a:p>
+                      <a:pPr indent="266700" algn="ctr">
+                        <a:lnSpc>
+                          <a:spcPct val="125000"/>
+                        </a:lnSpc>
+                        <a:spcAft>
+                          <a:spcPts val="0"/>
+                        </a:spcAft>
+                      </a:pPr>
+                      <a:r>
+                        <a:rPr lang="en-US" sz="1800" kern="100">
+                          <a:effectLst/>
+                        </a:rPr>
+                        <a:t>VIBE</a:t>
+                      </a:r>
+                      <a:endParaRPr lang="zh-CN" sz="2400" kern="100">
+                        <a:solidFill>
+                          <a:srgbClr val="000000"/>
+                        </a:solidFill>
+                        <a:effectLst/>
+                        <a:latin typeface="宋体" panose="02010600030101010101" pitchFamily="2" charset="-122"/>
+                        <a:ea typeface="宋体" panose="02010600030101010101" pitchFamily="2" charset="-122"/>
+                        <a:cs typeface="Times New Roman" panose="02020603050405020304" pitchFamily="18" charset="0"/>
+                      </a:endParaRPr>
+                    </a:p>
+                  </a:txBody>
+                  <a:tcPr marL="68580" marR="68580" marT="0" marB="0"/>
+                </a:tc>
+                <a:tc>
+                  <a:txBody>
+                    <a:bodyPr/>
+                    <a:lstStyle/>
+                    <a:p>
+                      <a:pPr indent="266700" algn="ctr">
+                        <a:lnSpc>
+                          <a:spcPct val="125000"/>
+                        </a:lnSpc>
+                        <a:spcAft>
+                          <a:spcPts val="0"/>
+                        </a:spcAft>
+                      </a:pPr>
+                      <a:r>
+                        <a:rPr lang="en-US" sz="1800" kern="100">
+                          <a:effectLst/>
+                        </a:rPr>
+                        <a:t>178</a:t>
+                      </a:r>
+                      <a:endParaRPr lang="zh-CN" sz="2400" kern="100">
+                        <a:solidFill>
+                          <a:srgbClr val="000000"/>
+                        </a:solidFill>
+                        <a:effectLst/>
+                        <a:latin typeface="宋体" panose="02010600030101010101" pitchFamily="2" charset="-122"/>
+                        <a:ea typeface="宋体" panose="02010600030101010101" pitchFamily="2" charset="-122"/>
+                        <a:cs typeface="Times New Roman" panose="02020603050405020304" pitchFamily="18" charset="0"/>
+                      </a:endParaRPr>
+                    </a:p>
+                  </a:txBody>
+                  <a:tcPr marL="68580" marR="68580" marT="0" marB="0"/>
+                </a:tc>
+                <a:tc>
+                  <a:txBody>
+                    <a:bodyPr/>
+                    <a:lstStyle/>
+                    <a:p>
+                      <a:pPr indent="266700" algn="ctr">
+                        <a:lnSpc>
+                          <a:spcPct val="125000"/>
+                        </a:lnSpc>
+                        <a:spcAft>
+                          <a:spcPts val="0"/>
+                        </a:spcAft>
+                      </a:pPr>
+                      <a:r>
+                        <a:rPr lang="en-US" sz="1800" kern="100">
+                          <a:effectLst/>
+                        </a:rPr>
+                        <a:t>12.618</a:t>
+                      </a:r>
+                      <a:endParaRPr lang="zh-CN" sz="2400" kern="100">
+                        <a:solidFill>
+                          <a:srgbClr val="000000"/>
+                        </a:solidFill>
+                        <a:effectLst/>
+                        <a:latin typeface="宋体" panose="02010600030101010101" pitchFamily="2" charset="-122"/>
+                        <a:ea typeface="宋体" panose="02010600030101010101" pitchFamily="2" charset="-122"/>
+                        <a:cs typeface="Times New Roman" panose="02020603050405020304" pitchFamily="18" charset="0"/>
+                      </a:endParaRPr>
+                    </a:p>
+                  </a:txBody>
+                  <a:tcPr marL="68580" marR="68580" marT="0" marB="0"/>
+                </a:tc>
+              </a:tr>
+              <a:tr h="377372">
+                <a:tc>
+                  <a:txBody>
+                    <a:bodyPr/>
+                    <a:lstStyle/>
+                    <a:p>
+                      <a:pPr indent="266700" algn="ctr">
+                        <a:lnSpc>
+                          <a:spcPct val="125000"/>
+                        </a:lnSpc>
+                        <a:spcAft>
+                          <a:spcPts val="0"/>
+                        </a:spcAft>
+                      </a:pPr>
+                      <a:r>
+                        <a:rPr lang="zh-CN" sz="1800" kern="100">
+                          <a:effectLst/>
+                        </a:rPr>
+                        <a:t>改进</a:t>
+                      </a:r>
+                      <a:r>
+                        <a:rPr lang="en-US" sz="1800" kern="100">
+                          <a:effectLst/>
+                        </a:rPr>
+                        <a:t>VIBE</a:t>
+                      </a:r>
+                      <a:endParaRPr lang="zh-CN" sz="2400" kern="100">
+                        <a:solidFill>
+                          <a:srgbClr val="000000"/>
+                        </a:solidFill>
+                        <a:effectLst/>
+                        <a:latin typeface="宋体" panose="02010600030101010101" pitchFamily="2" charset="-122"/>
+                        <a:ea typeface="宋体" panose="02010600030101010101" pitchFamily="2" charset="-122"/>
+                        <a:cs typeface="Times New Roman" panose="02020603050405020304" pitchFamily="18" charset="0"/>
+                      </a:endParaRPr>
+                    </a:p>
+                  </a:txBody>
+                  <a:tcPr marL="68580" marR="68580" marT="0" marB="0"/>
+                </a:tc>
+                <a:tc>
+                  <a:txBody>
+                    <a:bodyPr/>
+                    <a:lstStyle/>
+                    <a:p>
+                      <a:pPr indent="266700" algn="ctr">
+                        <a:lnSpc>
+                          <a:spcPct val="125000"/>
+                        </a:lnSpc>
+                        <a:spcAft>
+                          <a:spcPts val="0"/>
+                        </a:spcAft>
+                      </a:pPr>
+                      <a:r>
+                        <a:rPr lang="en-US" sz="1800" kern="100">
+                          <a:effectLst/>
+                        </a:rPr>
+                        <a:t>151</a:t>
+                      </a:r>
+                      <a:endParaRPr lang="zh-CN" sz="2400" kern="100">
+                        <a:solidFill>
+                          <a:srgbClr val="000000"/>
+                        </a:solidFill>
+                        <a:effectLst/>
+                        <a:latin typeface="宋体" panose="02010600030101010101" pitchFamily="2" charset="-122"/>
+                        <a:ea typeface="宋体" panose="02010600030101010101" pitchFamily="2" charset="-122"/>
+                        <a:cs typeface="Times New Roman" panose="02020603050405020304" pitchFamily="18" charset="0"/>
+                      </a:endParaRPr>
+                    </a:p>
+                  </a:txBody>
+                  <a:tcPr marL="68580" marR="68580" marT="0" marB="0"/>
+                </a:tc>
+                <a:tc>
+                  <a:txBody>
+                    <a:bodyPr/>
+                    <a:lstStyle/>
+                    <a:p>
+                      <a:pPr indent="266700" algn="ctr">
+                        <a:lnSpc>
+                          <a:spcPct val="125000"/>
+                        </a:lnSpc>
+                        <a:spcAft>
+                          <a:spcPts val="0"/>
+                        </a:spcAft>
+                      </a:pPr>
+                      <a:r>
+                        <a:rPr lang="en-US" sz="1800" kern="100" dirty="0">
+                          <a:effectLst/>
+                        </a:rPr>
+                        <a:t>9.431</a:t>
+                      </a:r>
+                      <a:endParaRPr lang="zh-CN" sz="2400" kern="100" dirty="0">
+                        <a:solidFill>
+                          <a:srgbClr val="000000"/>
+                        </a:solidFill>
+                        <a:effectLst/>
+                        <a:latin typeface="宋体" panose="02010600030101010101" pitchFamily="2" charset="-122"/>
+                        <a:ea typeface="宋体" panose="02010600030101010101" pitchFamily="2" charset="-122"/>
+                        <a:cs typeface="Times New Roman" panose="02020603050405020304" pitchFamily="18" charset="0"/>
+                      </a:endParaRPr>
+                    </a:p>
+                  </a:txBody>
+                  <a:tcPr marL="68580" marR="68580" marT="0" marB="0"/>
+                </a:tc>
+              </a:tr>
+            </a:tbl>
+          </a:graphicData>
+        </a:graphic>
+      </p:graphicFrame>
+      <p:sp>
+        <p:nvSpPr>
+          <p:cNvPr id="17" name="文本框 16"/>
+          <p:cNvSpPr txBox="1"/>
+          <p:nvPr/>
+        </p:nvSpPr>
+        <p:spPr>
+          <a:xfrm>
+            <a:off x="2706913" y="1243086"/>
+            <a:ext cx="4020457" cy="369332"/>
+          </a:xfrm>
+          <a:prstGeom prst="rect">
+            <a:avLst/>
+          </a:prstGeom>
+          <a:noFill/>
+        </p:spPr>
+        <p:txBody>
+          <a:bodyPr wrap="square" rtlCol="0">
+            <a:spAutoFit/>
+          </a:bodyPr>
+          <a:lstStyle/>
+          <a:p>
+            <a:r>
+              <a:rPr lang="zh-CN" altLang="en-US" dirty="0" smtClean="0"/>
+              <a:t>不同运动目标检测算法耗时对比</a:t>
+            </a:r>
+            <a:endParaRPr lang="zh-CN" altLang="en-US" dirty="0"/>
+          </a:p>
+        </p:txBody>
+      </p:sp>
+      <p:sp>
+        <p:nvSpPr>
+          <p:cNvPr id="18" name="文本框 17"/>
+          <p:cNvSpPr txBox="1"/>
+          <p:nvPr/>
+        </p:nvSpPr>
+        <p:spPr>
+          <a:xfrm>
+            <a:off x="2706913" y="4141362"/>
+            <a:ext cx="4020457" cy="369332"/>
+          </a:xfrm>
+          <a:prstGeom prst="rect">
+            <a:avLst/>
+          </a:prstGeom>
+          <a:noFill/>
+        </p:spPr>
+        <p:txBody>
+          <a:bodyPr wrap="square" rtlCol="0">
+            <a:spAutoFit/>
+          </a:bodyPr>
+          <a:lstStyle/>
+          <a:p>
+            <a:r>
+              <a:rPr lang="zh-CN" altLang="en-US" dirty="0" smtClean="0"/>
+              <a:t>不同算法适应场景变换所需时间对比</a:t>
+            </a:r>
+            <a:endParaRPr lang="zh-CN" altLang="en-US" dirty="0"/>
+          </a:p>
+        </p:txBody>
+      </p:sp>
+    </p:spTree>
+    <p:extLst>
+      <p:ext uri="{BB962C8B-B14F-4D97-AF65-F5344CB8AC3E}">
+        <p14:creationId xmlns:p14="http://schemas.microsoft.com/office/powerpoint/2010/main" val="1570975165"/>
+      </p:ext>
+    </p:extLst>
+  </p:cSld>
+  <p:clrMapOvr>
+    <a:masterClrMapping/>
+  </p:clrMapOvr>
+  <p:timing>
+    <p:tnLst>
+      <p:par>
+        <p:cTn id="1" dur="indefinite" restart="never" nodeType="tmRoot"/>
+      </p:par>
+    </p:tnLst>
+  </p:timing>
+</p:sld>
+</file>
+
+<file path=ppt/slides/slide2.xml><?xml version="1.0" encoding="utf-8"?>
+<p:sld xmlns:a="http://schemas.openxmlformats.org/drawingml/2006/main" xmlns:r="http://schemas.openxmlformats.org/officeDocument/2006/relationships" xmlns:p="http://schemas.openxmlformats.org/presentationml/2006/main">
+  <p:cSld>
+    <p:spTree>
+      <p:nvGrpSpPr>
+        <p:cNvPr id="1" name=""/>
+        <p:cNvGrpSpPr/>
+        <p:nvPr/>
+      </p:nvGrpSpPr>
+      <p:grpSpPr>
+        <a:xfrm>
+          <a:off x="0" y="0"/>
+          <a:ext cx="0" cy="0"/>
+          <a:chOff x="0" y="0"/>
+          <a:chExt cx="0" cy="0"/>
+        </a:xfrm>
+      </p:grpSpPr>
+      <p:sp>
+        <p:nvSpPr>
+          <p:cNvPr id="2" name="文本占位符 1"/>
+          <p:cNvSpPr>
+            <a:spLocks noGrp="1"/>
+          </p:cNvSpPr>
+          <p:nvPr>
+            <p:ph type="body" sz="quarter" idx="10"/>
+          </p:nvPr>
+        </p:nvSpPr>
+        <p:spPr/>
+        <p:txBody>
+          <a:bodyPr/>
+          <a:lstStyle/>
+          <a:p>
+            <a:r>
+              <a:rPr lang="en-US" altLang="zh-CN" dirty="0" smtClean="0">
+                <a:solidFill>
+                  <a:schemeClr val="accent2"/>
+                </a:solidFill>
+                <a:latin typeface="微软雅黑" panose="020B0503020204020204" pitchFamily="34" charset="-122"/>
+                <a:ea typeface="微软雅黑" panose="020B0503020204020204" pitchFamily="34" charset="-122"/>
+              </a:rPr>
+              <a:t>Content</a:t>
+            </a:r>
+            <a:r>
+              <a:rPr lang="en-US" altLang="zh-CN" sz="1400" dirty="0" smtClean="0">
+                <a:solidFill>
+                  <a:schemeClr val="accent2"/>
+                </a:solidFill>
+                <a:latin typeface="微软雅黑" panose="020B0503020204020204" pitchFamily="34" charset="-122"/>
+                <a:ea typeface="微软雅黑" panose="020B0503020204020204" pitchFamily="34" charset="-122"/>
+              </a:rPr>
+              <a:t> </a:t>
+            </a:r>
+            <a:r>
+              <a:rPr lang="en-US" altLang="zh-CN" sz="2800" b="0" dirty="0" smtClean="0">
+                <a:solidFill>
+                  <a:schemeClr val="accent2"/>
+                </a:solidFill>
+                <a:latin typeface="微软雅黑" panose="020B0503020204020204" pitchFamily="34" charset="-122"/>
+                <a:ea typeface="微软雅黑" panose="020B0503020204020204" pitchFamily="34" charset="-122"/>
+              </a:rPr>
+              <a:t>(</a:t>
+            </a:r>
+            <a:r>
+              <a:rPr lang="zh-CN" altLang="en-US" sz="2800" b="0" dirty="0" smtClean="0">
+                <a:solidFill>
+                  <a:schemeClr val="accent2"/>
+                </a:solidFill>
+                <a:latin typeface="微软雅黑" panose="020B0503020204020204" pitchFamily="34" charset="-122"/>
+                <a:ea typeface="微软雅黑" panose="020B0503020204020204" pitchFamily="34" charset="-122"/>
+              </a:rPr>
+              <a:t>目录</a:t>
+            </a:r>
+            <a:r>
+              <a:rPr lang="en-US" altLang="zh-CN" sz="2800" b="0" dirty="0" smtClean="0">
+                <a:solidFill>
+                  <a:schemeClr val="accent2"/>
+                </a:solidFill>
+                <a:latin typeface="微软雅黑" panose="020B0503020204020204" pitchFamily="34" charset="-122"/>
+                <a:ea typeface="微软雅黑" panose="020B0503020204020204" pitchFamily="34" charset="-122"/>
+              </a:rPr>
+              <a:t>)</a:t>
+            </a:r>
+            <a:endParaRPr lang="zh-CN" altLang="en-US" sz="2800" b="0" dirty="0">
+              <a:solidFill>
+                <a:schemeClr val="accent2"/>
+              </a:solidFill>
+              <a:latin typeface="微软雅黑" panose="020B0503020204020204" pitchFamily="34" charset="-122"/>
+              <a:ea typeface="微软雅黑" panose="020B0503020204020204" pitchFamily="34" charset="-122"/>
+            </a:endParaRPr>
+          </a:p>
+        </p:txBody>
+      </p:sp>
+      <p:sp>
+        <p:nvSpPr>
+          <p:cNvPr id="7" name="矩形 6"/>
+          <p:cNvSpPr/>
+          <p:nvPr/>
+        </p:nvSpPr>
+        <p:spPr>
+          <a:xfrm rot="18900000" flipH="1">
+            <a:off x="729070" y="3055162"/>
+            <a:ext cx="1379191" cy="1379191"/>
+          </a:xfrm>
+          <a:prstGeom prst="rect">
+            <a:avLst/>
+          </a:prstGeom>
+          <a:solidFill>
+            <a:schemeClr val="accent2"/>
+          </a:solidFill>
+          <a:ln>
+            <a:noFill/>
+          </a:ln>
+        </p:spPr>
+        <p:style>
+          <a:lnRef idx="2">
+            <a:schemeClr val="accent1">
+              <a:shade val="50000"/>
+            </a:schemeClr>
+          </a:lnRef>
+          <a:fillRef idx="1">
+            <a:schemeClr val="accent1"/>
+          </a:fillRef>
+          <a:effectRef idx="0">
+            <a:schemeClr val="accent1"/>
+          </a:effectRef>
+          <a:fontRef idx="minor">
+            <a:schemeClr val="lt1"/>
+          </a:fontRef>
+        </p:style>
+        <p:txBody>
+          <a:bodyPr rtlCol="0" anchor="ctr"/>
+          <a:lstStyle/>
+          <a:p>
+            <a:pPr algn="ctr"/>
+            <a:endParaRPr lang="zh-CN" altLang="en-US" dirty="0">
+              <a:solidFill>
+                <a:prstClr val="white"/>
+              </a:solidFill>
+            </a:endParaRPr>
+          </a:p>
+        </p:txBody>
+      </p:sp>
+      <p:sp>
+        <p:nvSpPr>
+          <p:cNvPr id="20" name="矩形 19"/>
+          <p:cNvSpPr/>
+          <p:nvPr/>
+        </p:nvSpPr>
+        <p:spPr>
+          <a:xfrm>
+            <a:off x="799342" y="3236926"/>
+            <a:ext cx="1238647" cy="1015663"/>
+          </a:xfrm>
+          <a:prstGeom prst="rect">
+            <a:avLst/>
+          </a:prstGeom>
+        </p:spPr>
+        <p:txBody>
+          <a:bodyPr wrap="square">
+            <a:spAutoFit/>
+          </a:bodyPr>
+          <a:lstStyle/>
+          <a:p>
+            <a:pPr algn="ctr"/>
+            <a:r>
+              <a:rPr lang="zh-CN" altLang="en-US" sz="3000" dirty="0" smtClean="0">
+                <a:solidFill>
+                  <a:schemeClr val="bg1"/>
+                </a:solidFill>
+                <a:latin typeface="+mn-ea"/>
+              </a:rPr>
+              <a:t>研究</a:t>
+            </a:r>
+            <a:r>
+              <a:rPr lang="zh-CN" altLang="en-US" sz="3000" dirty="0">
+                <a:solidFill>
+                  <a:schemeClr val="bg1"/>
+                </a:solidFill>
+                <a:latin typeface="+mn-ea"/>
+              </a:rPr>
+              <a:t>背景</a:t>
+            </a:r>
+            <a:endParaRPr lang="zh-CN" altLang="en-US" sz="3000" dirty="0">
+              <a:solidFill>
+                <a:schemeClr val="bg1"/>
+              </a:solidFill>
+              <a:latin typeface="+mn-ea"/>
+              <a:cs typeface="Microsoft New Tai Lue" panose="020B0502040204020203" pitchFamily="34" charset="0"/>
+            </a:endParaRPr>
+          </a:p>
+        </p:txBody>
+      </p:sp>
+      <p:sp>
+        <p:nvSpPr>
+          <p:cNvPr id="42" name="矩形 41"/>
+          <p:cNvSpPr/>
+          <p:nvPr/>
+        </p:nvSpPr>
+        <p:spPr>
+          <a:xfrm rot="18900000" flipH="1">
+            <a:off x="2831293" y="3055162"/>
+            <a:ext cx="1379191" cy="1379191"/>
+          </a:xfrm>
+          <a:prstGeom prst="rect">
+            <a:avLst/>
+          </a:prstGeom>
+          <a:solidFill>
+            <a:schemeClr val="accent2"/>
+          </a:solidFill>
+          <a:ln>
+            <a:noFill/>
+          </a:ln>
+        </p:spPr>
+        <p:style>
+          <a:lnRef idx="2">
+            <a:schemeClr val="accent1">
+              <a:shade val="50000"/>
+            </a:schemeClr>
+          </a:lnRef>
+          <a:fillRef idx="1">
+            <a:schemeClr val="accent1"/>
+          </a:fillRef>
+          <a:effectRef idx="0">
+            <a:schemeClr val="accent1"/>
+          </a:effectRef>
+          <a:fontRef idx="minor">
+            <a:schemeClr val="lt1"/>
+          </a:fontRef>
+        </p:style>
+        <p:txBody>
+          <a:bodyPr rtlCol="0" anchor="ctr"/>
+          <a:lstStyle/>
+          <a:p>
+            <a:pPr algn="ctr"/>
+            <a:endParaRPr lang="zh-CN" altLang="en-US">
+              <a:solidFill>
+                <a:prstClr val="white"/>
+              </a:solidFill>
+            </a:endParaRPr>
+          </a:p>
+        </p:txBody>
+      </p:sp>
+      <p:sp>
+        <p:nvSpPr>
+          <p:cNvPr id="43" name="矩形 42"/>
+          <p:cNvSpPr/>
+          <p:nvPr/>
+        </p:nvSpPr>
+        <p:spPr>
+          <a:xfrm>
+            <a:off x="2901564" y="3236925"/>
+            <a:ext cx="1238647" cy="1015663"/>
+          </a:xfrm>
+          <a:prstGeom prst="rect">
+            <a:avLst/>
+          </a:prstGeom>
+        </p:spPr>
+        <p:txBody>
+          <a:bodyPr wrap="square">
+            <a:spAutoFit/>
+          </a:bodyPr>
+          <a:lstStyle/>
+          <a:p>
+            <a:pPr algn="ctr"/>
+            <a:r>
+              <a:rPr lang="zh-CN" altLang="en-US" sz="3000" dirty="0" smtClean="0">
+                <a:solidFill>
+                  <a:schemeClr val="bg1"/>
+                </a:solidFill>
+                <a:latin typeface="+mn-ea"/>
+                <a:cs typeface="Microsoft New Tai Lue" panose="020B0502040204020203" pitchFamily="34" charset="0"/>
+              </a:rPr>
+              <a:t>研究模块</a:t>
+            </a:r>
+            <a:endParaRPr lang="zh-CN" altLang="en-US" sz="3000" dirty="0">
+              <a:solidFill>
+                <a:schemeClr val="bg1"/>
+              </a:solidFill>
+              <a:latin typeface="+mn-ea"/>
+              <a:cs typeface="Microsoft New Tai Lue" panose="020B0502040204020203" pitchFamily="34" charset="0"/>
+            </a:endParaRPr>
+          </a:p>
+        </p:txBody>
+      </p:sp>
+      <p:sp>
+        <p:nvSpPr>
+          <p:cNvPr id="45" name="矩形 44"/>
+          <p:cNvSpPr/>
+          <p:nvPr/>
+        </p:nvSpPr>
+        <p:spPr>
+          <a:xfrm rot="18900000" flipH="1">
+            <a:off x="4933516" y="3055162"/>
+            <a:ext cx="1379191" cy="1379191"/>
+          </a:xfrm>
+          <a:prstGeom prst="rect">
+            <a:avLst/>
+          </a:prstGeom>
+          <a:solidFill>
+            <a:schemeClr val="accent2"/>
+          </a:solidFill>
+          <a:ln>
+            <a:noFill/>
+          </a:ln>
+        </p:spPr>
+        <p:style>
+          <a:lnRef idx="2">
+            <a:schemeClr val="accent1">
+              <a:shade val="50000"/>
+            </a:schemeClr>
+          </a:lnRef>
+          <a:fillRef idx="1">
+            <a:schemeClr val="accent1"/>
+          </a:fillRef>
+          <a:effectRef idx="0">
+            <a:schemeClr val="accent1"/>
+          </a:effectRef>
+          <a:fontRef idx="minor">
+            <a:schemeClr val="lt1"/>
+          </a:fontRef>
+        </p:style>
+        <p:txBody>
+          <a:bodyPr rtlCol="0" anchor="ctr"/>
+          <a:lstStyle/>
+          <a:p>
+            <a:pPr algn="ctr"/>
+            <a:endParaRPr lang="zh-CN" altLang="en-US">
+              <a:solidFill>
+                <a:prstClr val="white"/>
+              </a:solidFill>
+            </a:endParaRPr>
+          </a:p>
+        </p:txBody>
+      </p:sp>
+      <p:sp>
+        <p:nvSpPr>
+          <p:cNvPr id="46" name="矩形 45"/>
+          <p:cNvSpPr/>
+          <p:nvPr/>
+        </p:nvSpPr>
+        <p:spPr>
+          <a:xfrm>
+            <a:off x="5003787" y="3236925"/>
+            <a:ext cx="1238647" cy="1015663"/>
+          </a:xfrm>
+          <a:prstGeom prst="rect">
+            <a:avLst/>
+          </a:prstGeom>
+        </p:spPr>
+        <p:txBody>
+          <a:bodyPr wrap="square">
+            <a:spAutoFit/>
+          </a:bodyPr>
+          <a:lstStyle/>
+          <a:p>
+            <a:pPr algn="ctr"/>
+            <a:r>
+              <a:rPr lang="zh-CN" altLang="en-US" sz="3000" dirty="0" smtClean="0">
+                <a:solidFill>
+                  <a:schemeClr val="bg1"/>
+                </a:solidFill>
+                <a:latin typeface="+mn-ea"/>
+              </a:rPr>
+              <a:t>研究成果</a:t>
+            </a:r>
+            <a:endParaRPr lang="zh-CN" altLang="en-US" sz="3000" dirty="0">
+              <a:solidFill>
+                <a:schemeClr val="bg1"/>
+              </a:solidFill>
+              <a:latin typeface="+mn-ea"/>
+              <a:cs typeface="Microsoft New Tai Lue" panose="020B0502040204020203" pitchFamily="34" charset="0"/>
+            </a:endParaRPr>
+          </a:p>
+        </p:txBody>
+      </p:sp>
+      <p:sp>
+        <p:nvSpPr>
+          <p:cNvPr id="48" name="矩形 47"/>
+          <p:cNvSpPr/>
+          <p:nvPr/>
+        </p:nvSpPr>
+        <p:spPr>
+          <a:xfrm rot="18900000" flipH="1">
+            <a:off x="7035740" y="3055162"/>
+            <a:ext cx="1379191" cy="1379191"/>
+          </a:xfrm>
+          <a:prstGeom prst="rect">
+            <a:avLst/>
+          </a:prstGeom>
+          <a:solidFill>
+            <a:schemeClr val="accent2"/>
+          </a:solidFill>
+          <a:ln>
+            <a:noFill/>
+          </a:ln>
+        </p:spPr>
+        <p:style>
+          <a:lnRef idx="2">
+            <a:schemeClr val="accent1">
+              <a:shade val="50000"/>
+            </a:schemeClr>
+          </a:lnRef>
+          <a:fillRef idx="1">
+            <a:schemeClr val="accent1"/>
+          </a:fillRef>
+          <a:effectRef idx="0">
+            <a:schemeClr val="accent1"/>
+          </a:effectRef>
+          <a:fontRef idx="minor">
+            <a:schemeClr val="lt1"/>
+          </a:fontRef>
+        </p:style>
+        <p:txBody>
+          <a:bodyPr rtlCol="0" anchor="ctr"/>
+          <a:lstStyle/>
+          <a:p>
+            <a:pPr algn="ctr"/>
+            <a:endParaRPr lang="zh-CN" altLang="en-US">
+              <a:solidFill>
+                <a:prstClr val="white"/>
+              </a:solidFill>
+            </a:endParaRPr>
+          </a:p>
+        </p:txBody>
+      </p:sp>
+      <p:sp>
+        <p:nvSpPr>
+          <p:cNvPr id="49" name="矩形 48"/>
+          <p:cNvSpPr/>
+          <p:nvPr/>
+        </p:nvSpPr>
+        <p:spPr>
+          <a:xfrm>
+            <a:off x="7106011" y="3236924"/>
+            <a:ext cx="1238647" cy="1015663"/>
+          </a:xfrm>
+          <a:prstGeom prst="rect">
+            <a:avLst/>
+          </a:prstGeom>
+        </p:spPr>
+        <p:txBody>
+          <a:bodyPr wrap="square">
+            <a:spAutoFit/>
+          </a:bodyPr>
+          <a:lstStyle/>
+          <a:p>
+            <a:pPr algn="ctr"/>
+            <a:r>
+              <a:rPr lang="zh-CN" altLang="en-US" sz="3000" dirty="0" smtClean="0">
+                <a:solidFill>
+                  <a:schemeClr val="bg1"/>
+                </a:solidFill>
+                <a:latin typeface="+mn-ea"/>
+              </a:rPr>
+              <a:t>研究总结</a:t>
+            </a:r>
+            <a:endParaRPr lang="zh-CN" altLang="en-US" sz="3000" dirty="0">
+              <a:solidFill>
+                <a:schemeClr val="bg1"/>
+              </a:solidFill>
+              <a:latin typeface="+mn-ea"/>
+              <a:cs typeface="Microsoft New Tai Lue" panose="020B0502040204020203" pitchFamily="34" charset="0"/>
+            </a:endParaRPr>
+          </a:p>
+        </p:txBody>
+      </p:sp>
+    </p:spTree>
+    <p:extLst>
+      <p:ext uri="{BB962C8B-B14F-4D97-AF65-F5344CB8AC3E}">
+        <p14:creationId xmlns:p14="http://schemas.microsoft.com/office/powerpoint/2010/main" val="4170498421"/>
+      </p:ext>
+    </p:extLst>
+  </p:cSld>
+  <p:clrMapOvr>
+    <a:masterClrMapping/>
+  </p:clrMapOvr>
+  <p:timing>
+    <p:tnLst>
+      <p:par>
+        <p:cTn id="1" dur="indefinite" restart="never" nodeType="tmRoot"/>
+      </p:par>
+    </p:tnLst>
+  </p:timing>
+</p:sld>
+</file>
+
+<file path=ppt/slides/slide20.xml><?xml version="1.0" encoding="utf-8"?>
+<p:sld xmlns:a="http://schemas.openxmlformats.org/drawingml/2006/main" xmlns:r="http://schemas.openxmlformats.org/officeDocument/2006/relationships" xmlns:p="http://schemas.openxmlformats.org/presentationml/2006/main">
+  <p:cSld>
+    <p:spTree>
+      <p:nvGrpSpPr>
+        <p:cNvPr id="1" name=""/>
+        <p:cNvGrpSpPr/>
+        <p:nvPr/>
+      </p:nvGrpSpPr>
+      <p:grpSpPr>
+        <a:xfrm>
+          <a:off x="0" y="0"/>
+          <a:ext cx="0" cy="0"/>
+          <a:chOff x="0" y="0"/>
+          <a:chExt cx="0" cy="0"/>
+        </a:xfrm>
+      </p:grpSpPr>
+      <p:sp>
+        <p:nvSpPr>
+          <p:cNvPr id="2" name="文本占位符 1"/>
+          <p:cNvSpPr>
+            <a:spLocks noGrp="1"/>
+          </p:cNvSpPr>
+          <p:nvPr>
+            <p:ph type="body" sz="quarter" idx="10"/>
+          </p:nvPr>
+        </p:nvSpPr>
+        <p:spPr/>
+        <p:txBody>
+          <a:bodyPr/>
+          <a:lstStyle/>
+          <a:p>
+            <a:r>
+              <a:rPr lang="zh-CN" altLang="en-US" dirty="0" smtClean="0"/>
+              <a:t>特征提取</a:t>
+            </a:r>
+            <a:endParaRPr lang="zh-CN" altLang="en-US" b="0" dirty="0"/>
+          </a:p>
+        </p:txBody>
+      </p:sp>
+      <p:sp>
+        <p:nvSpPr>
+          <p:cNvPr id="15" name="矩形 14"/>
+          <p:cNvSpPr/>
+          <p:nvPr/>
+        </p:nvSpPr>
+        <p:spPr>
+          <a:xfrm>
+            <a:off x="647564" y="1959249"/>
+            <a:ext cx="7848872" cy="769441"/>
+          </a:xfrm>
+          <a:prstGeom prst="rect">
+            <a:avLst/>
+          </a:prstGeom>
+        </p:spPr>
+        <p:txBody>
+          <a:bodyPr wrap="square">
+            <a:spAutoFit/>
+          </a:bodyPr>
+          <a:lstStyle/>
+          <a:p>
+            <a:pPr indent="457200" algn="just"/>
+            <a:r>
+              <a:rPr lang="zh-CN" altLang="en-US" sz="2200" dirty="0" smtClean="0">
+                <a:latin typeface="微软雅黑 Light" panose="020B0502040204020203" pitchFamily="34" charset="-122"/>
+                <a:ea typeface="微软雅黑 Light" panose="020B0502040204020203" pitchFamily="34" charset="-122"/>
+              </a:rPr>
+              <a:t>静态特征：</a:t>
+            </a:r>
+            <a:endParaRPr lang="en-US" altLang="zh-CN" sz="2200" dirty="0">
+              <a:latin typeface="微软雅黑 Light" panose="020B0502040204020203" pitchFamily="34" charset="-122"/>
+              <a:ea typeface="微软雅黑 Light" panose="020B0502040204020203" pitchFamily="34" charset="-122"/>
+            </a:endParaRPr>
+          </a:p>
+          <a:p>
+            <a:pPr indent="457200" algn="just"/>
+            <a:r>
+              <a:rPr lang="zh-CN" altLang="en-US" sz="2200" dirty="0" smtClean="0">
+                <a:solidFill>
+                  <a:schemeClr val="accent2"/>
+                </a:solidFill>
+                <a:latin typeface="微软雅黑 Light" panose="020B0502040204020203" pitchFamily="34" charset="-122"/>
+                <a:ea typeface="微软雅黑 Light" panose="020B0502040204020203" pitchFamily="34" charset="-122"/>
+              </a:rPr>
+              <a:t>烟雾颜色、表面纹理、边缘轮廓</a:t>
+            </a:r>
+            <a:endParaRPr lang="zh-CN" altLang="en-US" sz="2200" dirty="0">
+              <a:solidFill>
+                <a:schemeClr val="accent2"/>
+              </a:solidFill>
+              <a:latin typeface="微软雅黑 Light" panose="020B0502040204020203" pitchFamily="34" charset="-122"/>
+              <a:ea typeface="微软雅黑 Light" panose="020B0502040204020203" pitchFamily="34" charset="-122"/>
+            </a:endParaRPr>
+          </a:p>
+        </p:txBody>
+      </p:sp>
+      <p:grpSp>
+        <p:nvGrpSpPr>
+          <p:cNvPr id="16" name="组合 15"/>
+          <p:cNvGrpSpPr/>
+          <p:nvPr/>
+        </p:nvGrpSpPr>
+        <p:grpSpPr>
+          <a:xfrm>
+            <a:off x="711115" y="1760918"/>
+            <a:ext cx="803049" cy="262191"/>
+            <a:chOff x="683546" y="2736327"/>
+            <a:chExt cx="803049" cy="262191"/>
+          </a:xfrm>
+        </p:grpSpPr>
+        <p:sp>
+          <p:nvSpPr>
+            <p:cNvPr id="18" name="矩形 17"/>
+            <p:cNvSpPr/>
+            <p:nvPr/>
+          </p:nvSpPr>
+          <p:spPr>
+            <a:xfrm rot="18900000" flipH="1">
+              <a:off x="861276" y="2736327"/>
+              <a:ext cx="262191" cy="262191"/>
+            </a:xfrm>
+            <a:prstGeom prst="rect">
+              <a:avLst/>
+            </a:prstGeom>
+            <a:solidFill>
+              <a:schemeClr val="accent5"/>
+            </a:solidFill>
+            <a:ln>
+              <a:noFill/>
+            </a:ln>
+          </p:spPr>
+          <p:style>
+            <a:lnRef idx="2">
+              <a:schemeClr val="accent1">
+                <a:shade val="50000"/>
+              </a:schemeClr>
+            </a:lnRef>
+            <a:fillRef idx="1">
+              <a:schemeClr val="accent1"/>
+            </a:fillRef>
+            <a:effectRef idx="0">
+              <a:schemeClr val="accent1"/>
+            </a:effectRef>
+            <a:fontRef idx="minor">
+              <a:schemeClr val="lt1"/>
+            </a:fontRef>
+          </p:style>
+          <p:txBody>
+            <a:bodyPr rtlCol="0" anchor="ctr"/>
+            <a:lstStyle/>
+            <a:p>
+              <a:pPr algn="ctr"/>
+              <a:endParaRPr lang="zh-CN" altLang="en-US">
+                <a:solidFill>
+                  <a:prstClr val="white"/>
+                </a:solidFill>
+              </a:endParaRPr>
+            </a:p>
+          </p:txBody>
+        </p:sp>
+        <p:cxnSp>
+          <p:nvCxnSpPr>
+            <p:cNvPr id="19" name="直接连接符 18"/>
+            <p:cNvCxnSpPr/>
+            <p:nvPr/>
+          </p:nvCxnSpPr>
+          <p:spPr>
+            <a:xfrm rot="18900000" flipH="1">
+              <a:off x="683546" y="2960121"/>
+              <a:ext cx="803049" cy="0"/>
+            </a:xfrm>
+            <a:prstGeom prst="line">
+              <a:avLst/>
+            </a:prstGeom>
+            <a:ln w="25400">
+              <a:gradFill>
+                <a:gsLst>
+                  <a:gs pos="0">
+                    <a:schemeClr val="accent5">
+                      <a:alpha val="0"/>
+                    </a:schemeClr>
+                  </a:gs>
+                  <a:gs pos="50000">
+                    <a:schemeClr val="accent5"/>
+                  </a:gs>
+                  <a:gs pos="100000">
+                    <a:schemeClr val="accent5">
+                      <a:alpha val="0"/>
+                    </a:schemeClr>
+                  </a:gs>
+                </a:gsLst>
+                <a:lin ang="0" scaled="0"/>
+              </a:gradFill>
+            </a:ln>
+          </p:spPr>
+          <p:style>
+            <a:lnRef idx="1">
+              <a:schemeClr val="accent1"/>
+            </a:lnRef>
+            <a:fillRef idx="0">
+              <a:schemeClr val="accent1"/>
+            </a:fillRef>
+            <a:effectRef idx="0">
+              <a:schemeClr val="accent1"/>
+            </a:effectRef>
+            <a:fontRef idx="minor">
+              <a:schemeClr val="tx1"/>
+            </a:fontRef>
+          </p:style>
+        </p:cxnSp>
+      </p:grpSp>
+      <p:grpSp>
+        <p:nvGrpSpPr>
+          <p:cNvPr id="23" name="组合 22"/>
+          <p:cNvGrpSpPr/>
+          <p:nvPr/>
+        </p:nvGrpSpPr>
+        <p:grpSpPr>
+          <a:xfrm>
+            <a:off x="711115" y="4221266"/>
+            <a:ext cx="803049" cy="262191"/>
+            <a:chOff x="683546" y="2736327"/>
+            <a:chExt cx="803049" cy="262191"/>
+          </a:xfrm>
+        </p:grpSpPr>
+        <p:sp>
+          <p:nvSpPr>
+            <p:cNvPr id="24" name="矩形 23"/>
+            <p:cNvSpPr/>
+            <p:nvPr/>
+          </p:nvSpPr>
+          <p:spPr>
+            <a:xfrm rot="18900000" flipH="1">
+              <a:off x="861276" y="2736327"/>
+              <a:ext cx="262191" cy="262191"/>
+            </a:xfrm>
+            <a:prstGeom prst="rect">
+              <a:avLst/>
+            </a:prstGeom>
+            <a:noFill/>
+            <a:ln>
+              <a:solidFill>
+                <a:srgbClr val="4472C4"/>
+              </a:solidFill>
+            </a:ln>
+          </p:spPr>
+          <p:style>
+            <a:lnRef idx="2">
+              <a:schemeClr val="accent1">
+                <a:shade val="50000"/>
+              </a:schemeClr>
+            </a:lnRef>
+            <a:fillRef idx="1">
+              <a:schemeClr val="accent1"/>
+            </a:fillRef>
+            <a:effectRef idx="0">
+              <a:schemeClr val="accent1"/>
+            </a:effectRef>
+            <a:fontRef idx="minor">
+              <a:schemeClr val="lt1"/>
+            </a:fontRef>
+          </p:style>
+          <p:txBody>
+            <a:bodyPr rtlCol="0" anchor="ctr"/>
+            <a:lstStyle/>
+            <a:p>
+              <a:pPr algn="ctr"/>
+              <a:endParaRPr lang="zh-CN" altLang="en-US">
+                <a:solidFill>
+                  <a:prstClr val="white"/>
+                </a:solidFill>
+              </a:endParaRPr>
+            </a:p>
+          </p:txBody>
+        </p:sp>
+        <p:cxnSp>
+          <p:nvCxnSpPr>
+            <p:cNvPr id="25" name="直接连接符 24"/>
+            <p:cNvCxnSpPr/>
+            <p:nvPr/>
+          </p:nvCxnSpPr>
+          <p:spPr>
+            <a:xfrm rot="18900000" flipH="1">
+              <a:off x="683546" y="2960121"/>
+              <a:ext cx="803049" cy="0"/>
+            </a:xfrm>
+            <a:prstGeom prst="line">
+              <a:avLst/>
+            </a:prstGeom>
+            <a:ln w="25400">
+              <a:gradFill>
+                <a:gsLst>
+                  <a:gs pos="0">
+                    <a:schemeClr val="accent5">
+                      <a:alpha val="0"/>
+                    </a:schemeClr>
+                  </a:gs>
+                  <a:gs pos="50000">
+                    <a:schemeClr val="accent5"/>
+                  </a:gs>
+                  <a:gs pos="100000">
+                    <a:schemeClr val="accent5">
+                      <a:alpha val="0"/>
+                    </a:schemeClr>
+                  </a:gs>
+                </a:gsLst>
+                <a:lin ang="0" scaled="0"/>
+              </a:gradFill>
+            </a:ln>
+          </p:spPr>
+          <p:style>
+            <a:lnRef idx="1">
+              <a:schemeClr val="accent1"/>
+            </a:lnRef>
+            <a:fillRef idx="0">
+              <a:schemeClr val="accent1"/>
+            </a:fillRef>
+            <a:effectRef idx="0">
+              <a:schemeClr val="accent1"/>
+            </a:effectRef>
+            <a:fontRef idx="minor">
+              <a:schemeClr val="tx1"/>
+            </a:fontRef>
+          </p:style>
+        </p:cxnSp>
+      </p:grpSp>
+      <p:sp>
+        <p:nvSpPr>
+          <p:cNvPr id="26" name="矩形 25"/>
+          <p:cNvSpPr/>
+          <p:nvPr/>
+        </p:nvSpPr>
+        <p:spPr>
+          <a:xfrm>
+            <a:off x="647564" y="4416222"/>
+            <a:ext cx="7848872" cy="769441"/>
+          </a:xfrm>
+          <a:prstGeom prst="rect">
+            <a:avLst/>
+          </a:prstGeom>
+        </p:spPr>
+        <p:txBody>
+          <a:bodyPr wrap="square">
+            <a:spAutoFit/>
+          </a:bodyPr>
+          <a:lstStyle/>
+          <a:p>
+            <a:pPr indent="457200" algn="just"/>
+            <a:r>
+              <a:rPr lang="zh-CN" altLang="en-US" sz="2200" dirty="0" smtClean="0">
+                <a:latin typeface="微软雅黑 Light" panose="020B0502040204020203" pitchFamily="34" charset="-122"/>
+                <a:ea typeface="微软雅黑 Light" panose="020B0502040204020203" pitchFamily="34" charset="-122"/>
+              </a:rPr>
+              <a:t>动态特征：</a:t>
+            </a:r>
+            <a:endParaRPr lang="en-US" altLang="zh-CN" sz="2200" dirty="0">
+              <a:latin typeface="微软雅黑 Light" panose="020B0502040204020203" pitchFamily="34" charset="-122"/>
+              <a:ea typeface="微软雅黑 Light" panose="020B0502040204020203" pitchFamily="34" charset="-122"/>
+            </a:endParaRPr>
+          </a:p>
+          <a:p>
+            <a:pPr indent="457200" algn="just"/>
+            <a:r>
+              <a:rPr lang="zh-CN" altLang="en-US" sz="2200" dirty="0" smtClean="0">
+                <a:solidFill>
+                  <a:schemeClr val="accent2"/>
+                </a:solidFill>
+                <a:latin typeface="微软雅黑 Light" panose="020B0502040204020203" pitchFamily="34" charset="-122"/>
+                <a:ea typeface="微软雅黑 Light" panose="020B0502040204020203" pitchFamily="34" charset="-122"/>
+              </a:rPr>
+              <a:t>运动方向、区域面积变化、周期飘动强度</a:t>
+            </a:r>
+            <a:endParaRPr lang="zh-CN" altLang="en-US" sz="2200" dirty="0">
+              <a:solidFill>
+                <a:schemeClr val="accent2"/>
+              </a:solidFill>
+              <a:latin typeface="微软雅黑 Light" panose="020B0502040204020203" pitchFamily="34" charset="-122"/>
+              <a:ea typeface="微软雅黑 Light" panose="020B0502040204020203" pitchFamily="34" charset="-122"/>
+            </a:endParaRPr>
+          </a:p>
+        </p:txBody>
+      </p:sp>
+      <p:cxnSp>
+        <p:nvCxnSpPr>
+          <p:cNvPr id="27" name="直接连接符 26"/>
+          <p:cNvCxnSpPr/>
+          <p:nvPr/>
+        </p:nvCxnSpPr>
+        <p:spPr>
+          <a:xfrm>
+            <a:off x="98603" y="3893686"/>
+            <a:ext cx="5940152" cy="0"/>
+          </a:xfrm>
+          <a:prstGeom prst="line">
+            <a:avLst/>
+          </a:prstGeom>
+          <a:ln w="15875">
+            <a:gradFill>
+              <a:gsLst>
+                <a:gs pos="13000">
+                  <a:schemeClr val="accent5"/>
+                </a:gs>
+                <a:gs pos="100000">
+                  <a:schemeClr val="accent5">
+                    <a:alpha val="0"/>
+                  </a:schemeClr>
+                </a:gs>
+              </a:gsLst>
+              <a:lin ang="0" scaled="0"/>
+            </a:gradFill>
+          </a:ln>
+        </p:spPr>
+        <p:style>
+          <a:lnRef idx="1">
+            <a:schemeClr val="accent1"/>
+          </a:lnRef>
+          <a:fillRef idx="0">
+            <a:schemeClr val="accent1"/>
+          </a:fillRef>
+          <a:effectRef idx="0">
+            <a:schemeClr val="accent1"/>
+          </a:effectRef>
+          <a:fontRef idx="minor">
+            <a:schemeClr val="tx1"/>
+          </a:fontRef>
+        </p:style>
+      </p:cxnSp>
+      <p:cxnSp>
+        <p:nvCxnSpPr>
+          <p:cNvPr id="28" name="直接连接符 27"/>
+          <p:cNvCxnSpPr/>
+          <p:nvPr/>
+        </p:nvCxnSpPr>
+        <p:spPr>
+          <a:xfrm rot="16200000">
+            <a:off x="-441457" y="3546016"/>
+            <a:ext cx="2088232" cy="0"/>
+          </a:xfrm>
+          <a:prstGeom prst="line">
+            <a:avLst/>
+          </a:prstGeom>
+          <a:ln w="15875">
+            <a:gradFill>
+              <a:gsLst>
+                <a:gs pos="13000">
+                  <a:schemeClr val="accent5"/>
+                </a:gs>
+                <a:gs pos="100000">
+                  <a:schemeClr val="accent5">
+                    <a:alpha val="0"/>
+                  </a:schemeClr>
+                </a:gs>
+              </a:gsLst>
+              <a:lin ang="0" scaled="0"/>
+            </a:gradFill>
+          </a:ln>
+        </p:spPr>
+        <p:style>
+          <a:lnRef idx="1">
+            <a:schemeClr val="accent1"/>
+          </a:lnRef>
+          <a:fillRef idx="0">
+            <a:schemeClr val="accent1"/>
+          </a:fillRef>
+          <a:effectRef idx="0">
+            <a:schemeClr val="accent1"/>
+          </a:effectRef>
+          <a:fontRef idx="minor">
+            <a:schemeClr val="tx1"/>
+          </a:fontRef>
+        </p:style>
+      </p:cxnSp>
+    </p:spTree>
+    <p:extLst>
+      <p:ext uri="{BB962C8B-B14F-4D97-AF65-F5344CB8AC3E}">
+        <p14:creationId xmlns:p14="http://schemas.microsoft.com/office/powerpoint/2010/main" val="710164661"/>
+      </p:ext>
+    </p:extLst>
+  </p:cSld>
+  <p:clrMapOvr>
+    <a:masterClrMapping/>
+  </p:clrMapOvr>
+  <p:timing>
+    <p:tnLst>
+      <p:par>
+        <p:cTn id="1" dur="indefinite" restart="never" nodeType="tmRoot"/>
+      </p:par>
+    </p:tnLst>
+  </p:timing>
+</p:sld>
+</file>
+
+<file path=ppt/slides/slide21.xml><?xml version="1.0" encoding="utf-8"?>
 <p:sld xmlns:a="http://schemas.openxmlformats.org/drawingml/2006/main" xmlns:r="http://schemas.openxmlformats.org/officeDocument/2006/relationships" xmlns:p="http://schemas.openxmlformats.org/presentationml/2006/main">
   <p:cSld>
     <p:spTree>
@@ -5119,7 +10821,7 @@
 </p:sld>
 </file>
 
-<file path=ppt/slides/slide13.xml><?xml version="1.0" encoding="utf-8"?>
+<file path=ppt/slides/slide22.xml><?xml version="1.0" encoding="utf-8"?>
 <p:sld xmlns:a="http://schemas.openxmlformats.org/drawingml/2006/main" xmlns:r="http://schemas.openxmlformats.org/officeDocument/2006/relationships" xmlns:p="http://schemas.openxmlformats.org/presentationml/2006/main">
   <p:cSld>
     <p:spTree>
@@ -5557,7 +11259,7 @@
 </p:sld>
 </file>
 
-<file path=ppt/slides/slide14.xml><?xml version="1.0" encoding="utf-8"?>
+<file path=ppt/slides/slide23.xml><?xml version="1.0" encoding="utf-8"?>
 <p:sld xmlns:a="http://schemas.openxmlformats.org/drawingml/2006/main" xmlns:r="http://schemas.openxmlformats.org/officeDocument/2006/relationships" xmlns:p="http://schemas.openxmlformats.org/presentationml/2006/main">
   <p:cSld>
     <p:spTree>
@@ -5695,7 +11397,7 @@
 </p:sld>
 </file>
 
-<file path=ppt/slides/slide15.xml><?xml version="1.0" encoding="utf-8"?>
+<file path=ppt/slides/slide24.xml><?xml version="1.0" encoding="utf-8"?>
 <p:sld xmlns:a="http://schemas.openxmlformats.org/drawingml/2006/main" xmlns:r="http://schemas.openxmlformats.org/officeDocument/2006/relationships" xmlns:p="http://schemas.openxmlformats.org/presentationml/2006/main">
   <p:cSld>
     <p:spTree>
@@ -5891,7 +11593,7 @@
 </p:sld>
 </file>
 
-<file path=ppt/slides/slide16.xml><?xml version="1.0" encoding="utf-8"?>
+<file path=ppt/slides/slide25.xml><?xml version="1.0" encoding="utf-8"?>
 <p:sld xmlns:a="http://schemas.openxmlformats.org/drawingml/2006/main" xmlns:r="http://schemas.openxmlformats.org/officeDocument/2006/relationships" xmlns:p="http://schemas.openxmlformats.org/presentationml/2006/main">
   <p:cSld>
     <p:spTree>
@@ -6033,7 +11735,7 @@
 </p:sld>
 </file>
 
-<file path=ppt/slides/slide17.xml><?xml version="1.0" encoding="utf-8"?>
+<file path=ppt/slides/slide26.xml><?xml version="1.0" encoding="utf-8"?>
 <p:sld xmlns:a="http://schemas.openxmlformats.org/drawingml/2006/main" xmlns:r="http://schemas.openxmlformats.org/officeDocument/2006/relationships" xmlns:p="http://schemas.openxmlformats.org/presentationml/2006/main">
   <p:cSld>
     <p:spTree>
@@ -6886,7 +12588,7 @@
 </p:sld>
 </file>
 
-<file path=ppt/slides/slide18.xml><?xml version="1.0" encoding="utf-8"?>
+<file path=ppt/slides/slide27.xml><?xml version="1.0" encoding="utf-8"?>
 <p:sld xmlns:a="http://schemas.openxmlformats.org/drawingml/2006/main" xmlns:r="http://schemas.openxmlformats.org/officeDocument/2006/relationships" xmlns:p="http://schemas.openxmlformats.org/presentationml/2006/main">
   <p:cSld>
     <p:spTree>
@@ -7284,7 +12986,7 @@
 </p:sld>
 </file>
 
-<file path=ppt/slides/slide19.xml><?xml version="1.0" encoding="utf-8"?>
+<file path=ppt/slides/slide28.xml><?xml version="1.0" encoding="utf-8"?>
 <p:sld xmlns:a="http://schemas.openxmlformats.org/drawingml/2006/main" xmlns:r="http://schemas.openxmlformats.org/officeDocument/2006/relationships" xmlns:p="http://schemas.openxmlformats.org/presentationml/2006/main">
   <p:cSld>
     <p:spTree>
@@ -7435,17 +13137,8 @@
               <a:rPr lang="zh-CN" altLang="en-US" sz="2000" dirty="0" smtClean="0">
                 <a:latin typeface="+mn-ea"/>
               </a:rPr>
-              <a:t>感谢东大，给了我广阔的成长舞台，感谢路老师给了我悉心的科研指导，感谢实验室的兄弟姐妹增添了学习生活</a:t>
-            </a:r>
-            <a:r>
-              <a:rPr lang="zh-CN" altLang="en-US" sz="2000" dirty="0" smtClean="0">
-                <a:latin typeface="+mn-ea"/>
-              </a:rPr>
-              <a:t>中的欢笑，感谢同学好友之间纯粹的友谊，路漫漫其修远兮，吾将上下而求索，幸而一路有你们的陪伴。</a:t>
-            </a:r>
-            <a:endParaRPr lang="zh-CN" altLang="en-US" sz="2000" dirty="0" smtClean="0">
-              <a:latin typeface="+mn-ea"/>
-            </a:endParaRPr>
+              <a:t>感谢东大，给了我广阔的成长舞台，感谢路老师给了我悉心的科研指导，感谢实验室的兄弟姐妹增添了学习生活中的欢笑，感谢同学好友之间纯粹的友谊，路漫漫其修远兮，吾将上下而求索，幸而一路有你们的陪伴。</a:t>
+            </a:r>
           </a:p>
         </p:txBody>
       </p:sp>
@@ -7469,493 +13162,7 @@
 </p:sld>
 </file>
 
-<file path=ppt/slides/slide2.xml><?xml version="1.0" encoding="utf-8"?>
-<p:sld xmlns:a="http://schemas.openxmlformats.org/drawingml/2006/main" xmlns:r="http://schemas.openxmlformats.org/officeDocument/2006/relationships" xmlns:p="http://schemas.openxmlformats.org/presentationml/2006/main">
-  <p:cSld>
-    <p:spTree>
-      <p:nvGrpSpPr>
-        <p:cNvPr id="1" name=""/>
-        <p:cNvGrpSpPr/>
-        <p:nvPr/>
-      </p:nvGrpSpPr>
-      <p:grpSpPr>
-        <a:xfrm>
-          <a:off x="0" y="0"/>
-          <a:ext cx="0" cy="0"/>
-          <a:chOff x="0" y="0"/>
-          <a:chExt cx="0" cy="0"/>
-        </a:xfrm>
-      </p:grpSpPr>
-      <p:sp>
-        <p:nvSpPr>
-          <p:cNvPr id="2" name="文本占位符 1"/>
-          <p:cNvSpPr>
-            <a:spLocks noGrp="1"/>
-          </p:cNvSpPr>
-          <p:nvPr>
-            <p:ph type="body" sz="quarter" idx="10"/>
-          </p:nvPr>
-        </p:nvSpPr>
-        <p:spPr/>
-        <p:txBody>
-          <a:bodyPr/>
-          <a:lstStyle/>
-          <a:p>
-            <a:r>
-              <a:rPr lang="en-US" altLang="zh-CN" dirty="0" smtClean="0">
-                <a:solidFill>
-                  <a:schemeClr val="accent2"/>
-                </a:solidFill>
-                <a:latin typeface="微软雅黑" panose="020B0503020204020204" pitchFamily="34" charset="-122"/>
-                <a:ea typeface="微软雅黑" panose="020B0503020204020204" pitchFamily="34" charset="-122"/>
-              </a:rPr>
-              <a:t>Content</a:t>
-            </a:r>
-            <a:r>
-              <a:rPr lang="en-US" altLang="zh-CN" sz="1400" dirty="0" smtClean="0">
-                <a:solidFill>
-                  <a:schemeClr val="accent2"/>
-                </a:solidFill>
-                <a:latin typeface="微软雅黑" panose="020B0503020204020204" pitchFamily="34" charset="-122"/>
-                <a:ea typeface="微软雅黑" panose="020B0503020204020204" pitchFamily="34" charset="-122"/>
-              </a:rPr>
-              <a:t> </a:t>
-            </a:r>
-            <a:r>
-              <a:rPr lang="en-US" altLang="zh-CN" sz="2800" b="0" dirty="0" smtClean="0">
-                <a:solidFill>
-                  <a:schemeClr val="accent2"/>
-                </a:solidFill>
-                <a:latin typeface="微软雅黑" panose="020B0503020204020204" pitchFamily="34" charset="-122"/>
-                <a:ea typeface="微软雅黑" panose="020B0503020204020204" pitchFamily="34" charset="-122"/>
-              </a:rPr>
-              <a:t>(</a:t>
-            </a:r>
-            <a:r>
-              <a:rPr lang="zh-CN" altLang="en-US" sz="2800" b="0" dirty="0" smtClean="0">
-                <a:solidFill>
-                  <a:schemeClr val="accent2"/>
-                </a:solidFill>
-                <a:latin typeface="微软雅黑" panose="020B0503020204020204" pitchFamily="34" charset="-122"/>
-                <a:ea typeface="微软雅黑" panose="020B0503020204020204" pitchFamily="34" charset="-122"/>
-              </a:rPr>
-              <a:t>目录</a:t>
-            </a:r>
-            <a:r>
-              <a:rPr lang="en-US" altLang="zh-CN" sz="2800" b="0" dirty="0" smtClean="0">
-                <a:solidFill>
-                  <a:schemeClr val="accent2"/>
-                </a:solidFill>
-                <a:latin typeface="微软雅黑" panose="020B0503020204020204" pitchFamily="34" charset="-122"/>
-                <a:ea typeface="微软雅黑" panose="020B0503020204020204" pitchFamily="34" charset="-122"/>
-              </a:rPr>
-              <a:t>)</a:t>
-            </a:r>
-            <a:endParaRPr lang="zh-CN" altLang="en-US" sz="2800" b="0" dirty="0">
-              <a:solidFill>
-                <a:schemeClr val="accent2"/>
-              </a:solidFill>
-              <a:latin typeface="微软雅黑" panose="020B0503020204020204" pitchFamily="34" charset="-122"/>
-              <a:ea typeface="微软雅黑" panose="020B0503020204020204" pitchFamily="34" charset="-122"/>
-            </a:endParaRPr>
-          </a:p>
-        </p:txBody>
-      </p:sp>
-      <p:sp>
-        <p:nvSpPr>
-          <p:cNvPr id="7" name="矩形 6"/>
-          <p:cNvSpPr/>
-          <p:nvPr/>
-        </p:nvSpPr>
-        <p:spPr>
-          <a:xfrm rot="18900000" flipH="1">
-            <a:off x="729070" y="3055162"/>
-            <a:ext cx="1379191" cy="1379191"/>
-          </a:xfrm>
-          <a:prstGeom prst="rect">
-            <a:avLst/>
-          </a:prstGeom>
-          <a:solidFill>
-            <a:schemeClr val="accent2"/>
-          </a:solidFill>
-          <a:ln>
-            <a:noFill/>
-          </a:ln>
-        </p:spPr>
-        <p:style>
-          <a:lnRef idx="2">
-            <a:schemeClr val="accent1">
-              <a:shade val="50000"/>
-            </a:schemeClr>
-          </a:lnRef>
-          <a:fillRef idx="1">
-            <a:schemeClr val="accent1"/>
-          </a:fillRef>
-          <a:effectRef idx="0">
-            <a:schemeClr val="accent1"/>
-          </a:effectRef>
-          <a:fontRef idx="minor">
-            <a:schemeClr val="lt1"/>
-          </a:fontRef>
-        </p:style>
-        <p:txBody>
-          <a:bodyPr rtlCol="0" anchor="ctr"/>
-          <a:lstStyle/>
-          <a:p>
-            <a:pPr algn="ctr"/>
-            <a:endParaRPr lang="zh-CN" altLang="en-US" dirty="0">
-              <a:solidFill>
-                <a:prstClr val="white"/>
-              </a:solidFill>
-            </a:endParaRPr>
-          </a:p>
-        </p:txBody>
-      </p:sp>
-      <p:sp>
-        <p:nvSpPr>
-          <p:cNvPr id="20" name="矩形 19"/>
-          <p:cNvSpPr/>
-          <p:nvPr/>
-        </p:nvSpPr>
-        <p:spPr>
-          <a:xfrm>
-            <a:off x="799342" y="3236926"/>
-            <a:ext cx="1238647" cy="1015663"/>
-          </a:xfrm>
-          <a:prstGeom prst="rect">
-            <a:avLst/>
-          </a:prstGeom>
-        </p:spPr>
-        <p:txBody>
-          <a:bodyPr wrap="square">
-            <a:spAutoFit/>
-          </a:bodyPr>
-          <a:lstStyle/>
-          <a:p>
-            <a:pPr algn="ctr"/>
-            <a:r>
-              <a:rPr lang="zh-CN" altLang="en-US" sz="3000" dirty="0" smtClean="0">
-                <a:solidFill>
-                  <a:schemeClr val="bg1"/>
-                </a:solidFill>
-                <a:latin typeface="+mn-ea"/>
-              </a:rPr>
-              <a:t>研究</a:t>
-            </a:r>
-            <a:r>
-              <a:rPr lang="zh-CN" altLang="en-US" sz="3000" dirty="0">
-                <a:solidFill>
-                  <a:schemeClr val="bg1"/>
-                </a:solidFill>
-                <a:latin typeface="+mn-ea"/>
-              </a:rPr>
-              <a:t>背景</a:t>
-            </a:r>
-            <a:endParaRPr lang="zh-CN" altLang="en-US" sz="3000" dirty="0">
-              <a:solidFill>
-                <a:schemeClr val="bg1"/>
-              </a:solidFill>
-              <a:latin typeface="+mn-ea"/>
-              <a:cs typeface="Microsoft New Tai Lue" panose="020B0502040204020203" pitchFamily="34" charset="0"/>
-            </a:endParaRPr>
-          </a:p>
-        </p:txBody>
-      </p:sp>
-      <p:sp>
-        <p:nvSpPr>
-          <p:cNvPr id="42" name="矩形 41"/>
-          <p:cNvSpPr/>
-          <p:nvPr/>
-        </p:nvSpPr>
-        <p:spPr>
-          <a:xfrm rot="18900000" flipH="1">
-            <a:off x="2831293" y="3055162"/>
-            <a:ext cx="1379191" cy="1379191"/>
-          </a:xfrm>
-          <a:prstGeom prst="rect">
-            <a:avLst/>
-          </a:prstGeom>
-          <a:solidFill>
-            <a:schemeClr val="accent2"/>
-          </a:solidFill>
-          <a:ln>
-            <a:noFill/>
-          </a:ln>
-        </p:spPr>
-        <p:style>
-          <a:lnRef idx="2">
-            <a:schemeClr val="accent1">
-              <a:shade val="50000"/>
-            </a:schemeClr>
-          </a:lnRef>
-          <a:fillRef idx="1">
-            <a:schemeClr val="accent1"/>
-          </a:fillRef>
-          <a:effectRef idx="0">
-            <a:schemeClr val="accent1"/>
-          </a:effectRef>
-          <a:fontRef idx="minor">
-            <a:schemeClr val="lt1"/>
-          </a:fontRef>
-        </p:style>
-        <p:txBody>
-          <a:bodyPr rtlCol="0" anchor="ctr"/>
-          <a:lstStyle/>
-          <a:p>
-            <a:pPr algn="ctr"/>
-            <a:endParaRPr lang="zh-CN" altLang="en-US">
-              <a:solidFill>
-                <a:prstClr val="white"/>
-              </a:solidFill>
-            </a:endParaRPr>
-          </a:p>
-        </p:txBody>
-      </p:sp>
-      <p:sp>
-        <p:nvSpPr>
-          <p:cNvPr id="43" name="矩形 42"/>
-          <p:cNvSpPr/>
-          <p:nvPr/>
-        </p:nvSpPr>
-        <p:spPr>
-          <a:xfrm>
-            <a:off x="2901564" y="3236925"/>
-            <a:ext cx="1238647" cy="1015663"/>
-          </a:xfrm>
-          <a:prstGeom prst="rect">
-            <a:avLst/>
-          </a:prstGeom>
-        </p:spPr>
-        <p:txBody>
-          <a:bodyPr wrap="square">
-            <a:spAutoFit/>
-          </a:bodyPr>
-          <a:lstStyle/>
-          <a:p>
-            <a:pPr algn="ctr"/>
-            <a:r>
-              <a:rPr lang="zh-CN" altLang="en-US" sz="3000" dirty="0" smtClean="0">
-                <a:solidFill>
-                  <a:schemeClr val="bg1"/>
-                </a:solidFill>
-                <a:latin typeface="+mn-ea"/>
-                <a:cs typeface="Microsoft New Tai Lue" panose="020B0502040204020203" pitchFamily="34" charset="0"/>
-              </a:rPr>
-              <a:t>研究模块</a:t>
-            </a:r>
-            <a:endParaRPr lang="zh-CN" altLang="en-US" sz="3000" dirty="0">
-              <a:solidFill>
-                <a:schemeClr val="bg1"/>
-              </a:solidFill>
-              <a:latin typeface="+mn-ea"/>
-              <a:cs typeface="Microsoft New Tai Lue" panose="020B0502040204020203" pitchFamily="34" charset="0"/>
-            </a:endParaRPr>
-          </a:p>
-        </p:txBody>
-      </p:sp>
-      <p:sp>
-        <p:nvSpPr>
-          <p:cNvPr id="45" name="矩形 44"/>
-          <p:cNvSpPr/>
-          <p:nvPr/>
-        </p:nvSpPr>
-        <p:spPr>
-          <a:xfrm rot="18900000" flipH="1">
-            <a:off x="4933516" y="3055162"/>
-            <a:ext cx="1379191" cy="1379191"/>
-          </a:xfrm>
-          <a:prstGeom prst="rect">
-            <a:avLst/>
-          </a:prstGeom>
-          <a:solidFill>
-            <a:schemeClr val="accent2"/>
-          </a:solidFill>
-          <a:ln>
-            <a:noFill/>
-          </a:ln>
-        </p:spPr>
-        <p:style>
-          <a:lnRef idx="2">
-            <a:schemeClr val="accent1">
-              <a:shade val="50000"/>
-            </a:schemeClr>
-          </a:lnRef>
-          <a:fillRef idx="1">
-            <a:schemeClr val="accent1"/>
-          </a:fillRef>
-          <a:effectRef idx="0">
-            <a:schemeClr val="accent1"/>
-          </a:effectRef>
-          <a:fontRef idx="minor">
-            <a:schemeClr val="lt1"/>
-          </a:fontRef>
-        </p:style>
-        <p:txBody>
-          <a:bodyPr rtlCol="0" anchor="ctr"/>
-          <a:lstStyle/>
-          <a:p>
-            <a:pPr algn="ctr"/>
-            <a:endParaRPr lang="zh-CN" altLang="en-US">
-              <a:solidFill>
-                <a:prstClr val="white"/>
-              </a:solidFill>
-            </a:endParaRPr>
-          </a:p>
-        </p:txBody>
-      </p:sp>
-      <p:sp>
-        <p:nvSpPr>
-          <p:cNvPr id="46" name="矩形 45"/>
-          <p:cNvSpPr/>
-          <p:nvPr/>
-        </p:nvSpPr>
-        <p:spPr>
-          <a:xfrm>
-            <a:off x="5003787" y="3236925"/>
-            <a:ext cx="1238647" cy="1015663"/>
-          </a:xfrm>
-          <a:prstGeom prst="rect">
-            <a:avLst/>
-          </a:prstGeom>
-        </p:spPr>
-        <p:txBody>
-          <a:bodyPr wrap="square">
-            <a:spAutoFit/>
-          </a:bodyPr>
-          <a:lstStyle/>
-          <a:p>
-            <a:pPr algn="ctr"/>
-            <a:r>
-              <a:rPr lang="zh-CN" altLang="en-US" sz="3000" dirty="0" smtClean="0">
-                <a:solidFill>
-                  <a:schemeClr val="bg1"/>
-                </a:solidFill>
-                <a:latin typeface="+mn-ea"/>
-              </a:rPr>
-              <a:t>研究成果</a:t>
-            </a:r>
-            <a:endParaRPr lang="zh-CN" altLang="en-US" sz="3000" dirty="0">
-              <a:solidFill>
-                <a:schemeClr val="bg1"/>
-              </a:solidFill>
-              <a:latin typeface="+mn-ea"/>
-              <a:cs typeface="Microsoft New Tai Lue" panose="020B0502040204020203" pitchFamily="34" charset="0"/>
-            </a:endParaRPr>
-          </a:p>
-        </p:txBody>
-      </p:sp>
-      <p:sp>
-        <p:nvSpPr>
-          <p:cNvPr id="48" name="矩形 47"/>
-          <p:cNvSpPr/>
-          <p:nvPr/>
-        </p:nvSpPr>
-        <p:spPr>
-          <a:xfrm rot="18900000" flipH="1">
-            <a:off x="7035740" y="3055162"/>
-            <a:ext cx="1379191" cy="1379191"/>
-          </a:xfrm>
-          <a:prstGeom prst="rect">
-            <a:avLst/>
-          </a:prstGeom>
-          <a:solidFill>
-            <a:schemeClr val="accent2"/>
-          </a:solidFill>
-          <a:ln>
-            <a:noFill/>
-          </a:ln>
-        </p:spPr>
-        <p:style>
-          <a:lnRef idx="2">
-            <a:schemeClr val="accent1">
-              <a:shade val="50000"/>
-            </a:schemeClr>
-          </a:lnRef>
-          <a:fillRef idx="1">
-            <a:schemeClr val="accent1"/>
-          </a:fillRef>
-          <a:effectRef idx="0">
-            <a:schemeClr val="accent1"/>
-          </a:effectRef>
-          <a:fontRef idx="minor">
-            <a:schemeClr val="lt1"/>
-          </a:fontRef>
-        </p:style>
-        <p:txBody>
-          <a:bodyPr rtlCol="0" anchor="ctr"/>
-          <a:lstStyle/>
-          <a:p>
-            <a:pPr algn="ctr"/>
-            <a:endParaRPr lang="zh-CN" altLang="en-US">
-              <a:solidFill>
-                <a:prstClr val="white"/>
-              </a:solidFill>
-            </a:endParaRPr>
-          </a:p>
-        </p:txBody>
-      </p:sp>
-      <p:sp>
-        <p:nvSpPr>
-          <p:cNvPr id="49" name="矩形 48"/>
-          <p:cNvSpPr/>
-          <p:nvPr/>
-        </p:nvSpPr>
-        <p:spPr>
-          <a:xfrm>
-            <a:off x="7106011" y="3236924"/>
-            <a:ext cx="1238647" cy="1015663"/>
-          </a:xfrm>
-          <a:prstGeom prst="rect">
-            <a:avLst/>
-          </a:prstGeom>
-        </p:spPr>
-        <p:txBody>
-          <a:bodyPr wrap="square">
-            <a:spAutoFit/>
-          </a:bodyPr>
-          <a:lstStyle/>
-          <a:p>
-            <a:pPr algn="ctr"/>
-            <a:r>
-              <a:rPr lang="zh-CN" altLang="en-US" sz="3000" dirty="0" smtClean="0">
-                <a:solidFill>
-                  <a:schemeClr val="bg1"/>
-                </a:solidFill>
-                <a:latin typeface="+mn-ea"/>
-              </a:rPr>
-              <a:t>研究总结</a:t>
-            </a:r>
-            <a:endParaRPr lang="zh-CN" altLang="en-US" sz="3000" dirty="0">
-              <a:solidFill>
-                <a:schemeClr val="bg1"/>
-              </a:solidFill>
-              <a:latin typeface="+mn-ea"/>
-              <a:cs typeface="Microsoft New Tai Lue" panose="020B0502040204020203" pitchFamily="34" charset="0"/>
-            </a:endParaRPr>
-          </a:p>
-        </p:txBody>
-      </p:sp>
-    </p:spTree>
-    <p:extLst>
-      <p:ext uri="{BB962C8B-B14F-4D97-AF65-F5344CB8AC3E}">
-        <p14:creationId xmlns:p14="http://schemas.microsoft.com/office/powerpoint/2010/main" val="4170498421"/>
-      </p:ext>
-    </p:extLst>
-  </p:cSld>
-  <p:clrMapOvr>
-    <a:masterClrMapping/>
-  </p:clrMapOvr>
-  <p:timing>
-    <p:tnLst>
-      <p:par>
-        <p:cTn id="1" dur="indefinite" restart="never" nodeType="tmRoot"/>
-      </p:par>
-    </p:tnLst>
-  </p:timing>
-</p:sld>
-</file>
-
-<file path=ppt/slides/slide20.xml><?xml version="1.0" encoding="utf-8"?>
+<file path=ppt/slides/slide29.xml><?xml version="1.0" encoding="utf-8"?>
 <p:sld xmlns:a="http://schemas.openxmlformats.org/drawingml/2006/main" xmlns:r="http://schemas.openxmlformats.org/officeDocument/2006/relationships" xmlns:p="http://schemas.openxmlformats.org/presentationml/2006/main">
   <p:cSld>
     <p:bg>
@@ -9736,36 +14943,125 @@
           </a:p>
         </p:txBody>
       </p:sp>
-      <p:sp>
-        <p:nvSpPr>
-          <p:cNvPr id="6" name="文本框 5"/>
-          <p:cNvSpPr txBox="1"/>
+      <p:pic>
+        <p:nvPicPr>
+          <p:cNvPr id="2" name="图片 1"/>
+          <p:cNvPicPr>
+            <a:picLocks/>
+          </p:cNvPicPr>
           <p:nvPr/>
-        </p:nvSpPr>
+        </p:nvPicPr>
+        <p:blipFill rotWithShape="1">
+          <a:blip r:embed="rId2">
+            <a:extLst>
+              <a:ext uri="{28A0092B-C50C-407E-A947-70E740481C1C}">
+                <a14:useLocalDpi xmlns:a14="http://schemas.microsoft.com/office/drawing/2010/main" val="0"/>
+              </a:ext>
+            </a:extLst>
+          </a:blip>
+          <a:srcRect l="22323" t="2418"/>
+          <a:stretch/>
+        </p:blipFill>
         <p:spPr>
           <a:xfrm>
-            <a:off x="1815152" y="2320119"/>
-            <a:ext cx="2975212" cy="369332"/>
+            <a:off x="797809" y="1329532"/>
+            <a:ext cx="3240000" cy="2520000"/>
           </a:xfrm>
           <a:prstGeom prst="rect">
             <a:avLst/>
           </a:prstGeom>
-          <a:noFill/>
         </p:spPr>
-        <p:txBody>
-          <a:bodyPr wrap="square" rtlCol="0">
-            <a:spAutoFit/>
-          </a:bodyPr>
-          <a:lstStyle/>
-          <a:p>
-            <a:r>
-              <a:rPr lang="zh-CN" altLang="en-US" dirty="0" smtClean="0"/>
-              <a:t>火灾烟雾图片</a:t>
-            </a:r>
-            <a:endParaRPr lang="zh-CN" altLang="en-US" dirty="0"/>
-          </a:p>
-        </p:txBody>
-      </p:sp>
+      </p:pic>
+      <p:pic>
+        <p:nvPicPr>
+          <p:cNvPr id="3" name="图片 2"/>
+          <p:cNvPicPr>
+            <a:picLocks/>
+          </p:cNvPicPr>
+          <p:nvPr/>
+        </p:nvPicPr>
+        <p:blipFill>
+          <a:blip r:embed="rId3">
+            <a:extLst>
+              <a:ext uri="{28A0092B-C50C-407E-A947-70E740481C1C}">
+                <a14:useLocalDpi xmlns:a14="http://schemas.microsoft.com/office/drawing/2010/main" val="0"/>
+              </a:ext>
+            </a:extLst>
+          </a:blip>
+          <a:stretch>
+            <a:fillRect/>
+          </a:stretch>
+        </p:blipFill>
+        <p:spPr>
+          <a:xfrm>
+            <a:off x="4791859" y="1329532"/>
+            <a:ext cx="3240000" cy="2520000"/>
+          </a:xfrm>
+          <a:prstGeom prst="rect">
+            <a:avLst/>
+          </a:prstGeom>
+        </p:spPr>
+      </p:pic>
+      <p:pic>
+        <p:nvPicPr>
+          <p:cNvPr id="5" name="图片 4"/>
+          <p:cNvPicPr>
+            <a:picLocks/>
+          </p:cNvPicPr>
+          <p:nvPr/>
+        </p:nvPicPr>
+        <p:blipFill>
+          <a:blip r:embed="rId4">
+            <a:extLst>
+              <a:ext uri="{28A0092B-C50C-407E-A947-70E740481C1C}">
+                <a14:useLocalDpi xmlns:a14="http://schemas.microsoft.com/office/drawing/2010/main" val="0"/>
+              </a:ext>
+            </a:extLst>
+          </a:blip>
+          <a:stretch>
+            <a:fillRect/>
+          </a:stretch>
+        </p:blipFill>
+        <p:spPr>
+          <a:xfrm>
+            <a:off x="797809" y="4126651"/>
+            <a:ext cx="3240000" cy="2520000"/>
+          </a:xfrm>
+          <a:prstGeom prst="rect">
+            <a:avLst/>
+          </a:prstGeom>
+        </p:spPr>
+      </p:pic>
+      <p:pic>
+        <p:nvPicPr>
+          <p:cNvPr id="7" name="图片 6"/>
+          <p:cNvPicPr>
+            <a:picLocks/>
+          </p:cNvPicPr>
+          <p:nvPr/>
+        </p:nvPicPr>
+        <p:blipFill>
+          <a:blip r:embed="rId5">
+            <a:extLst>
+              <a:ext uri="{28A0092B-C50C-407E-A947-70E740481C1C}">
+                <a14:useLocalDpi xmlns:a14="http://schemas.microsoft.com/office/drawing/2010/main" val="0"/>
+              </a:ext>
+            </a:extLst>
+          </a:blip>
+          <a:stretch>
+            <a:fillRect/>
+          </a:stretch>
+        </p:blipFill>
+        <p:spPr>
+          <a:xfrm>
+            <a:off x="4791859" y="4126651"/>
+            <a:ext cx="3240000" cy="2520000"/>
+          </a:xfrm>
+          <a:prstGeom prst="rect">
+            <a:avLst/>
+          </a:prstGeom>
+        </p:spPr>
+      </p:pic>
     </p:spTree>
     <p:extLst>
       <p:ext uri="{BB962C8B-B14F-4D97-AF65-F5344CB8AC3E}">
@@ -9776,6 +15072,9 @@
   <p:clrMapOvr>
     <a:masterClrMapping/>
   </p:clrMapOvr>
+  <p:transition spd="slow">
+    <p:randomBar dir="vert"/>
+  </p:transition>
   <p:timing>
     <p:tnLst>
       <p:par>
@@ -9959,28 +15258,18 @@
         </p:nvSpPr>
         <p:spPr/>
         <p:txBody>
-          <a:bodyPr/>
+          <a:bodyPr>
+            <a:noAutofit/>
+          </a:bodyPr>
           <a:lstStyle/>
           <a:p>
             <a:r>
-              <a:rPr lang="en-US" altLang="zh-CN" dirty="0" smtClean="0"/>
-              <a:t>Solution</a:t>
-            </a:r>
-            <a:r>
-              <a:rPr lang="en-US" altLang="zh-CN" sz="1400" dirty="0" smtClean="0"/>
-              <a:t> </a:t>
-            </a:r>
-            <a:r>
-              <a:rPr lang="en-US" altLang="zh-CN" sz="2800" b="0" dirty="0" smtClean="0"/>
-              <a:t>(</a:t>
-            </a:r>
-            <a:r>
-              <a:rPr lang="zh-CN" altLang="en-US" sz="2800" b="0" dirty="0" smtClean="0"/>
-              <a:t>方案</a:t>
-            </a:r>
-            <a:r>
-              <a:rPr lang="en-US" altLang="zh-CN" sz="2800" b="0" dirty="0" smtClean="0"/>
-              <a:t>)</a:t>
+              <a:rPr lang="zh-CN" altLang="en-US" b="0" dirty="0"/>
+              <a:t>森林</a:t>
+            </a:r>
+            <a:r>
+              <a:rPr lang="zh-CN" altLang="en-US" b="0" dirty="0" smtClean="0"/>
+              <a:t>烟火识别模块</a:t>
             </a:r>
             <a:endParaRPr lang="zh-CN" altLang="en-US" b="0" dirty="0"/>
           </a:p>
@@ -10498,8 +15787,12 @@
           <a:lstStyle/>
           <a:p>
             <a:r>
+              <a:rPr lang="zh-CN" altLang="en-US" dirty="0"/>
+              <a:t>去</a:t>
+            </a:r>
+            <a:r>
               <a:rPr lang="zh-CN" altLang="en-US" dirty="0" smtClean="0"/>
-              <a:t>图像增强</a:t>
+              <a:t>雾处理</a:t>
             </a:r>
             <a:endParaRPr lang="zh-CN" altLang="en-US" b="0" dirty="0"/>
           </a:p>
@@ -10513,8 +15806,8 @@
         </p:nvSpPr>
         <p:spPr>
           <a:xfrm>
-            <a:off x="647564" y="1959249"/>
-            <a:ext cx="7848872" cy="1785104"/>
+            <a:off x="647564" y="1965339"/>
+            <a:ext cx="7848872" cy="1107996"/>
           </a:xfrm>
           <a:prstGeom prst="rect">
             <a:avLst/>
@@ -10528,42 +15821,31 @@
           <a:p>
             <a:pPr indent="457200" algn="just"/>
             <a:r>
-              <a:rPr lang="zh-CN" altLang="en-US" sz="2200" dirty="0" smtClean="0">
-                <a:latin typeface="微软雅黑 Light" panose="020B0502040204020203" pitchFamily="34" charset="-122"/>
-                <a:ea typeface="微软雅黑 Light" panose="020B0502040204020203" pitchFamily="34" charset="-122"/>
-              </a:rPr>
-              <a:t>方案说明：</a:t>
-            </a:r>
-            <a:endParaRPr lang="en-US" altLang="zh-CN" sz="2200" dirty="0">
-              <a:latin typeface="微软雅黑 Light" panose="020B0502040204020203" pitchFamily="34" charset="-122"/>
-              <a:ea typeface="微软雅黑 Light" panose="020B0502040204020203" pitchFamily="34" charset="-122"/>
-            </a:endParaRPr>
-          </a:p>
-          <a:p>
-            <a:pPr indent="457200" algn="just"/>
-            <a:r>
-              <a:rPr lang="zh-CN" altLang="en-US" sz="2200" dirty="0" smtClean="0">
-                <a:latin typeface="微软雅黑 Light" panose="020B0502040204020203" pitchFamily="34" charset="-122"/>
-                <a:ea typeface="微软雅黑 Light" panose="020B0502040204020203" pitchFamily="34" charset="-122"/>
-              </a:rPr>
-              <a:t>在这里输入方案说明，在这里输入方案说明，在这里输入方案说明，在这里输入方案说明，在这里输入方案说明，在这里输入方案说明。</a:t>
-            </a:r>
-            <a:endParaRPr lang="en-US" altLang="zh-CN" sz="2200" dirty="0" smtClean="0">
-              <a:latin typeface="微软雅黑 Light" panose="020B0502040204020203" pitchFamily="34" charset="-122"/>
-              <a:ea typeface="微软雅黑 Light" panose="020B0502040204020203" pitchFamily="34" charset="-122"/>
-            </a:endParaRPr>
-          </a:p>
-          <a:p>
-            <a:pPr indent="457200" algn="just"/>
-            <a:r>
-              <a:rPr lang="zh-CN" altLang="en-US" sz="2200" dirty="0" smtClean="0">
+              <a:rPr lang="zh-CN" altLang="en-US" sz="2200" dirty="0">
                 <a:solidFill>
                   <a:schemeClr val="accent2"/>
                 </a:solidFill>
                 <a:latin typeface="微软雅黑 Light" panose="020B0502040204020203" pitchFamily="34" charset="-122"/>
                 <a:ea typeface="微软雅黑 Light" panose="020B0502040204020203" pitchFamily="34" charset="-122"/>
               </a:rPr>
-              <a:t>所以，需要选择这样的方案。</a:t>
+              <a:t>暗通道去雾：</a:t>
+            </a:r>
+            <a:endParaRPr lang="en-US" altLang="zh-CN" sz="2200" dirty="0">
+              <a:solidFill>
+                <a:schemeClr val="accent2"/>
+              </a:solidFill>
+              <a:latin typeface="微软雅黑 Light" panose="020B0502040204020203" pitchFamily="34" charset="-122"/>
+              <a:ea typeface="微软雅黑 Light" panose="020B0502040204020203" pitchFamily="34" charset="-122"/>
+            </a:endParaRPr>
+          </a:p>
+          <a:p>
+            <a:pPr indent="457200" algn="just"/>
+            <a:r>
+              <a:rPr lang="zh-CN" altLang="en-US" sz="2200" dirty="0" smtClean="0">
+                <a:latin typeface="微软雅黑 Light" panose="020B0502040204020203" pitchFamily="34" charset="-122"/>
+                <a:ea typeface="微软雅黑 Light" panose="020B0502040204020203" pitchFamily="34" charset="-122"/>
+              </a:rPr>
+              <a:t>基于暗通道先验理论计算大气光取值与透射率图，根据有雾图像模型估算无雾图像</a:t>
             </a:r>
             <a:endParaRPr lang="zh-CN" altLang="en-US" sz="2200" dirty="0">
               <a:solidFill>
@@ -10583,7 +15865,7 @@
         </p:nvGrpSpPr>
         <p:grpSpPr>
           <a:xfrm>
-            <a:off x="711115" y="1760918"/>
+            <a:off x="711115" y="1662772"/>
             <a:ext cx="803049" cy="262191"/>
             <a:chOff x="683546" y="2736327"/>
             <a:chExt cx="803049" cy="262191"/>
@@ -10698,7 +15980,7 @@
         </p:nvGrpSpPr>
         <p:grpSpPr>
           <a:xfrm>
-            <a:off x="711115" y="4221266"/>
+            <a:off x="593512" y="3430204"/>
             <a:ext cx="803049" cy="262191"/>
             <a:chOff x="683546" y="2736327"/>
             <a:chExt cx="803049" cy="262191"/>
@@ -10813,8 +16095,8 @@
         </p:nvSpPr>
         <p:spPr>
           <a:xfrm>
-            <a:off x="647564" y="4416222"/>
-            <a:ext cx="7848872" cy="1785104"/>
+            <a:off x="647565" y="3711899"/>
+            <a:ext cx="7848872" cy="1107996"/>
           </a:xfrm>
           <a:prstGeom prst="rect">
             <a:avLst/>
@@ -10828,31 +16110,72 @@
           <a:p>
             <a:pPr indent="457200" algn="just"/>
             <a:r>
+              <a:rPr lang="en-US" altLang="zh-CN" sz="2200" dirty="0">
+                <a:solidFill>
+                  <a:schemeClr val="accent2"/>
+                </a:solidFill>
+                <a:latin typeface="微软雅黑 Light" panose="020B0502040204020203" pitchFamily="34" charset="-122"/>
+                <a:ea typeface="微软雅黑 Light" panose="020B0502040204020203" pitchFamily="34" charset="-122"/>
+              </a:rPr>
+              <a:t>MSRCR</a:t>
+            </a:r>
+            <a:r>
+              <a:rPr lang="zh-CN" altLang="en-US" sz="2200" dirty="0">
+                <a:solidFill>
+                  <a:schemeClr val="accent2"/>
+                </a:solidFill>
+                <a:latin typeface="微软雅黑 Light" panose="020B0502040204020203" pitchFamily="34" charset="-122"/>
+                <a:ea typeface="微软雅黑 Light" panose="020B0502040204020203" pitchFamily="34" charset="-122"/>
+              </a:rPr>
+              <a:t>：</a:t>
+            </a:r>
+            <a:endParaRPr lang="en-US" altLang="zh-CN" sz="2200" dirty="0">
+              <a:solidFill>
+                <a:schemeClr val="accent2"/>
+              </a:solidFill>
+              <a:latin typeface="微软雅黑 Light" panose="020B0502040204020203" pitchFamily="34" charset="-122"/>
+              <a:ea typeface="微软雅黑 Light" panose="020B0502040204020203" pitchFamily="34" charset="-122"/>
+            </a:endParaRPr>
+          </a:p>
+          <a:p>
+            <a:pPr indent="457200" algn="just"/>
+            <a:r>
               <a:rPr lang="zh-CN" altLang="en-US" sz="2200" dirty="0" smtClean="0">
                 <a:latin typeface="微软雅黑 Light" panose="020B0502040204020203" pitchFamily="34" charset="-122"/>
                 <a:ea typeface="微软雅黑 Light" panose="020B0502040204020203" pitchFamily="34" charset="-122"/>
               </a:rPr>
-              <a:t>方案说明：</a:t>
-            </a:r>
-            <a:endParaRPr lang="en-US" altLang="zh-CN" sz="2200" dirty="0">
+              <a:t>基于视网膜感知图像能力通过观测图像与反射图像求解入射图像即无雾图像。</a:t>
+            </a:r>
+            <a:endParaRPr lang="zh-CN" altLang="en-US" sz="2200" dirty="0">
+              <a:solidFill>
+                <a:schemeClr val="accent2"/>
+              </a:solidFill>
               <a:latin typeface="微软雅黑 Light" panose="020B0502040204020203" pitchFamily="34" charset="-122"/>
               <a:ea typeface="微软雅黑 Light" panose="020B0502040204020203" pitchFamily="34" charset="-122"/>
             </a:endParaRPr>
           </a:p>
-          <a:p>
-            <a:pPr indent="457200" algn="just"/>
-            <a:r>
-              <a:rPr lang="zh-CN" altLang="en-US" sz="2200" dirty="0" smtClean="0">
-                <a:latin typeface="微软雅黑 Light" panose="020B0502040204020203" pitchFamily="34" charset="-122"/>
-                <a:ea typeface="微软雅黑 Light" panose="020B0502040204020203" pitchFamily="34" charset="-122"/>
-              </a:rPr>
-              <a:t>在这里输入方案说明，在这里输入方案说明，在这里输入方案说明，在这里输入方案说明，在这里输入方案说明，在这里输入方案说明，在这里输入方案说明。</a:t>
-            </a:r>
-            <a:endParaRPr lang="en-US" altLang="zh-CN" sz="2200" dirty="0" smtClean="0">
-              <a:latin typeface="微软雅黑 Light" panose="020B0502040204020203" pitchFamily="34" charset="-122"/>
-              <a:ea typeface="微软雅黑 Light" panose="020B0502040204020203" pitchFamily="34" charset="-122"/>
-            </a:endParaRPr>
-          </a:p>
+        </p:txBody>
+      </p:sp>
+      <p:sp>
+        <p:nvSpPr>
+          <p:cNvPr id="17" name="矩形 16"/>
+          <p:cNvSpPr/>
+          <p:nvPr/>
+        </p:nvSpPr>
+        <p:spPr>
+          <a:xfrm>
+            <a:off x="647564" y="5472385"/>
+            <a:ext cx="7848872" cy="769441"/>
+          </a:xfrm>
+          <a:prstGeom prst="rect">
+            <a:avLst/>
+          </a:prstGeom>
+        </p:spPr>
+        <p:txBody>
+          <a:bodyPr wrap="square">
+            <a:spAutoFit/>
+          </a:bodyPr>
+          <a:lstStyle/>
           <a:p>
             <a:pPr indent="457200" algn="just"/>
             <a:r>
@@ -10863,7 +16186,24 @@
                 <a:latin typeface="微软雅黑 Light" panose="020B0502040204020203" pitchFamily="34" charset="-122"/>
                 <a:ea typeface="微软雅黑 Light" panose="020B0502040204020203" pitchFamily="34" charset="-122"/>
               </a:rPr>
-              <a:t>所以，需要选择这样的方案。</a:t>
+              <a:t>直方图均衡：</a:t>
+            </a:r>
+            <a:endParaRPr lang="en-US" altLang="zh-CN" sz="2200" dirty="0">
+              <a:solidFill>
+                <a:schemeClr val="accent2"/>
+              </a:solidFill>
+              <a:latin typeface="微软雅黑 Light" panose="020B0502040204020203" pitchFamily="34" charset="-122"/>
+              <a:ea typeface="微软雅黑 Light" panose="020B0502040204020203" pitchFamily="34" charset="-122"/>
+            </a:endParaRPr>
+          </a:p>
+          <a:p>
+            <a:pPr indent="457200" algn="just"/>
+            <a:r>
+              <a:rPr lang="zh-CN" altLang="en-US" sz="2200" dirty="0" smtClean="0">
+                <a:latin typeface="微软雅黑 Light" panose="020B0502040204020203" pitchFamily="34" charset="-122"/>
+                <a:ea typeface="微软雅黑 Light" panose="020B0502040204020203" pitchFamily="34" charset="-122"/>
+              </a:rPr>
+              <a:t>基于图像直方图增强图像中对比度达到去雾处理效果</a:t>
             </a:r>
             <a:endParaRPr lang="zh-CN" altLang="en-US" sz="2200" dirty="0">
               <a:solidFill>
@@ -10875,96 +16215,121 @@
           </a:p>
         </p:txBody>
       </p:sp>
-      <p:cxnSp>
-        <p:nvCxnSpPr>
-          <p:cNvPr id="12" name="直接连接符 11"/>
-          <p:cNvCxnSpPr/>
+      <p:grpSp>
+        <p:nvGrpSpPr>
+          <p:cNvPr id="20" name="组合 19"/>
+          <p:cNvGrpSpPr/>
           <p:nvPr/>
-        </p:nvCxnSpPr>
-        <p:spPr>
+        </p:nvGrpSpPr>
+        <p:grpSpPr>
           <a:xfrm>
-            <a:off x="98603" y="3893686"/>
-            <a:ext cx="5940152" cy="0"/>
-          </a:xfrm>
-          <a:prstGeom prst="line">
-            <a:avLst/>
-          </a:prstGeom>
-          <a:ln w="15875">
-            <a:gradFill>
-              <a:gsLst>
-                <a:gs pos="13000">
-                  <a:schemeClr val="accent5"/>
-                </a:gs>
-                <a:gs pos="100000">
-                  <a:schemeClr val="accent5">
-                    <a:alpha val="0"/>
-                  </a:schemeClr>
-                </a:gs>
-              </a:gsLst>
-              <a:lin ang="0" scaled="0"/>
-            </a:gradFill>
-          </a:ln>
-        </p:spPr>
-        <p:style>
-          <a:lnRef idx="1">
-            <a:schemeClr val="accent1"/>
-          </a:lnRef>
-          <a:fillRef idx="0">
-            <a:schemeClr val="accent1"/>
-          </a:fillRef>
-          <a:effectRef idx="0">
-            <a:schemeClr val="accent1"/>
-          </a:effectRef>
-          <a:fontRef idx="minor">
-            <a:schemeClr val="tx1"/>
-          </a:fontRef>
-        </p:style>
-      </p:cxnSp>
-      <p:cxnSp>
-        <p:nvCxnSpPr>
-          <p:cNvPr id="13" name="直接连接符 12"/>
-          <p:cNvCxnSpPr/>
-          <p:nvPr/>
-        </p:nvCxnSpPr>
-        <p:spPr>
-          <a:xfrm rot="16200000">
-            <a:off x="-441457" y="3546016"/>
-            <a:ext cx="2088232" cy="0"/>
-          </a:xfrm>
-          <a:prstGeom prst="line">
-            <a:avLst/>
-          </a:prstGeom>
-          <a:ln w="15875">
-            <a:gradFill>
-              <a:gsLst>
-                <a:gs pos="13000">
-                  <a:schemeClr val="accent5"/>
-                </a:gs>
-                <a:gs pos="100000">
-                  <a:schemeClr val="accent5">
-                    <a:alpha val="0"/>
-                  </a:schemeClr>
-                </a:gs>
-              </a:gsLst>
-              <a:lin ang="0" scaled="0"/>
-            </a:gradFill>
-          </a:ln>
-        </p:spPr>
-        <p:style>
-          <a:lnRef idx="1">
-            <a:schemeClr val="accent1"/>
-          </a:lnRef>
-          <a:fillRef idx="0">
-            <a:schemeClr val="accent1"/>
-          </a:fillRef>
-          <a:effectRef idx="0">
-            <a:schemeClr val="accent1"/>
-          </a:effectRef>
-          <a:fontRef idx="minor">
-            <a:schemeClr val="tx1"/>
-          </a:fontRef>
-        </p:style>
-      </p:cxnSp>
+            <a:off x="618415" y="5155892"/>
+            <a:ext cx="803049" cy="262191"/>
+            <a:chOff x="683546" y="2736327"/>
+            <a:chExt cx="803049" cy="262191"/>
+          </a:xfrm>
+        </p:grpSpPr>
+        <p:sp>
+          <p:nvSpPr>
+            <p:cNvPr id="21" name="矩形 20"/>
+            <p:cNvSpPr/>
+            <p:nvPr/>
+          </p:nvSpPr>
+          <p:spPr>
+            <a:xfrm rot="18900000" flipH="1">
+              <a:off x="861276" y="2736327"/>
+              <a:ext cx="262191" cy="262191"/>
+            </a:xfrm>
+            <a:prstGeom prst="rect">
+              <a:avLst/>
+            </a:prstGeom>
+            <a:solidFill>
+              <a:schemeClr val="accent5"/>
+            </a:solidFill>
+            <a:ln>
+              <a:noFill/>
+            </a:ln>
+          </p:spPr>
+          <p:style>
+            <a:lnRef idx="2">
+              <a:schemeClr val="accent1">
+                <a:shade val="50000"/>
+              </a:schemeClr>
+            </a:lnRef>
+            <a:fillRef idx="1">
+              <a:schemeClr val="accent1"/>
+            </a:fillRef>
+            <a:effectRef idx="0">
+              <a:schemeClr val="accent1"/>
+            </a:effectRef>
+            <a:fontRef idx="minor">
+              <a:schemeClr val="lt1"/>
+            </a:fontRef>
+          </p:style>
+          <p:txBody>
+            <a:bodyPr rtlCol="0" anchor="ctr"/>
+            <a:lstStyle/>
+            <a:p>
+              <a:pPr algn="ctr"/>
+              <a:endParaRPr lang="zh-CN" altLang="en-US">
+                <a:solidFill>
+                  <a:prstClr val="white"/>
+                </a:solidFill>
+              </a:endParaRPr>
+            </a:p>
+          </p:txBody>
+        </p:sp>
+        <p:cxnSp>
+          <p:nvCxnSpPr>
+            <p:cNvPr id="22" name="直接连接符 21"/>
+            <p:cNvCxnSpPr/>
+            <p:nvPr/>
+          </p:nvCxnSpPr>
+          <p:spPr>
+            <a:xfrm rot="18900000" flipH="1">
+              <a:off x="683546" y="2960121"/>
+              <a:ext cx="803049" cy="0"/>
+            </a:xfrm>
+            <a:prstGeom prst="line">
+              <a:avLst/>
+            </a:prstGeom>
+            <a:ln w="25400">
+              <a:gradFill>
+                <a:gsLst>
+                  <a:gs pos="0">
+                    <a:schemeClr val="accent5">
+                      <a:alpha val="0"/>
+                    </a:schemeClr>
+                  </a:gs>
+                  <a:gs pos="50000">
+                    <a:schemeClr val="accent5"/>
+                  </a:gs>
+                  <a:gs pos="100000">
+                    <a:schemeClr val="accent5">
+                      <a:alpha val="0"/>
+                    </a:schemeClr>
+                  </a:gs>
+                </a:gsLst>
+                <a:lin ang="0" scaled="0"/>
+              </a:gradFill>
+            </a:ln>
+          </p:spPr>
+          <p:style>
+            <a:lnRef idx="1">
+              <a:schemeClr val="accent1"/>
+            </a:lnRef>
+            <a:fillRef idx="0">
+              <a:schemeClr val="accent1"/>
+            </a:fillRef>
+            <a:effectRef idx="0">
+              <a:schemeClr val="accent1"/>
+            </a:effectRef>
+            <a:fontRef idx="minor">
+              <a:schemeClr val="tx1"/>
+            </a:fontRef>
+          </p:style>
+        </p:cxnSp>
+      </p:grpSp>
     </p:spTree>
     <p:extLst>
       <p:ext uri="{BB962C8B-B14F-4D97-AF65-F5344CB8AC3E}">

--- a/基于视频分析的森林烟火识别算法研究-蔡敏.pptx
+++ b/基于视频分析的森林烟火识别算法研究-蔡敏.pptx
@@ -478,11 +478,11 @@
           <c:showPercent val="0"/>
           <c:showBubbleSize val="0"/>
         </c:dLbls>
-        <c:axId val="7743560"/>
-        <c:axId val="7743952"/>
+        <c:axId val="156302824"/>
+        <c:axId val="156303208"/>
       </c:scatterChart>
       <c:valAx>
-        <c:axId val="7743560"/>
+        <c:axId val="156302824"/>
         <c:scaling>
           <c:orientation val="minMax"/>
         </c:scaling>
@@ -539,12 +539,12 @@
             <a:endParaRPr lang="zh-CN"/>
           </a:p>
         </c:txPr>
-        <c:crossAx val="7743952"/>
+        <c:crossAx val="156303208"/>
         <c:crosses val="autoZero"/>
         <c:crossBetween val="midCat"/>
       </c:valAx>
       <c:valAx>
-        <c:axId val="7743952"/>
+        <c:axId val="156303208"/>
         <c:scaling>
           <c:orientation val="maxMin"/>
         </c:scaling>
@@ -601,7 +601,7 @@
             <a:endParaRPr lang="zh-CN"/>
           </a:p>
         </c:txPr>
-        <c:crossAx val="7743560"/>
+        <c:crossAx val="156302824"/>
         <c:crosses val="autoZero"/>
         <c:crossBetween val="midCat"/>
       </c:valAx>
@@ -955,11 +955,11 @@
           <c:showPercent val="0"/>
           <c:showBubbleSize val="0"/>
         </c:dLbls>
-        <c:axId val="318304024"/>
-        <c:axId val="318304416"/>
+        <c:axId val="156903600"/>
+        <c:axId val="156903984"/>
       </c:scatterChart>
       <c:valAx>
-        <c:axId val="318304024"/>
+        <c:axId val="156903600"/>
         <c:scaling>
           <c:orientation val="minMax"/>
         </c:scaling>
@@ -1016,12 +1016,12 @@
             <a:endParaRPr lang="zh-CN"/>
           </a:p>
         </c:txPr>
-        <c:crossAx val="318304416"/>
+        <c:crossAx val="156903984"/>
         <c:crosses val="autoZero"/>
         <c:crossBetween val="midCat"/>
       </c:valAx>
       <c:valAx>
-        <c:axId val="318304416"/>
+        <c:axId val="156903984"/>
         <c:scaling>
           <c:orientation val="maxMin"/>
         </c:scaling>
@@ -1078,7 +1078,7 @@
             <a:endParaRPr lang="zh-CN"/>
           </a:p>
         </c:txPr>
-        <c:crossAx val="318304024"/>
+        <c:crossAx val="156903600"/>
         <c:crosses val="autoZero"/>
         <c:crossBetween val="midCat"/>
       </c:valAx>
@@ -1541,11 +1541,11 @@
         </c:dLbls>
         <c:marker val="1"/>
         <c:smooth val="0"/>
-        <c:axId val="321260440"/>
-        <c:axId val="321260048"/>
+        <c:axId val="156829392"/>
+        <c:axId val="156829784"/>
       </c:lineChart>
       <c:catAx>
-        <c:axId val="321260440"/>
+        <c:axId val="156829392"/>
         <c:scaling>
           <c:orientation val="minMax"/>
         </c:scaling>
@@ -1644,7 +1644,7 @@
             <a:endParaRPr lang="zh-CN"/>
           </a:p>
         </c:txPr>
-        <c:crossAx val="321260048"/>
+        <c:crossAx val="156829784"/>
         <c:crosses val="autoZero"/>
         <c:auto val="1"/>
         <c:lblAlgn val="ctr"/>
@@ -1652,7 +1652,7 @@
         <c:noMultiLvlLbl val="0"/>
       </c:catAx>
       <c:valAx>
-        <c:axId val="321260048"/>
+        <c:axId val="156829784"/>
         <c:scaling>
           <c:orientation val="minMax"/>
         </c:scaling>
@@ -1759,7 +1759,7 @@
             <a:endParaRPr lang="zh-CN"/>
           </a:p>
         </c:txPr>
-        <c:crossAx val="321260440"/>
+        <c:crossAx val="156829392"/>
         <c:crosses val="autoZero"/>
         <c:crossBetween val="between"/>
       </c:valAx>
@@ -2253,11 +2253,11 @@
         </c:dLbls>
         <c:marker val="1"/>
         <c:smooth val="0"/>
-        <c:axId val="255434456"/>
-        <c:axId val="256456936"/>
+        <c:axId val="156830568"/>
+        <c:axId val="156830960"/>
       </c:lineChart>
       <c:catAx>
-        <c:axId val="255434456"/>
+        <c:axId val="156830568"/>
         <c:scaling>
           <c:orientation val="minMax"/>
         </c:scaling>
@@ -2356,7 +2356,7 @@
             <a:endParaRPr lang="zh-CN"/>
           </a:p>
         </c:txPr>
-        <c:crossAx val="256456936"/>
+        <c:crossAx val="156830960"/>
         <c:crosses val="autoZero"/>
         <c:auto val="1"/>
         <c:lblAlgn val="ctr"/>
@@ -2364,7 +2364,7 @@
         <c:noMultiLvlLbl val="0"/>
       </c:catAx>
       <c:valAx>
-        <c:axId val="256456936"/>
+        <c:axId val="156830960"/>
         <c:scaling>
           <c:orientation val="minMax"/>
           <c:min val="0.2"/>
@@ -2472,7 +2472,7 @@
             <a:endParaRPr lang="zh-CN"/>
           </a:p>
         </c:txPr>
-        <c:crossAx val="255434456"/>
+        <c:crossAx val="156830568"/>
         <c:crosses val="autoZero"/>
         <c:crossBetween val="between"/>
       </c:valAx>
@@ -4811,7 +4811,7 @@
           <a:p>
             <a:fld id="{4CCA81FB-84C2-46F2-95AF-5B75DD96F234}" type="datetimeFigureOut">
               <a:rPr lang="zh-CN" altLang="en-US" smtClean="0"/>
-              <a:t>2018/4/6</a:t>
+              <a:t>2018/4/7</a:t>
             </a:fld>
             <a:endParaRPr lang="zh-CN" altLang="en-US"/>
           </a:p>
@@ -5081,6 +5081,4914 @@
 </p:notesMaster>
 </file>
 
+<file path=ppt/notesSlides/notesSlide1.xml><?xml version="1.0" encoding="utf-8"?>
+<p:notes xmlns:a="http://schemas.openxmlformats.org/drawingml/2006/main" xmlns:r="http://schemas.openxmlformats.org/officeDocument/2006/relationships" xmlns:p="http://schemas.openxmlformats.org/presentationml/2006/main">
+  <p:cSld>
+    <p:spTree>
+      <p:nvGrpSpPr>
+        <p:cNvPr id="1" name=""/>
+        <p:cNvGrpSpPr/>
+        <p:nvPr/>
+      </p:nvGrpSpPr>
+      <p:grpSpPr>
+        <a:xfrm>
+          <a:off x="0" y="0"/>
+          <a:ext cx="0" cy="0"/>
+          <a:chOff x="0" y="0"/>
+          <a:chExt cx="0" cy="0"/>
+        </a:xfrm>
+      </p:grpSpPr>
+      <p:sp>
+        <p:nvSpPr>
+          <p:cNvPr id="2" name="幻灯片图像占位符 1"/>
+          <p:cNvSpPr>
+            <a:spLocks noGrp="1" noRot="1" noChangeAspect="1"/>
+          </p:cNvSpPr>
+          <p:nvPr>
+            <p:ph type="sldImg"/>
+          </p:nvPr>
+        </p:nvSpPr>
+        <p:spPr/>
+      </p:sp>
+      <p:sp>
+        <p:nvSpPr>
+          <p:cNvPr id="3" name="备注占位符 2"/>
+          <p:cNvSpPr>
+            <a:spLocks noGrp="1"/>
+          </p:cNvSpPr>
+          <p:nvPr>
+            <p:ph type="body" idx="1"/>
+          </p:nvPr>
+        </p:nvSpPr>
+        <p:spPr/>
+        <p:txBody>
+          <a:bodyPr/>
+          <a:lstStyle/>
+          <a:p>
+            <a:r>
+              <a:rPr lang="zh-CN" altLang="en-US" dirty="0" smtClean="0"/>
+              <a:t>各位答辩老师好，我是路小波教授实验室的蔡敏，我的毕业课题是基于视频分析的森林烟火识别算法研究</a:t>
+            </a:r>
+            <a:endParaRPr lang="zh-CN" altLang="en-US" dirty="0"/>
+          </a:p>
+        </p:txBody>
+      </p:sp>
+      <p:sp>
+        <p:nvSpPr>
+          <p:cNvPr id="4" name="灯片编号占位符 3"/>
+          <p:cNvSpPr>
+            <a:spLocks noGrp="1"/>
+          </p:cNvSpPr>
+          <p:nvPr>
+            <p:ph type="sldNum" sz="quarter" idx="10"/>
+          </p:nvPr>
+        </p:nvSpPr>
+        <p:spPr/>
+        <p:txBody>
+          <a:bodyPr/>
+          <a:lstStyle/>
+          <a:p>
+            <a:fld id="{D6B3C80A-45EE-4FB3-AF5E-1F2A3F2A99BC}" type="slidenum">
+              <a:rPr lang="zh-CN" altLang="en-US" smtClean="0"/>
+              <a:t>1</a:t>
+            </a:fld>
+            <a:endParaRPr lang="zh-CN" altLang="en-US"/>
+          </a:p>
+        </p:txBody>
+      </p:sp>
+    </p:spTree>
+    <p:extLst>
+      <p:ext uri="{BB962C8B-B14F-4D97-AF65-F5344CB8AC3E}">
+        <p14:creationId xmlns:p14="http://schemas.microsoft.com/office/powerpoint/2010/main" val="1043350087"/>
+      </p:ext>
+    </p:extLst>
+  </p:cSld>
+  <p:clrMapOvr>
+    <a:masterClrMapping/>
+  </p:clrMapOvr>
+</p:notes>
+</file>
+
+<file path=ppt/notesSlides/notesSlide10.xml><?xml version="1.0" encoding="utf-8"?>
+<p:notes xmlns:a="http://schemas.openxmlformats.org/drawingml/2006/main" xmlns:r="http://schemas.openxmlformats.org/officeDocument/2006/relationships" xmlns:p="http://schemas.openxmlformats.org/presentationml/2006/main">
+  <p:cSld>
+    <p:spTree>
+      <p:nvGrpSpPr>
+        <p:cNvPr id="1" name=""/>
+        <p:cNvGrpSpPr/>
+        <p:nvPr/>
+      </p:nvGrpSpPr>
+      <p:grpSpPr>
+        <a:xfrm>
+          <a:off x="0" y="0"/>
+          <a:ext cx="0" cy="0"/>
+          <a:chOff x="0" y="0"/>
+          <a:chExt cx="0" cy="0"/>
+        </a:xfrm>
+      </p:grpSpPr>
+      <p:sp>
+        <p:nvSpPr>
+          <p:cNvPr id="2" name="幻灯片图像占位符 1"/>
+          <p:cNvSpPr>
+            <a:spLocks noGrp="1" noRot="1" noChangeAspect="1"/>
+          </p:cNvSpPr>
+          <p:nvPr>
+            <p:ph type="sldImg"/>
+          </p:nvPr>
+        </p:nvSpPr>
+        <p:spPr/>
+      </p:sp>
+      <p:sp>
+        <p:nvSpPr>
+          <p:cNvPr id="3" name="备注占位符 2"/>
+          <p:cNvSpPr>
+            <a:spLocks noGrp="1"/>
+          </p:cNvSpPr>
+          <p:nvPr>
+            <p:ph type="body" idx="1"/>
+          </p:nvPr>
+        </p:nvSpPr>
+        <p:spPr/>
+        <p:txBody>
+          <a:bodyPr/>
+          <a:lstStyle/>
+          <a:p>
+            <a:r>
+              <a:rPr lang="zh-CN" altLang="zh-CN" sz="1200" kern="1200" dirty="0" smtClean="0">
+                <a:solidFill>
+                  <a:schemeClr val="tx1"/>
+                </a:solidFill>
+                <a:effectLst/>
+                <a:latin typeface="+mn-lt"/>
+                <a:ea typeface="+mn-ea"/>
+                <a:cs typeface="+mn-cs"/>
+              </a:rPr>
+              <a:t>无雾图像处理结果示意图可以看出不管何种方法，对无雾图像进行处理后总会使原始图像发生颜色上的畸变。其中</a:t>
+            </a:r>
+            <a:r>
+              <a:rPr lang="en-US" altLang="zh-CN" sz="1200" kern="1200" dirty="0" smtClean="0">
+                <a:solidFill>
+                  <a:schemeClr val="tx1"/>
+                </a:solidFill>
+                <a:effectLst/>
+                <a:latin typeface="+mn-lt"/>
+                <a:ea typeface="+mn-ea"/>
+                <a:cs typeface="+mn-cs"/>
+              </a:rPr>
+              <a:t>MSRCR</a:t>
+            </a:r>
+            <a:r>
+              <a:rPr lang="zh-CN" altLang="zh-CN" sz="1200" kern="1200" dirty="0" smtClean="0">
+                <a:solidFill>
+                  <a:schemeClr val="tx1"/>
+                </a:solidFill>
+                <a:effectLst/>
+                <a:latin typeface="+mn-lt"/>
+                <a:ea typeface="+mn-ea"/>
+                <a:cs typeface="+mn-cs"/>
+              </a:rPr>
+              <a:t>处理使无雾图像整体色调偏暗，黑色部分增加；</a:t>
+            </a:r>
+            <a:r>
+              <a:rPr lang="en-US" altLang="zh-CN" sz="1200" kern="1200" dirty="0" smtClean="0">
+                <a:solidFill>
+                  <a:schemeClr val="tx1"/>
+                </a:solidFill>
+                <a:effectLst/>
+                <a:latin typeface="+mn-lt"/>
+                <a:ea typeface="+mn-ea"/>
+                <a:cs typeface="+mn-cs"/>
+              </a:rPr>
+              <a:t>HE</a:t>
+            </a:r>
+            <a:r>
+              <a:rPr lang="zh-CN" altLang="zh-CN" sz="1200" kern="1200" dirty="0" smtClean="0">
+                <a:solidFill>
+                  <a:schemeClr val="tx1"/>
+                </a:solidFill>
+                <a:effectLst/>
+                <a:latin typeface="+mn-lt"/>
+                <a:ea typeface="+mn-ea"/>
+                <a:cs typeface="+mn-cs"/>
+              </a:rPr>
+              <a:t>去雾处理使无雾图像整体亮度提高，颜色信息减弱；暗通道去雾处理使图像更加锐化。</a:t>
+            </a:r>
+            <a:endParaRPr lang="zh-CN" altLang="en-US" dirty="0"/>
+          </a:p>
+        </p:txBody>
+      </p:sp>
+      <p:sp>
+        <p:nvSpPr>
+          <p:cNvPr id="4" name="灯片编号占位符 3"/>
+          <p:cNvSpPr>
+            <a:spLocks noGrp="1"/>
+          </p:cNvSpPr>
+          <p:nvPr>
+            <p:ph type="sldNum" sz="quarter" idx="10"/>
+          </p:nvPr>
+        </p:nvSpPr>
+        <p:spPr/>
+        <p:txBody>
+          <a:bodyPr/>
+          <a:lstStyle/>
+          <a:p>
+            <a:fld id="{D6B3C80A-45EE-4FB3-AF5E-1F2A3F2A99BC}" type="slidenum">
+              <a:rPr lang="zh-CN" altLang="en-US" smtClean="0"/>
+              <a:t>11</a:t>
+            </a:fld>
+            <a:endParaRPr lang="zh-CN" altLang="en-US"/>
+          </a:p>
+        </p:txBody>
+      </p:sp>
+    </p:spTree>
+    <p:extLst>
+      <p:ext uri="{BB962C8B-B14F-4D97-AF65-F5344CB8AC3E}">
+        <p14:creationId xmlns:p14="http://schemas.microsoft.com/office/powerpoint/2010/main" val="1001458228"/>
+      </p:ext>
+    </p:extLst>
+  </p:cSld>
+  <p:clrMapOvr>
+    <a:masterClrMapping/>
+  </p:clrMapOvr>
+</p:notes>
+</file>
+
+<file path=ppt/notesSlides/notesSlide11.xml><?xml version="1.0" encoding="utf-8"?>
+<p:notes xmlns:a="http://schemas.openxmlformats.org/drawingml/2006/main" xmlns:r="http://schemas.openxmlformats.org/officeDocument/2006/relationships" xmlns:p="http://schemas.openxmlformats.org/presentationml/2006/main">
+  <p:cSld>
+    <p:spTree>
+      <p:nvGrpSpPr>
+        <p:cNvPr id="1" name=""/>
+        <p:cNvGrpSpPr/>
+        <p:nvPr/>
+      </p:nvGrpSpPr>
+      <p:grpSpPr>
+        <a:xfrm>
+          <a:off x="0" y="0"/>
+          <a:ext cx="0" cy="0"/>
+          <a:chOff x="0" y="0"/>
+          <a:chExt cx="0" cy="0"/>
+        </a:xfrm>
+      </p:grpSpPr>
+      <p:sp>
+        <p:nvSpPr>
+          <p:cNvPr id="2" name="幻灯片图像占位符 1"/>
+          <p:cNvSpPr>
+            <a:spLocks noGrp="1" noRot="1" noChangeAspect="1"/>
+          </p:cNvSpPr>
+          <p:nvPr>
+            <p:ph type="sldImg"/>
+          </p:nvPr>
+        </p:nvSpPr>
+        <p:spPr/>
+      </p:sp>
+      <p:sp>
+        <p:nvSpPr>
+          <p:cNvPr id="3" name="备注占位符 2"/>
+          <p:cNvSpPr>
+            <a:spLocks noGrp="1"/>
+          </p:cNvSpPr>
+          <p:nvPr>
+            <p:ph type="body" idx="1"/>
+          </p:nvPr>
+        </p:nvSpPr>
+        <p:spPr/>
+        <p:txBody>
+          <a:bodyPr/>
+          <a:lstStyle/>
+          <a:p>
+            <a:r>
+              <a:rPr lang="en-US" altLang="zh-CN" sz="1200" kern="1200" dirty="0" smtClean="0">
+                <a:solidFill>
+                  <a:schemeClr val="tx1"/>
+                </a:solidFill>
+                <a:effectLst/>
+                <a:latin typeface="+mn-lt"/>
+                <a:ea typeface="+mn-ea"/>
+                <a:cs typeface="+mn-cs"/>
+              </a:rPr>
+              <a:t>HE</a:t>
+            </a:r>
+            <a:r>
+              <a:rPr lang="zh-CN" altLang="zh-CN" sz="1200" kern="1200" dirty="0" smtClean="0">
+                <a:solidFill>
+                  <a:schemeClr val="tx1"/>
+                </a:solidFill>
+                <a:effectLst/>
+                <a:latin typeface="+mn-lt"/>
+                <a:ea typeface="+mn-ea"/>
+                <a:cs typeface="+mn-cs"/>
+              </a:rPr>
+              <a:t>去雾处理的时间效率最高且远高于</a:t>
+            </a:r>
+            <a:r>
+              <a:rPr lang="en-US" altLang="zh-CN" sz="1200" kern="1200" dirty="0" smtClean="0">
+                <a:solidFill>
+                  <a:schemeClr val="tx1"/>
+                </a:solidFill>
+                <a:effectLst/>
+                <a:latin typeface="+mn-lt"/>
+                <a:ea typeface="+mn-ea"/>
+                <a:cs typeface="+mn-cs"/>
+              </a:rPr>
+              <a:t>MSRCR</a:t>
+            </a:r>
+            <a:r>
+              <a:rPr lang="zh-CN" altLang="zh-CN" sz="1200" kern="1200" dirty="0" smtClean="0">
+                <a:solidFill>
+                  <a:schemeClr val="tx1"/>
+                </a:solidFill>
+                <a:effectLst/>
+                <a:latin typeface="+mn-lt"/>
+                <a:ea typeface="+mn-ea"/>
+                <a:cs typeface="+mn-cs"/>
+              </a:rPr>
+              <a:t>去雾与暗通道去雾算法，</a:t>
+            </a:r>
+            <a:r>
+              <a:rPr lang="en-US" altLang="zh-CN" sz="1200" kern="1200" dirty="0" smtClean="0">
+                <a:solidFill>
+                  <a:schemeClr val="tx1"/>
+                </a:solidFill>
+                <a:effectLst/>
+                <a:latin typeface="+mn-lt"/>
+                <a:ea typeface="+mn-ea"/>
+                <a:cs typeface="+mn-cs"/>
+              </a:rPr>
+              <a:t>MSRCR</a:t>
+            </a:r>
+            <a:r>
+              <a:rPr lang="zh-CN" altLang="zh-CN" sz="1200" kern="1200" dirty="0" smtClean="0">
+                <a:solidFill>
+                  <a:schemeClr val="tx1"/>
+                </a:solidFill>
+                <a:effectLst/>
+                <a:latin typeface="+mn-lt"/>
+                <a:ea typeface="+mn-ea"/>
+                <a:cs typeface="+mn-cs"/>
+              </a:rPr>
+              <a:t>去雾处理时间效率其次，暗通道去雾算法时间效率最低。</a:t>
+            </a:r>
+            <a:endParaRPr lang="en-US" altLang="zh-CN" sz="1200" kern="1200" dirty="0" smtClean="0">
+              <a:solidFill>
+                <a:schemeClr val="tx1"/>
+              </a:solidFill>
+              <a:effectLst/>
+              <a:latin typeface="+mn-lt"/>
+              <a:ea typeface="+mn-ea"/>
+              <a:cs typeface="+mn-cs"/>
+            </a:endParaRPr>
+          </a:p>
+          <a:p>
+            <a:r>
+              <a:rPr lang="zh-CN" altLang="zh-CN" sz="1200" kern="1200" dirty="0" smtClean="0">
+                <a:solidFill>
+                  <a:schemeClr val="tx1"/>
+                </a:solidFill>
+                <a:effectLst/>
+                <a:latin typeface="+mn-lt"/>
+                <a:ea typeface="+mn-ea"/>
+                <a:cs typeface="+mn-cs"/>
+              </a:rPr>
+              <a:t>①</a:t>
+            </a:r>
+            <a:r>
+              <a:rPr lang="en-US" altLang="zh-CN" sz="1200" kern="1200" dirty="0" smtClean="0">
+                <a:solidFill>
+                  <a:schemeClr val="tx1"/>
+                </a:solidFill>
+                <a:effectLst/>
+                <a:latin typeface="+mn-lt"/>
+                <a:ea typeface="+mn-ea"/>
+                <a:cs typeface="+mn-cs"/>
+              </a:rPr>
+              <a:t>MSRCR</a:t>
+            </a:r>
+            <a:r>
+              <a:rPr lang="zh-CN" altLang="zh-CN" sz="1200" kern="1200" dirty="0" smtClean="0">
+                <a:solidFill>
+                  <a:schemeClr val="tx1"/>
+                </a:solidFill>
+                <a:effectLst/>
+                <a:latin typeface="+mn-lt"/>
+                <a:ea typeface="+mn-ea"/>
+                <a:cs typeface="+mn-cs"/>
+              </a:rPr>
+              <a:t>去雾处理能有效恢复有雾图像中的彩色信息，同时也会造成无雾图像颜色的较大畸变，同时</a:t>
+            </a:r>
+            <a:r>
+              <a:rPr lang="en-US" altLang="zh-CN" sz="1200" kern="1200" dirty="0" smtClean="0">
+                <a:solidFill>
+                  <a:schemeClr val="tx1"/>
+                </a:solidFill>
+                <a:effectLst/>
+                <a:latin typeface="+mn-lt"/>
+                <a:ea typeface="+mn-ea"/>
+                <a:cs typeface="+mn-cs"/>
+              </a:rPr>
+              <a:t>MSRCR</a:t>
+            </a:r>
+            <a:r>
+              <a:rPr lang="zh-CN" altLang="zh-CN" sz="1200" kern="1200" dirty="0" smtClean="0">
+                <a:solidFill>
+                  <a:schemeClr val="tx1"/>
+                </a:solidFill>
+                <a:effectLst/>
+                <a:latin typeface="+mn-lt"/>
+                <a:ea typeface="+mn-ea"/>
+                <a:cs typeface="+mn-cs"/>
+              </a:rPr>
+              <a:t>去雾处理在图像对比度增强方面效果一般， </a:t>
+            </a:r>
+            <a:r>
+              <a:rPr lang="en-US" altLang="zh-CN" sz="1200" kern="1200" dirty="0" smtClean="0">
+                <a:solidFill>
+                  <a:schemeClr val="tx1"/>
+                </a:solidFill>
+                <a:effectLst/>
+                <a:latin typeface="+mn-lt"/>
+                <a:ea typeface="+mn-ea"/>
+                <a:cs typeface="+mn-cs"/>
+              </a:rPr>
+              <a:t>MSRCR</a:t>
+            </a:r>
+            <a:r>
+              <a:rPr lang="zh-CN" altLang="zh-CN" sz="1200" kern="1200" dirty="0" smtClean="0">
+                <a:solidFill>
+                  <a:schemeClr val="tx1"/>
+                </a:solidFill>
+                <a:effectLst/>
+                <a:latin typeface="+mn-lt"/>
+                <a:ea typeface="+mn-ea"/>
+                <a:cs typeface="+mn-cs"/>
+              </a:rPr>
+              <a:t>去雾处理时间效率优于</a:t>
+            </a:r>
+            <a:r>
+              <a:rPr lang="en-US" altLang="zh-CN" sz="1200" kern="1200" dirty="0" smtClean="0">
+                <a:solidFill>
+                  <a:schemeClr val="tx1"/>
+                </a:solidFill>
+                <a:effectLst/>
+                <a:latin typeface="+mn-lt"/>
+                <a:ea typeface="+mn-ea"/>
+                <a:cs typeface="+mn-cs"/>
+              </a:rPr>
+              <a:t>MSRCR</a:t>
+            </a:r>
+            <a:r>
+              <a:rPr lang="zh-CN" altLang="zh-CN" sz="1200" kern="1200" dirty="0" smtClean="0">
+                <a:solidFill>
+                  <a:schemeClr val="tx1"/>
+                </a:solidFill>
+                <a:effectLst/>
+                <a:latin typeface="+mn-lt"/>
+                <a:ea typeface="+mn-ea"/>
+                <a:cs typeface="+mn-cs"/>
+              </a:rPr>
+              <a:t>处理，但不及</a:t>
+            </a:r>
+            <a:r>
+              <a:rPr lang="en-US" altLang="zh-CN" sz="1200" kern="1200" dirty="0" smtClean="0">
+                <a:solidFill>
+                  <a:schemeClr val="tx1"/>
+                </a:solidFill>
+                <a:effectLst/>
+                <a:latin typeface="+mn-lt"/>
+                <a:ea typeface="+mn-ea"/>
+                <a:cs typeface="+mn-cs"/>
+              </a:rPr>
+              <a:t>HE</a:t>
+            </a:r>
+            <a:r>
+              <a:rPr lang="zh-CN" altLang="zh-CN" sz="1200" kern="1200" dirty="0" smtClean="0">
+                <a:solidFill>
+                  <a:schemeClr val="tx1"/>
+                </a:solidFill>
+                <a:effectLst/>
+                <a:latin typeface="+mn-lt"/>
+                <a:ea typeface="+mn-ea"/>
+                <a:cs typeface="+mn-cs"/>
+              </a:rPr>
+              <a:t>处理；</a:t>
+            </a:r>
+          </a:p>
+          <a:p>
+            <a:r>
+              <a:rPr lang="zh-CN" altLang="zh-CN" sz="1200" kern="1200" dirty="0" smtClean="0">
+                <a:solidFill>
+                  <a:schemeClr val="tx1"/>
+                </a:solidFill>
+                <a:effectLst/>
+                <a:latin typeface="+mn-lt"/>
+                <a:ea typeface="+mn-ea"/>
+                <a:cs typeface="+mn-cs"/>
+              </a:rPr>
+              <a:t>②</a:t>
+            </a:r>
+            <a:r>
+              <a:rPr lang="en-US" altLang="zh-CN" sz="1200" kern="1200" dirty="0" smtClean="0">
+                <a:solidFill>
+                  <a:schemeClr val="tx1"/>
+                </a:solidFill>
+                <a:effectLst/>
+                <a:latin typeface="+mn-lt"/>
+                <a:ea typeface="+mn-ea"/>
+                <a:cs typeface="+mn-cs"/>
+              </a:rPr>
+              <a:t>HE</a:t>
+            </a:r>
+            <a:r>
+              <a:rPr lang="zh-CN" altLang="zh-CN" sz="1200" kern="1200" dirty="0" smtClean="0">
+                <a:solidFill>
+                  <a:schemeClr val="tx1"/>
+                </a:solidFill>
+                <a:effectLst/>
+                <a:latin typeface="+mn-lt"/>
+                <a:ea typeface="+mn-ea"/>
+                <a:cs typeface="+mn-cs"/>
+              </a:rPr>
+              <a:t>去雾处理在有雾图像的彩色信息恢复方面稍弱，但对于有雾图像的对比度增强效果显著，同时在时间效率上，</a:t>
+            </a:r>
+            <a:r>
+              <a:rPr lang="en-US" altLang="zh-CN" sz="1200" kern="1200" dirty="0" smtClean="0">
+                <a:solidFill>
+                  <a:schemeClr val="tx1"/>
+                </a:solidFill>
+                <a:effectLst/>
+                <a:latin typeface="+mn-lt"/>
+                <a:ea typeface="+mn-ea"/>
+                <a:cs typeface="+mn-cs"/>
+              </a:rPr>
+              <a:t>HE</a:t>
+            </a:r>
+            <a:r>
+              <a:rPr lang="zh-CN" altLang="zh-CN" sz="1200" kern="1200" dirty="0" smtClean="0">
+                <a:solidFill>
+                  <a:schemeClr val="tx1"/>
+                </a:solidFill>
+                <a:effectLst/>
+                <a:latin typeface="+mn-lt"/>
+                <a:ea typeface="+mn-ea"/>
+                <a:cs typeface="+mn-cs"/>
+              </a:rPr>
+              <a:t>去雾处理对一张像素大小为</a:t>
+            </a:r>
+            <a:r>
+              <a:rPr lang="en-US" altLang="zh-CN" sz="1200" kern="1200" dirty="0" smtClean="0">
+                <a:solidFill>
+                  <a:schemeClr val="tx1"/>
+                </a:solidFill>
+                <a:effectLst/>
+                <a:latin typeface="+mn-lt"/>
+                <a:ea typeface="+mn-ea"/>
+                <a:cs typeface="+mn-cs"/>
+              </a:rPr>
+              <a:t> </a:t>
+            </a:r>
+            <a:r>
+              <a:rPr lang="zh-CN" altLang="zh-CN" sz="1200" kern="1200" dirty="0" smtClean="0">
+                <a:solidFill>
+                  <a:schemeClr val="tx1"/>
+                </a:solidFill>
+                <a:effectLst/>
+                <a:latin typeface="+mn-lt"/>
+                <a:ea typeface="+mn-ea"/>
+                <a:cs typeface="+mn-cs"/>
+              </a:rPr>
+              <a:t>的图像耗时仅需</a:t>
+            </a:r>
+            <a:r>
+              <a:rPr lang="en-US" altLang="zh-CN" sz="1200" kern="1200" dirty="0" smtClean="0">
+                <a:solidFill>
+                  <a:schemeClr val="tx1"/>
+                </a:solidFill>
+                <a:effectLst/>
+                <a:latin typeface="+mn-lt"/>
+                <a:ea typeface="+mn-ea"/>
+                <a:cs typeface="+mn-cs"/>
+              </a:rPr>
+              <a:t>28.48ms</a:t>
+            </a:r>
+            <a:r>
+              <a:rPr lang="zh-CN" altLang="zh-CN" sz="1200" kern="1200" dirty="0" smtClean="0">
+                <a:solidFill>
+                  <a:schemeClr val="tx1"/>
+                </a:solidFill>
+                <a:effectLst/>
+                <a:latin typeface="+mn-lt"/>
+                <a:ea typeface="+mn-ea"/>
+                <a:cs typeface="+mn-cs"/>
+              </a:rPr>
+              <a:t>；</a:t>
+            </a:r>
+          </a:p>
+          <a:p>
+            <a:r>
+              <a:rPr lang="zh-CN" altLang="zh-CN" sz="1200" kern="1200" dirty="0" smtClean="0">
+                <a:solidFill>
+                  <a:schemeClr val="tx1"/>
+                </a:solidFill>
+                <a:effectLst/>
+                <a:latin typeface="+mn-lt"/>
+                <a:ea typeface="+mn-ea"/>
+                <a:cs typeface="+mn-cs"/>
+              </a:rPr>
+              <a:t>③暗通道去雾处理能同时兼顾图像彩色信息恢复和对比度增强两个效果，但暗通道去雾处理时间消耗过大。</a:t>
+            </a:r>
+            <a:endParaRPr lang="en-US" altLang="zh-CN" sz="1200" kern="1200" dirty="0" smtClean="0">
+              <a:solidFill>
+                <a:schemeClr val="tx1"/>
+              </a:solidFill>
+              <a:effectLst/>
+              <a:latin typeface="+mn-lt"/>
+              <a:ea typeface="+mn-ea"/>
+              <a:cs typeface="+mn-cs"/>
+            </a:endParaRPr>
+          </a:p>
+          <a:p>
+            <a:pPr marL="0" marR="0" lvl="0" indent="0" algn="l" defTabSz="914400" rtl="0" eaLnBrk="1" fontAlgn="auto" latinLnBrk="0" hangingPunct="1">
+              <a:lnSpc>
+                <a:spcPct val="100000"/>
+              </a:lnSpc>
+              <a:spcBef>
+                <a:spcPts val="0"/>
+              </a:spcBef>
+              <a:spcAft>
+                <a:spcPts val="0"/>
+              </a:spcAft>
+              <a:buClrTx/>
+              <a:buSzTx/>
+              <a:buFontTx/>
+              <a:buNone/>
+              <a:tabLst/>
+              <a:defRPr/>
+            </a:pPr>
+            <a:r>
+              <a:rPr lang="zh-CN" altLang="zh-CN" sz="1200" kern="1200" dirty="0" smtClean="0">
+                <a:solidFill>
+                  <a:schemeClr val="tx1"/>
+                </a:solidFill>
+                <a:effectLst/>
+                <a:latin typeface="+mn-lt"/>
+                <a:ea typeface="+mn-ea"/>
+                <a:cs typeface="+mn-cs"/>
+              </a:rPr>
+              <a:t>直接对森林监控视频采用某一种去雾算法存在以下两点问题：</a:t>
+            </a:r>
+            <a:endParaRPr lang="en-US" altLang="zh-CN" sz="1200" kern="1200" dirty="0" smtClean="0">
+              <a:solidFill>
+                <a:schemeClr val="tx1"/>
+              </a:solidFill>
+              <a:effectLst/>
+              <a:latin typeface="+mn-lt"/>
+              <a:ea typeface="+mn-ea"/>
+              <a:cs typeface="+mn-cs"/>
+            </a:endParaRPr>
+          </a:p>
+          <a:p>
+            <a:r>
+              <a:rPr lang="zh-CN" altLang="zh-CN" sz="1200" kern="1200" dirty="0" smtClean="0">
+                <a:solidFill>
+                  <a:schemeClr val="tx1"/>
+                </a:solidFill>
+                <a:effectLst/>
+                <a:latin typeface="+mn-lt"/>
+                <a:ea typeface="+mn-ea"/>
+                <a:cs typeface="+mn-cs"/>
+              </a:rPr>
+              <a:t>①结合森林烟火识别系统的实时处理问题，采用暗通道去雾算法耗时太大，会导致对监控视频的处理不及时；</a:t>
+            </a:r>
+          </a:p>
+          <a:p>
+            <a:r>
+              <a:rPr lang="zh-CN" altLang="zh-CN" sz="1200" kern="1200" dirty="0" smtClean="0">
+                <a:solidFill>
+                  <a:schemeClr val="tx1"/>
+                </a:solidFill>
+                <a:effectLst/>
+                <a:latin typeface="+mn-lt"/>
+                <a:ea typeface="+mn-ea"/>
+                <a:cs typeface="+mn-cs"/>
+              </a:rPr>
+              <a:t>②对于不同地区，不同时间的监控视频不做有雾判断直接进行去雾处理导致监控视频图像的畸变。</a:t>
+            </a:r>
+          </a:p>
+          <a:p>
+            <a:endParaRPr lang="zh-CN" altLang="zh-CN" sz="1200" kern="1200" dirty="0" smtClean="0">
+              <a:solidFill>
+                <a:schemeClr val="tx1"/>
+              </a:solidFill>
+              <a:effectLst/>
+              <a:latin typeface="+mn-lt"/>
+              <a:ea typeface="+mn-ea"/>
+              <a:cs typeface="+mn-cs"/>
+            </a:endParaRPr>
+          </a:p>
+          <a:p>
+            <a:endParaRPr lang="zh-CN" altLang="en-US" dirty="0"/>
+          </a:p>
+        </p:txBody>
+      </p:sp>
+      <p:sp>
+        <p:nvSpPr>
+          <p:cNvPr id="4" name="灯片编号占位符 3"/>
+          <p:cNvSpPr>
+            <a:spLocks noGrp="1"/>
+          </p:cNvSpPr>
+          <p:nvPr>
+            <p:ph type="sldNum" sz="quarter" idx="10"/>
+          </p:nvPr>
+        </p:nvSpPr>
+        <p:spPr/>
+        <p:txBody>
+          <a:bodyPr/>
+          <a:lstStyle/>
+          <a:p>
+            <a:fld id="{D6B3C80A-45EE-4FB3-AF5E-1F2A3F2A99BC}" type="slidenum">
+              <a:rPr lang="zh-CN" altLang="en-US" smtClean="0"/>
+              <a:t>12</a:t>
+            </a:fld>
+            <a:endParaRPr lang="zh-CN" altLang="en-US"/>
+          </a:p>
+        </p:txBody>
+      </p:sp>
+    </p:spTree>
+    <p:extLst>
+      <p:ext uri="{BB962C8B-B14F-4D97-AF65-F5344CB8AC3E}">
+        <p14:creationId xmlns:p14="http://schemas.microsoft.com/office/powerpoint/2010/main" val="3969603621"/>
+      </p:ext>
+    </p:extLst>
+  </p:cSld>
+  <p:clrMapOvr>
+    <a:masterClrMapping/>
+  </p:clrMapOvr>
+</p:notes>
+</file>
+
+<file path=ppt/notesSlides/notesSlide12.xml><?xml version="1.0" encoding="utf-8"?>
+<p:notes xmlns:a="http://schemas.openxmlformats.org/drawingml/2006/main" xmlns:r="http://schemas.openxmlformats.org/officeDocument/2006/relationships" xmlns:p="http://schemas.openxmlformats.org/presentationml/2006/main">
+  <p:cSld>
+    <p:spTree>
+      <p:nvGrpSpPr>
+        <p:cNvPr id="1" name=""/>
+        <p:cNvGrpSpPr/>
+        <p:nvPr/>
+      </p:nvGrpSpPr>
+      <p:grpSpPr>
+        <a:xfrm>
+          <a:off x="0" y="0"/>
+          <a:ext cx="0" cy="0"/>
+          <a:chOff x="0" y="0"/>
+          <a:chExt cx="0" cy="0"/>
+        </a:xfrm>
+      </p:grpSpPr>
+      <p:sp>
+        <p:nvSpPr>
+          <p:cNvPr id="2" name="幻灯片图像占位符 1"/>
+          <p:cNvSpPr>
+            <a:spLocks noGrp="1" noRot="1" noChangeAspect="1"/>
+          </p:cNvSpPr>
+          <p:nvPr>
+            <p:ph type="sldImg"/>
+          </p:nvPr>
+        </p:nvSpPr>
+        <p:spPr/>
+      </p:sp>
+      <p:sp>
+        <p:nvSpPr>
+          <p:cNvPr id="3" name="备注占位符 2"/>
+          <p:cNvSpPr>
+            <a:spLocks noGrp="1"/>
+          </p:cNvSpPr>
+          <p:nvPr>
+            <p:ph type="body" idx="1"/>
+          </p:nvPr>
+        </p:nvSpPr>
+        <p:spPr/>
+        <p:txBody>
+          <a:bodyPr/>
+          <a:lstStyle/>
+          <a:p>
+            <a:r>
+              <a:rPr lang="zh-CN" altLang="zh-CN" sz="1200" kern="1200" dirty="0" smtClean="0">
+                <a:solidFill>
+                  <a:schemeClr val="tx1"/>
+                </a:solidFill>
+                <a:effectLst/>
+                <a:latin typeface="+mn-lt"/>
+                <a:ea typeface="+mn-ea"/>
+                <a:cs typeface="+mn-cs"/>
+              </a:rPr>
+              <a:t>已有方法对所有图片统一进行去雾操作，主要存在的问题是无法在保证在对有雾图像进行去雾处理的同时不对无雾图像造成过大的畸变影响。针对这个问题，本文采取先判断后处理的原则，首先通过暗通道判断待处理图像中是否存在雾霾影响，然后对存在雾霾影响的图像进行去雾</a:t>
+            </a:r>
+            <a:r>
+              <a:rPr lang="zh-CN" altLang="zh-CN" sz="1200" kern="1200" dirty="0" smtClean="0">
+                <a:solidFill>
+                  <a:schemeClr val="tx1"/>
+                </a:solidFill>
+                <a:effectLst/>
+                <a:latin typeface="+mn-lt"/>
+                <a:ea typeface="+mn-ea"/>
+                <a:cs typeface="+mn-cs"/>
+              </a:rPr>
+              <a:t>。</a:t>
+            </a:r>
+            <a:endParaRPr lang="en-US" altLang="zh-CN" sz="1200" kern="1200" dirty="0" smtClean="0">
+              <a:solidFill>
+                <a:schemeClr val="tx1"/>
+              </a:solidFill>
+              <a:effectLst/>
+              <a:latin typeface="+mn-lt"/>
+              <a:ea typeface="+mn-ea"/>
+              <a:cs typeface="+mn-cs"/>
+            </a:endParaRPr>
+          </a:p>
+          <a:p>
+            <a:pPr marL="0" marR="0" lvl="0" indent="0" algn="l" defTabSz="914400" rtl="0" eaLnBrk="1" fontAlgn="auto" latinLnBrk="0" hangingPunct="1">
+              <a:lnSpc>
+                <a:spcPct val="100000"/>
+              </a:lnSpc>
+              <a:spcBef>
+                <a:spcPts val="0"/>
+              </a:spcBef>
+              <a:spcAft>
+                <a:spcPts val="0"/>
+              </a:spcAft>
+              <a:buClrTx/>
+              <a:buSzTx/>
+              <a:buFontTx/>
+              <a:buNone/>
+              <a:tabLst/>
+              <a:defRPr/>
+            </a:pPr>
+            <a:r>
+              <a:rPr lang="zh-CN" altLang="zh-CN" sz="1200" kern="1200" dirty="0" smtClean="0">
+                <a:solidFill>
+                  <a:schemeClr val="tx1"/>
+                </a:solidFill>
+                <a:effectLst/>
+                <a:latin typeface="+mn-lt"/>
+                <a:ea typeface="+mn-ea"/>
+                <a:cs typeface="+mn-cs"/>
+              </a:rPr>
+              <a:t>依照暗通道去雾中的先验条件：在绝大多数非天空区域内，像素点中总有一个通道的取值趋近于</a:t>
+            </a:r>
+            <a:r>
+              <a:rPr lang="en-US" altLang="zh-CN" sz="1200" kern="1200" dirty="0" smtClean="0">
+                <a:solidFill>
+                  <a:schemeClr val="tx1"/>
+                </a:solidFill>
+                <a:effectLst/>
+                <a:latin typeface="+mn-lt"/>
+                <a:ea typeface="+mn-ea"/>
+                <a:cs typeface="+mn-cs"/>
+              </a:rPr>
+              <a:t>0 </a:t>
+            </a:r>
+            <a:r>
+              <a:rPr lang="zh-CN" altLang="zh-CN" sz="1200" kern="1200" dirty="0" smtClean="0">
+                <a:solidFill>
+                  <a:schemeClr val="tx1"/>
+                </a:solidFill>
+                <a:effectLst/>
+                <a:latin typeface="+mn-lt"/>
+                <a:ea typeface="+mn-ea"/>
+                <a:cs typeface="+mn-cs"/>
+              </a:rPr>
+              <a:t>。对同一场景下有雾和无雾图像计算暗通道</a:t>
+            </a:r>
+            <a:r>
+              <a:rPr lang="en-US" altLang="zh-CN" sz="1200" kern="1200" dirty="0" smtClean="0">
+                <a:solidFill>
+                  <a:schemeClr val="tx1"/>
+                </a:solidFill>
+                <a:effectLst/>
+                <a:latin typeface="+mn-lt"/>
+                <a:ea typeface="+mn-ea"/>
+                <a:cs typeface="+mn-cs"/>
+              </a:rPr>
+              <a:t>,</a:t>
+            </a:r>
+            <a:r>
+              <a:rPr lang="zh-CN" altLang="zh-CN" sz="1200" kern="1200" dirty="0" smtClean="0">
+                <a:solidFill>
+                  <a:schemeClr val="tx1"/>
+                </a:solidFill>
+                <a:effectLst/>
+                <a:latin typeface="+mn-lt"/>
+                <a:ea typeface="+mn-ea"/>
+                <a:cs typeface="+mn-cs"/>
+              </a:rPr>
+              <a:t> 在雾霾天气下拍摄的图像对应的暗通道图像像素值较高，因此可以利用阈值分割对有雾场景和无雾场景进行区分。</a:t>
+            </a:r>
+          </a:p>
+          <a:p>
+            <a:endParaRPr lang="zh-CN" altLang="en-US" dirty="0"/>
+          </a:p>
+        </p:txBody>
+      </p:sp>
+      <p:sp>
+        <p:nvSpPr>
+          <p:cNvPr id="4" name="灯片编号占位符 3"/>
+          <p:cNvSpPr>
+            <a:spLocks noGrp="1"/>
+          </p:cNvSpPr>
+          <p:nvPr>
+            <p:ph type="sldNum" sz="quarter" idx="10"/>
+          </p:nvPr>
+        </p:nvSpPr>
+        <p:spPr/>
+        <p:txBody>
+          <a:bodyPr/>
+          <a:lstStyle/>
+          <a:p>
+            <a:fld id="{D6B3C80A-45EE-4FB3-AF5E-1F2A3F2A99BC}" type="slidenum">
+              <a:rPr lang="zh-CN" altLang="en-US" smtClean="0"/>
+              <a:t>13</a:t>
+            </a:fld>
+            <a:endParaRPr lang="zh-CN" altLang="en-US"/>
+          </a:p>
+        </p:txBody>
+      </p:sp>
+    </p:spTree>
+    <p:extLst>
+      <p:ext uri="{BB962C8B-B14F-4D97-AF65-F5344CB8AC3E}">
+        <p14:creationId xmlns:p14="http://schemas.microsoft.com/office/powerpoint/2010/main" val="1037944761"/>
+      </p:ext>
+    </p:extLst>
+  </p:cSld>
+  <p:clrMapOvr>
+    <a:masterClrMapping/>
+  </p:clrMapOvr>
+</p:notes>
+</file>
+
+<file path=ppt/notesSlides/notesSlide13.xml><?xml version="1.0" encoding="utf-8"?>
+<p:notes xmlns:a="http://schemas.openxmlformats.org/drawingml/2006/main" xmlns:r="http://schemas.openxmlformats.org/officeDocument/2006/relationships" xmlns:p="http://schemas.openxmlformats.org/presentationml/2006/main">
+  <p:cSld>
+    <p:spTree>
+      <p:nvGrpSpPr>
+        <p:cNvPr id="1" name=""/>
+        <p:cNvGrpSpPr/>
+        <p:nvPr/>
+      </p:nvGrpSpPr>
+      <p:grpSpPr>
+        <a:xfrm>
+          <a:off x="0" y="0"/>
+          <a:ext cx="0" cy="0"/>
+          <a:chOff x="0" y="0"/>
+          <a:chExt cx="0" cy="0"/>
+        </a:xfrm>
+      </p:grpSpPr>
+      <p:sp>
+        <p:nvSpPr>
+          <p:cNvPr id="2" name="幻灯片图像占位符 1"/>
+          <p:cNvSpPr>
+            <a:spLocks noGrp="1" noRot="1" noChangeAspect="1"/>
+          </p:cNvSpPr>
+          <p:nvPr>
+            <p:ph type="sldImg"/>
+          </p:nvPr>
+        </p:nvSpPr>
+        <p:spPr/>
+      </p:sp>
+      <p:sp>
+        <p:nvSpPr>
+          <p:cNvPr id="3" name="备注占位符 2"/>
+          <p:cNvSpPr>
+            <a:spLocks noGrp="1"/>
+          </p:cNvSpPr>
+          <p:nvPr>
+            <p:ph type="body" idx="1"/>
+          </p:nvPr>
+        </p:nvSpPr>
+        <p:spPr/>
+        <p:txBody>
+          <a:bodyPr/>
+          <a:lstStyle/>
+          <a:p>
+            <a:endParaRPr lang="zh-CN" altLang="en-US" dirty="0"/>
+          </a:p>
+        </p:txBody>
+      </p:sp>
+      <p:sp>
+        <p:nvSpPr>
+          <p:cNvPr id="4" name="灯片编号占位符 3"/>
+          <p:cNvSpPr>
+            <a:spLocks noGrp="1"/>
+          </p:cNvSpPr>
+          <p:nvPr>
+            <p:ph type="sldNum" sz="quarter" idx="10"/>
+          </p:nvPr>
+        </p:nvSpPr>
+        <p:spPr/>
+        <p:txBody>
+          <a:bodyPr/>
+          <a:lstStyle/>
+          <a:p>
+            <a:fld id="{D6B3C80A-45EE-4FB3-AF5E-1F2A3F2A99BC}" type="slidenum">
+              <a:rPr lang="zh-CN" altLang="en-US" smtClean="0"/>
+              <a:t>14</a:t>
+            </a:fld>
+            <a:endParaRPr lang="zh-CN" altLang="en-US"/>
+          </a:p>
+        </p:txBody>
+      </p:sp>
+    </p:spTree>
+    <p:extLst>
+      <p:ext uri="{BB962C8B-B14F-4D97-AF65-F5344CB8AC3E}">
+        <p14:creationId xmlns:p14="http://schemas.microsoft.com/office/powerpoint/2010/main" val="1616751331"/>
+      </p:ext>
+    </p:extLst>
+  </p:cSld>
+  <p:clrMapOvr>
+    <a:masterClrMapping/>
+  </p:clrMapOvr>
+</p:notes>
+</file>
+
+<file path=ppt/notesSlides/notesSlide14.xml><?xml version="1.0" encoding="utf-8"?>
+<p:notes xmlns:a="http://schemas.openxmlformats.org/drawingml/2006/main" xmlns:r="http://schemas.openxmlformats.org/officeDocument/2006/relationships" xmlns:p="http://schemas.openxmlformats.org/presentationml/2006/main">
+  <p:cSld>
+    <p:spTree>
+      <p:nvGrpSpPr>
+        <p:cNvPr id="1" name=""/>
+        <p:cNvGrpSpPr/>
+        <p:nvPr/>
+      </p:nvGrpSpPr>
+      <p:grpSpPr>
+        <a:xfrm>
+          <a:off x="0" y="0"/>
+          <a:ext cx="0" cy="0"/>
+          <a:chOff x="0" y="0"/>
+          <a:chExt cx="0" cy="0"/>
+        </a:xfrm>
+      </p:grpSpPr>
+      <p:sp>
+        <p:nvSpPr>
+          <p:cNvPr id="2" name="幻灯片图像占位符 1"/>
+          <p:cNvSpPr>
+            <a:spLocks noGrp="1" noRot="1" noChangeAspect="1"/>
+          </p:cNvSpPr>
+          <p:nvPr>
+            <p:ph type="sldImg"/>
+          </p:nvPr>
+        </p:nvSpPr>
+        <p:spPr/>
+      </p:sp>
+      <p:sp>
+        <p:nvSpPr>
+          <p:cNvPr id="3" name="备注占位符 2"/>
+          <p:cNvSpPr>
+            <a:spLocks noGrp="1"/>
+          </p:cNvSpPr>
+          <p:nvPr>
+            <p:ph type="body" idx="1"/>
+          </p:nvPr>
+        </p:nvSpPr>
+        <p:spPr/>
+        <p:txBody>
+          <a:bodyPr/>
+          <a:lstStyle/>
+          <a:p>
+            <a:pPr marL="0" marR="0" lvl="0" indent="0" algn="l" defTabSz="914400" rtl="0" eaLnBrk="1" fontAlgn="auto" latinLnBrk="0" hangingPunct="1">
+              <a:lnSpc>
+                <a:spcPct val="100000"/>
+              </a:lnSpc>
+              <a:spcBef>
+                <a:spcPts val="0"/>
+              </a:spcBef>
+              <a:spcAft>
+                <a:spcPts val="0"/>
+              </a:spcAft>
+              <a:buClrTx/>
+              <a:buSzTx/>
+              <a:buFontTx/>
+              <a:buNone/>
+              <a:tabLst/>
+              <a:defRPr/>
+            </a:pPr>
+            <a:r>
+              <a:rPr lang="zh-CN" altLang="zh-CN" sz="1200" kern="1200" dirty="0" smtClean="0">
+                <a:solidFill>
+                  <a:schemeClr val="tx1"/>
+                </a:solidFill>
+                <a:effectLst/>
+                <a:latin typeface="+mn-lt"/>
+                <a:ea typeface="+mn-ea"/>
+                <a:cs typeface="+mn-cs"/>
+              </a:rPr>
+              <a:t>利用结合暗通道与直方图均衡的去雾算法对实际森林监控摄像头采集到的正常天气、薄雾天气、中等程度雾霾天气和浓雾天气下的视频图像分别实验验证，其中暗通道阈值</a:t>
+            </a:r>
+            <a:r>
+              <a:rPr lang="en-US" altLang="zh-CN" sz="1200" kern="1200" dirty="0" smtClean="0">
+                <a:solidFill>
+                  <a:schemeClr val="tx1"/>
+                </a:solidFill>
+                <a:effectLst/>
+                <a:latin typeface="+mn-lt"/>
+                <a:ea typeface="+mn-ea"/>
+                <a:cs typeface="+mn-cs"/>
+              </a:rPr>
+              <a:t> </a:t>
+            </a:r>
+            <a:r>
+              <a:rPr lang="zh-CN" altLang="zh-CN" sz="1200" kern="1200" dirty="0" smtClean="0">
+                <a:solidFill>
+                  <a:schemeClr val="tx1"/>
+                </a:solidFill>
+                <a:effectLst/>
+                <a:latin typeface="+mn-lt"/>
+                <a:ea typeface="+mn-ea"/>
+                <a:cs typeface="+mn-cs"/>
+              </a:rPr>
+              <a:t>得到实验结果如图</a:t>
+            </a:r>
+            <a:r>
+              <a:rPr lang="en-US" altLang="zh-CN" sz="1200" kern="1200" dirty="0" smtClean="0">
+                <a:solidFill>
+                  <a:schemeClr val="tx1"/>
+                </a:solidFill>
+                <a:effectLst/>
+                <a:latin typeface="+mn-lt"/>
+                <a:ea typeface="+mn-ea"/>
+                <a:cs typeface="+mn-cs"/>
+              </a:rPr>
+              <a:t>2-5</a:t>
+            </a:r>
+            <a:r>
+              <a:rPr lang="zh-CN" altLang="zh-CN" sz="1200" kern="1200" dirty="0" smtClean="0">
+                <a:solidFill>
+                  <a:schemeClr val="tx1"/>
+                </a:solidFill>
+                <a:effectLst/>
+                <a:latin typeface="+mn-lt"/>
+                <a:ea typeface="+mn-ea"/>
+                <a:cs typeface="+mn-cs"/>
+              </a:rPr>
+              <a:t>所示，结果显示对于四种情况下的图像进行去雾操作后，无雾图像、中雾图像和浓雾图像基本无畸变，薄雾图像经过处理后整体亮度略有提高，但图像颜色和边缘细节失真较小。处理后的图像对比度得到了加强，清晰度明显提高，且火灾处的局部烟雾并没有随着去雾霾操作受到影响，即本章进行的视频图像去雾霾处理并不影响后续的森林烟火识别算法。同时对压缩至像素大小为</a:t>
+            </a:r>
+            <a:r>
+              <a:rPr lang="en-US" altLang="zh-CN" sz="1200" kern="1200" dirty="0" smtClean="0">
+                <a:solidFill>
+                  <a:schemeClr val="tx1"/>
+                </a:solidFill>
+                <a:effectLst/>
+                <a:latin typeface="+mn-lt"/>
+                <a:ea typeface="+mn-ea"/>
+                <a:cs typeface="+mn-cs"/>
+              </a:rPr>
+              <a:t> 320×240</a:t>
+            </a:r>
+            <a:r>
+              <a:rPr lang="zh-CN" altLang="zh-CN" sz="1200" kern="1200" dirty="0" smtClean="0">
+                <a:solidFill>
+                  <a:schemeClr val="tx1"/>
+                </a:solidFill>
+                <a:effectLst/>
+                <a:latin typeface="+mn-lt"/>
+                <a:ea typeface="+mn-ea"/>
+                <a:cs typeface="+mn-cs"/>
+              </a:rPr>
+              <a:t>的监控视频图片，进行结合暗通道与直方图均衡的去雾算法处理时间为</a:t>
+            </a:r>
+            <a:r>
+              <a:rPr lang="en-US" altLang="zh-CN" sz="1200" kern="1200" dirty="0" smtClean="0">
+                <a:solidFill>
+                  <a:schemeClr val="tx1"/>
+                </a:solidFill>
+                <a:effectLst/>
+                <a:latin typeface="+mn-lt"/>
+                <a:ea typeface="+mn-ea"/>
+                <a:cs typeface="+mn-cs"/>
+              </a:rPr>
+              <a:t>75.13ms</a:t>
+            </a:r>
+            <a:r>
+              <a:rPr lang="zh-CN" altLang="zh-CN" sz="1200" kern="1200" dirty="0" smtClean="0">
+                <a:solidFill>
+                  <a:schemeClr val="tx1"/>
+                </a:solidFill>
+                <a:effectLst/>
+                <a:latin typeface="+mn-lt"/>
+                <a:ea typeface="+mn-ea"/>
+                <a:cs typeface="+mn-cs"/>
+              </a:rPr>
+              <a:t>。</a:t>
+            </a:r>
+            <a:endParaRPr lang="en-US" altLang="zh-CN" sz="1200" kern="1200" dirty="0" smtClean="0">
+              <a:solidFill>
+                <a:schemeClr val="tx1"/>
+              </a:solidFill>
+              <a:effectLst/>
+              <a:latin typeface="+mn-lt"/>
+              <a:ea typeface="+mn-ea"/>
+              <a:cs typeface="+mn-cs"/>
+            </a:endParaRPr>
+          </a:p>
+          <a:p>
+            <a:pPr marL="0" marR="0" lvl="0" indent="0" algn="l" defTabSz="914400" rtl="0" eaLnBrk="1" fontAlgn="auto" latinLnBrk="0" hangingPunct="1">
+              <a:lnSpc>
+                <a:spcPct val="100000"/>
+              </a:lnSpc>
+              <a:spcBef>
+                <a:spcPts val="0"/>
+              </a:spcBef>
+              <a:spcAft>
+                <a:spcPts val="0"/>
+              </a:spcAft>
+              <a:buClrTx/>
+              <a:buSzTx/>
+              <a:buFontTx/>
+              <a:buNone/>
+              <a:tabLst/>
+              <a:defRPr/>
+            </a:pPr>
+            <a:r>
+              <a:rPr lang="zh-CN" altLang="zh-CN" sz="1200" kern="1200" dirty="0" smtClean="0">
+                <a:solidFill>
+                  <a:schemeClr val="tx1"/>
+                </a:solidFill>
+                <a:effectLst/>
+                <a:latin typeface="+mn-lt"/>
+                <a:ea typeface="+mn-ea"/>
+                <a:cs typeface="+mn-cs"/>
+              </a:rPr>
+              <a:t>由于森林火灾监控视频为连续时间内的视频，雾霾的存在情况一般不会发生剧烈的变化，因此在实际应用中，不需要对每帧图片进行有雾</a:t>
+            </a:r>
+            <a:r>
+              <a:rPr lang="en-US" altLang="zh-CN" sz="1200" kern="1200" dirty="0" smtClean="0">
+                <a:solidFill>
+                  <a:schemeClr val="tx1"/>
+                </a:solidFill>
+                <a:effectLst/>
+                <a:latin typeface="+mn-lt"/>
+                <a:ea typeface="+mn-ea"/>
+                <a:cs typeface="+mn-cs"/>
+              </a:rPr>
+              <a:t>/</a:t>
+            </a:r>
+            <a:r>
+              <a:rPr lang="zh-CN" altLang="zh-CN" sz="1200" kern="1200" dirty="0" smtClean="0">
+                <a:solidFill>
+                  <a:schemeClr val="tx1"/>
+                </a:solidFill>
+                <a:effectLst/>
+                <a:latin typeface="+mn-lt"/>
+                <a:ea typeface="+mn-ea"/>
+                <a:cs typeface="+mn-cs"/>
+              </a:rPr>
+              <a:t>无雾判断，可以定时如每十分钟内对场景是否有雾进行一次判断，若判断为有雾则对接下来的十分钟内的视频帧进行去雾处理，直到下一次判断监控视频场景中无雾。</a:t>
+            </a:r>
+          </a:p>
+          <a:p>
+            <a:endParaRPr lang="zh-CN" altLang="en-US" dirty="0"/>
+          </a:p>
+        </p:txBody>
+      </p:sp>
+      <p:sp>
+        <p:nvSpPr>
+          <p:cNvPr id="4" name="灯片编号占位符 3"/>
+          <p:cNvSpPr>
+            <a:spLocks noGrp="1"/>
+          </p:cNvSpPr>
+          <p:nvPr>
+            <p:ph type="sldNum" sz="quarter" idx="10"/>
+          </p:nvPr>
+        </p:nvSpPr>
+        <p:spPr/>
+        <p:txBody>
+          <a:bodyPr/>
+          <a:lstStyle/>
+          <a:p>
+            <a:fld id="{D6B3C80A-45EE-4FB3-AF5E-1F2A3F2A99BC}" type="slidenum">
+              <a:rPr lang="zh-CN" altLang="en-US" smtClean="0"/>
+              <a:t>15</a:t>
+            </a:fld>
+            <a:endParaRPr lang="zh-CN" altLang="en-US"/>
+          </a:p>
+        </p:txBody>
+      </p:sp>
+    </p:spTree>
+    <p:extLst>
+      <p:ext uri="{BB962C8B-B14F-4D97-AF65-F5344CB8AC3E}">
+        <p14:creationId xmlns:p14="http://schemas.microsoft.com/office/powerpoint/2010/main" val="3246076672"/>
+      </p:ext>
+    </p:extLst>
+  </p:cSld>
+  <p:clrMapOvr>
+    <a:masterClrMapping/>
+  </p:clrMapOvr>
+</p:notes>
+</file>
+
+<file path=ppt/notesSlides/notesSlide15.xml><?xml version="1.0" encoding="utf-8"?>
+<p:notes xmlns:a="http://schemas.openxmlformats.org/drawingml/2006/main" xmlns:r="http://schemas.openxmlformats.org/officeDocument/2006/relationships" xmlns:p="http://schemas.openxmlformats.org/presentationml/2006/main">
+  <p:cSld>
+    <p:spTree>
+      <p:nvGrpSpPr>
+        <p:cNvPr id="1" name=""/>
+        <p:cNvGrpSpPr/>
+        <p:nvPr/>
+      </p:nvGrpSpPr>
+      <p:grpSpPr>
+        <a:xfrm>
+          <a:off x="0" y="0"/>
+          <a:ext cx="0" cy="0"/>
+          <a:chOff x="0" y="0"/>
+          <a:chExt cx="0" cy="0"/>
+        </a:xfrm>
+      </p:grpSpPr>
+      <p:sp>
+        <p:nvSpPr>
+          <p:cNvPr id="2" name="幻灯片图像占位符 1"/>
+          <p:cNvSpPr>
+            <a:spLocks noGrp="1" noRot="1" noChangeAspect="1"/>
+          </p:cNvSpPr>
+          <p:nvPr>
+            <p:ph type="sldImg"/>
+          </p:nvPr>
+        </p:nvSpPr>
+        <p:spPr/>
+      </p:sp>
+      <p:sp>
+        <p:nvSpPr>
+          <p:cNvPr id="3" name="备注占位符 2"/>
+          <p:cNvSpPr>
+            <a:spLocks noGrp="1"/>
+          </p:cNvSpPr>
+          <p:nvPr>
+            <p:ph type="body" idx="1"/>
+          </p:nvPr>
+        </p:nvSpPr>
+        <p:spPr/>
+        <p:txBody>
+          <a:bodyPr/>
+          <a:lstStyle/>
+          <a:p>
+            <a:r>
+              <a:rPr lang="zh-CN" altLang="zh-CN" sz="1200" kern="1200" dirty="0" smtClean="0">
+                <a:solidFill>
+                  <a:schemeClr val="tx1"/>
+                </a:solidFill>
+                <a:effectLst/>
+                <a:latin typeface="+mn-lt"/>
+                <a:ea typeface="+mn-ea"/>
+                <a:cs typeface="+mn-cs"/>
+              </a:rPr>
+              <a:t>运动分割的目标是从视频图像序列中将像素值发生变化的区域从背景图像中分割出来，运动分割的准确性对森林烟火识别算法中后续的特征提取、目标分类与识别影响重大。</a:t>
+            </a:r>
+            <a:endParaRPr lang="en-US" altLang="zh-CN" sz="1200" kern="1200" dirty="0" smtClean="0">
+              <a:solidFill>
+                <a:schemeClr val="tx1"/>
+              </a:solidFill>
+              <a:effectLst/>
+              <a:latin typeface="+mn-lt"/>
+              <a:ea typeface="+mn-ea"/>
+              <a:cs typeface="+mn-cs"/>
+            </a:endParaRPr>
+          </a:p>
+          <a:p>
+            <a:r>
+              <a:rPr lang="zh-CN" altLang="zh-CN" sz="1200" kern="1200" dirty="0" smtClean="0">
+                <a:solidFill>
+                  <a:schemeClr val="tx1"/>
+                </a:solidFill>
+                <a:effectLst/>
+                <a:latin typeface="+mn-lt"/>
+                <a:ea typeface="+mn-ea"/>
+                <a:cs typeface="+mn-cs"/>
+              </a:rPr>
+              <a:t>运动目标检测可以分为摄像机固定不动的运动目标检测和摄像机运动的运动目标检测两类。典型的运动目标检测算法大体可以分为三类：</a:t>
+            </a:r>
+          </a:p>
+          <a:p>
+            <a:endParaRPr lang="zh-CN" altLang="en-US" dirty="0"/>
+          </a:p>
+        </p:txBody>
+      </p:sp>
+      <p:sp>
+        <p:nvSpPr>
+          <p:cNvPr id="4" name="灯片编号占位符 3"/>
+          <p:cNvSpPr>
+            <a:spLocks noGrp="1"/>
+          </p:cNvSpPr>
+          <p:nvPr>
+            <p:ph type="sldNum" sz="quarter" idx="10"/>
+          </p:nvPr>
+        </p:nvSpPr>
+        <p:spPr/>
+        <p:txBody>
+          <a:bodyPr/>
+          <a:lstStyle/>
+          <a:p>
+            <a:fld id="{D6B3C80A-45EE-4FB3-AF5E-1F2A3F2A99BC}" type="slidenum">
+              <a:rPr lang="zh-CN" altLang="en-US" smtClean="0"/>
+              <a:t>16</a:t>
+            </a:fld>
+            <a:endParaRPr lang="zh-CN" altLang="en-US"/>
+          </a:p>
+        </p:txBody>
+      </p:sp>
+    </p:spTree>
+    <p:extLst>
+      <p:ext uri="{BB962C8B-B14F-4D97-AF65-F5344CB8AC3E}">
+        <p14:creationId xmlns:p14="http://schemas.microsoft.com/office/powerpoint/2010/main" val="261782159"/>
+      </p:ext>
+    </p:extLst>
+  </p:cSld>
+  <p:clrMapOvr>
+    <a:masterClrMapping/>
+  </p:clrMapOvr>
+</p:notes>
+</file>
+
+<file path=ppt/notesSlides/notesSlide16.xml><?xml version="1.0" encoding="utf-8"?>
+<p:notes xmlns:a="http://schemas.openxmlformats.org/drawingml/2006/main" xmlns:r="http://schemas.openxmlformats.org/officeDocument/2006/relationships" xmlns:p="http://schemas.openxmlformats.org/presentationml/2006/main">
+  <p:cSld>
+    <p:spTree>
+      <p:nvGrpSpPr>
+        <p:cNvPr id="1" name=""/>
+        <p:cNvGrpSpPr/>
+        <p:nvPr/>
+      </p:nvGrpSpPr>
+      <p:grpSpPr>
+        <a:xfrm>
+          <a:off x="0" y="0"/>
+          <a:ext cx="0" cy="0"/>
+          <a:chOff x="0" y="0"/>
+          <a:chExt cx="0" cy="0"/>
+        </a:xfrm>
+      </p:grpSpPr>
+      <p:sp>
+        <p:nvSpPr>
+          <p:cNvPr id="2" name="幻灯片图像占位符 1"/>
+          <p:cNvSpPr>
+            <a:spLocks noGrp="1" noRot="1" noChangeAspect="1"/>
+          </p:cNvSpPr>
+          <p:nvPr>
+            <p:ph type="sldImg"/>
+          </p:nvPr>
+        </p:nvSpPr>
+        <p:spPr/>
+      </p:sp>
+      <p:sp>
+        <p:nvSpPr>
+          <p:cNvPr id="3" name="备注占位符 2"/>
+          <p:cNvSpPr>
+            <a:spLocks noGrp="1"/>
+          </p:cNvSpPr>
+          <p:nvPr>
+            <p:ph type="body" idx="1"/>
+          </p:nvPr>
+        </p:nvSpPr>
+        <p:spPr/>
+        <p:txBody>
+          <a:bodyPr/>
+          <a:lstStyle/>
+          <a:p>
+            <a:r>
+              <a:rPr lang="en-US" altLang="zh-CN" dirty="0" smtClean="0"/>
+              <a:t>Vibe</a:t>
+            </a:r>
+            <a:r>
+              <a:rPr lang="zh-CN" altLang="en-US" dirty="0" smtClean="0"/>
+              <a:t>运动检测主要分为三个步骤</a:t>
+            </a:r>
+            <a:r>
+              <a:rPr lang="zh-CN" altLang="zh-CN" sz="1200" kern="1200" dirty="0" smtClean="0">
+                <a:solidFill>
+                  <a:schemeClr val="tx1"/>
+                </a:solidFill>
+                <a:effectLst/>
+                <a:latin typeface="+mn-lt"/>
+                <a:ea typeface="+mn-ea"/>
+                <a:cs typeface="+mn-cs"/>
+              </a:rPr>
+              <a:t>：模型初始化，运动目标点判断和模型更新</a:t>
+            </a:r>
+            <a:r>
+              <a:rPr lang="zh-CN" altLang="en-US" sz="1200" kern="1200" dirty="0" smtClean="0">
+                <a:solidFill>
+                  <a:schemeClr val="tx1"/>
+                </a:solidFill>
+                <a:effectLst/>
+                <a:latin typeface="+mn-lt"/>
+                <a:ea typeface="+mn-ea"/>
+                <a:cs typeface="+mn-cs"/>
+              </a:rPr>
+              <a:t>，</a:t>
+            </a:r>
+            <a:r>
+              <a:rPr lang="en-US" altLang="zh-CN" sz="1200" kern="1200" dirty="0" smtClean="0">
+                <a:solidFill>
+                  <a:schemeClr val="tx1"/>
+                </a:solidFill>
+                <a:effectLst/>
+                <a:latin typeface="+mn-lt"/>
+                <a:ea typeface="+mn-ea"/>
+                <a:cs typeface="+mn-cs"/>
+              </a:rPr>
+              <a:t>VIBE</a:t>
+            </a:r>
+            <a:r>
+              <a:rPr lang="zh-CN" altLang="zh-CN" sz="1200" kern="1200" dirty="0" smtClean="0">
+                <a:solidFill>
+                  <a:schemeClr val="tx1"/>
+                </a:solidFill>
+                <a:effectLst/>
+                <a:latin typeface="+mn-lt"/>
+                <a:ea typeface="+mn-ea"/>
+                <a:cs typeface="+mn-cs"/>
+              </a:rPr>
+              <a:t>的更新策略包括三个主要组成部分：无记忆更新策略、时间子采样更新策略和空间邻域更新策略。</a:t>
+            </a:r>
+            <a:endParaRPr lang="zh-CN" altLang="en-US" dirty="0"/>
+          </a:p>
+        </p:txBody>
+      </p:sp>
+      <p:sp>
+        <p:nvSpPr>
+          <p:cNvPr id="4" name="灯片编号占位符 3"/>
+          <p:cNvSpPr>
+            <a:spLocks noGrp="1"/>
+          </p:cNvSpPr>
+          <p:nvPr>
+            <p:ph type="sldNum" sz="quarter" idx="10"/>
+          </p:nvPr>
+        </p:nvSpPr>
+        <p:spPr/>
+        <p:txBody>
+          <a:bodyPr/>
+          <a:lstStyle/>
+          <a:p>
+            <a:fld id="{D6B3C80A-45EE-4FB3-AF5E-1F2A3F2A99BC}" type="slidenum">
+              <a:rPr lang="zh-CN" altLang="en-US" smtClean="0"/>
+              <a:t>17</a:t>
+            </a:fld>
+            <a:endParaRPr lang="zh-CN" altLang="en-US"/>
+          </a:p>
+        </p:txBody>
+      </p:sp>
+    </p:spTree>
+    <p:extLst>
+      <p:ext uri="{BB962C8B-B14F-4D97-AF65-F5344CB8AC3E}">
+        <p14:creationId xmlns:p14="http://schemas.microsoft.com/office/powerpoint/2010/main" val="3153728858"/>
+      </p:ext>
+    </p:extLst>
+  </p:cSld>
+  <p:clrMapOvr>
+    <a:masterClrMapping/>
+  </p:clrMapOvr>
+</p:notes>
+</file>
+
+<file path=ppt/notesSlides/notesSlide17.xml><?xml version="1.0" encoding="utf-8"?>
+<p:notes xmlns:a="http://schemas.openxmlformats.org/drawingml/2006/main" xmlns:r="http://schemas.openxmlformats.org/officeDocument/2006/relationships" xmlns:p="http://schemas.openxmlformats.org/presentationml/2006/main">
+  <p:cSld>
+    <p:spTree>
+      <p:nvGrpSpPr>
+        <p:cNvPr id="1" name=""/>
+        <p:cNvGrpSpPr/>
+        <p:nvPr/>
+      </p:nvGrpSpPr>
+      <p:grpSpPr>
+        <a:xfrm>
+          <a:off x="0" y="0"/>
+          <a:ext cx="0" cy="0"/>
+          <a:chOff x="0" y="0"/>
+          <a:chExt cx="0" cy="0"/>
+        </a:xfrm>
+      </p:grpSpPr>
+      <p:sp>
+        <p:nvSpPr>
+          <p:cNvPr id="2" name="幻灯片图像占位符 1"/>
+          <p:cNvSpPr>
+            <a:spLocks noGrp="1" noRot="1" noChangeAspect="1"/>
+          </p:cNvSpPr>
+          <p:nvPr>
+            <p:ph type="sldImg"/>
+          </p:nvPr>
+        </p:nvSpPr>
+        <p:spPr/>
+      </p:sp>
+      <p:sp>
+        <p:nvSpPr>
+          <p:cNvPr id="3" name="备注占位符 2"/>
+          <p:cNvSpPr>
+            <a:spLocks noGrp="1"/>
+          </p:cNvSpPr>
+          <p:nvPr>
+            <p:ph type="body" idx="1"/>
+          </p:nvPr>
+        </p:nvSpPr>
+        <p:spPr/>
+        <p:txBody>
+          <a:bodyPr/>
+          <a:lstStyle/>
+          <a:p>
+            <a:r>
+              <a:rPr lang="en-US" altLang="zh-CN" sz="1200" kern="1200" dirty="0" smtClean="0">
+                <a:solidFill>
+                  <a:schemeClr val="tx1"/>
+                </a:solidFill>
+                <a:effectLst/>
+                <a:latin typeface="+mn-lt"/>
+                <a:ea typeface="+mn-ea"/>
+                <a:cs typeface="+mn-cs"/>
+              </a:rPr>
+              <a:t>VIBE</a:t>
+            </a:r>
+            <a:r>
+              <a:rPr lang="zh-CN" altLang="zh-CN" sz="1200" kern="1200" dirty="0" smtClean="0">
+                <a:solidFill>
+                  <a:schemeClr val="tx1"/>
+                </a:solidFill>
+                <a:effectLst/>
+                <a:latin typeface="+mn-lt"/>
+                <a:ea typeface="+mn-ea"/>
+                <a:cs typeface="+mn-cs"/>
+              </a:rPr>
+              <a:t>算法对森林监控视频的运动目标检测能到较好效果，由于不同渠道获得的森林监控视频大小不一致，本文统一将视频图像调整至帧像素为</a:t>
+            </a:r>
+            <a:r>
+              <a:rPr lang="en-US" altLang="zh-CN" sz="1200" kern="1200" dirty="0" smtClean="0">
+                <a:solidFill>
+                  <a:schemeClr val="tx1"/>
+                </a:solidFill>
+                <a:effectLst/>
+                <a:latin typeface="+mn-lt"/>
+                <a:ea typeface="+mn-ea"/>
+                <a:cs typeface="+mn-cs"/>
+              </a:rPr>
+              <a:t>320×240 </a:t>
+            </a:r>
+            <a:r>
+              <a:rPr lang="zh-CN" altLang="zh-CN" sz="1200" kern="1200" dirty="0" smtClean="0">
+                <a:solidFill>
+                  <a:schemeClr val="tx1"/>
+                </a:solidFill>
+                <a:effectLst/>
+                <a:latin typeface="+mn-lt"/>
+                <a:ea typeface="+mn-ea"/>
+                <a:cs typeface="+mn-cs"/>
+              </a:rPr>
+              <a:t>的图像进行处理，</a:t>
+            </a:r>
+            <a:r>
+              <a:rPr lang="en-US" altLang="zh-CN" sz="1200" kern="1200" dirty="0" smtClean="0">
+                <a:solidFill>
+                  <a:schemeClr val="tx1"/>
+                </a:solidFill>
+                <a:effectLst/>
+                <a:latin typeface="+mn-lt"/>
+                <a:ea typeface="+mn-ea"/>
+                <a:cs typeface="+mn-cs"/>
+              </a:rPr>
+              <a:t>VIBE</a:t>
+            </a:r>
+            <a:r>
+              <a:rPr lang="zh-CN" altLang="zh-CN" sz="1200" kern="1200" dirty="0" smtClean="0">
+                <a:solidFill>
+                  <a:schemeClr val="tx1"/>
+                </a:solidFill>
+                <a:effectLst/>
+                <a:latin typeface="+mn-lt"/>
+                <a:ea typeface="+mn-ea"/>
+                <a:cs typeface="+mn-cs"/>
+              </a:rPr>
+              <a:t>算法对帧帧像素为</a:t>
+            </a:r>
+            <a:r>
+              <a:rPr lang="en-US" altLang="zh-CN" sz="1200" kern="1200" dirty="0" smtClean="0">
+                <a:solidFill>
+                  <a:schemeClr val="tx1"/>
+                </a:solidFill>
+                <a:effectLst/>
+                <a:latin typeface="+mn-lt"/>
+                <a:ea typeface="+mn-ea"/>
+                <a:cs typeface="+mn-cs"/>
+              </a:rPr>
+              <a:t> </a:t>
+            </a:r>
+            <a:r>
+              <a:rPr lang="zh-CN" altLang="zh-CN" sz="1200" kern="1200" dirty="0" smtClean="0">
+                <a:solidFill>
+                  <a:schemeClr val="tx1"/>
+                </a:solidFill>
+                <a:effectLst/>
+                <a:latin typeface="+mn-lt"/>
+                <a:ea typeface="+mn-ea"/>
+                <a:cs typeface="+mn-cs"/>
+              </a:rPr>
+              <a:t>的视频平均每帧图像的处理时间为</a:t>
+            </a:r>
+            <a:r>
+              <a:rPr lang="en-US" altLang="zh-CN" sz="1200" kern="1200" dirty="0" smtClean="0">
+                <a:solidFill>
+                  <a:schemeClr val="tx1"/>
+                </a:solidFill>
+                <a:effectLst/>
+                <a:latin typeface="+mn-lt"/>
+                <a:ea typeface="+mn-ea"/>
+                <a:cs typeface="+mn-cs"/>
+              </a:rPr>
+              <a:t>70.233ms</a:t>
+            </a:r>
+            <a:r>
+              <a:rPr lang="zh-CN" altLang="zh-CN" sz="1200" kern="1200" dirty="0" smtClean="0">
+                <a:solidFill>
+                  <a:schemeClr val="tx1"/>
+                </a:solidFill>
+                <a:effectLst/>
+                <a:latin typeface="+mn-lt"/>
+                <a:ea typeface="+mn-ea"/>
+                <a:cs typeface="+mn-cs"/>
+              </a:rPr>
+              <a:t>，与其他典型运动目标检测算法的处理速度对比结果如表所示。</a:t>
+            </a:r>
+            <a:endParaRPr lang="en-US" altLang="zh-CN" sz="1200" kern="1200" dirty="0" smtClean="0">
+              <a:solidFill>
+                <a:schemeClr val="tx1"/>
+              </a:solidFill>
+              <a:effectLst/>
+              <a:latin typeface="+mn-lt"/>
+              <a:ea typeface="+mn-ea"/>
+              <a:cs typeface="+mn-cs"/>
+            </a:endParaRPr>
+          </a:p>
+          <a:p>
+            <a:pPr marL="0" marR="0" lvl="0" indent="0" algn="l" defTabSz="914400" rtl="0" eaLnBrk="1" fontAlgn="auto" latinLnBrk="0" hangingPunct="1">
+              <a:lnSpc>
+                <a:spcPct val="100000"/>
+              </a:lnSpc>
+              <a:spcBef>
+                <a:spcPts val="0"/>
+              </a:spcBef>
+              <a:spcAft>
+                <a:spcPts val="0"/>
+              </a:spcAft>
+              <a:buClrTx/>
+              <a:buSzTx/>
+              <a:buFontTx/>
+              <a:buNone/>
+              <a:tabLst/>
+              <a:defRPr/>
+            </a:pPr>
+            <a:r>
+              <a:rPr lang="zh-CN" altLang="zh-CN" sz="1200" kern="1200" dirty="0" smtClean="0">
+                <a:solidFill>
+                  <a:schemeClr val="tx1"/>
+                </a:solidFill>
+                <a:effectLst/>
+                <a:latin typeface="+mn-lt"/>
+                <a:ea typeface="+mn-ea"/>
+                <a:cs typeface="+mn-cs"/>
+              </a:rPr>
+              <a:t>然后对视频场景发生变化时，</a:t>
+            </a:r>
+            <a:r>
+              <a:rPr lang="en-US" altLang="zh-CN" sz="1200" kern="1200" dirty="0" smtClean="0">
+                <a:solidFill>
+                  <a:schemeClr val="tx1"/>
+                </a:solidFill>
+                <a:effectLst/>
+                <a:latin typeface="+mn-lt"/>
+                <a:ea typeface="+mn-ea"/>
+                <a:cs typeface="+mn-cs"/>
+              </a:rPr>
+              <a:t>VIBE</a:t>
+            </a:r>
+            <a:r>
+              <a:rPr lang="zh-CN" altLang="zh-CN" sz="1200" kern="1200" dirty="0" smtClean="0">
+                <a:solidFill>
+                  <a:schemeClr val="tx1"/>
+                </a:solidFill>
+                <a:effectLst/>
+                <a:latin typeface="+mn-lt"/>
+                <a:ea typeface="+mn-ea"/>
+                <a:cs typeface="+mn-cs"/>
+              </a:rPr>
+              <a:t>运动检测对场景变化的适应能力进行实验，实验结果表明在场景转换过程中</a:t>
+            </a:r>
+            <a:r>
+              <a:rPr lang="en-US" altLang="zh-CN" sz="1200" kern="1200" dirty="0" smtClean="0">
+                <a:solidFill>
+                  <a:schemeClr val="tx1"/>
+                </a:solidFill>
+                <a:effectLst/>
+                <a:latin typeface="+mn-lt"/>
+                <a:ea typeface="+mn-ea"/>
+                <a:cs typeface="+mn-cs"/>
+              </a:rPr>
+              <a:t>VIBE</a:t>
+            </a:r>
+            <a:r>
+              <a:rPr lang="zh-CN" altLang="zh-CN" sz="1200" kern="1200" dirty="0" smtClean="0">
+                <a:solidFill>
+                  <a:schemeClr val="tx1"/>
+                </a:solidFill>
+                <a:effectLst/>
+                <a:latin typeface="+mn-lt"/>
+                <a:ea typeface="+mn-ea"/>
+                <a:cs typeface="+mn-cs"/>
+              </a:rPr>
+              <a:t>运动检测算法将大量非运动点误检为运动点，经过</a:t>
+            </a:r>
+            <a:r>
+              <a:rPr lang="en-US" altLang="zh-CN" sz="1200" kern="1200" dirty="0" smtClean="0">
+                <a:solidFill>
+                  <a:schemeClr val="tx1"/>
+                </a:solidFill>
+                <a:effectLst/>
+                <a:latin typeface="+mn-lt"/>
+                <a:ea typeface="+mn-ea"/>
+                <a:cs typeface="+mn-cs"/>
+              </a:rPr>
+              <a:t>178</a:t>
+            </a:r>
+            <a:r>
+              <a:rPr lang="zh-CN" altLang="zh-CN" sz="1200" kern="1200" dirty="0" smtClean="0">
+                <a:solidFill>
+                  <a:schemeClr val="tx1"/>
+                </a:solidFill>
+                <a:effectLst/>
+                <a:latin typeface="+mn-lt"/>
+                <a:ea typeface="+mn-ea"/>
+                <a:cs typeface="+mn-cs"/>
+              </a:rPr>
+              <a:t>帧图像后</a:t>
+            </a:r>
+            <a:r>
+              <a:rPr lang="en-US" altLang="zh-CN" sz="1200" kern="1200" dirty="0" smtClean="0">
+                <a:solidFill>
+                  <a:schemeClr val="tx1"/>
+                </a:solidFill>
+                <a:effectLst/>
+                <a:latin typeface="+mn-lt"/>
+                <a:ea typeface="+mn-ea"/>
+                <a:cs typeface="+mn-cs"/>
+              </a:rPr>
+              <a:t>VIBE</a:t>
+            </a:r>
+            <a:r>
+              <a:rPr lang="zh-CN" altLang="zh-CN" sz="1200" kern="1200" dirty="0" smtClean="0">
+                <a:solidFill>
+                  <a:schemeClr val="tx1"/>
+                </a:solidFill>
+                <a:effectLst/>
+                <a:latin typeface="+mn-lt"/>
+                <a:ea typeface="+mn-ea"/>
+                <a:cs typeface="+mn-cs"/>
+              </a:rPr>
+              <a:t>运动检测方法能基本恢复正常检测。</a:t>
+            </a:r>
+          </a:p>
+          <a:p>
+            <a:endParaRPr lang="zh-CN" altLang="en-US" dirty="0"/>
+          </a:p>
+        </p:txBody>
+      </p:sp>
+      <p:sp>
+        <p:nvSpPr>
+          <p:cNvPr id="4" name="灯片编号占位符 3"/>
+          <p:cNvSpPr>
+            <a:spLocks noGrp="1"/>
+          </p:cNvSpPr>
+          <p:nvPr>
+            <p:ph type="sldNum" sz="quarter" idx="10"/>
+          </p:nvPr>
+        </p:nvSpPr>
+        <p:spPr/>
+        <p:txBody>
+          <a:bodyPr/>
+          <a:lstStyle/>
+          <a:p>
+            <a:fld id="{D6B3C80A-45EE-4FB3-AF5E-1F2A3F2A99BC}" type="slidenum">
+              <a:rPr lang="zh-CN" altLang="en-US" smtClean="0"/>
+              <a:t>18</a:t>
+            </a:fld>
+            <a:endParaRPr lang="zh-CN" altLang="en-US"/>
+          </a:p>
+        </p:txBody>
+      </p:sp>
+    </p:spTree>
+    <p:extLst>
+      <p:ext uri="{BB962C8B-B14F-4D97-AF65-F5344CB8AC3E}">
+        <p14:creationId xmlns:p14="http://schemas.microsoft.com/office/powerpoint/2010/main" val="2085632382"/>
+      </p:ext>
+    </p:extLst>
+  </p:cSld>
+  <p:clrMapOvr>
+    <a:masterClrMapping/>
+  </p:clrMapOvr>
+</p:notes>
+</file>
+
+<file path=ppt/notesSlides/notesSlide18.xml><?xml version="1.0" encoding="utf-8"?>
+<p:notes xmlns:a="http://schemas.openxmlformats.org/drawingml/2006/main" xmlns:r="http://schemas.openxmlformats.org/officeDocument/2006/relationships" xmlns:p="http://schemas.openxmlformats.org/presentationml/2006/main">
+  <p:cSld>
+    <p:spTree>
+      <p:nvGrpSpPr>
+        <p:cNvPr id="1" name=""/>
+        <p:cNvGrpSpPr/>
+        <p:nvPr/>
+      </p:nvGrpSpPr>
+      <p:grpSpPr>
+        <a:xfrm>
+          <a:off x="0" y="0"/>
+          <a:ext cx="0" cy="0"/>
+          <a:chOff x="0" y="0"/>
+          <a:chExt cx="0" cy="0"/>
+        </a:xfrm>
+      </p:grpSpPr>
+      <p:sp>
+        <p:nvSpPr>
+          <p:cNvPr id="2" name="幻灯片图像占位符 1"/>
+          <p:cNvSpPr>
+            <a:spLocks noGrp="1" noRot="1" noChangeAspect="1"/>
+          </p:cNvSpPr>
+          <p:nvPr>
+            <p:ph type="sldImg"/>
+          </p:nvPr>
+        </p:nvSpPr>
+        <p:spPr/>
+      </p:sp>
+      <p:sp>
+        <p:nvSpPr>
+          <p:cNvPr id="3" name="备注占位符 2"/>
+          <p:cNvSpPr>
+            <a:spLocks noGrp="1"/>
+          </p:cNvSpPr>
+          <p:nvPr>
+            <p:ph type="body" idx="1"/>
+          </p:nvPr>
+        </p:nvSpPr>
+        <p:spPr/>
+        <p:txBody>
+          <a:bodyPr/>
+          <a:lstStyle/>
+          <a:p>
+            <a:r>
+              <a:rPr lang="en-US" altLang="zh-CN" sz="1200" kern="1200" dirty="0" smtClean="0">
+                <a:solidFill>
+                  <a:schemeClr val="tx1"/>
+                </a:solidFill>
+                <a:effectLst/>
+                <a:latin typeface="+mn-lt"/>
+                <a:ea typeface="+mn-ea"/>
+                <a:cs typeface="+mn-cs"/>
+              </a:rPr>
+              <a:t>VIBE</a:t>
+            </a:r>
+            <a:r>
+              <a:rPr lang="zh-CN" altLang="zh-CN" sz="1200" kern="1200" dirty="0" smtClean="0">
+                <a:solidFill>
+                  <a:schemeClr val="tx1"/>
+                </a:solidFill>
+                <a:effectLst/>
+                <a:latin typeface="+mn-lt"/>
+                <a:ea typeface="+mn-ea"/>
+                <a:cs typeface="+mn-cs"/>
+              </a:rPr>
+              <a:t>算法应用于森林烟火识别算法中存在一下两点问题：</a:t>
+            </a:r>
+          </a:p>
+          <a:p>
+            <a:r>
+              <a:rPr lang="zh-CN" altLang="zh-CN" sz="1200" kern="1200" dirty="0" smtClean="0">
+                <a:solidFill>
+                  <a:schemeClr val="tx1"/>
+                </a:solidFill>
+                <a:effectLst/>
+                <a:latin typeface="+mn-lt"/>
+                <a:ea typeface="+mn-ea"/>
+                <a:cs typeface="+mn-cs"/>
+              </a:rPr>
+              <a:t>①</a:t>
+            </a:r>
+            <a:r>
+              <a:rPr lang="en-US" altLang="zh-CN" sz="1200" kern="1200" dirty="0" smtClean="0">
+                <a:solidFill>
+                  <a:schemeClr val="tx1"/>
+                </a:solidFill>
+                <a:effectLst/>
+                <a:latin typeface="+mn-lt"/>
+                <a:ea typeface="+mn-ea"/>
+                <a:cs typeface="+mn-cs"/>
+              </a:rPr>
+              <a:t>VIBE</a:t>
+            </a:r>
+            <a:r>
+              <a:rPr lang="zh-CN" altLang="zh-CN" sz="1200" kern="1200" dirty="0" smtClean="0">
+                <a:solidFill>
+                  <a:schemeClr val="tx1"/>
+                </a:solidFill>
+                <a:effectLst/>
+                <a:latin typeface="+mn-lt"/>
+                <a:ea typeface="+mn-ea"/>
+                <a:cs typeface="+mn-cs"/>
+              </a:rPr>
+              <a:t>算法虽然在速度上优于光流法与高斯混合模型，但每帧图像仍需要耗费</a:t>
+            </a:r>
+            <a:r>
+              <a:rPr lang="en-US" altLang="zh-CN" sz="1200" kern="1200" dirty="0" smtClean="0">
+                <a:solidFill>
+                  <a:schemeClr val="tx1"/>
+                </a:solidFill>
+                <a:effectLst/>
+                <a:latin typeface="+mn-lt"/>
+                <a:ea typeface="+mn-ea"/>
+                <a:cs typeface="+mn-cs"/>
+              </a:rPr>
+              <a:t>70ms</a:t>
+            </a:r>
+            <a:r>
+              <a:rPr lang="zh-CN" altLang="zh-CN" sz="1200" kern="1200" dirty="0" smtClean="0">
+                <a:solidFill>
+                  <a:schemeClr val="tx1"/>
+                </a:solidFill>
+                <a:effectLst/>
+                <a:latin typeface="+mn-lt"/>
+                <a:ea typeface="+mn-ea"/>
+                <a:cs typeface="+mn-cs"/>
+              </a:rPr>
+              <a:t>的时间，依然存在改进空间；</a:t>
+            </a:r>
+          </a:p>
+          <a:p>
+            <a:r>
+              <a:rPr lang="zh-CN" altLang="zh-CN" sz="1200" kern="1200" dirty="0" smtClean="0">
+                <a:solidFill>
+                  <a:schemeClr val="tx1"/>
+                </a:solidFill>
+                <a:effectLst/>
+                <a:latin typeface="+mn-lt"/>
+                <a:ea typeface="+mn-ea"/>
+                <a:cs typeface="+mn-cs"/>
+              </a:rPr>
+              <a:t>②在场景发生转换过程中，</a:t>
+            </a:r>
+            <a:r>
+              <a:rPr lang="en-US" altLang="zh-CN" sz="1200" kern="1200" dirty="0" smtClean="0">
+                <a:solidFill>
+                  <a:schemeClr val="tx1"/>
+                </a:solidFill>
+                <a:effectLst/>
+                <a:latin typeface="+mn-lt"/>
+                <a:ea typeface="+mn-ea"/>
+                <a:cs typeface="+mn-cs"/>
+              </a:rPr>
+              <a:t>VIBE</a:t>
+            </a:r>
+            <a:r>
+              <a:rPr lang="zh-CN" altLang="zh-CN" sz="1200" kern="1200" dirty="0" smtClean="0">
+                <a:solidFill>
+                  <a:schemeClr val="tx1"/>
+                </a:solidFill>
+                <a:effectLst/>
+                <a:latin typeface="+mn-lt"/>
+                <a:ea typeface="+mn-ea"/>
+                <a:cs typeface="+mn-cs"/>
+              </a:rPr>
+              <a:t>无法迅速感知场景转换并快速进行相应处理。</a:t>
+            </a:r>
+            <a:endParaRPr lang="en-US" altLang="zh-CN" sz="1200" kern="1200" dirty="0" smtClean="0">
+              <a:solidFill>
+                <a:schemeClr val="tx1"/>
+              </a:solidFill>
+              <a:effectLst/>
+              <a:latin typeface="+mn-lt"/>
+              <a:ea typeface="+mn-ea"/>
+              <a:cs typeface="+mn-cs"/>
+            </a:endParaRPr>
+          </a:p>
+          <a:p>
+            <a:r>
+              <a:rPr lang="zh-CN" altLang="en-US" sz="1200" kern="1200" dirty="0" smtClean="0">
+                <a:solidFill>
+                  <a:schemeClr val="tx1"/>
+                </a:solidFill>
+                <a:effectLst/>
+                <a:latin typeface="+mn-lt"/>
+                <a:ea typeface="+mn-ea"/>
+                <a:cs typeface="+mn-cs"/>
+              </a:rPr>
+              <a:t>本文对</a:t>
+            </a:r>
+            <a:r>
+              <a:rPr lang="en-US" altLang="zh-CN" sz="1200" kern="1200" dirty="0" smtClean="0">
+                <a:solidFill>
+                  <a:schemeClr val="tx1"/>
+                </a:solidFill>
+                <a:effectLst/>
+                <a:latin typeface="+mn-lt"/>
+                <a:ea typeface="+mn-ea"/>
+                <a:cs typeface="+mn-cs"/>
+              </a:rPr>
+              <a:t>vibe</a:t>
+            </a:r>
+            <a:r>
+              <a:rPr lang="zh-CN" altLang="en-US" sz="1200" kern="1200" dirty="0" smtClean="0">
+                <a:solidFill>
+                  <a:schemeClr val="tx1"/>
+                </a:solidFill>
+                <a:effectLst/>
+                <a:latin typeface="+mn-lt"/>
+                <a:ea typeface="+mn-ea"/>
+                <a:cs typeface="+mn-cs"/>
+              </a:rPr>
+              <a:t>进行两方面的改进：</a:t>
+            </a:r>
+            <a:endParaRPr lang="en-US" altLang="zh-CN" sz="1200" kern="1200" dirty="0" smtClean="0">
+              <a:solidFill>
+                <a:schemeClr val="tx1"/>
+              </a:solidFill>
+              <a:effectLst/>
+              <a:latin typeface="+mn-lt"/>
+              <a:ea typeface="+mn-ea"/>
+              <a:cs typeface="+mn-cs"/>
+            </a:endParaRPr>
+          </a:p>
+          <a:p>
+            <a:r>
+              <a:rPr lang="zh-CN" altLang="zh-CN" sz="1200" kern="1200" dirty="0" smtClean="0">
+                <a:solidFill>
+                  <a:schemeClr val="tx1"/>
+                </a:solidFill>
+                <a:effectLst/>
+                <a:latin typeface="+mn-lt"/>
+                <a:ea typeface="+mn-ea"/>
+                <a:cs typeface="+mn-cs"/>
+              </a:rPr>
+              <a:t>在</a:t>
+            </a:r>
+            <a:r>
+              <a:rPr lang="en-US" altLang="zh-CN" sz="1200" kern="1200" dirty="0" smtClean="0">
+                <a:solidFill>
+                  <a:schemeClr val="tx1"/>
+                </a:solidFill>
+                <a:effectLst/>
+                <a:latin typeface="+mn-lt"/>
+                <a:ea typeface="+mn-ea"/>
+                <a:cs typeface="+mn-cs"/>
+              </a:rPr>
+              <a:t>VIBE</a:t>
+            </a:r>
+            <a:r>
+              <a:rPr lang="zh-CN" altLang="zh-CN" sz="1200" kern="1200" dirty="0" smtClean="0">
+                <a:solidFill>
+                  <a:schemeClr val="tx1"/>
+                </a:solidFill>
+                <a:effectLst/>
+                <a:latin typeface="+mn-lt"/>
+                <a:ea typeface="+mn-ea"/>
+                <a:cs typeface="+mn-cs"/>
+              </a:rPr>
+              <a:t>算法基础上引入开关变量控制背景样本集的更新频率，加快运动检测速度</a:t>
+            </a:r>
+            <a:r>
+              <a:rPr lang="zh-CN" altLang="en-US" sz="1200" kern="1200" dirty="0" smtClean="0">
+                <a:solidFill>
+                  <a:schemeClr val="tx1"/>
+                </a:solidFill>
+                <a:effectLst/>
+                <a:latin typeface="+mn-lt"/>
+                <a:ea typeface="+mn-ea"/>
+                <a:cs typeface="+mn-cs"/>
+              </a:rPr>
+              <a:t>；</a:t>
+            </a:r>
+            <a:endParaRPr lang="en-US" altLang="zh-CN" sz="1200" kern="1200" dirty="0" smtClean="0">
+              <a:solidFill>
+                <a:schemeClr val="tx1"/>
+              </a:solidFill>
+              <a:effectLst/>
+              <a:latin typeface="+mn-lt"/>
+              <a:ea typeface="+mn-ea"/>
+              <a:cs typeface="+mn-cs"/>
+            </a:endParaRPr>
+          </a:p>
+          <a:p>
+            <a:r>
+              <a:rPr lang="zh-CN" altLang="zh-CN" sz="1200" kern="1200" dirty="0" smtClean="0">
+                <a:solidFill>
+                  <a:schemeClr val="tx1"/>
+                </a:solidFill>
+                <a:effectLst/>
+                <a:latin typeface="+mn-lt"/>
+                <a:ea typeface="+mn-ea"/>
+                <a:cs typeface="+mn-cs"/>
+              </a:rPr>
+              <a:t>在</a:t>
+            </a:r>
+            <a:r>
+              <a:rPr lang="en-US" altLang="zh-CN" sz="1200" kern="1200" dirty="0" smtClean="0">
+                <a:solidFill>
+                  <a:schemeClr val="tx1"/>
+                </a:solidFill>
+                <a:effectLst/>
+                <a:latin typeface="+mn-lt"/>
+                <a:ea typeface="+mn-ea"/>
+                <a:cs typeface="+mn-cs"/>
+              </a:rPr>
+              <a:t>VIBE</a:t>
+            </a:r>
+            <a:r>
+              <a:rPr lang="zh-CN" altLang="zh-CN" sz="1200" kern="1200" dirty="0" smtClean="0">
+                <a:solidFill>
+                  <a:schemeClr val="tx1"/>
+                </a:solidFill>
+                <a:effectLst/>
+                <a:latin typeface="+mn-lt"/>
+                <a:ea typeface="+mn-ea"/>
+                <a:cs typeface="+mn-cs"/>
+              </a:rPr>
+              <a:t>算法基础上引入场景转换检测机制，并在检测到场景转换后采用快更新策略进行模型更新。</a:t>
+            </a:r>
+            <a:endParaRPr lang="zh-CN" altLang="en-US" dirty="0"/>
+          </a:p>
+        </p:txBody>
+      </p:sp>
+      <p:sp>
+        <p:nvSpPr>
+          <p:cNvPr id="4" name="灯片编号占位符 3"/>
+          <p:cNvSpPr>
+            <a:spLocks noGrp="1"/>
+          </p:cNvSpPr>
+          <p:nvPr>
+            <p:ph type="sldNum" sz="quarter" idx="10"/>
+          </p:nvPr>
+        </p:nvSpPr>
+        <p:spPr/>
+        <p:txBody>
+          <a:bodyPr/>
+          <a:lstStyle/>
+          <a:p>
+            <a:fld id="{D6B3C80A-45EE-4FB3-AF5E-1F2A3F2A99BC}" type="slidenum">
+              <a:rPr lang="zh-CN" altLang="en-US" smtClean="0"/>
+              <a:t>19</a:t>
+            </a:fld>
+            <a:endParaRPr lang="zh-CN" altLang="en-US"/>
+          </a:p>
+        </p:txBody>
+      </p:sp>
+    </p:spTree>
+    <p:extLst>
+      <p:ext uri="{BB962C8B-B14F-4D97-AF65-F5344CB8AC3E}">
+        <p14:creationId xmlns:p14="http://schemas.microsoft.com/office/powerpoint/2010/main" val="2571203027"/>
+      </p:ext>
+    </p:extLst>
+  </p:cSld>
+  <p:clrMapOvr>
+    <a:masterClrMapping/>
+  </p:clrMapOvr>
+</p:notes>
+</file>
+
+<file path=ppt/notesSlides/notesSlide19.xml><?xml version="1.0" encoding="utf-8"?>
+<p:notes xmlns:a="http://schemas.openxmlformats.org/drawingml/2006/main" xmlns:r="http://schemas.openxmlformats.org/officeDocument/2006/relationships" xmlns:p="http://schemas.openxmlformats.org/presentationml/2006/main">
+  <p:cSld>
+    <p:spTree>
+      <p:nvGrpSpPr>
+        <p:cNvPr id="1" name=""/>
+        <p:cNvGrpSpPr/>
+        <p:nvPr/>
+      </p:nvGrpSpPr>
+      <p:grpSpPr>
+        <a:xfrm>
+          <a:off x="0" y="0"/>
+          <a:ext cx="0" cy="0"/>
+          <a:chOff x="0" y="0"/>
+          <a:chExt cx="0" cy="0"/>
+        </a:xfrm>
+      </p:grpSpPr>
+      <p:sp>
+        <p:nvSpPr>
+          <p:cNvPr id="2" name="幻灯片图像占位符 1"/>
+          <p:cNvSpPr>
+            <a:spLocks noGrp="1" noRot="1" noChangeAspect="1"/>
+          </p:cNvSpPr>
+          <p:nvPr>
+            <p:ph type="sldImg"/>
+          </p:nvPr>
+        </p:nvSpPr>
+        <p:spPr/>
+      </p:sp>
+      <p:sp>
+        <p:nvSpPr>
+          <p:cNvPr id="3" name="备注占位符 2"/>
+          <p:cNvSpPr>
+            <a:spLocks noGrp="1"/>
+          </p:cNvSpPr>
+          <p:nvPr>
+            <p:ph type="body" idx="1"/>
+          </p:nvPr>
+        </p:nvSpPr>
+        <p:spPr/>
+        <p:txBody>
+          <a:bodyPr/>
+          <a:lstStyle/>
+          <a:p>
+            <a:pPr marL="0" marR="0" lvl="0" indent="0" algn="l" defTabSz="914400" rtl="0" eaLnBrk="1" fontAlgn="auto" latinLnBrk="0" hangingPunct="1">
+              <a:lnSpc>
+                <a:spcPct val="100000"/>
+              </a:lnSpc>
+              <a:spcBef>
+                <a:spcPts val="0"/>
+              </a:spcBef>
+              <a:spcAft>
+                <a:spcPts val="0"/>
+              </a:spcAft>
+              <a:buClrTx/>
+              <a:buSzTx/>
+              <a:buFontTx/>
+              <a:buNone/>
+              <a:tabLst/>
+              <a:defRPr/>
+            </a:pPr>
+            <a:r>
+              <a:rPr lang="zh-CN" altLang="zh-CN" sz="1200" kern="1200" dirty="0" smtClean="0">
+                <a:solidFill>
+                  <a:schemeClr val="tx1"/>
+                </a:solidFill>
+                <a:effectLst/>
+                <a:latin typeface="+mn-lt"/>
+                <a:ea typeface="+mn-ea"/>
+                <a:cs typeface="+mn-cs"/>
+              </a:rPr>
+              <a:t>在相同实验条件下对相同的火灾监控视频进行高斯混合模型运动检测、光流法运动检测、</a:t>
+            </a:r>
+            <a:r>
+              <a:rPr lang="en-US" altLang="zh-CN" sz="1200" kern="1200" dirty="0" smtClean="0">
+                <a:solidFill>
+                  <a:schemeClr val="tx1"/>
+                </a:solidFill>
+                <a:effectLst/>
+                <a:latin typeface="+mn-lt"/>
+                <a:ea typeface="+mn-ea"/>
+                <a:cs typeface="+mn-cs"/>
+              </a:rPr>
+              <a:t>VIBE</a:t>
+            </a:r>
+            <a:r>
+              <a:rPr lang="zh-CN" altLang="zh-CN" sz="1200" kern="1200" dirty="0" smtClean="0">
+                <a:solidFill>
+                  <a:schemeClr val="tx1"/>
+                </a:solidFill>
+                <a:effectLst/>
+                <a:latin typeface="+mn-lt"/>
+                <a:ea typeface="+mn-ea"/>
+                <a:cs typeface="+mn-cs"/>
+              </a:rPr>
+              <a:t>运动检测和改进</a:t>
+            </a:r>
+            <a:r>
+              <a:rPr lang="en-US" altLang="zh-CN" sz="1200" kern="1200" dirty="0" smtClean="0">
+                <a:solidFill>
+                  <a:schemeClr val="tx1"/>
+                </a:solidFill>
+                <a:effectLst/>
+                <a:latin typeface="+mn-lt"/>
+                <a:ea typeface="+mn-ea"/>
+                <a:cs typeface="+mn-cs"/>
+              </a:rPr>
+              <a:t>VIBE</a:t>
+            </a:r>
+            <a:r>
+              <a:rPr lang="zh-CN" altLang="zh-CN" sz="1200" kern="1200" dirty="0" smtClean="0">
+                <a:solidFill>
+                  <a:schemeClr val="tx1"/>
+                </a:solidFill>
+                <a:effectLst/>
+                <a:latin typeface="+mn-lt"/>
+                <a:ea typeface="+mn-ea"/>
+                <a:cs typeface="+mn-cs"/>
+              </a:rPr>
+              <a:t>运动检测，平均每帧图像耗时结果如表所示，实验结果显示改进后的</a:t>
+            </a:r>
+            <a:r>
+              <a:rPr lang="en-US" altLang="zh-CN" sz="1200" kern="1200" dirty="0" smtClean="0">
+                <a:solidFill>
+                  <a:schemeClr val="tx1"/>
+                </a:solidFill>
+                <a:effectLst/>
+                <a:latin typeface="+mn-lt"/>
+                <a:ea typeface="+mn-ea"/>
+                <a:cs typeface="+mn-cs"/>
+              </a:rPr>
+              <a:t>VIBE</a:t>
+            </a:r>
+            <a:r>
+              <a:rPr lang="zh-CN" altLang="zh-CN" sz="1200" kern="1200" dirty="0" smtClean="0">
+                <a:solidFill>
+                  <a:schemeClr val="tx1"/>
+                </a:solidFill>
+                <a:effectLst/>
+                <a:latin typeface="+mn-lt"/>
+                <a:ea typeface="+mn-ea"/>
+                <a:cs typeface="+mn-cs"/>
+              </a:rPr>
+              <a:t>算法对每帧图像的处理时间约为</a:t>
+            </a:r>
+            <a:r>
+              <a:rPr lang="en-US" altLang="zh-CN" sz="1200" kern="1200" dirty="0" smtClean="0">
+                <a:solidFill>
+                  <a:schemeClr val="tx1"/>
+                </a:solidFill>
+                <a:effectLst/>
+                <a:latin typeface="+mn-lt"/>
+                <a:ea typeface="+mn-ea"/>
+                <a:cs typeface="+mn-cs"/>
+              </a:rPr>
+              <a:t>62ms</a:t>
+            </a:r>
+            <a:r>
+              <a:rPr lang="zh-CN" altLang="zh-CN" sz="1200" kern="1200" dirty="0" smtClean="0">
+                <a:solidFill>
+                  <a:schemeClr val="tx1"/>
+                </a:solidFill>
+                <a:effectLst/>
+                <a:latin typeface="+mn-lt"/>
+                <a:ea typeface="+mn-ea"/>
+                <a:cs typeface="+mn-cs"/>
+              </a:rPr>
+              <a:t>，相较于</a:t>
+            </a:r>
+            <a:r>
+              <a:rPr lang="en-US" altLang="zh-CN" sz="1200" kern="1200" dirty="0" smtClean="0">
+                <a:solidFill>
+                  <a:schemeClr val="tx1"/>
+                </a:solidFill>
+                <a:effectLst/>
+                <a:latin typeface="+mn-lt"/>
+                <a:ea typeface="+mn-ea"/>
+                <a:cs typeface="+mn-cs"/>
+              </a:rPr>
+              <a:t>VIBE</a:t>
+            </a:r>
+            <a:r>
+              <a:rPr lang="zh-CN" altLang="zh-CN" sz="1200" kern="1200" dirty="0" smtClean="0">
+                <a:solidFill>
+                  <a:schemeClr val="tx1"/>
+                </a:solidFill>
+                <a:effectLst/>
+                <a:latin typeface="+mn-lt"/>
+                <a:ea typeface="+mn-ea"/>
+                <a:cs typeface="+mn-cs"/>
+              </a:rPr>
+              <a:t>算法有了部分提高。</a:t>
+            </a:r>
+          </a:p>
+          <a:p>
+            <a:r>
+              <a:rPr lang="zh-CN" altLang="en-US" sz="1200" kern="1200" dirty="0" smtClean="0">
+                <a:solidFill>
+                  <a:schemeClr val="tx1"/>
+                </a:solidFill>
+                <a:effectLst/>
+                <a:latin typeface="+mn-lt"/>
+                <a:ea typeface="+mn-ea"/>
+                <a:cs typeface="+mn-cs"/>
+              </a:rPr>
+              <a:t>同样</a:t>
+            </a:r>
+            <a:r>
+              <a:rPr lang="zh-CN" altLang="zh-CN" sz="1200" kern="1200" dirty="0" smtClean="0">
+                <a:solidFill>
+                  <a:schemeClr val="tx1"/>
+                </a:solidFill>
+                <a:effectLst/>
+                <a:latin typeface="+mn-lt"/>
+                <a:ea typeface="+mn-ea"/>
+                <a:cs typeface="+mn-cs"/>
+              </a:rPr>
+              <a:t>在相同实验条件下对不同运动检测算法对视频场景变化的适应能力进行实验。不同算法在场景变化后能完全适应背景常见变化平均所需图像帧数与总时间的实验结果数据如表所示，实验结果表明改进后</a:t>
+            </a:r>
+            <a:r>
+              <a:rPr lang="en-US" altLang="zh-CN" sz="1200" kern="1200" dirty="0" smtClean="0">
+                <a:solidFill>
+                  <a:schemeClr val="tx1"/>
+                </a:solidFill>
+                <a:effectLst/>
+                <a:latin typeface="+mn-lt"/>
+                <a:ea typeface="+mn-ea"/>
+                <a:cs typeface="+mn-cs"/>
+              </a:rPr>
+              <a:t>VIBE</a:t>
+            </a:r>
+            <a:r>
+              <a:rPr lang="zh-CN" altLang="zh-CN" sz="1200" kern="1200" dirty="0" smtClean="0">
+                <a:solidFill>
+                  <a:schemeClr val="tx1"/>
+                </a:solidFill>
+                <a:effectLst/>
+                <a:latin typeface="+mn-lt"/>
+                <a:ea typeface="+mn-ea"/>
+                <a:cs typeface="+mn-cs"/>
+              </a:rPr>
+              <a:t>算法对于视频场景发生改变时的适应能力强于</a:t>
+            </a:r>
+            <a:r>
+              <a:rPr lang="en-US" altLang="zh-CN" sz="1200" kern="1200" dirty="0" smtClean="0">
+                <a:solidFill>
+                  <a:schemeClr val="tx1"/>
+                </a:solidFill>
+                <a:effectLst/>
+                <a:latin typeface="+mn-lt"/>
+                <a:ea typeface="+mn-ea"/>
+                <a:cs typeface="+mn-cs"/>
+              </a:rPr>
+              <a:t>VIBE</a:t>
+            </a:r>
+            <a:r>
+              <a:rPr lang="zh-CN" altLang="zh-CN" sz="1200" kern="1200" dirty="0" smtClean="0">
+                <a:solidFill>
+                  <a:schemeClr val="tx1"/>
+                </a:solidFill>
+                <a:effectLst/>
+                <a:latin typeface="+mn-lt"/>
+                <a:ea typeface="+mn-ea"/>
+                <a:cs typeface="+mn-cs"/>
+              </a:rPr>
+              <a:t>算法与高斯混合模型。</a:t>
+            </a:r>
+            <a:endParaRPr lang="zh-CN" altLang="en-US" dirty="0"/>
+          </a:p>
+        </p:txBody>
+      </p:sp>
+      <p:sp>
+        <p:nvSpPr>
+          <p:cNvPr id="4" name="灯片编号占位符 3"/>
+          <p:cNvSpPr>
+            <a:spLocks noGrp="1"/>
+          </p:cNvSpPr>
+          <p:nvPr>
+            <p:ph type="sldNum" sz="quarter" idx="10"/>
+          </p:nvPr>
+        </p:nvSpPr>
+        <p:spPr/>
+        <p:txBody>
+          <a:bodyPr/>
+          <a:lstStyle/>
+          <a:p>
+            <a:fld id="{D6B3C80A-45EE-4FB3-AF5E-1F2A3F2A99BC}" type="slidenum">
+              <a:rPr lang="zh-CN" altLang="en-US" smtClean="0"/>
+              <a:t>20</a:t>
+            </a:fld>
+            <a:endParaRPr lang="zh-CN" altLang="en-US"/>
+          </a:p>
+        </p:txBody>
+      </p:sp>
+    </p:spTree>
+    <p:extLst>
+      <p:ext uri="{BB962C8B-B14F-4D97-AF65-F5344CB8AC3E}">
+        <p14:creationId xmlns:p14="http://schemas.microsoft.com/office/powerpoint/2010/main" val="796651492"/>
+      </p:ext>
+    </p:extLst>
+  </p:cSld>
+  <p:clrMapOvr>
+    <a:masterClrMapping/>
+  </p:clrMapOvr>
+</p:notes>
+</file>
+
+<file path=ppt/notesSlides/notesSlide2.xml><?xml version="1.0" encoding="utf-8"?>
+<p:notes xmlns:a="http://schemas.openxmlformats.org/drawingml/2006/main" xmlns:r="http://schemas.openxmlformats.org/officeDocument/2006/relationships" xmlns:p="http://schemas.openxmlformats.org/presentationml/2006/main">
+  <p:cSld>
+    <p:spTree>
+      <p:nvGrpSpPr>
+        <p:cNvPr id="1" name=""/>
+        <p:cNvGrpSpPr/>
+        <p:nvPr/>
+      </p:nvGrpSpPr>
+      <p:grpSpPr>
+        <a:xfrm>
+          <a:off x="0" y="0"/>
+          <a:ext cx="0" cy="0"/>
+          <a:chOff x="0" y="0"/>
+          <a:chExt cx="0" cy="0"/>
+        </a:xfrm>
+      </p:grpSpPr>
+      <p:sp>
+        <p:nvSpPr>
+          <p:cNvPr id="2" name="幻灯片图像占位符 1"/>
+          <p:cNvSpPr>
+            <a:spLocks noGrp="1" noRot="1" noChangeAspect="1"/>
+          </p:cNvSpPr>
+          <p:nvPr>
+            <p:ph type="sldImg"/>
+          </p:nvPr>
+        </p:nvSpPr>
+        <p:spPr/>
+      </p:sp>
+      <p:sp>
+        <p:nvSpPr>
+          <p:cNvPr id="3" name="备注占位符 2"/>
+          <p:cNvSpPr>
+            <a:spLocks noGrp="1"/>
+          </p:cNvSpPr>
+          <p:nvPr>
+            <p:ph type="body" idx="1"/>
+          </p:nvPr>
+        </p:nvSpPr>
+        <p:spPr/>
+        <p:txBody>
+          <a:bodyPr/>
+          <a:lstStyle/>
+          <a:p>
+            <a:r>
+              <a:rPr lang="zh-CN" altLang="en-US" dirty="0" smtClean="0"/>
+              <a:t>本次报告将从森林烟火识别的四个部分进行介绍，首先介绍项目研究背景，然后从烟火检测的四个模块分别介绍自己的工作，接着介绍本文的识别结果，最后总结论文工作。</a:t>
+            </a:r>
+            <a:endParaRPr lang="zh-CN" altLang="en-US" dirty="0"/>
+          </a:p>
+        </p:txBody>
+      </p:sp>
+      <p:sp>
+        <p:nvSpPr>
+          <p:cNvPr id="4" name="灯片编号占位符 3"/>
+          <p:cNvSpPr>
+            <a:spLocks noGrp="1"/>
+          </p:cNvSpPr>
+          <p:nvPr>
+            <p:ph type="sldNum" sz="quarter" idx="10"/>
+          </p:nvPr>
+        </p:nvSpPr>
+        <p:spPr/>
+        <p:txBody>
+          <a:bodyPr/>
+          <a:lstStyle/>
+          <a:p>
+            <a:fld id="{D6B3C80A-45EE-4FB3-AF5E-1F2A3F2A99BC}" type="slidenum">
+              <a:rPr lang="zh-CN" altLang="en-US" smtClean="0"/>
+              <a:t>2</a:t>
+            </a:fld>
+            <a:endParaRPr lang="zh-CN" altLang="en-US"/>
+          </a:p>
+        </p:txBody>
+      </p:sp>
+    </p:spTree>
+    <p:extLst>
+      <p:ext uri="{BB962C8B-B14F-4D97-AF65-F5344CB8AC3E}">
+        <p14:creationId xmlns:p14="http://schemas.microsoft.com/office/powerpoint/2010/main" val="4220879184"/>
+      </p:ext>
+    </p:extLst>
+  </p:cSld>
+  <p:clrMapOvr>
+    <a:masterClrMapping/>
+  </p:clrMapOvr>
+</p:notes>
+</file>
+
+<file path=ppt/notesSlides/notesSlide20.xml><?xml version="1.0" encoding="utf-8"?>
+<p:notes xmlns:a="http://schemas.openxmlformats.org/drawingml/2006/main" xmlns:r="http://schemas.openxmlformats.org/officeDocument/2006/relationships" xmlns:p="http://schemas.openxmlformats.org/presentationml/2006/main">
+  <p:cSld>
+    <p:spTree>
+      <p:nvGrpSpPr>
+        <p:cNvPr id="1" name=""/>
+        <p:cNvGrpSpPr/>
+        <p:nvPr/>
+      </p:nvGrpSpPr>
+      <p:grpSpPr>
+        <a:xfrm>
+          <a:off x="0" y="0"/>
+          <a:ext cx="0" cy="0"/>
+          <a:chOff x="0" y="0"/>
+          <a:chExt cx="0" cy="0"/>
+        </a:xfrm>
+      </p:grpSpPr>
+      <p:sp>
+        <p:nvSpPr>
+          <p:cNvPr id="2" name="幻灯片图像占位符 1"/>
+          <p:cNvSpPr>
+            <a:spLocks noGrp="1" noRot="1" noChangeAspect="1"/>
+          </p:cNvSpPr>
+          <p:nvPr>
+            <p:ph type="sldImg"/>
+          </p:nvPr>
+        </p:nvSpPr>
+        <p:spPr/>
+      </p:sp>
+      <p:sp>
+        <p:nvSpPr>
+          <p:cNvPr id="3" name="备注占位符 2"/>
+          <p:cNvSpPr>
+            <a:spLocks noGrp="1"/>
+          </p:cNvSpPr>
+          <p:nvPr>
+            <p:ph type="body" idx="1"/>
+          </p:nvPr>
+        </p:nvSpPr>
+        <p:spPr/>
+        <p:txBody>
+          <a:bodyPr/>
+          <a:lstStyle/>
+          <a:p>
+            <a:pPr marL="0" marR="0" lvl="0" indent="0" algn="l" defTabSz="914400" rtl="0" eaLnBrk="1" fontAlgn="auto" latinLnBrk="0" hangingPunct="1">
+              <a:lnSpc>
+                <a:spcPct val="100000"/>
+              </a:lnSpc>
+              <a:spcBef>
+                <a:spcPts val="0"/>
+              </a:spcBef>
+              <a:spcAft>
+                <a:spcPts val="0"/>
+              </a:spcAft>
+              <a:buClrTx/>
+              <a:buSzTx/>
+              <a:buFontTx/>
+              <a:buNone/>
+              <a:tabLst/>
+              <a:defRPr/>
+            </a:pPr>
+            <a:r>
+              <a:rPr lang="zh-CN" altLang="en-US" sz="1200" kern="1200" dirty="0" smtClean="0">
+                <a:solidFill>
+                  <a:schemeClr val="tx1"/>
+                </a:solidFill>
+                <a:effectLst/>
+                <a:latin typeface="+mn-lt"/>
+                <a:ea typeface="+mn-ea"/>
+                <a:cs typeface="+mn-cs"/>
+              </a:rPr>
+              <a:t>第三部分</a:t>
+            </a:r>
+            <a:r>
+              <a:rPr lang="zh-CN" altLang="zh-CN" sz="1200" kern="1200" dirty="0" smtClean="0">
+                <a:solidFill>
+                  <a:schemeClr val="tx1"/>
+                </a:solidFill>
+                <a:effectLst/>
+                <a:latin typeface="+mn-lt"/>
+                <a:ea typeface="+mn-ea"/>
+                <a:cs typeface="+mn-cs"/>
+              </a:rPr>
+              <a:t>根据森林监控视频分析了烟雾的特性，从不同的特征着手，对监控视频中的烟雾区域与非烟雾区域进行实验分析，寻找烟雾与非烟雾的差异性，同时采用聚类算法对特征可分性进行实验验证。主要涉及到的特征有颜色、表面纹理和区域轮廓不规则程度等静态特征，以及运动方向、区域面积变化和周期飘动强度等动态特征。</a:t>
+            </a:r>
+          </a:p>
+          <a:p>
+            <a:endParaRPr lang="zh-CN" altLang="en-US" dirty="0"/>
+          </a:p>
+        </p:txBody>
+      </p:sp>
+      <p:sp>
+        <p:nvSpPr>
+          <p:cNvPr id="4" name="灯片编号占位符 3"/>
+          <p:cNvSpPr>
+            <a:spLocks noGrp="1"/>
+          </p:cNvSpPr>
+          <p:nvPr>
+            <p:ph type="sldNum" sz="quarter" idx="10"/>
+          </p:nvPr>
+        </p:nvSpPr>
+        <p:spPr/>
+        <p:txBody>
+          <a:bodyPr/>
+          <a:lstStyle/>
+          <a:p>
+            <a:fld id="{D6B3C80A-45EE-4FB3-AF5E-1F2A3F2A99BC}" type="slidenum">
+              <a:rPr lang="zh-CN" altLang="en-US" smtClean="0"/>
+              <a:t>21</a:t>
+            </a:fld>
+            <a:endParaRPr lang="zh-CN" altLang="en-US"/>
+          </a:p>
+        </p:txBody>
+      </p:sp>
+    </p:spTree>
+    <p:extLst>
+      <p:ext uri="{BB962C8B-B14F-4D97-AF65-F5344CB8AC3E}">
+        <p14:creationId xmlns:p14="http://schemas.microsoft.com/office/powerpoint/2010/main" val="620999455"/>
+      </p:ext>
+    </p:extLst>
+  </p:cSld>
+  <p:clrMapOvr>
+    <a:masterClrMapping/>
+  </p:clrMapOvr>
+</p:notes>
+</file>
+
+<file path=ppt/notesSlides/notesSlide21.xml><?xml version="1.0" encoding="utf-8"?>
+<p:notes xmlns:a="http://schemas.openxmlformats.org/drawingml/2006/main" xmlns:r="http://schemas.openxmlformats.org/officeDocument/2006/relationships" xmlns:p="http://schemas.openxmlformats.org/presentationml/2006/main">
+  <p:cSld>
+    <p:spTree>
+      <p:nvGrpSpPr>
+        <p:cNvPr id="1" name=""/>
+        <p:cNvGrpSpPr/>
+        <p:nvPr/>
+      </p:nvGrpSpPr>
+      <p:grpSpPr>
+        <a:xfrm>
+          <a:off x="0" y="0"/>
+          <a:ext cx="0" cy="0"/>
+          <a:chOff x="0" y="0"/>
+          <a:chExt cx="0" cy="0"/>
+        </a:xfrm>
+      </p:grpSpPr>
+      <p:sp>
+        <p:nvSpPr>
+          <p:cNvPr id="2" name="幻灯片图像占位符 1"/>
+          <p:cNvSpPr>
+            <a:spLocks noGrp="1" noRot="1" noChangeAspect="1"/>
+          </p:cNvSpPr>
+          <p:nvPr>
+            <p:ph type="sldImg"/>
+          </p:nvPr>
+        </p:nvSpPr>
+        <p:spPr/>
+      </p:sp>
+      <p:sp>
+        <p:nvSpPr>
+          <p:cNvPr id="3" name="备注占位符 2"/>
+          <p:cNvSpPr>
+            <a:spLocks noGrp="1"/>
+          </p:cNvSpPr>
+          <p:nvPr>
+            <p:ph type="body" idx="1"/>
+          </p:nvPr>
+        </p:nvSpPr>
+        <p:spPr/>
+        <p:txBody>
+          <a:bodyPr/>
+          <a:lstStyle/>
+          <a:p>
+            <a:pPr marL="0" marR="0" lvl="0" indent="0" algn="l" defTabSz="914400" rtl="0" eaLnBrk="1" fontAlgn="auto" latinLnBrk="0" hangingPunct="1">
+              <a:lnSpc>
+                <a:spcPct val="100000"/>
+              </a:lnSpc>
+              <a:spcBef>
+                <a:spcPts val="0"/>
+              </a:spcBef>
+              <a:spcAft>
+                <a:spcPts val="0"/>
+              </a:spcAft>
+              <a:buClrTx/>
+              <a:buSzTx/>
+              <a:buFontTx/>
+              <a:buNone/>
+              <a:tabLst/>
+              <a:defRPr/>
+            </a:pPr>
+            <a:r>
+              <a:rPr lang="zh-CN" altLang="zh-CN" sz="1200" kern="1200" dirty="0" smtClean="0">
+                <a:solidFill>
+                  <a:schemeClr val="tx1"/>
+                </a:solidFill>
+                <a:effectLst/>
+                <a:latin typeface="+mn-lt"/>
+                <a:ea typeface="+mn-ea"/>
+                <a:cs typeface="+mn-cs"/>
+              </a:rPr>
+              <a:t>从不同运动物体的颜色直方图可以看出烟雾区域的</a:t>
+            </a:r>
+            <a:r>
+              <a:rPr lang="en-US" altLang="zh-CN" sz="1200" kern="1200" dirty="0" smtClean="0">
+                <a:solidFill>
+                  <a:schemeClr val="tx1"/>
+                </a:solidFill>
+                <a:effectLst/>
+                <a:latin typeface="+mn-lt"/>
+                <a:ea typeface="+mn-ea"/>
+                <a:cs typeface="+mn-cs"/>
+              </a:rPr>
+              <a:t>S</a:t>
+            </a:r>
+            <a:r>
+              <a:rPr lang="zh-CN" altLang="zh-CN" sz="1200" kern="1200" dirty="0" smtClean="0">
+                <a:solidFill>
+                  <a:schemeClr val="tx1"/>
+                </a:solidFill>
+                <a:effectLst/>
+                <a:latin typeface="+mn-lt"/>
+                <a:ea typeface="+mn-ea"/>
+                <a:cs typeface="+mn-cs"/>
+              </a:rPr>
+              <a:t>分量与</a:t>
+            </a:r>
+            <a:r>
+              <a:rPr lang="en-US" altLang="zh-CN" sz="1200" kern="1200" dirty="0" smtClean="0">
+                <a:solidFill>
+                  <a:schemeClr val="tx1"/>
+                </a:solidFill>
+                <a:effectLst/>
+                <a:latin typeface="+mn-lt"/>
+                <a:ea typeface="+mn-ea"/>
+                <a:cs typeface="+mn-cs"/>
+              </a:rPr>
+              <a:t>V</a:t>
+            </a:r>
+            <a:r>
+              <a:rPr lang="zh-CN" altLang="zh-CN" sz="1200" kern="1200" dirty="0" smtClean="0">
+                <a:solidFill>
+                  <a:schemeClr val="tx1"/>
+                </a:solidFill>
+                <a:effectLst/>
+                <a:latin typeface="+mn-lt"/>
+                <a:ea typeface="+mn-ea"/>
+                <a:cs typeface="+mn-cs"/>
+              </a:rPr>
+              <a:t>分量集中在数值较小的区域；行人的的</a:t>
+            </a:r>
+            <a:r>
+              <a:rPr lang="en-US" altLang="zh-CN" sz="1200" kern="1200" dirty="0" smtClean="0">
+                <a:solidFill>
+                  <a:schemeClr val="tx1"/>
+                </a:solidFill>
+                <a:effectLst/>
+                <a:latin typeface="+mn-lt"/>
+                <a:ea typeface="+mn-ea"/>
+                <a:cs typeface="+mn-cs"/>
+              </a:rPr>
+              <a:t>S</a:t>
+            </a:r>
+            <a:r>
+              <a:rPr lang="zh-CN" altLang="zh-CN" sz="1200" kern="1200" dirty="0" smtClean="0">
+                <a:solidFill>
+                  <a:schemeClr val="tx1"/>
+                </a:solidFill>
+                <a:effectLst/>
+                <a:latin typeface="+mn-lt"/>
+                <a:ea typeface="+mn-ea"/>
+                <a:cs typeface="+mn-cs"/>
+              </a:rPr>
+              <a:t>分量也有大部分落在了数值较小的区域，根据行人图像和</a:t>
+            </a:r>
+            <a:r>
+              <a:rPr lang="en-US" altLang="zh-CN" sz="1200" kern="1200" dirty="0" smtClean="0">
+                <a:solidFill>
+                  <a:schemeClr val="tx1"/>
+                </a:solidFill>
+                <a:effectLst/>
+                <a:latin typeface="+mn-lt"/>
+                <a:ea typeface="+mn-ea"/>
+                <a:cs typeface="+mn-cs"/>
+              </a:rPr>
+              <a:t>S</a:t>
+            </a:r>
+            <a:r>
+              <a:rPr lang="zh-CN" altLang="zh-CN" sz="1200" kern="1200" dirty="0" smtClean="0">
+                <a:solidFill>
+                  <a:schemeClr val="tx1"/>
+                </a:solidFill>
+                <a:effectLst/>
+                <a:latin typeface="+mn-lt"/>
+                <a:ea typeface="+mn-ea"/>
+                <a:cs typeface="+mn-cs"/>
+              </a:rPr>
+              <a:t>分量可以分析出这一现象是由于该行人上半身衣物颜色为灰白色，与烟雾颜色十分接近所导致的，但由于该行人下半身着黑色衣物，因此在</a:t>
+            </a:r>
+            <a:r>
+              <a:rPr lang="en-US" altLang="zh-CN" sz="1200" kern="1200" dirty="0" smtClean="0">
+                <a:solidFill>
+                  <a:schemeClr val="tx1"/>
+                </a:solidFill>
+                <a:effectLst/>
+                <a:latin typeface="+mn-lt"/>
+                <a:ea typeface="+mn-ea"/>
+                <a:cs typeface="+mn-cs"/>
+              </a:rPr>
+              <a:t>S</a:t>
+            </a:r>
+            <a:r>
+              <a:rPr lang="zh-CN" altLang="zh-CN" sz="1200" kern="1200" dirty="0" smtClean="0">
+                <a:solidFill>
+                  <a:schemeClr val="tx1"/>
+                </a:solidFill>
+                <a:effectLst/>
+                <a:latin typeface="+mn-lt"/>
+                <a:ea typeface="+mn-ea"/>
+                <a:cs typeface="+mn-cs"/>
+              </a:rPr>
+              <a:t>分量颜色直方图中也有大量的高数值；车辆的</a:t>
+            </a:r>
+            <a:r>
+              <a:rPr lang="en-US" altLang="zh-CN" sz="1200" kern="1200" dirty="0" smtClean="0">
+                <a:solidFill>
+                  <a:schemeClr val="tx1"/>
+                </a:solidFill>
+                <a:effectLst/>
+                <a:latin typeface="+mn-lt"/>
+                <a:ea typeface="+mn-ea"/>
+                <a:cs typeface="+mn-cs"/>
+              </a:rPr>
+              <a:t>S</a:t>
+            </a:r>
+            <a:r>
+              <a:rPr lang="zh-CN" altLang="zh-CN" sz="1200" kern="1200" dirty="0" smtClean="0">
+                <a:solidFill>
+                  <a:schemeClr val="tx1"/>
+                </a:solidFill>
+                <a:effectLst/>
+                <a:latin typeface="+mn-lt"/>
+                <a:ea typeface="+mn-ea"/>
+                <a:cs typeface="+mn-cs"/>
+              </a:rPr>
+              <a:t>分量分布范围比较广，</a:t>
+            </a:r>
+            <a:r>
+              <a:rPr lang="en-US" altLang="zh-CN" sz="1200" kern="1200" dirty="0" smtClean="0">
+                <a:solidFill>
+                  <a:schemeClr val="tx1"/>
+                </a:solidFill>
+                <a:effectLst/>
+                <a:latin typeface="+mn-lt"/>
+                <a:ea typeface="+mn-ea"/>
+                <a:cs typeface="+mn-cs"/>
+              </a:rPr>
+              <a:t>V</a:t>
+            </a:r>
+            <a:r>
+              <a:rPr lang="zh-CN" altLang="zh-CN" sz="1200" kern="1200" dirty="0" smtClean="0">
+                <a:solidFill>
+                  <a:schemeClr val="tx1"/>
+                </a:solidFill>
+                <a:effectLst/>
+                <a:latin typeface="+mn-lt"/>
+                <a:ea typeface="+mn-ea"/>
+                <a:cs typeface="+mn-cs"/>
+              </a:rPr>
+              <a:t>分量集中在数值较大区域。从颜色直方图的对比来看，颜色可以作为判断烟雾的特征之一。</a:t>
+            </a:r>
+          </a:p>
+          <a:p>
+            <a:endParaRPr lang="zh-CN" altLang="en-US" dirty="0"/>
+          </a:p>
+        </p:txBody>
+      </p:sp>
+      <p:sp>
+        <p:nvSpPr>
+          <p:cNvPr id="4" name="灯片编号占位符 3"/>
+          <p:cNvSpPr>
+            <a:spLocks noGrp="1"/>
+          </p:cNvSpPr>
+          <p:nvPr>
+            <p:ph type="sldNum" sz="quarter" idx="10"/>
+          </p:nvPr>
+        </p:nvSpPr>
+        <p:spPr/>
+        <p:txBody>
+          <a:bodyPr/>
+          <a:lstStyle/>
+          <a:p>
+            <a:fld id="{D6B3C80A-45EE-4FB3-AF5E-1F2A3F2A99BC}" type="slidenum">
+              <a:rPr lang="zh-CN" altLang="en-US" smtClean="0"/>
+              <a:t>22</a:t>
+            </a:fld>
+            <a:endParaRPr lang="zh-CN" altLang="en-US"/>
+          </a:p>
+        </p:txBody>
+      </p:sp>
+    </p:spTree>
+    <p:extLst>
+      <p:ext uri="{BB962C8B-B14F-4D97-AF65-F5344CB8AC3E}">
+        <p14:creationId xmlns:p14="http://schemas.microsoft.com/office/powerpoint/2010/main" val="2335118651"/>
+      </p:ext>
+    </p:extLst>
+  </p:cSld>
+  <p:clrMapOvr>
+    <a:masterClrMapping/>
+  </p:clrMapOvr>
+</p:notes>
+</file>
+
+<file path=ppt/notesSlides/notesSlide22.xml><?xml version="1.0" encoding="utf-8"?>
+<p:notes xmlns:a="http://schemas.openxmlformats.org/drawingml/2006/main" xmlns:r="http://schemas.openxmlformats.org/officeDocument/2006/relationships" xmlns:p="http://schemas.openxmlformats.org/presentationml/2006/main">
+  <p:cSld>
+    <p:spTree>
+      <p:nvGrpSpPr>
+        <p:cNvPr id="1" name=""/>
+        <p:cNvGrpSpPr/>
+        <p:nvPr/>
+      </p:nvGrpSpPr>
+      <p:grpSpPr>
+        <a:xfrm>
+          <a:off x="0" y="0"/>
+          <a:ext cx="0" cy="0"/>
+          <a:chOff x="0" y="0"/>
+          <a:chExt cx="0" cy="0"/>
+        </a:xfrm>
+      </p:grpSpPr>
+      <p:sp>
+        <p:nvSpPr>
+          <p:cNvPr id="2" name="幻灯片图像占位符 1"/>
+          <p:cNvSpPr>
+            <a:spLocks noGrp="1" noRot="1" noChangeAspect="1"/>
+          </p:cNvSpPr>
+          <p:nvPr>
+            <p:ph type="sldImg"/>
+          </p:nvPr>
+        </p:nvSpPr>
+        <p:spPr/>
+      </p:sp>
+      <p:sp>
+        <p:nvSpPr>
+          <p:cNvPr id="3" name="备注占位符 2"/>
+          <p:cNvSpPr>
+            <a:spLocks noGrp="1"/>
+          </p:cNvSpPr>
+          <p:nvPr>
+            <p:ph type="body" idx="1"/>
+          </p:nvPr>
+        </p:nvSpPr>
+        <p:spPr/>
+        <p:txBody>
+          <a:bodyPr/>
+          <a:lstStyle/>
+          <a:p>
+            <a:pPr marL="0" marR="0" lvl="0" indent="0" algn="l" defTabSz="914400" rtl="0" eaLnBrk="1" fontAlgn="auto" latinLnBrk="0" hangingPunct="1">
+              <a:lnSpc>
+                <a:spcPct val="100000"/>
+              </a:lnSpc>
+              <a:spcBef>
+                <a:spcPts val="0"/>
+              </a:spcBef>
+              <a:spcAft>
+                <a:spcPts val="0"/>
+              </a:spcAft>
+              <a:buClrTx/>
+              <a:buSzTx/>
+              <a:buFontTx/>
+              <a:buNone/>
+              <a:tabLst/>
+              <a:defRPr/>
+            </a:pPr>
+            <a:r>
+              <a:rPr lang="zh-CN" altLang="zh-CN" sz="1200" kern="1200" dirty="0" smtClean="0">
+                <a:solidFill>
+                  <a:schemeClr val="tx1"/>
+                </a:solidFill>
+                <a:effectLst/>
+                <a:latin typeface="+mn-lt"/>
+                <a:ea typeface="+mn-ea"/>
+                <a:cs typeface="+mn-cs"/>
+              </a:rPr>
+              <a:t>对烟雾和行人、车辆等非烟雾区域进行灰度共生矩阵计算并提取相应纹理特征得到结果如表所示。通过表格分析能看出烟雾与行人、车辆等运动体在对比度特征上有较大数值差异，而进一步地复杂区别需要通过后续的分类器进行分类识别。</a:t>
+            </a:r>
+          </a:p>
+          <a:p>
+            <a:endParaRPr lang="zh-CN" altLang="en-US" dirty="0"/>
+          </a:p>
+        </p:txBody>
+      </p:sp>
+      <p:sp>
+        <p:nvSpPr>
+          <p:cNvPr id="4" name="灯片编号占位符 3"/>
+          <p:cNvSpPr>
+            <a:spLocks noGrp="1"/>
+          </p:cNvSpPr>
+          <p:nvPr>
+            <p:ph type="sldNum" sz="quarter" idx="10"/>
+          </p:nvPr>
+        </p:nvSpPr>
+        <p:spPr/>
+        <p:txBody>
+          <a:bodyPr/>
+          <a:lstStyle/>
+          <a:p>
+            <a:fld id="{D6B3C80A-45EE-4FB3-AF5E-1F2A3F2A99BC}" type="slidenum">
+              <a:rPr lang="zh-CN" altLang="en-US" smtClean="0"/>
+              <a:t>23</a:t>
+            </a:fld>
+            <a:endParaRPr lang="zh-CN" altLang="en-US"/>
+          </a:p>
+        </p:txBody>
+      </p:sp>
+    </p:spTree>
+    <p:extLst>
+      <p:ext uri="{BB962C8B-B14F-4D97-AF65-F5344CB8AC3E}">
+        <p14:creationId xmlns:p14="http://schemas.microsoft.com/office/powerpoint/2010/main" val="2600352542"/>
+      </p:ext>
+    </p:extLst>
+  </p:cSld>
+  <p:clrMapOvr>
+    <a:masterClrMapping/>
+  </p:clrMapOvr>
+</p:notes>
+</file>
+
+<file path=ppt/notesSlides/notesSlide23.xml><?xml version="1.0" encoding="utf-8"?>
+<p:notes xmlns:a="http://schemas.openxmlformats.org/drawingml/2006/main" xmlns:r="http://schemas.openxmlformats.org/officeDocument/2006/relationships" xmlns:p="http://schemas.openxmlformats.org/presentationml/2006/main">
+  <p:cSld>
+    <p:spTree>
+      <p:nvGrpSpPr>
+        <p:cNvPr id="1" name=""/>
+        <p:cNvGrpSpPr/>
+        <p:nvPr/>
+      </p:nvGrpSpPr>
+      <p:grpSpPr>
+        <a:xfrm>
+          <a:off x="0" y="0"/>
+          <a:ext cx="0" cy="0"/>
+          <a:chOff x="0" y="0"/>
+          <a:chExt cx="0" cy="0"/>
+        </a:xfrm>
+      </p:grpSpPr>
+      <p:sp>
+        <p:nvSpPr>
+          <p:cNvPr id="2" name="幻灯片图像占位符 1"/>
+          <p:cNvSpPr>
+            <a:spLocks noGrp="1" noRot="1" noChangeAspect="1"/>
+          </p:cNvSpPr>
+          <p:nvPr>
+            <p:ph type="sldImg"/>
+          </p:nvPr>
+        </p:nvSpPr>
+        <p:spPr/>
+      </p:sp>
+      <p:sp>
+        <p:nvSpPr>
+          <p:cNvPr id="3" name="备注占位符 2"/>
+          <p:cNvSpPr>
+            <a:spLocks noGrp="1"/>
+          </p:cNvSpPr>
+          <p:nvPr>
+            <p:ph type="body" idx="1"/>
+          </p:nvPr>
+        </p:nvSpPr>
+        <p:spPr/>
+        <p:txBody>
+          <a:bodyPr/>
+          <a:lstStyle/>
+          <a:p>
+            <a:r>
+              <a:rPr lang="zh-CN" altLang="zh-CN" sz="1200" kern="1200" dirty="0" smtClean="0">
+                <a:solidFill>
+                  <a:schemeClr val="tx1"/>
+                </a:solidFill>
+                <a:effectLst/>
+                <a:latin typeface="+mn-lt"/>
+                <a:ea typeface="+mn-ea"/>
+                <a:cs typeface="+mn-cs"/>
+              </a:rPr>
+              <a:t>森林火灾发生时，烟雾随着空气流动的影响向周围逐步扩散，导致烟雾轮廓的不断变化且与行人、车辆等形状固定的物体相比，烟雾轮廓呈现出不规则形态，</a:t>
+            </a:r>
+            <a:r>
+              <a:rPr lang="zh-CN" altLang="en-US" sz="1200" kern="1200" dirty="0" smtClean="0">
+                <a:solidFill>
+                  <a:schemeClr val="tx1"/>
+                </a:solidFill>
+                <a:effectLst/>
+                <a:latin typeface="+mn-lt"/>
+                <a:ea typeface="+mn-ea"/>
+                <a:cs typeface="+mn-cs"/>
+              </a:rPr>
+              <a:t>且烟雾边缘不规则程度高于行人、车辆等其他运动体</a:t>
+            </a:r>
+            <a:endParaRPr lang="zh-CN" altLang="en-US" dirty="0"/>
+          </a:p>
+        </p:txBody>
+      </p:sp>
+      <p:sp>
+        <p:nvSpPr>
+          <p:cNvPr id="4" name="灯片编号占位符 3"/>
+          <p:cNvSpPr>
+            <a:spLocks noGrp="1"/>
+          </p:cNvSpPr>
+          <p:nvPr>
+            <p:ph type="sldNum" sz="quarter" idx="10"/>
+          </p:nvPr>
+        </p:nvSpPr>
+        <p:spPr/>
+        <p:txBody>
+          <a:bodyPr/>
+          <a:lstStyle/>
+          <a:p>
+            <a:fld id="{D6B3C80A-45EE-4FB3-AF5E-1F2A3F2A99BC}" type="slidenum">
+              <a:rPr lang="zh-CN" altLang="en-US" smtClean="0"/>
+              <a:t>24</a:t>
+            </a:fld>
+            <a:endParaRPr lang="zh-CN" altLang="en-US"/>
+          </a:p>
+        </p:txBody>
+      </p:sp>
+    </p:spTree>
+    <p:extLst>
+      <p:ext uri="{BB962C8B-B14F-4D97-AF65-F5344CB8AC3E}">
+        <p14:creationId xmlns:p14="http://schemas.microsoft.com/office/powerpoint/2010/main" val="3069553980"/>
+      </p:ext>
+    </p:extLst>
+  </p:cSld>
+  <p:clrMapOvr>
+    <a:masterClrMapping/>
+  </p:clrMapOvr>
+</p:notes>
+</file>
+
+<file path=ppt/notesSlides/notesSlide24.xml><?xml version="1.0" encoding="utf-8"?>
+<p:notes xmlns:a="http://schemas.openxmlformats.org/drawingml/2006/main" xmlns:r="http://schemas.openxmlformats.org/officeDocument/2006/relationships" xmlns:p="http://schemas.openxmlformats.org/presentationml/2006/main">
+  <p:cSld>
+    <p:spTree>
+      <p:nvGrpSpPr>
+        <p:cNvPr id="1" name=""/>
+        <p:cNvGrpSpPr/>
+        <p:nvPr/>
+      </p:nvGrpSpPr>
+      <p:grpSpPr>
+        <a:xfrm>
+          <a:off x="0" y="0"/>
+          <a:ext cx="0" cy="0"/>
+          <a:chOff x="0" y="0"/>
+          <a:chExt cx="0" cy="0"/>
+        </a:xfrm>
+      </p:grpSpPr>
+      <p:sp>
+        <p:nvSpPr>
+          <p:cNvPr id="2" name="幻灯片图像占位符 1"/>
+          <p:cNvSpPr>
+            <a:spLocks noGrp="1" noRot="1" noChangeAspect="1"/>
+          </p:cNvSpPr>
+          <p:nvPr>
+            <p:ph type="sldImg"/>
+          </p:nvPr>
+        </p:nvSpPr>
+        <p:spPr/>
+      </p:sp>
+      <p:sp>
+        <p:nvSpPr>
+          <p:cNvPr id="3" name="备注占位符 2"/>
+          <p:cNvSpPr>
+            <a:spLocks noGrp="1"/>
+          </p:cNvSpPr>
+          <p:nvPr>
+            <p:ph type="body" idx="1"/>
+          </p:nvPr>
+        </p:nvSpPr>
+        <p:spPr/>
+        <p:txBody>
+          <a:bodyPr/>
+          <a:lstStyle/>
+          <a:p>
+            <a:r>
+              <a:rPr lang="zh-CN" altLang="zh-CN" sz="1200" kern="1200" dirty="0" smtClean="0">
+                <a:solidFill>
+                  <a:schemeClr val="tx1"/>
+                </a:solidFill>
+                <a:effectLst/>
+                <a:latin typeface="+mn-lt"/>
+                <a:ea typeface="+mn-ea"/>
+                <a:cs typeface="+mn-cs"/>
+              </a:rPr>
+              <a:t>对运动方向进行量化，量化主要针对运动方向在竖直方向上的分量。</a:t>
+            </a:r>
+            <a:r>
+              <a:rPr lang="zh-CN" altLang="en-US" sz="1200" kern="1200" dirty="0" smtClean="0">
+                <a:solidFill>
+                  <a:schemeClr val="tx1"/>
+                </a:solidFill>
+                <a:effectLst/>
+                <a:latin typeface="+mn-lt"/>
+                <a:ea typeface="+mn-ea"/>
+                <a:cs typeface="+mn-cs"/>
+              </a:rPr>
+              <a:t>因为在考虑运动方向分量时，主要考虑烟雾的上升趋势，至于是偏左上升还是偏右上升是受风力方向影响，而非烟雾本身的特性。</a:t>
+            </a:r>
+            <a:endParaRPr lang="zh-CN" altLang="en-US" dirty="0"/>
+          </a:p>
+        </p:txBody>
+      </p:sp>
+      <p:sp>
+        <p:nvSpPr>
+          <p:cNvPr id="4" name="灯片编号占位符 3"/>
+          <p:cNvSpPr>
+            <a:spLocks noGrp="1"/>
+          </p:cNvSpPr>
+          <p:nvPr>
+            <p:ph type="sldNum" sz="quarter" idx="10"/>
+          </p:nvPr>
+        </p:nvSpPr>
+        <p:spPr/>
+        <p:txBody>
+          <a:bodyPr/>
+          <a:lstStyle/>
+          <a:p>
+            <a:fld id="{D6B3C80A-45EE-4FB3-AF5E-1F2A3F2A99BC}" type="slidenum">
+              <a:rPr lang="zh-CN" altLang="en-US" smtClean="0"/>
+              <a:t>25</a:t>
+            </a:fld>
+            <a:endParaRPr lang="zh-CN" altLang="en-US"/>
+          </a:p>
+        </p:txBody>
+      </p:sp>
+    </p:spTree>
+    <p:extLst>
+      <p:ext uri="{BB962C8B-B14F-4D97-AF65-F5344CB8AC3E}">
+        <p14:creationId xmlns:p14="http://schemas.microsoft.com/office/powerpoint/2010/main" val="3618781789"/>
+      </p:ext>
+    </p:extLst>
+  </p:cSld>
+  <p:clrMapOvr>
+    <a:masterClrMapping/>
+  </p:clrMapOvr>
+</p:notes>
+</file>
+
+<file path=ppt/notesSlides/notesSlide25.xml><?xml version="1.0" encoding="utf-8"?>
+<p:notes xmlns:a="http://schemas.openxmlformats.org/drawingml/2006/main" xmlns:r="http://schemas.openxmlformats.org/officeDocument/2006/relationships" xmlns:p="http://schemas.openxmlformats.org/presentationml/2006/main">
+  <p:cSld>
+    <p:spTree>
+      <p:nvGrpSpPr>
+        <p:cNvPr id="1" name=""/>
+        <p:cNvGrpSpPr/>
+        <p:nvPr/>
+      </p:nvGrpSpPr>
+      <p:grpSpPr>
+        <a:xfrm>
+          <a:off x="0" y="0"/>
+          <a:ext cx="0" cy="0"/>
+          <a:chOff x="0" y="0"/>
+          <a:chExt cx="0" cy="0"/>
+        </a:xfrm>
+      </p:grpSpPr>
+      <p:sp>
+        <p:nvSpPr>
+          <p:cNvPr id="2" name="幻灯片图像占位符 1"/>
+          <p:cNvSpPr>
+            <a:spLocks noGrp="1" noRot="1" noChangeAspect="1"/>
+          </p:cNvSpPr>
+          <p:nvPr>
+            <p:ph type="sldImg"/>
+          </p:nvPr>
+        </p:nvSpPr>
+        <p:spPr/>
+      </p:sp>
+      <p:sp>
+        <p:nvSpPr>
+          <p:cNvPr id="3" name="备注占位符 2"/>
+          <p:cNvSpPr>
+            <a:spLocks noGrp="1"/>
+          </p:cNvSpPr>
+          <p:nvPr>
+            <p:ph type="body" idx="1"/>
+          </p:nvPr>
+        </p:nvSpPr>
+        <p:spPr/>
+        <p:txBody>
+          <a:bodyPr/>
+          <a:lstStyle/>
+          <a:p>
+            <a:r>
+              <a:rPr lang="zh-CN" altLang="zh-CN" sz="1200" kern="1200" dirty="0" smtClean="0">
+                <a:solidFill>
+                  <a:schemeClr val="tx1"/>
+                </a:solidFill>
+                <a:effectLst/>
+                <a:latin typeface="+mn-lt"/>
+                <a:ea typeface="+mn-ea"/>
+                <a:cs typeface="+mn-cs"/>
+              </a:rPr>
+              <a:t>在森林火灾初期，随着火势加剧以及烟雾随气流的扩散，烟雾区域面积逐渐增大，在连续帧内检测运动区域面积的相对变化率可以衡量烟雾的延展性。</a:t>
+            </a:r>
+            <a:endParaRPr lang="zh-CN" altLang="en-US" dirty="0"/>
+          </a:p>
+        </p:txBody>
+      </p:sp>
+      <p:sp>
+        <p:nvSpPr>
+          <p:cNvPr id="4" name="灯片编号占位符 3"/>
+          <p:cNvSpPr>
+            <a:spLocks noGrp="1"/>
+          </p:cNvSpPr>
+          <p:nvPr>
+            <p:ph type="sldNum" sz="quarter" idx="10"/>
+          </p:nvPr>
+        </p:nvSpPr>
+        <p:spPr/>
+        <p:txBody>
+          <a:bodyPr/>
+          <a:lstStyle/>
+          <a:p>
+            <a:fld id="{D6B3C80A-45EE-4FB3-AF5E-1F2A3F2A99BC}" type="slidenum">
+              <a:rPr lang="zh-CN" altLang="en-US" smtClean="0"/>
+              <a:t>26</a:t>
+            </a:fld>
+            <a:endParaRPr lang="zh-CN" altLang="en-US"/>
+          </a:p>
+        </p:txBody>
+      </p:sp>
+    </p:spTree>
+    <p:extLst>
+      <p:ext uri="{BB962C8B-B14F-4D97-AF65-F5344CB8AC3E}">
+        <p14:creationId xmlns:p14="http://schemas.microsoft.com/office/powerpoint/2010/main" val="2844879330"/>
+      </p:ext>
+    </p:extLst>
+  </p:cSld>
+  <p:clrMapOvr>
+    <a:masterClrMapping/>
+  </p:clrMapOvr>
+</p:notes>
+</file>
+
+<file path=ppt/notesSlides/notesSlide26.xml><?xml version="1.0" encoding="utf-8"?>
+<p:notes xmlns:a="http://schemas.openxmlformats.org/drawingml/2006/main" xmlns:r="http://schemas.openxmlformats.org/officeDocument/2006/relationships" xmlns:p="http://schemas.openxmlformats.org/presentationml/2006/main">
+  <p:cSld>
+    <p:spTree>
+      <p:nvGrpSpPr>
+        <p:cNvPr id="1" name=""/>
+        <p:cNvGrpSpPr/>
+        <p:nvPr/>
+      </p:nvGrpSpPr>
+      <p:grpSpPr>
+        <a:xfrm>
+          <a:off x="0" y="0"/>
+          <a:ext cx="0" cy="0"/>
+          <a:chOff x="0" y="0"/>
+          <a:chExt cx="0" cy="0"/>
+        </a:xfrm>
+      </p:grpSpPr>
+      <p:sp>
+        <p:nvSpPr>
+          <p:cNvPr id="2" name="幻灯片图像占位符 1"/>
+          <p:cNvSpPr>
+            <a:spLocks noGrp="1" noRot="1" noChangeAspect="1"/>
+          </p:cNvSpPr>
+          <p:nvPr>
+            <p:ph type="sldImg"/>
+          </p:nvPr>
+        </p:nvSpPr>
+        <p:spPr/>
+      </p:sp>
+      <p:sp>
+        <p:nvSpPr>
+          <p:cNvPr id="3" name="备注占位符 2"/>
+          <p:cNvSpPr>
+            <a:spLocks noGrp="1"/>
+          </p:cNvSpPr>
+          <p:nvPr>
+            <p:ph type="body" idx="1"/>
+          </p:nvPr>
+        </p:nvSpPr>
+        <p:spPr/>
+        <p:txBody>
+          <a:bodyPr/>
+          <a:lstStyle/>
+          <a:p>
+            <a:r>
+              <a:rPr lang="zh-CN" altLang="en-US" sz="1200" kern="1200" dirty="0" smtClean="0">
+                <a:solidFill>
+                  <a:schemeClr val="tx1"/>
+                </a:solidFill>
+                <a:effectLst/>
+                <a:latin typeface="+mn-lt"/>
+                <a:ea typeface="+mn-ea"/>
+                <a:cs typeface="+mn-cs"/>
+              </a:rPr>
+              <a:t>烟雾</a:t>
+            </a:r>
+            <a:r>
+              <a:rPr lang="zh-CN" altLang="zh-CN" sz="1200" kern="1200" dirty="0" smtClean="0">
+                <a:solidFill>
+                  <a:schemeClr val="tx1"/>
+                </a:solidFill>
+                <a:effectLst/>
+                <a:latin typeface="+mn-lt"/>
+                <a:ea typeface="+mn-ea"/>
+                <a:cs typeface="+mn-cs"/>
+              </a:rPr>
+              <a:t>质心移动的方向整体向上，运动强度也有一定的规律性。</a:t>
+            </a:r>
+            <a:endParaRPr lang="en-US" altLang="zh-CN" sz="1200" kern="1200" dirty="0" smtClean="0">
+              <a:solidFill>
+                <a:schemeClr val="tx1"/>
+              </a:solidFill>
+              <a:effectLst/>
+              <a:latin typeface="+mn-lt"/>
+              <a:ea typeface="+mn-ea"/>
+              <a:cs typeface="+mn-cs"/>
+            </a:endParaRPr>
+          </a:p>
+          <a:p>
+            <a:r>
+              <a:rPr lang="zh-CN" altLang="zh-CN" sz="1200" kern="1200" dirty="0" smtClean="0">
+                <a:solidFill>
+                  <a:schemeClr val="tx1"/>
+                </a:solidFill>
+                <a:effectLst/>
+                <a:latin typeface="+mn-lt"/>
+                <a:ea typeface="+mn-ea"/>
+                <a:cs typeface="+mn-cs"/>
+              </a:rPr>
+              <a:t>行人的运动方向与强度没有直观的规律性，甚至有大强度的来回往复。</a:t>
+            </a:r>
+            <a:endParaRPr lang="zh-CN" altLang="en-US" dirty="0"/>
+          </a:p>
+        </p:txBody>
+      </p:sp>
+      <p:sp>
+        <p:nvSpPr>
+          <p:cNvPr id="4" name="灯片编号占位符 3"/>
+          <p:cNvSpPr>
+            <a:spLocks noGrp="1"/>
+          </p:cNvSpPr>
+          <p:nvPr>
+            <p:ph type="sldNum" sz="quarter" idx="10"/>
+          </p:nvPr>
+        </p:nvSpPr>
+        <p:spPr/>
+        <p:txBody>
+          <a:bodyPr/>
+          <a:lstStyle/>
+          <a:p>
+            <a:fld id="{D6B3C80A-45EE-4FB3-AF5E-1F2A3F2A99BC}" type="slidenum">
+              <a:rPr lang="zh-CN" altLang="en-US" smtClean="0"/>
+              <a:t>27</a:t>
+            </a:fld>
+            <a:endParaRPr lang="zh-CN" altLang="en-US"/>
+          </a:p>
+        </p:txBody>
+      </p:sp>
+    </p:spTree>
+    <p:extLst>
+      <p:ext uri="{BB962C8B-B14F-4D97-AF65-F5344CB8AC3E}">
+        <p14:creationId xmlns:p14="http://schemas.microsoft.com/office/powerpoint/2010/main" val="899678186"/>
+      </p:ext>
+    </p:extLst>
+  </p:cSld>
+  <p:clrMapOvr>
+    <a:masterClrMapping/>
+  </p:clrMapOvr>
+</p:notes>
+</file>
+
+<file path=ppt/notesSlides/notesSlide27.xml><?xml version="1.0" encoding="utf-8"?>
+<p:notes xmlns:a="http://schemas.openxmlformats.org/drawingml/2006/main" xmlns:r="http://schemas.openxmlformats.org/officeDocument/2006/relationships" xmlns:p="http://schemas.openxmlformats.org/presentationml/2006/main">
+  <p:cSld>
+    <p:spTree>
+      <p:nvGrpSpPr>
+        <p:cNvPr id="1" name=""/>
+        <p:cNvGrpSpPr/>
+        <p:nvPr/>
+      </p:nvGrpSpPr>
+      <p:grpSpPr>
+        <a:xfrm>
+          <a:off x="0" y="0"/>
+          <a:ext cx="0" cy="0"/>
+          <a:chOff x="0" y="0"/>
+          <a:chExt cx="0" cy="0"/>
+        </a:xfrm>
+      </p:grpSpPr>
+      <p:sp>
+        <p:nvSpPr>
+          <p:cNvPr id="2" name="幻灯片图像占位符 1"/>
+          <p:cNvSpPr>
+            <a:spLocks noGrp="1" noRot="1" noChangeAspect="1"/>
+          </p:cNvSpPr>
+          <p:nvPr>
+            <p:ph type="sldImg"/>
+          </p:nvPr>
+        </p:nvSpPr>
+        <p:spPr/>
+      </p:sp>
+      <p:sp>
+        <p:nvSpPr>
+          <p:cNvPr id="3" name="备注占位符 2"/>
+          <p:cNvSpPr>
+            <a:spLocks noGrp="1"/>
+          </p:cNvSpPr>
+          <p:nvPr>
+            <p:ph type="body" idx="1"/>
+          </p:nvPr>
+        </p:nvSpPr>
+        <p:spPr/>
+        <p:txBody>
+          <a:bodyPr/>
+          <a:lstStyle/>
+          <a:p>
+            <a:r>
+              <a:rPr lang="zh-CN" altLang="zh-CN" sz="1200" kern="1200" dirty="0" smtClean="0">
+                <a:solidFill>
+                  <a:schemeClr val="tx1"/>
+                </a:solidFill>
+                <a:effectLst/>
+                <a:latin typeface="+mn-lt"/>
+                <a:ea typeface="+mn-ea"/>
+                <a:cs typeface="+mn-cs"/>
+              </a:rPr>
+              <a:t>本文对颜色、表面纹理、边缘轮廓、运动方向、面积变化和周期飘动强度六个特征分别采用单独的分类器进行识别，并对识别结果用一个二级分类器进行二次识别得到最后的烟雾判别结果，本文将这样的分类器结构称为二级级联神经网络，其拓扑结构如图所示。</a:t>
+            </a:r>
+            <a:endParaRPr lang="zh-CN" altLang="en-US" dirty="0"/>
+          </a:p>
+        </p:txBody>
+      </p:sp>
+      <p:sp>
+        <p:nvSpPr>
+          <p:cNvPr id="4" name="灯片编号占位符 3"/>
+          <p:cNvSpPr>
+            <a:spLocks noGrp="1"/>
+          </p:cNvSpPr>
+          <p:nvPr>
+            <p:ph type="sldNum" sz="quarter" idx="10"/>
+          </p:nvPr>
+        </p:nvSpPr>
+        <p:spPr/>
+        <p:txBody>
+          <a:bodyPr/>
+          <a:lstStyle/>
+          <a:p>
+            <a:fld id="{D6B3C80A-45EE-4FB3-AF5E-1F2A3F2A99BC}" type="slidenum">
+              <a:rPr lang="zh-CN" altLang="en-US" smtClean="0"/>
+              <a:t>29</a:t>
+            </a:fld>
+            <a:endParaRPr lang="zh-CN" altLang="en-US"/>
+          </a:p>
+        </p:txBody>
+      </p:sp>
+    </p:spTree>
+    <p:extLst>
+      <p:ext uri="{BB962C8B-B14F-4D97-AF65-F5344CB8AC3E}">
+        <p14:creationId xmlns:p14="http://schemas.microsoft.com/office/powerpoint/2010/main" val="4245160781"/>
+      </p:ext>
+    </p:extLst>
+  </p:cSld>
+  <p:clrMapOvr>
+    <a:masterClrMapping/>
+  </p:clrMapOvr>
+</p:notes>
+</file>
+
+<file path=ppt/notesSlides/notesSlide28.xml><?xml version="1.0" encoding="utf-8"?>
+<p:notes xmlns:a="http://schemas.openxmlformats.org/drawingml/2006/main" xmlns:r="http://schemas.openxmlformats.org/officeDocument/2006/relationships" xmlns:p="http://schemas.openxmlformats.org/presentationml/2006/main">
+  <p:cSld>
+    <p:spTree>
+      <p:nvGrpSpPr>
+        <p:cNvPr id="1" name=""/>
+        <p:cNvGrpSpPr/>
+        <p:nvPr/>
+      </p:nvGrpSpPr>
+      <p:grpSpPr>
+        <a:xfrm>
+          <a:off x="0" y="0"/>
+          <a:ext cx="0" cy="0"/>
+          <a:chOff x="0" y="0"/>
+          <a:chExt cx="0" cy="0"/>
+        </a:xfrm>
+      </p:grpSpPr>
+      <p:sp>
+        <p:nvSpPr>
+          <p:cNvPr id="2" name="幻灯片图像占位符 1"/>
+          <p:cNvSpPr>
+            <a:spLocks noGrp="1" noRot="1" noChangeAspect="1"/>
+          </p:cNvSpPr>
+          <p:nvPr>
+            <p:ph type="sldImg"/>
+          </p:nvPr>
+        </p:nvSpPr>
+        <p:spPr/>
+      </p:sp>
+      <p:sp>
+        <p:nvSpPr>
+          <p:cNvPr id="3" name="备注占位符 2"/>
+          <p:cNvSpPr>
+            <a:spLocks noGrp="1"/>
+          </p:cNvSpPr>
+          <p:nvPr>
+            <p:ph type="body" idx="1"/>
+          </p:nvPr>
+        </p:nvSpPr>
+        <p:spPr/>
+        <p:txBody>
+          <a:bodyPr/>
+          <a:lstStyle/>
+          <a:p>
+            <a:endParaRPr lang="zh-CN" altLang="en-US" dirty="0"/>
+          </a:p>
+        </p:txBody>
+      </p:sp>
+      <p:sp>
+        <p:nvSpPr>
+          <p:cNvPr id="4" name="灯片编号占位符 3"/>
+          <p:cNvSpPr>
+            <a:spLocks noGrp="1"/>
+          </p:cNvSpPr>
+          <p:nvPr>
+            <p:ph type="sldNum" sz="quarter" idx="10"/>
+          </p:nvPr>
+        </p:nvSpPr>
+        <p:spPr/>
+        <p:txBody>
+          <a:bodyPr/>
+          <a:lstStyle/>
+          <a:p>
+            <a:fld id="{D6B3C80A-45EE-4FB3-AF5E-1F2A3F2A99BC}" type="slidenum">
+              <a:rPr lang="zh-CN" altLang="en-US" smtClean="0"/>
+              <a:t>39</a:t>
+            </a:fld>
+            <a:endParaRPr lang="zh-CN" altLang="en-US"/>
+          </a:p>
+        </p:txBody>
+      </p:sp>
+    </p:spTree>
+    <p:extLst>
+      <p:ext uri="{BB962C8B-B14F-4D97-AF65-F5344CB8AC3E}">
+        <p14:creationId xmlns:p14="http://schemas.microsoft.com/office/powerpoint/2010/main" val="2651124906"/>
+      </p:ext>
+    </p:extLst>
+  </p:cSld>
+  <p:clrMapOvr>
+    <a:masterClrMapping/>
+  </p:clrMapOvr>
+</p:notes>
+</file>
+
+<file path=ppt/notesSlides/notesSlide3.xml><?xml version="1.0" encoding="utf-8"?>
+<p:notes xmlns:a="http://schemas.openxmlformats.org/drawingml/2006/main" xmlns:r="http://schemas.openxmlformats.org/officeDocument/2006/relationships" xmlns:p="http://schemas.openxmlformats.org/presentationml/2006/main">
+  <p:cSld>
+    <p:spTree>
+      <p:nvGrpSpPr>
+        <p:cNvPr id="1" name=""/>
+        <p:cNvGrpSpPr/>
+        <p:nvPr/>
+      </p:nvGrpSpPr>
+      <p:grpSpPr>
+        <a:xfrm>
+          <a:off x="0" y="0"/>
+          <a:ext cx="0" cy="0"/>
+          <a:chOff x="0" y="0"/>
+          <a:chExt cx="0" cy="0"/>
+        </a:xfrm>
+      </p:grpSpPr>
+      <p:sp>
+        <p:nvSpPr>
+          <p:cNvPr id="2" name="幻灯片图像占位符 1"/>
+          <p:cNvSpPr>
+            <a:spLocks noGrp="1" noRot="1" noChangeAspect="1"/>
+          </p:cNvSpPr>
+          <p:nvPr>
+            <p:ph type="sldImg"/>
+          </p:nvPr>
+        </p:nvSpPr>
+        <p:spPr/>
+      </p:sp>
+      <p:sp>
+        <p:nvSpPr>
+          <p:cNvPr id="3" name="备注占位符 2"/>
+          <p:cNvSpPr>
+            <a:spLocks noGrp="1"/>
+          </p:cNvSpPr>
+          <p:nvPr>
+            <p:ph type="body" idx="1"/>
+          </p:nvPr>
+        </p:nvSpPr>
+        <p:spPr/>
+        <p:txBody>
+          <a:bodyPr/>
+          <a:lstStyle/>
+          <a:p>
+            <a:r>
+              <a:rPr lang="en-US" altLang="zh-CN" sz="1200" kern="1200" dirty="0" smtClean="0">
+                <a:solidFill>
+                  <a:schemeClr val="tx1"/>
+                </a:solidFill>
+                <a:effectLst/>
+                <a:latin typeface="+mn-lt"/>
+                <a:ea typeface="+mn-ea"/>
+                <a:cs typeface="+mn-cs"/>
+              </a:rPr>
+              <a:t>2017</a:t>
+            </a:r>
+            <a:r>
+              <a:rPr lang="zh-CN" altLang="zh-CN" sz="1200" kern="1200" dirty="0" smtClean="0">
+                <a:solidFill>
+                  <a:schemeClr val="tx1"/>
+                </a:solidFill>
+                <a:effectLst/>
+                <a:latin typeface="+mn-lt"/>
+                <a:ea typeface="+mn-ea"/>
+                <a:cs typeface="+mn-cs"/>
+              </a:rPr>
+              <a:t>年</a:t>
+            </a:r>
+            <a:r>
+              <a:rPr lang="en-US" altLang="zh-CN" sz="1200" kern="1200" dirty="0" smtClean="0">
+                <a:solidFill>
+                  <a:schemeClr val="tx1"/>
+                </a:solidFill>
+                <a:effectLst/>
+                <a:latin typeface="+mn-lt"/>
+                <a:ea typeface="+mn-ea"/>
+                <a:cs typeface="+mn-cs"/>
+              </a:rPr>
+              <a:t>4</a:t>
+            </a:r>
+            <a:r>
+              <a:rPr lang="zh-CN" altLang="zh-CN" sz="1200" kern="1200" dirty="0" smtClean="0">
+                <a:solidFill>
+                  <a:schemeClr val="tx1"/>
+                </a:solidFill>
+                <a:effectLst/>
+                <a:latin typeface="+mn-lt"/>
+                <a:ea typeface="+mn-ea"/>
+                <a:cs typeface="+mn-cs"/>
+              </a:rPr>
+              <a:t>月</a:t>
+            </a:r>
+            <a:r>
+              <a:rPr lang="en-US" altLang="zh-CN" sz="1200" kern="1200" dirty="0" smtClean="0">
+                <a:solidFill>
+                  <a:schemeClr val="tx1"/>
+                </a:solidFill>
+                <a:effectLst/>
+                <a:latin typeface="+mn-lt"/>
+                <a:ea typeface="+mn-ea"/>
+                <a:cs typeface="+mn-cs"/>
+              </a:rPr>
+              <a:t>30</a:t>
+            </a:r>
+            <a:r>
+              <a:rPr lang="zh-CN" altLang="zh-CN" sz="1200" kern="1200" dirty="0" smtClean="0">
+                <a:solidFill>
+                  <a:schemeClr val="tx1"/>
+                </a:solidFill>
+                <a:effectLst/>
+                <a:latin typeface="+mn-lt"/>
+                <a:ea typeface="+mn-ea"/>
+                <a:cs typeface="+mn-cs"/>
+              </a:rPr>
+              <a:t>日俄罗斯森林地区发生大型火灾，并蔓延至我国位于内蒙古省内的大兴安岭北部原始林区伊木河林场，造成大兴安岭地区的又一次重大火灾事件，</a:t>
+            </a:r>
+            <a:r>
+              <a:rPr lang="zh-CN" altLang="en-US" sz="1200" kern="1200" dirty="0" smtClean="0">
+                <a:solidFill>
+                  <a:schemeClr val="tx1"/>
+                </a:solidFill>
+                <a:effectLst/>
+                <a:latin typeface="+mn-lt"/>
+                <a:ea typeface="+mn-ea"/>
+                <a:cs typeface="+mn-cs"/>
+              </a:rPr>
+              <a:t>历经一个星期左右的时间才实现火灾的全线合围，之前</a:t>
+            </a:r>
+            <a:r>
+              <a:rPr lang="en-US" altLang="zh-CN" sz="1200" kern="1200" dirty="0" smtClean="0">
+                <a:solidFill>
+                  <a:schemeClr val="tx1"/>
+                </a:solidFill>
+                <a:effectLst/>
+                <a:latin typeface="+mn-lt"/>
+                <a:ea typeface="+mn-ea"/>
+                <a:cs typeface="+mn-cs"/>
+              </a:rPr>
+              <a:t>1987</a:t>
+            </a:r>
+            <a:r>
+              <a:rPr lang="zh-CN" altLang="en-US" sz="1200" kern="1200" dirty="0" smtClean="0">
+                <a:solidFill>
+                  <a:schemeClr val="tx1"/>
+                </a:solidFill>
+                <a:effectLst/>
+                <a:latin typeface="+mn-lt"/>
+                <a:ea typeface="+mn-ea"/>
+                <a:cs typeface="+mn-cs"/>
+              </a:rPr>
+              <a:t>年大兴安岭也曾爆发特大火灾</a:t>
+            </a:r>
+            <a:r>
+              <a:rPr lang="zh-CN" altLang="en-US" sz="1200" kern="1200" dirty="0" smtClean="0">
+                <a:solidFill>
+                  <a:schemeClr val="tx1"/>
+                </a:solidFill>
+                <a:effectLst/>
+                <a:latin typeface="+mn-lt"/>
+                <a:ea typeface="+mn-ea"/>
+                <a:cs typeface="+mn-cs"/>
+              </a:rPr>
+              <a:t>，森林火灾</a:t>
+            </a:r>
+            <a:r>
+              <a:rPr lang="zh-CN" altLang="en-US" sz="1200" kern="1200" dirty="0" smtClean="0">
+                <a:solidFill>
+                  <a:schemeClr val="tx1"/>
+                </a:solidFill>
+                <a:effectLst/>
+                <a:latin typeface="+mn-lt"/>
+                <a:ea typeface="+mn-ea"/>
+                <a:cs typeface="+mn-cs"/>
+              </a:rPr>
+              <a:t>对</a:t>
+            </a:r>
+            <a:r>
+              <a:rPr lang="zh-CN" altLang="en-US" sz="1200" kern="1200" dirty="0" smtClean="0">
+                <a:solidFill>
+                  <a:schemeClr val="tx1"/>
+                </a:solidFill>
+                <a:effectLst/>
+                <a:latin typeface="+mn-lt"/>
+                <a:ea typeface="+mn-ea"/>
+                <a:cs typeface="+mn-cs"/>
+              </a:rPr>
+              <a:t>森林的生态环境、林内动植物</a:t>
+            </a:r>
+            <a:r>
+              <a:rPr lang="zh-CN" altLang="en-US" sz="1200" kern="1200" dirty="0" smtClean="0">
+                <a:solidFill>
+                  <a:schemeClr val="tx1"/>
+                </a:solidFill>
+                <a:effectLst/>
+                <a:latin typeface="+mn-lt"/>
+                <a:ea typeface="+mn-ea"/>
+                <a:cs typeface="+mn-cs"/>
+              </a:rPr>
+              <a:t>和人员、财产造成巨大的损害</a:t>
+            </a:r>
+            <a:r>
+              <a:rPr lang="zh-CN" altLang="en-US" sz="1200" kern="1200" dirty="0" smtClean="0">
+                <a:solidFill>
+                  <a:schemeClr val="tx1"/>
+                </a:solidFill>
+                <a:effectLst/>
+                <a:latin typeface="+mn-lt"/>
+                <a:ea typeface="+mn-ea"/>
+                <a:cs typeface="+mn-cs"/>
+              </a:rPr>
+              <a:t>。因此对于森林火灾的监控是非常必要的。</a:t>
+            </a:r>
+            <a:endParaRPr lang="zh-CN" altLang="en-US" dirty="0"/>
+          </a:p>
+        </p:txBody>
+      </p:sp>
+      <p:sp>
+        <p:nvSpPr>
+          <p:cNvPr id="4" name="灯片编号占位符 3"/>
+          <p:cNvSpPr>
+            <a:spLocks noGrp="1"/>
+          </p:cNvSpPr>
+          <p:nvPr>
+            <p:ph type="sldNum" sz="quarter" idx="10"/>
+          </p:nvPr>
+        </p:nvSpPr>
+        <p:spPr/>
+        <p:txBody>
+          <a:bodyPr/>
+          <a:lstStyle/>
+          <a:p>
+            <a:fld id="{D6B3C80A-45EE-4FB3-AF5E-1F2A3F2A99BC}" type="slidenum">
+              <a:rPr lang="zh-CN" altLang="en-US" smtClean="0"/>
+              <a:t>4</a:t>
+            </a:fld>
+            <a:endParaRPr lang="zh-CN" altLang="en-US"/>
+          </a:p>
+        </p:txBody>
+      </p:sp>
+    </p:spTree>
+    <p:extLst>
+      <p:ext uri="{BB962C8B-B14F-4D97-AF65-F5344CB8AC3E}">
+        <p14:creationId xmlns:p14="http://schemas.microsoft.com/office/powerpoint/2010/main" val="124099995"/>
+      </p:ext>
+    </p:extLst>
+  </p:cSld>
+  <p:clrMapOvr>
+    <a:masterClrMapping/>
+  </p:clrMapOvr>
+</p:notes>
+</file>
+
+<file path=ppt/notesSlides/notesSlide4.xml><?xml version="1.0" encoding="utf-8"?>
+<p:notes xmlns:a="http://schemas.openxmlformats.org/drawingml/2006/main" xmlns:r="http://schemas.openxmlformats.org/officeDocument/2006/relationships" xmlns:p="http://schemas.openxmlformats.org/presentationml/2006/main">
+  <p:cSld>
+    <p:spTree>
+      <p:nvGrpSpPr>
+        <p:cNvPr id="1" name=""/>
+        <p:cNvGrpSpPr/>
+        <p:nvPr/>
+      </p:nvGrpSpPr>
+      <p:grpSpPr>
+        <a:xfrm>
+          <a:off x="0" y="0"/>
+          <a:ext cx="0" cy="0"/>
+          <a:chOff x="0" y="0"/>
+          <a:chExt cx="0" cy="0"/>
+        </a:xfrm>
+      </p:grpSpPr>
+      <p:sp>
+        <p:nvSpPr>
+          <p:cNvPr id="2" name="幻灯片图像占位符 1"/>
+          <p:cNvSpPr>
+            <a:spLocks noGrp="1" noRot="1" noChangeAspect="1"/>
+          </p:cNvSpPr>
+          <p:nvPr>
+            <p:ph type="sldImg"/>
+          </p:nvPr>
+        </p:nvSpPr>
+        <p:spPr/>
+      </p:sp>
+      <p:sp>
+        <p:nvSpPr>
+          <p:cNvPr id="3" name="备注占位符 2"/>
+          <p:cNvSpPr>
+            <a:spLocks noGrp="1"/>
+          </p:cNvSpPr>
+          <p:nvPr>
+            <p:ph type="body" idx="1"/>
+          </p:nvPr>
+        </p:nvSpPr>
+        <p:spPr/>
+        <p:txBody>
+          <a:bodyPr/>
+          <a:lstStyle/>
+          <a:p>
+            <a:pPr marL="0" marR="0" lvl="0" indent="0" algn="l" defTabSz="914400" rtl="0" eaLnBrk="1" fontAlgn="auto" latinLnBrk="0" hangingPunct="1">
+              <a:lnSpc>
+                <a:spcPct val="100000"/>
+              </a:lnSpc>
+              <a:spcBef>
+                <a:spcPts val="0"/>
+              </a:spcBef>
+              <a:spcAft>
+                <a:spcPts val="0"/>
+              </a:spcAft>
+              <a:buClrTx/>
+              <a:buSzTx/>
+              <a:buFontTx/>
+              <a:buNone/>
+              <a:tabLst/>
+              <a:defRPr/>
+            </a:pPr>
+            <a:r>
+              <a:rPr lang="zh-CN" altLang="en-US" sz="1200" kern="1200" dirty="0" smtClean="0">
+                <a:solidFill>
+                  <a:schemeClr val="tx1"/>
+                </a:solidFill>
+                <a:effectLst/>
+                <a:latin typeface="+mn-lt"/>
+                <a:ea typeface="+mn-ea"/>
+                <a:cs typeface="+mn-cs"/>
+              </a:rPr>
+              <a:t>森林</a:t>
+            </a:r>
+            <a:r>
+              <a:rPr lang="zh-CN" altLang="zh-CN" sz="1200" kern="1200" dirty="0" smtClean="0">
+                <a:solidFill>
+                  <a:schemeClr val="tx1"/>
+                </a:solidFill>
+                <a:effectLst/>
+                <a:latin typeface="+mn-lt"/>
+                <a:ea typeface="+mn-ea"/>
+                <a:cs typeface="+mn-cs"/>
+              </a:rPr>
+              <a:t>火灾</a:t>
+            </a:r>
+            <a:r>
+              <a:rPr lang="zh-CN" altLang="zh-CN" sz="1200" kern="1200" dirty="0" smtClean="0">
+                <a:solidFill>
+                  <a:schemeClr val="tx1"/>
+                </a:solidFill>
+                <a:effectLst/>
+                <a:latin typeface="+mn-lt"/>
+                <a:ea typeface="+mn-ea"/>
+                <a:cs typeface="+mn-cs"/>
+              </a:rPr>
+              <a:t>扑救应</a:t>
+            </a:r>
+            <a:r>
+              <a:rPr lang="zh-CN" altLang="zh-CN" sz="1200" kern="1200" dirty="0" smtClean="0">
+                <a:solidFill>
+                  <a:schemeClr val="tx1"/>
+                </a:solidFill>
+                <a:effectLst/>
+                <a:latin typeface="+mn-lt"/>
+                <a:ea typeface="+mn-ea"/>
+                <a:cs typeface="+mn-cs"/>
+              </a:rPr>
+              <a:t>遵循 “</a:t>
+            </a:r>
+            <a:r>
+              <a:rPr lang="zh-CN" altLang="zh-CN" sz="1200" kern="1200" dirty="0" smtClean="0">
+                <a:solidFill>
+                  <a:schemeClr val="tx1"/>
+                </a:solidFill>
+                <a:effectLst/>
+                <a:latin typeface="+mn-lt"/>
+                <a:ea typeface="+mn-ea"/>
+                <a:cs typeface="+mn-cs"/>
+              </a:rPr>
+              <a:t>三早</a:t>
+            </a:r>
+            <a:r>
+              <a:rPr lang="zh-CN" altLang="en-US" sz="1200" kern="1200" dirty="0" smtClean="0">
+                <a:solidFill>
+                  <a:schemeClr val="tx1"/>
+                </a:solidFill>
+                <a:effectLst/>
+                <a:latin typeface="+mn-lt"/>
+                <a:ea typeface="+mn-ea"/>
+                <a:cs typeface="+mn-cs"/>
+              </a:rPr>
+              <a:t>两快一强</a:t>
+            </a:r>
+            <a:r>
+              <a:rPr lang="zh-CN" altLang="zh-CN" sz="1200" kern="1200" dirty="0" smtClean="0">
+                <a:solidFill>
+                  <a:schemeClr val="tx1"/>
+                </a:solidFill>
+                <a:effectLst/>
+                <a:latin typeface="+mn-lt"/>
+                <a:ea typeface="+mn-ea"/>
+                <a:cs typeface="+mn-cs"/>
+              </a:rPr>
+              <a:t>”</a:t>
+            </a:r>
+            <a:r>
+              <a:rPr lang="zh-CN" altLang="en-US" sz="1200" kern="1200" dirty="0" smtClean="0">
+                <a:solidFill>
+                  <a:schemeClr val="tx1"/>
+                </a:solidFill>
+                <a:effectLst/>
+                <a:latin typeface="+mn-lt"/>
+                <a:ea typeface="+mn-ea"/>
+                <a:cs typeface="+mn-cs"/>
+              </a:rPr>
+              <a:t>原则</a:t>
+            </a:r>
+            <a:endParaRPr lang="zh-CN" altLang="en-US" dirty="0"/>
+          </a:p>
+        </p:txBody>
+      </p:sp>
+      <p:sp>
+        <p:nvSpPr>
+          <p:cNvPr id="4" name="灯片编号占位符 3"/>
+          <p:cNvSpPr>
+            <a:spLocks noGrp="1"/>
+          </p:cNvSpPr>
+          <p:nvPr>
+            <p:ph type="sldNum" sz="quarter" idx="10"/>
+          </p:nvPr>
+        </p:nvSpPr>
+        <p:spPr/>
+        <p:txBody>
+          <a:bodyPr/>
+          <a:lstStyle/>
+          <a:p>
+            <a:fld id="{D6B3C80A-45EE-4FB3-AF5E-1F2A3F2A99BC}" type="slidenum">
+              <a:rPr lang="zh-CN" altLang="en-US" smtClean="0"/>
+              <a:t>5</a:t>
+            </a:fld>
+            <a:endParaRPr lang="zh-CN" altLang="en-US"/>
+          </a:p>
+        </p:txBody>
+      </p:sp>
+    </p:spTree>
+    <p:extLst>
+      <p:ext uri="{BB962C8B-B14F-4D97-AF65-F5344CB8AC3E}">
+        <p14:creationId xmlns:p14="http://schemas.microsoft.com/office/powerpoint/2010/main" val="2912628186"/>
+      </p:ext>
+    </p:extLst>
+  </p:cSld>
+  <p:clrMapOvr>
+    <a:masterClrMapping/>
+  </p:clrMapOvr>
+</p:notes>
+</file>
+
+<file path=ppt/notesSlides/notesSlide5.xml><?xml version="1.0" encoding="utf-8"?>
+<p:notes xmlns:a="http://schemas.openxmlformats.org/drawingml/2006/main" xmlns:r="http://schemas.openxmlformats.org/officeDocument/2006/relationships" xmlns:p="http://schemas.openxmlformats.org/presentationml/2006/main">
+  <p:cSld>
+    <p:spTree>
+      <p:nvGrpSpPr>
+        <p:cNvPr id="1" name=""/>
+        <p:cNvGrpSpPr/>
+        <p:nvPr/>
+      </p:nvGrpSpPr>
+      <p:grpSpPr>
+        <a:xfrm>
+          <a:off x="0" y="0"/>
+          <a:ext cx="0" cy="0"/>
+          <a:chOff x="0" y="0"/>
+          <a:chExt cx="0" cy="0"/>
+        </a:xfrm>
+      </p:grpSpPr>
+      <p:sp>
+        <p:nvSpPr>
+          <p:cNvPr id="2" name="幻灯片图像占位符 1"/>
+          <p:cNvSpPr>
+            <a:spLocks noGrp="1" noRot="1" noChangeAspect="1"/>
+          </p:cNvSpPr>
+          <p:nvPr>
+            <p:ph type="sldImg"/>
+          </p:nvPr>
+        </p:nvSpPr>
+        <p:spPr/>
+      </p:sp>
+      <p:sp>
+        <p:nvSpPr>
+          <p:cNvPr id="3" name="备注占位符 2"/>
+          <p:cNvSpPr>
+            <a:spLocks noGrp="1"/>
+          </p:cNvSpPr>
+          <p:nvPr>
+            <p:ph type="body" idx="1"/>
+          </p:nvPr>
+        </p:nvSpPr>
+        <p:spPr/>
+        <p:txBody>
+          <a:bodyPr/>
+          <a:lstStyle/>
+          <a:p>
+            <a:pPr marL="0" marR="0" lvl="0" indent="0" algn="l" defTabSz="914400" rtl="0" eaLnBrk="1" fontAlgn="auto" latinLnBrk="0" hangingPunct="1">
+              <a:lnSpc>
+                <a:spcPct val="100000"/>
+              </a:lnSpc>
+              <a:spcBef>
+                <a:spcPts val="0"/>
+              </a:spcBef>
+              <a:spcAft>
+                <a:spcPts val="0"/>
+              </a:spcAft>
+              <a:buClrTx/>
+              <a:buSzTx/>
+              <a:buFontTx/>
+              <a:buNone/>
+              <a:tabLst/>
+              <a:defRPr/>
+            </a:pPr>
+            <a:r>
+              <a:rPr lang="zh-CN" altLang="en-US" sz="1200" kern="1200" dirty="0" smtClean="0">
+                <a:solidFill>
+                  <a:schemeClr val="tx1"/>
+                </a:solidFill>
+                <a:effectLst/>
+                <a:latin typeface="+mn-lt"/>
+                <a:ea typeface="+mn-ea"/>
+                <a:cs typeface="+mn-cs"/>
+              </a:rPr>
+              <a:t>火灾早期出现在监控视频中的往往都是烟雾，</a:t>
+            </a:r>
+            <a:r>
+              <a:rPr lang="zh-CN" altLang="zh-CN" sz="1200" kern="1200" dirty="0" smtClean="0">
+                <a:solidFill>
+                  <a:schemeClr val="tx1"/>
+                </a:solidFill>
+                <a:effectLst/>
+                <a:latin typeface="+mn-lt"/>
+                <a:ea typeface="+mn-ea"/>
+                <a:cs typeface="+mn-cs"/>
+              </a:rPr>
+              <a:t>为了及早发现火灾，火灾检测系统常对火灾初期的烟雾进行探测，本文的研究重点也集中于对森林火灾初期的烟雾进行检测。</a:t>
+            </a:r>
+          </a:p>
+          <a:p>
+            <a:endParaRPr lang="zh-CN" altLang="en-US" dirty="0"/>
+          </a:p>
+        </p:txBody>
+      </p:sp>
+      <p:sp>
+        <p:nvSpPr>
+          <p:cNvPr id="4" name="灯片编号占位符 3"/>
+          <p:cNvSpPr>
+            <a:spLocks noGrp="1"/>
+          </p:cNvSpPr>
+          <p:nvPr>
+            <p:ph type="sldNum" sz="quarter" idx="10"/>
+          </p:nvPr>
+        </p:nvSpPr>
+        <p:spPr/>
+        <p:txBody>
+          <a:bodyPr/>
+          <a:lstStyle/>
+          <a:p>
+            <a:fld id="{D6B3C80A-45EE-4FB3-AF5E-1F2A3F2A99BC}" type="slidenum">
+              <a:rPr lang="zh-CN" altLang="en-US" smtClean="0"/>
+              <a:t>6</a:t>
+            </a:fld>
+            <a:endParaRPr lang="zh-CN" altLang="en-US"/>
+          </a:p>
+        </p:txBody>
+      </p:sp>
+    </p:spTree>
+    <p:extLst>
+      <p:ext uri="{BB962C8B-B14F-4D97-AF65-F5344CB8AC3E}">
+        <p14:creationId xmlns:p14="http://schemas.microsoft.com/office/powerpoint/2010/main" val="3611250711"/>
+      </p:ext>
+    </p:extLst>
+  </p:cSld>
+  <p:clrMapOvr>
+    <a:masterClrMapping/>
+  </p:clrMapOvr>
+</p:notes>
+</file>
+
+<file path=ppt/notesSlides/notesSlide6.xml><?xml version="1.0" encoding="utf-8"?>
+<p:notes xmlns:a="http://schemas.openxmlformats.org/drawingml/2006/main" xmlns:r="http://schemas.openxmlformats.org/officeDocument/2006/relationships" xmlns:p="http://schemas.openxmlformats.org/presentationml/2006/main">
+  <p:cSld>
+    <p:spTree>
+      <p:nvGrpSpPr>
+        <p:cNvPr id="1" name=""/>
+        <p:cNvGrpSpPr/>
+        <p:nvPr/>
+      </p:nvGrpSpPr>
+      <p:grpSpPr>
+        <a:xfrm>
+          <a:off x="0" y="0"/>
+          <a:ext cx="0" cy="0"/>
+          <a:chOff x="0" y="0"/>
+          <a:chExt cx="0" cy="0"/>
+        </a:xfrm>
+      </p:grpSpPr>
+      <p:sp>
+        <p:nvSpPr>
+          <p:cNvPr id="2" name="幻灯片图像占位符 1"/>
+          <p:cNvSpPr>
+            <a:spLocks noGrp="1" noRot="1" noChangeAspect="1"/>
+          </p:cNvSpPr>
+          <p:nvPr>
+            <p:ph type="sldImg"/>
+          </p:nvPr>
+        </p:nvSpPr>
+        <p:spPr/>
+      </p:sp>
+      <p:sp>
+        <p:nvSpPr>
+          <p:cNvPr id="3" name="备注占位符 2"/>
+          <p:cNvSpPr>
+            <a:spLocks noGrp="1"/>
+          </p:cNvSpPr>
+          <p:nvPr>
+            <p:ph type="body" idx="1"/>
+          </p:nvPr>
+        </p:nvSpPr>
+        <p:spPr/>
+        <p:txBody>
+          <a:bodyPr/>
+          <a:lstStyle/>
+          <a:p>
+            <a:endParaRPr lang="zh-CN" altLang="en-US" dirty="0"/>
+          </a:p>
+        </p:txBody>
+      </p:sp>
+      <p:sp>
+        <p:nvSpPr>
+          <p:cNvPr id="4" name="灯片编号占位符 3"/>
+          <p:cNvSpPr>
+            <a:spLocks noGrp="1"/>
+          </p:cNvSpPr>
+          <p:nvPr>
+            <p:ph type="sldNum" sz="quarter" idx="10"/>
+          </p:nvPr>
+        </p:nvSpPr>
+        <p:spPr/>
+        <p:txBody>
+          <a:bodyPr/>
+          <a:lstStyle/>
+          <a:p>
+            <a:fld id="{D6B3C80A-45EE-4FB3-AF5E-1F2A3F2A99BC}" type="slidenum">
+              <a:rPr lang="zh-CN" altLang="en-US" smtClean="0"/>
+              <a:t>7</a:t>
+            </a:fld>
+            <a:endParaRPr lang="zh-CN" altLang="en-US"/>
+          </a:p>
+        </p:txBody>
+      </p:sp>
+    </p:spTree>
+    <p:extLst>
+      <p:ext uri="{BB962C8B-B14F-4D97-AF65-F5344CB8AC3E}">
+        <p14:creationId xmlns:p14="http://schemas.microsoft.com/office/powerpoint/2010/main" val="619440140"/>
+      </p:ext>
+    </p:extLst>
+  </p:cSld>
+  <p:clrMapOvr>
+    <a:masterClrMapping/>
+  </p:clrMapOvr>
+</p:notes>
+</file>
+
+<file path=ppt/notesSlides/notesSlide7.xml><?xml version="1.0" encoding="utf-8"?>
+<p:notes xmlns:a="http://schemas.openxmlformats.org/drawingml/2006/main" xmlns:r="http://schemas.openxmlformats.org/officeDocument/2006/relationships" xmlns:p="http://schemas.openxmlformats.org/presentationml/2006/main">
+  <p:cSld>
+    <p:spTree>
+      <p:nvGrpSpPr>
+        <p:cNvPr id="1" name=""/>
+        <p:cNvGrpSpPr/>
+        <p:nvPr/>
+      </p:nvGrpSpPr>
+      <p:grpSpPr>
+        <a:xfrm>
+          <a:off x="0" y="0"/>
+          <a:ext cx="0" cy="0"/>
+          <a:chOff x="0" y="0"/>
+          <a:chExt cx="0" cy="0"/>
+        </a:xfrm>
+      </p:grpSpPr>
+      <p:sp>
+        <p:nvSpPr>
+          <p:cNvPr id="2" name="幻灯片图像占位符 1"/>
+          <p:cNvSpPr>
+            <a:spLocks noGrp="1" noRot="1" noChangeAspect="1"/>
+          </p:cNvSpPr>
+          <p:nvPr>
+            <p:ph type="sldImg"/>
+          </p:nvPr>
+        </p:nvSpPr>
+        <p:spPr/>
+      </p:sp>
+      <p:sp>
+        <p:nvSpPr>
+          <p:cNvPr id="3" name="备注占位符 2"/>
+          <p:cNvSpPr>
+            <a:spLocks noGrp="1"/>
+          </p:cNvSpPr>
+          <p:nvPr>
+            <p:ph type="body" idx="1"/>
+          </p:nvPr>
+        </p:nvSpPr>
+        <p:spPr/>
+        <p:txBody>
+          <a:bodyPr/>
+          <a:lstStyle/>
+          <a:p>
+            <a:r>
+              <a:rPr lang="zh-CN" altLang="en-US" dirty="0" smtClean="0"/>
+              <a:t>本文对森林烟火识别处理分为四个模块进行</a:t>
+            </a:r>
+            <a:r>
+              <a:rPr lang="zh-CN" altLang="en-US" dirty="0" smtClean="0"/>
+              <a:t>处理，分别是图像去雾处理、运动目标分割、烟雾特征提取和分类器设计。</a:t>
+            </a:r>
+            <a:endParaRPr lang="zh-CN" altLang="en-US" dirty="0"/>
+          </a:p>
+        </p:txBody>
+      </p:sp>
+      <p:sp>
+        <p:nvSpPr>
+          <p:cNvPr id="4" name="灯片编号占位符 3"/>
+          <p:cNvSpPr>
+            <a:spLocks noGrp="1"/>
+          </p:cNvSpPr>
+          <p:nvPr>
+            <p:ph type="sldNum" sz="quarter" idx="10"/>
+          </p:nvPr>
+        </p:nvSpPr>
+        <p:spPr/>
+        <p:txBody>
+          <a:bodyPr/>
+          <a:lstStyle/>
+          <a:p>
+            <a:fld id="{D6B3C80A-45EE-4FB3-AF5E-1F2A3F2A99BC}" type="slidenum">
+              <a:rPr lang="zh-CN" altLang="en-US" smtClean="0"/>
+              <a:t>8</a:t>
+            </a:fld>
+            <a:endParaRPr lang="zh-CN" altLang="en-US"/>
+          </a:p>
+        </p:txBody>
+      </p:sp>
+    </p:spTree>
+    <p:extLst>
+      <p:ext uri="{BB962C8B-B14F-4D97-AF65-F5344CB8AC3E}">
+        <p14:creationId xmlns:p14="http://schemas.microsoft.com/office/powerpoint/2010/main" val="776984314"/>
+      </p:ext>
+    </p:extLst>
+  </p:cSld>
+  <p:clrMapOvr>
+    <a:masterClrMapping/>
+  </p:clrMapOvr>
+</p:notes>
+</file>
+
+<file path=ppt/notesSlides/notesSlide8.xml><?xml version="1.0" encoding="utf-8"?>
+<p:notes xmlns:a="http://schemas.openxmlformats.org/drawingml/2006/main" xmlns:r="http://schemas.openxmlformats.org/officeDocument/2006/relationships" xmlns:p="http://schemas.openxmlformats.org/presentationml/2006/main">
+  <p:cSld>
+    <p:spTree>
+      <p:nvGrpSpPr>
+        <p:cNvPr id="1" name=""/>
+        <p:cNvGrpSpPr/>
+        <p:nvPr/>
+      </p:nvGrpSpPr>
+      <p:grpSpPr>
+        <a:xfrm>
+          <a:off x="0" y="0"/>
+          <a:ext cx="0" cy="0"/>
+          <a:chOff x="0" y="0"/>
+          <a:chExt cx="0" cy="0"/>
+        </a:xfrm>
+      </p:grpSpPr>
+      <p:sp>
+        <p:nvSpPr>
+          <p:cNvPr id="2" name="幻灯片图像占位符 1"/>
+          <p:cNvSpPr>
+            <a:spLocks noGrp="1" noRot="1" noChangeAspect="1"/>
+          </p:cNvSpPr>
+          <p:nvPr>
+            <p:ph type="sldImg"/>
+          </p:nvPr>
+        </p:nvSpPr>
+        <p:spPr/>
+      </p:sp>
+      <p:sp>
+        <p:nvSpPr>
+          <p:cNvPr id="3" name="备注占位符 2"/>
+          <p:cNvSpPr>
+            <a:spLocks noGrp="1"/>
+          </p:cNvSpPr>
+          <p:nvPr>
+            <p:ph type="body" idx="1"/>
+          </p:nvPr>
+        </p:nvSpPr>
+        <p:spPr/>
+        <p:txBody>
+          <a:bodyPr/>
+          <a:lstStyle/>
+          <a:p>
+            <a:r>
+              <a:rPr lang="zh-CN" altLang="en-US" dirty="0" smtClean="0"/>
+              <a:t>典型的去雾处理方法有：</a:t>
+            </a:r>
+            <a:endParaRPr lang="zh-CN" altLang="en-US" dirty="0"/>
+          </a:p>
+        </p:txBody>
+      </p:sp>
+      <p:sp>
+        <p:nvSpPr>
+          <p:cNvPr id="4" name="灯片编号占位符 3"/>
+          <p:cNvSpPr>
+            <a:spLocks noGrp="1"/>
+          </p:cNvSpPr>
+          <p:nvPr>
+            <p:ph type="sldNum" sz="quarter" idx="10"/>
+          </p:nvPr>
+        </p:nvSpPr>
+        <p:spPr/>
+        <p:txBody>
+          <a:bodyPr/>
+          <a:lstStyle/>
+          <a:p>
+            <a:fld id="{D6B3C80A-45EE-4FB3-AF5E-1F2A3F2A99BC}" type="slidenum">
+              <a:rPr lang="zh-CN" altLang="en-US" smtClean="0"/>
+              <a:t>9</a:t>
+            </a:fld>
+            <a:endParaRPr lang="zh-CN" altLang="en-US"/>
+          </a:p>
+        </p:txBody>
+      </p:sp>
+    </p:spTree>
+    <p:extLst>
+      <p:ext uri="{BB962C8B-B14F-4D97-AF65-F5344CB8AC3E}">
+        <p14:creationId xmlns:p14="http://schemas.microsoft.com/office/powerpoint/2010/main" val="2025807891"/>
+      </p:ext>
+    </p:extLst>
+  </p:cSld>
+  <p:clrMapOvr>
+    <a:masterClrMapping/>
+  </p:clrMapOvr>
+</p:notes>
+</file>
+
+<file path=ppt/notesSlides/notesSlide9.xml><?xml version="1.0" encoding="utf-8"?>
+<p:notes xmlns:a="http://schemas.openxmlformats.org/drawingml/2006/main" xmlns:r="http://schemas.openxmlformats.org/officeDocument/2006/relationships" xmlns:p="http://schemas.openxmlformats.org/presentationml/2006/main">
+  <p:cSld>
+    <p:spTree>
+      <p:nvGrpSpPr>
+        <p:cNvPr id="1" name=""/>
+        <p:cNvGrpSpPr/>
+        <p:nvPr/>
+      </p:nvGrpSpPr>
+      <p:grpSpPr>
+        <a:xfrm>
+          <a:off x="0" y="0"/>
+          <a:ext cx="0" cy="0"/>
+          <a:chOff x="0" y="0"/>
+          <a:chExt cx="0" cy="0"/>
+        </a:xfrm>
+      </p:grpSpPr>
+      <p:sp>
+        <p:nvSpPr>
+          <p:cNvPr id="2" name="幻灯片图像占位符 1"/>
+          <p:cNvSpPr>
+            <a:spLocks noGrp="1" noRot="1" noChangeAspect="1"/>
+          </p:cNvSpPr>
+          <p:nvPr>
+            <p:ph type="sldImg"/>
+          </p:nvPr>
+        </p:nvSpPr>
+        <p:spPr/>
+      </p:sp>
+      <p:sp>
+        <p:nvSpPr>
+          <p:cNvPr id="3" name="备注占位符 2"/>
+          <p:cNvSpPr>
+            <a:spLocks noGrp="1"/>
+          </p:cNvSpPr>
+          <p:nvPr>
+            <p:ph type="body" idx="1"/>
+          </p:nvPr>
+        </p:nvSpPr>
+        <p:spPr/>
+        <p:txBody>
+          <a:bodyPr/>
+          <a:lstStyle/>
+          <a:p>
+            <a:pPr marL="0" marR="0" lvl="0" indent="0" algn="l" defTabSz="914400" rtl="0" eaLnBrk="1" fontAlgn="auto" latinLnBrk="0" hangingPunct="1">
+              <a:lnSpc>
+                <a:spcPct val="100000"/>
+              </a:lnSpc>
+              <a:spcBef>
+                <a:spcPts val="0"/>
+              </a:spcBef>
+              <a:spcAft>
+                <a:spcPts val="0"/>
+              </a:spcAft>
+              <a:buClrTx/>
+              <a:buSzTx/>
+              <a:buFontTx/>
+              <a:buNone/>
+              <a:tabLst/>
+              <a:defRPr/>
+            </a:pPr>
+            <a:r>
+              <a:rPr lang="zh-CN" altLang="en-US" sz="1200" kern="1200" dirty="0" smtClean="0">
+                <a:solidFill>
+                  <a:schemeClr val="tx1"/>
+                </a:solidFill>
+                <a:effectLst/>
+                <a:latin typeface="+mn-lt"/>
+                <a:ea typeface="+mn-ea"/>
+                <a:cs typeface="+mn-cs"/>
+              </a:rPr>
+              <a:t>对有雾和无雾图像分别进行实验得到实验结果，结果显示</a:t>
+            </a:r>
+            <a:r>
+              <a:rPr lang="en-US" altLang="zh-CN" sz="1200" kern="1200" dirty="0" smtClean="0">
+                <a:solidFill>
+                  <a:schemeClr val="tx1"/>
+                </a:solidFill>
+                <a:effectLst/>
+                <a:latin typeface="+mn-lt"/>
+                <a:ea typeface="+mn-ea"/>
+                <a:cs typeface="+mn-cs"/>
+              </a:rPr>
+              <a:t>MSRCR</a:t>
+            </a:r>
+            <a:r>
+              <a:rPr lang="zh-CN" altLang="zh-CN" sz="1200" kern="1200" dirty="0" smtClean="0">
+                <a:solidFill>
+                  <a:schemeClr val="tx1"/>
+                </a:solidFill>
+                <a:effectLst/>
+                <a:latin typeface="+mn-lt"/>
+                <a:ea typeface="+mn-ea"/>
+                <a:cs typeface="+mn-cs"/>
+              </a:rPr>
+              <a:t>图像去雾处理、</a:t>
+            </a:r>
+            <a:r>
+              <a:rPr lang="en-US" altLang="zh-CN" sz="1200" kern="1200" dirty="0" smtClean="0">
+                <a:solidFill>
+                  <a:schemeClr val="tx1"/>
+                </a:solidFill>
+                <a:effectLst/>
+                <a:latin typeface="+mn-lt"/>
+                <a:ea typeface="+mn-ea"/>
+                <a:cs typeface="+mn-cs"/>
+              </a:rPr>
+              <a:t>HE</a:t>
+            </a:r>
+            <a:r>
+              <a:rPr lang="zh-CN" altLang="zh-CN" sz="1200" kern="1200" dirty="0" smtClean="0">
+                <a:solidFill>
+                  <a:schemeClr val="tx1"/>
+                </a:solidFill>
+                <a:effectLst/>
+                <a:latin typeface="+mn-lt"/>
+                <a:ea typeface="+mn-ea"/>
+                <a:cs typeface="+mn-cs"/>
+              </a:rPr>
+              <a:t>去雾处理和暗通道去雾处理三种算法对有雾图像的处理都能达到一定的增强效果。在彩色增强方面，</a:t>
+            </a:r>
+            <a:r>
+              <a:rPr lang="en-US" altLang="zh-CN" sz="1200" kern="1200" dirty="0" smtClean="0">
+                <a:solidFill>
+                  <a:schemeClr val="tx1"/>
+                </a:solidFill>
+                <a:effectLst/>
+                <a:latin typeface="+mn-lt"/>
+                <a:ea typeface="+mn-ea"/>
+                <a:cs typeface="+mn-cs"/>
+              </a:rPr>
+              <a:t>MSRCR</a:t>
+            </a:r>
+            <a:r>
+              <a:rPr lang="zh-CN" altLang="zh-CN" sz="1200" kern="1200" dirty="0" smtClean="0">
+                <a:solidFill>
+                  <a:schemeClr val="tx1"/>
+                </a:solidFill>
+                <a:effectLst/>
+                <a:latin typeface="+mn-lt"/>
+                <a:ea typeface="+mn-ea"/>
+                <a:cs typeface="+mn-cs"/>
+              </a:rPr>
+              <a:t>去雾处理后彩色信息最为丰富，暗通道去雾其次，</a:t>
+            </a:r>
+            <a:r>
+              <a:rPr lang="en-US" altLang="zh-CN" sz="1200" kern="1200" dirty="0" smtClean="0">
+                <a:solidFill>
+                  <a:schemeClr val="tx1"/>
+                </a:solidFill>
+                <a:effectLst/>
+                <a:latin typeface="+mn-lt"/>
+                <a:ea typeface="+mn-ea"/>
+                <a:cs typeface="+mn-cs"/>
+              </a:rPr>
+              <a:t>HE</a:t>
+            </a:r>
+            <a:r>
+              <a:rPr lang="zh-CN" altLang="zh-CN" sz="1200" kern="1200" dirty="0" smtClean="0">
+                <a:solidFill>
+                  <a:schemeClr val="tx1"/>
+                </a:solidFill>
+                <a:effectLst/>
+                <a:latin typeface="+mn-lt"/>
+                <a:ea typeface="+mn-ea"/>
+                <a:cs typeface="+mn-cs"/>
+              </a:rPr>
+              <a:t>去雾处理后彩色信息有部分缺失；在图像整体对比度提高方面，</a:t>
+            </a:r>
+            <a:r>
+              <a:rPr lang="en-US" altLang="zh-CN" sz="1200" kern="1200" dirty="0" smtClean="0">
+                <a:solidFill>
+                  <a:schemeClr val="tx1"/>
+                </a:solidFill>
+                <a:effectLst/>
+                <a:latin typeface="+mn-lt"/>
+                <a:ea typeface="+mn-ea"/>
+                <a:cs typeface="+mn-cs"/>
+              </a:rPr>
+              <a:t>HE</a:t>
+            </a:r>
+            <a:r>
+              <a:rPr lang="zh-CN" altLang="zh-CN" sz="1200" kern="1200" dirty="0" smtClean="0">
+                <a:solidFill>
+                  <a:schemeClr val="tx1"/>
+                </a:solidFill>
+                <a:effectLst/>
+                <a:latin typeface="+mn-lt"/>
+                <a:ea typeface="+mn-ea"/>
+                <a:cs typeface="+mn-cs"/>
+              </a:rPr>
+              <a:t>去雾处理后图像对比度提高最明显，暗通道去雾处理次之，</a:t>
+            </a:r>
+            <a:r>
+              <a:rPr lang="en-US" altLang="zh-CN" sz="1200" kern="1200" dirty="0" smtClean="0">
+                <a:solidFill>
+                  <a:schemeClr val="tx1"/>
+                </a:solidFill>
+                <a:effectLst/>
+                <a:latin typeface="+mn-lt"/>
+                <a:ea typeface="+mn-ea"/>
+                <a:cs typeface="+mn-cs"/>
+              </a:rPr>
+              <a:t>MSRCR</a:t>
+            </a:r>
+            <a:r>
+              <a:rPr lang="zh-CN" altLang="zh-CN" sz="1200" kern="1200" dirty="0" smtClean="0">
+                <a:solidFill>
+                  <a:schemeClr val="tx1"/>
+                </a:solidFill>
+                <a:effectLst/>
+                <a:latin typeface="+mn-lt"/>
+                <a:ea typeface="+mn-ea"/>
+                <a:cs typeface="+mn-cs"/>
+              </a:rPr>
+              <a:t>去雾处理算法在图像对比度提高方面效果最微弱。</a:t>
+            </a:r>
+          </a:p>
+          <a:p>
+            <a:endParaRPr lang="zh-CN" altLang="en-US" dirty="0"/>
+          </a:p>
+        </p:txBody>
+      </p:sp>
+      <p:sp>
+        <p:nvSpPr>
+          <p:cNvPr id="4" name="灯片编号占位符 3"/>
+          <p:cNvSpPr>
+            <a:spLocks noGrp="1"/>
+          </p:cNvSpPr>
+          <p:nvPr>
+            <p:ph type="sldNum" sz="quarter" idx="10"/>
+          </p:nvPr>
+        </p:nvSpPr>
+        <p:spPr/>
+        <p:txBody>
+          <a:bodyPr/>
+          <a:lstStyle/>
+          <a:p>
+            <a:fld id="{D6B3C80A-45EE-4FB3-AF5E-1F2A3F2A99BC}" type="slidenum">
+              <a:rPr lang="zh-CN" altLang="en-US" smtClean="0"/>
+              <a:t>10</a:t>
+            </a:fld>
+            <a:endParaRPr lang="zh-CN" altLang="en-US"/>
+          </a:p>
+        </p:txBody>
+      </p:sp>
+    </p:spTree>
+    <p:extLst>
+      <p:ext uri="{BB962C8B-B14F-4D97-AF65-F5344CB8AC3E}">
+        <p14:creationId xmlns:p14="http://schemas.microsoft.com/office/powerpoint/2010/main" val="1947584688"/>
+      </p:ext>
+    </p:extLst>
+  </p:cSld>
+  <p:clrMapOvr>
+    <a:masterClrMapping/>
+  </p:clrMapOvr>
+</p:notes>
+</file>
+
 <file path=ppt/slideLayouts/slideLayout1.xml><?xml version="1.0" encoding="utf-8"?>
 <p:sldLayout xmlns:a="http://schemas.openxmlformats.org/drawingml/2006/main" xmlns:r="http://schemas.openxmlformats.org/officeDocument/2006/relationships" xmlns:p="http://schemas.openxmlformats.org/presentationml/2006/main" preserve="1" userDrawn="1">
   <p:cSld name="1_标题幻灯片">
@@ -5320,7 +10228,7 @@
                 </a:solidFill>
               </a:rPr>
               <a:pPr/>
-              <a:t>2018/4/6</a:t>
+              <a:t>2018/4/7</a:t>
             </a:fld>
             <a:endParaRPr lang="zh-CN" altLang="en-US">
               <a:solidFill>
@@ -5532,7 +10440,7 @@
                 </a:solidFill>
               </a:rPr>
               <a:pPr/>
-              <a:t>2018/4/6</a:t>
+              <a:t>2018/4/7</a:t>
             </a:fld>
             <a:endParaRPr lang="zh-CN" altLang="en-US">
               <a:solidFill>
@@ -5734,7 +10642,7 @@
                 </a:solidFill>
               </a:rPr>
               <a:pPr/>
-              <a:t>2018/4/6</a:t>
+              <a:t>2018/4/7</a:t>
             </a:fld>
             <a:endParaRPr lang="zh-CN" altLang="en-US">
               <a:solidFill>
@@ -6012,7 +10920,7 @@
                 </a:solidFill>
               </a:rPr>
               <a:pPr/>
-              <a:t>2018/4/6</a:t>
+              <a:t>2018/4/7</a:t>
             </a:fld>
             <a:endParaRPr lang="zh-CN" altLang="en-US">
               <a:solidFill>
@@ -6332,7 +11240,7 @@
                 </a:solidFill>
               </a:rPr>
               <a:pPr/>
-              <a:t>2018/4/6</a:t>
+              <a:t>2018/4/7</a:t>
             </a:fld>
             <a:endParaRPr lang="zh-CN" altLang="en-US">
               <a:solidFill>
@@ -6786,7 +11694,7 @@
                 </a:solidFill>
               </a:rPr>
               <a:pPr/>
-              <a:t>2018/4/6</a:t>
+              <a:t>2018/4/7</a:t>
             </a:fld>
             <a:endParaRPr lang="zh-CN" altLang="en-US">
               <a:solidFill>
@@ -6936,7 +11844,7 @@
                 </a:solidFill>
               </a:rPr>
               <a:pPr/>
-              <a:t>2018/4/6</a:t>
+              <a:t>2018/4/7</a:t>
             </a:fld>
             <a:endParaRPr lang="zh-CN" altLang="en-US">
               <a:solidFill>
@@ -7063,7 +11971,7 @@
                 </a:solidFill>
               </a:rPr>
               <a:pPr/>
-              <a:t>2018/4/6</a:t>
+              <a:t>2018/4/7</a:t>
             </a:fld>
             <a:endParaRPr lang="zh-CN" altLang="en-US">
               <a:solidFill>
@@ -7372,7 +12280,7 @@
                 </a:solidFill>
               </a:rPr>
               <a:pPr/>
-              <a:t>2018/4/6</a:t>
+              <a:t>2018/4/7</a:t>
             </a:fld>
             <a:endParaRPr lang="zh-CN" altLang="en-US">
               <a:solidFill>
@@ -7657,7 +12565,7 @@
                 </a:solidFill>
               </a:rPr>
               <a:pPr/>
-              <a:t>2018/4/6</a:t>
+              <a:t>2018/4/7</a:t>
             </a:fld>
             <a:endParaRPr lang="zh-CN" altLang="en-US">
               <a:solidFill>
@@ -7902,7 +12810,7 @@
                 </a:solidFill>
               </a:rPr>
               <a:pPr/>
-              <a:t>2018/4/6</a:t>
+              <a:t>2018/4/7</a:t>
             </a:fld>
             <a:endParaRPr lang="zh-CN" altLang="en-US">
               <a:solidFill>
@@ -8719,7 +13627,7 @@
           <p:nvPr/>
         </p:nvPicPr>
         <p:blipFill>
-          <a:blip r:embed="rId2" cstate="print">
+          <a:blip r:embed="rId3" cstate="print">
             <a:extLst>
               <a:ext uri="{28A0092B-C50C-407E-A947-70E740481C1C}">
                 <a14:useLocalDpi xmlns:a14="http://schemas.microsoft.com/office/drawing/2010/main" val="0"/>
@@ -8754,7 +13662,7 @@
           <p:nvPr/>
         </p:nvPicPr>
         <p:blipFill>
-          <a:blip r:embed="rId3" cstate="print">
+          <a:blip r:embed="rId4" cstate="print">
             <a:extLst>
               <a:ext uri="{28A0092B-C50C-407E-A947-70E740481C1C}">
                 <a14:useLocalDpi xmlns:a14="http://schemas.microsoft.com/office/drawing/2010/main" val="0"/>
@@ -8789,7 +13697,7 @@
           <p:nvPr/>
         </p:nvPicPr>
         <p:blipFill>
-          <a:blip r:embed="rId4" cstate="print">
+          <a:blip r:embed="rId5" cstate="print">
             <a:extLst>
               <a:ext uri="{28A0092B-C50C-407E-A947-70E740481C1C}">
                 <a14:useLocalDpi xmlns:a14="http://schemas.microsoft.com/office/drawing/2010/main" val="0"/>
@@ -8824,7 +13732,7 @@
           <p:nvPr/>
         </p:nvPicPr>
         <p:blipFill>
-          <a:blip r:embed="rId5" cstate="print">
+          <a:blip r:embed="rId6" cstate="print">
             <a:extLst>
               <a:ext uri="{28A0092B-C50C-407E-A947-70E740481C1C}">
                 <a14:useLocalDpi xmlns:a14="http://schemas.microsoft.com/office/drawing/2010/main" val="0"/>
@@ -9157,7 +14065,7 @@
           <p:nvPr/>
         </p:nvPicPr>
         <p:blipFill>
-          <a:blip r:embed="rId2" cstate="print">
+          <a:blip r:embed="rId3" cstate="print">
             <a:extLst>
               <a:ext uri="{28A0092B-C50C-407E-A947-70E740481C1C}">
                 <a14:useLocalDpi xmlns:a14="http://schemas.microsoft.com/office/drawing/2010/main" val="0"/>
@@ -9192,7 +14100,7 @@
           <p:nvPr/>
         </p:nvPicPr>
         <p:blipFill>
-          <a:blip r:embed="rId3" cstate="print">
+          <a:blip r:embed="rId4" cstate="print">
             <a:extLst>
               <a:ext uri="{28A0092B-C50C-407E-A947-70E740481C1C}">
                 <a14:useLocalDpi xmlns:a14="http://schemas.microsoft.com/office/drawing/2010/main" val="0"/>
@@ -9227,7 +14135,7 @@
           <p:nvPr/>
         </p:nvPicPr>
         <p:blipFill>
-          <a:blip r:embed="rId4" cstate="print">
+          <a:blip r:embed="rId5" cstate="print">
             <a:extLst>
               <a:ext uri="{28A0092B-C50C-407E-A947-70E740481C1C}">
                 <a14:useLocalDpi xmlns:a14="http://schemas.microsoft.com/office/drawing/2010/main" val="0"/>
@@ -9262,7 +14170,7 @@
           <p:nvPr/>
         </p:nvPicPr>
         <p:blipFill>
-          <a:blip r:embed="rId5" cstate="print">
+          <a:blip r:embed="rId6" cstate="print">
             <a:extLst>
               <a:ext uri="{28A0092B-C50C-407E-A947-70E740481C1C}">
                 <a14:useLocalDpi xmlns:a14="http://schemas.microsoft.com/office/drawing/2010/main" val="0"/>
@@ -10874,7 +15782,7 @@
           <p:nvPr/>
         </p:nvPicPr>
         <p:blipFill>
-          <a:blip r:embed="rId2" cstate="print">
+          <a:blip r:embed="rId3" cstate="print">
             <a:extLst>
               <a:ext uri="{28A0092B-C50C-407E-A947-70E740481C1C}">
                 <a14:useLocalDpi xmlns:a14="http://schemas.microsoft.com/office/drawing/2010/main" val="0"/>
@@ -10907,7 +15815,7 @@
           <p:nvPr/>
         </p:nvPicPr>
         <p:blipFill>
-          <a:blip r:embed="rId3" cstate="print">
+          <a:blip r:embed="rId4" cstate="print">
             <a:extLst>
               <a:ext uri="{28A0092B-C50C-407E-A947-70E740481C1C}">
                 <a14:useLocalDpi xmlns:a14="http://schemas.microsoft.com/office/drawing/2010/main" val="0"/>
@@ -10940,7 +15848,7 @@
           <p:nvPr/>
         </p:nvPicPr>
         <p:blipFill>
-          <a:blip r:embed="rId4" cstate="print">
+          <a:blip r:embed="rId5" cstate="print">
             <a:extLst>
               <a:ext uri="{28A0092B-C50C-407E-A947-70E740481C1C}">
                 <a14:useLocalDpi xmlns:a14="http://schemas.microsoft.com/office/drawing/2010/main" val="0"/>
@@ -10973,7 +15881,7 @@
           <p:nvPr/>
         </p:nvPicPr>
         <p:blipFill>
-          <a:blip r:embed="rId5" cstate="print">
+          <a:blip r:embed="rId6" cstate="print">
             <a:extLst>
               <a:ext uri="{28A0092B-C50C-407E-A947-70E740481C1C}">
                 <a14:useLocalDpi xmlns:a14="http://schemas.microsoft.com/office/drawing/2010/main" val="0"/>
@@ -11074,7 +15982,7 @@
           <p:nvPr/>
         </p:nvPicPr>
         <p:blipFill>
-          <a:blip r:embed="rId2">
+          <a:blip r:embed="rId3">
             <a:extLst>
               <a:ext uri="{28A0092B-C50C-407E-A947-70E740481C1C}">
                 <a14:useLocalDpi xmlns:a14="http://schemas.microsoft.com/office/drawing/2010/main" val="0"/>
@@ -11107,7 +16015,7 @@
           <p:nvPr/>
         </p:nvPicPr>
         <p:blipFill>
-          <a:blip r:embed="rId3">
+          <a:blip r:embed="rId4">
             <a:extLst>
               <a:ext uri="{28A0092B-C50C-407E-A947-70E740481C1C}">
                 <a14:useLocalDpi xmlns:a14="http://schemas.microsoft.com/office/drawing/2010/main" val="0"/>
@@ -11140,7 +16048,7 @@
           <p:nvPr/>
         </p:nvPicPr>
         <p:blipFill>
-          <a:blip r:embed="rId4">
+          <a:blip r:embed="rId5">
             <a:extLst>
               <a:ext uri="{28A0092B-C50C-407E-A947-70E740481C1C}">
                 <a14:useLocalDpi xmlns:a14="http://schemas.microsoft.com/office/drawing/2010/main" val="0"/>
@@ -11173,7 +16081,7 @@
           <p:nvPr/>
         </p:nvPicPr>
         <p:blipFill>
-          <a:blip r:embed="rId5">
+          <a:blip r:embed="rId6">
             <a:extLst>
               <a:ext uri="{28A0092B-C50C-407E-A947-70E740481C1C}">
                 <a14:useLocalDpi xmlns:a14="http://schemas.microsoft.com/office/drawing/2010/main" val="0"/>
@@ -11845,46 +16753,187 @@
           </a:p>
         </p:txBody>
       </p:sp>
+      <p:graphicFrame>
+        <p:nvGraphicFramePr>
+          <p:cNvPr id="5" name="对象 4"/>
+          <p:cNvGraphicFramePr>
+            <a:graphicFrameLocks noChangeAspect="1"/>
+          </p:cNvGraphicFramePr>
+          <p:nvPr>
+            <p:extLst>
+              <p:ext uri="{D42A27DB-BD31-4B8C-83A1-F6EECF244321}">
+                <p14:modId xmlns:p14="http://schemas.microsoft.com/office/powerpoint/2010/main" val="1499039241"/>
+              </p:ext>
+            </p:extLst>
+          </p:nvPr>
+        </p:nvGraphicFramePr>
+        <p:xfrm>
+          <a:off x="2742769" y="1850869"/>
+          <a:ext cx="7407853" cy="4332391"/>
+        </p:xfrm>
+        <a:graphic>
+          <a:graphicData uri="http://schemas.openxmlformats.org/presentationml/2006/ole">
+            <mc:AlternateContent xmlns:mc="http://schemas.openxmlformats.org/markup-compatibility/2006">
+              <mc:Choice xmlns:v="urn:schemas-microsoft-com:vml" Requires="v">
+                <p:oleObj spid="_x0000_s12358" name="文档" r:id="rId4" imgW="5305693" imgH="3086383" progId="Word.Document.12">
+                  <p:embed/>
+                </p:oleObj>
+              </mc:Choice>
+              <mc:Fallback>
+                <p:oleObj name="文档" r:id="rId4" imgW="5305693" imgH="3086383" progId="Word.Document.12">
+                  <p:embed/>
+                  <p:pic>
+                    <p:nvPicPr>
+                      <p:cNvPr id="0" name="Object 1"/>
+                      <p:cNvPicPr>
+                        <a:picLocks noChangeAspect="1" noChangeArrowheads="1"/>
+                      </p:cNvPicPr>
+                      <p:nvPr/>
+                    </p:nvPicPr>
+                    <p:blipFill>
+                      <a:blip r:embed="rId5">
+                        <a:extLst>
+                          <a:ext uri="{28A0092B-C50C-407E-A947-70E740481C1C}">
+                            <a14:useLocalDpi xmlns:a14="http://schemas.microsoft.com/office/drawing/2010/main" val="0"/>
+                          </a:ext>
+                        </a:extLst>
+                      </a:blip>
+                      <a:srcRect/>
+                      <a:stretch>
+                        <a:fillRect/>
+                      </a:stretch>
+                    </p:blipFill>
+                    <p:spPr bwMode="auto">
+                      <a:xfrm>
+                        <a:off x="2742769" y="1850869"/>
+                        <a:ext cx="7407853" cy="4332391"/>
+                      </a:xfrm>
+                      <a:prstGeom prst="rect">
+                        <a:avLst/>
+                      </a:prstGeom>
+                      <a:noFill/>
+                    </p:spPr>
+                  </p:pic>
+                </p:oleObj>
+              </mc:Fallback>
+            </mc:AlternateContent>
+          </a:graphicData>
+        </a:graphic>
+      </p:graphicFrame>
+      <p:graphicFrame>
+        <p:nvGraphicFramePr>
+          <p:cNvPr id="6" name="对象 5"/>
+          <p:cNvGraphicFramePr>
+            <a:graphicFrameLocks noChangeAspect="1"/>
+          </p:cNvGraphicFramePr>
+          <p:nvPr>
+            <p:extLst>
+              <p:ext uri="{D42A27DB-BD31-4B8C-83A1-F6EECF244321}">
+                <p14:modId xmlns:p14="http://schemas.microsoft.com/office/powerpoint/2010/main" val="4207151932"/>
+              </p:ext>
+            </p:extLst>
+          </p:nvPr>
+        </p:nvGraphicFramePr>
+        <p:xfrm>
+          <a:off x="597402" y="2703043"/>
+          <a:ext cx="9670459" cy="2982912"/>
+        </p:xfrm>
+        <a:graphic>
+          <a:graphicData uri="http://schemas.openxmlformats.org/presentationml/2006/ole">
+            <mc:AlternateContent xmlns:mc="http://schemas.openxmlformats.org/markup-compatibility/2006">
+              <mc:Choice xmlns:v="urn:schemas-microsoft-com:vml" Requires="v">
+                <p:oleObj spid="_x0000_s12359" name="文档" r:id="rId6" imgW="5274753" imgH="1627618" progId="Word.Document.12">
+                  <p:embed/>
+                </p:oleObj>
+              </mc:Choice>
+              <mc:Fallback>
+                <p:oleObj name="文档" r:id="rId6" imgW="5274753" imgH="1627618" progId="Word.Document.12">
+                  <p:embed/>
+                  <p:pic>
+                    <p:nvPicPr>
+                      <p:cNvPr id="0" name=""/>
+                      <p:cNvPicPr/>
+                      <p:nvPr/>
+                    </p:nvPicPr>
+                    <p:blipFill>
+                      <a:blip r:embed="rId7"/>
+                      <a:stretch>
+                        <a:fillRect/>
+                      </a:stretch>
+                    </p:blipFill>
+                    <p:spPr>
+                      <a:xfrm>
+                        <a:off x="597402" y="2703043"/>
+                        <a:ext cx="9670459" cy="2982912"/>
+                      </a:xfrm>
+                      <a:prstGeom prst="rect">
+                        <a:avLst/>
+                      </a:prstGeom>
+                    </p:spPr>
+                  </p:pic>
+                </p:oleObj>
+              </mc:Fallback>
+            </mc:AlternateContent>
+          </a:graphicData>
+        </a:graphic>
+      </p:graphicFrame>
       <p:sp>
         <p:nvSpPr>
-          <p:cNvPr id="3" name="矩形 2"/>
-          <p:cNvSpPr/>
+          <p:cNvPr id="7" name="文本框 6"/>
+          <p:cNvSpPr txBox="1"/>
           <p:nvPr/>
         </p:nvSpPr>
         <p:spPr>
           <a:xfrm>
-            <a:off x="3018566" y="2422539"/>
-            <a:ext cx="2295661" cy="430887"/>
+            <a:off x="1647177" y="5685955"/>
+            <a:ext cx="1956706" cy="369332"/>
           </a:xfrm>
           <a:prstGeom prst="rect">
             <a:avLst/>
           </a:prstGeom>
+          <a:noFill/>
         </p:spPr>
         <p:txBody>
-          <a:bodyPr wrap="square">
+          <a:bodyPr wrap="square" rtlCol="0">
             <a:spAutoFit/>
           </a:bodyPr>
           <a:lstStyle/>
           <a:p>
-            <a:pPr indent="457200" algn="just"/>
-            <a:r>
-              <a:rPr lang="zh-CN" altLang="en-US" sz="2200" dirty="0" smtClean="0">
-                <a:latin typeface="微软雅黑 Light" panose="020B0502040204020203" pitchFamily="34" charset="-122"/>
-                <a:ea typeface="微软雅黑 Light" panose="020B0502040204020203" pitchFamily="34" charset="-122"/>
-              </a:rPr>
-              <a:t>如何介绍</a:t>
-            </a:r>
-            <a:r>
-              <a:rPr lang="en-US" altLang="zh-CN" sz="2200" dirty="0" smtClean="0">
-                <a:latin typeface="微软雅黑 Light" panose="020B0502040204020203" pitchFamily="34" charset="-122"/>
-                <a:ea typeface="微软雅黑 Light" panose="020B0502040204020203" pitchFamily="34" charset="-122"/>
-              </a:rPr>
-              <a:t>vibe</a:t>
-            </a:r>
-            <a:endParaRPr lang="zh-CN" altLang="en-US" sz="2200" dirty="0">
-              <a:latin typeface="微软雅黑 Light" panose="020B0502040204020203" pitchFamily="34" charset="-122"/>
-              <a:ea typeface="微软雅黑 Light" panose="020B0502040204020203" pitchFamily="34" charset="-122"/>
-            </a:endParaRPr>
+            <a:r>
+              <a:rPr lang="zh-CN" altLang="en-US" dirty="0" smtClean="0"/>
+              <a:t>邻域</a:t>
+            </a:r>
+            <a:endParaRPr lang="zh-CN" altLang="en-US" dirty="0"/>
+          </a:p>
+        </p:txBody>
+      </p:sp>
+      <p:sp>
+        <p:nvSpPr>
+          <p:cNvPr id="8" name="文本框 7"/>
+          <p:cNvSpPr txBox="1"/>
+          <p:nvPr/>
+        </p:nvSpPr>
+        <p:spPr>
+          <a:xfrm>
+            <a:off x="6112043" y="6183260"/>
+            <a:ext cx="2791326" cy="369332"/>
+          </a:xfrm>
+          <a:prstGeom prst="rect">
+            <a:avLst/>
+          </a:prstGeom>
+          <a:noFill/>
+        </p:spPr>
+        <p:txBody>
+          <a:bodyPr wrap="square" rtlCol="0">
+            <a:spAutoFit/>
+          </a:bodyPr>
+          <a:lstStyle/>
+          <a:p>
+            <a:r>
+              <a:rPr lang="zh-CN" altLang="en-US" dirty="0" smtClean="0"/>
+              <a:t>运动判断</a:t>
+            </a:r>
+            <a:endParaRPr lang="zh-CN" altLang="en-US" dirty="0"/>
           </a:p>
         </p:txBody>
       </p:sp>
@@ -11961,13 +17010,13 @@
           <p:nvPr>
             <p:extLst>
               <p:ext uri="{D42A27DB-BD31-4B8C-83A1-F6EECF244321}">
-                <p14:modId xmlns:p14="http://schemas.microsoft.com/office/powerpoint/2010/main" val="1104808588"/>
+                <p14:modId xmlns:p14="http://schemas.microsoft.com/office/powerpoint/2010/main" val="218486366"/>
               </p:ext>
             </p:extLst>
           </p:nvPr>
         </p:nvGraphicFramePr>
         <p:xfrm>
-          <a:off x="1692929" y="4296507"/>
+          <a:off x="1750079" y="4296507"/>
           <a:ext cx="6162856" cy="1718468"/>
         </p:xfrm>
         <a:graphic>
@@ -12285,7 +17334,7 @@
           <p:nvPr/>
         </p:nvPicPr>
         <p:blipFill>
-          <a:blip r:embed="rId2">
+          <a:blip r:embed="rId3">
             <a:extLst>
               <a:ext uri="{28A0092B-C50C-407E-A947-70E740481C1C}">
                 <a14:useLocalDpi xmlns:a14="http://schemas.microsoft.com/office/drawing/2010/main" val="0"/>
@@ -12320,7 +17369,7 @@
           <p:nvPr/>
         </p:nvPicPr>
         <p:blipFill>
-          <a:blip r:embed="rId3">
+          <a:blip r:embed="rId4">
             <a:extLst>
               <a:ext uri="{28A0092B-C50C-407E-A947-70E740481C1C}">
                 <a14:useLocalDpi xmlns:a14="http://schemas.microsoft.com/office/drawing/2010/main" val="0"/>
@@ -12419,7 +17468,7 @@
         <p:spPr>
           <a:xfrm>
             <a:off x="647564" y="1959249"/>
-            <a:ext cx="7848872" cy="769441"/>
+            <a:ext cx="7848872" cy="430887"/>
           </a:xfrm>
           <a:prstGeom prst="rect">
             <a:avLst/>
@@ -12437,29 +17486,16 @@
                 <a:latin typeface="微软雅黑 Light" panose="020B0502040204020203" pitchFamily="34" charset="-122"/>
                 <a:ea typeface="微软雅黑 Light" panose="020B0502040204020203" pitchFamily="34" charset="-122"/>
               </a:rPr>
-              <a:t>引入开关变量提高算法速度：</a:t>
-            </a:r>
-            <a:endParaRPr lang="en-US" altLang="zh-CN" sz="2200" dirty="0" smtClean="0">
-              <a:latin typeface="微软雅黑 Light" panose="020B0502040204020203" pitchFamily="34" charset="-122"/>
-              <a:ea typeface="微软雅黑 Light" panose="020B0502040204020203" pitchFamily="34" charset="-122"/>
-            </a:endParaRPr>
-          </a:p>
-          <a:p>
-            <a:pPr indent="457200" algn="just"/>
+              <a:t>引入开关变量提高算法</a:t>
+            </a:r>
             <a:r>
               <a:rPr lang="zh-CN" altLang="en-US" sz="2200" dirty="0" smtClean="0">
-                <a:solidFill>
-                  <a:schemeClr val="accent2"/>
-                </a:solidFill>
                 <a:latin typeface="微软雅黑 Light" panose="020B0502040204020203" pitchFamily="34" charset="-122"/>
                 <a:ea typeface="微软雅黑 Light" panose="020B0502040204020203" pitchFamily="34" charset="-122"/>
               </a:rPr>
-              <a:t>所以，需要选择这样的方案。</a:t>
-            </a:r>
-            <a:endParaRPr lang="zh-CN" altLang="en-US" sz="2200" dirty="0">
-              <a:solidFill>
-                <a:schemeClr val="accent2"/>
-              </a:solidFill>
+              <a:t>速度</a:t>
+            </a:r>
+            <a:endParaRPr lang="en-US" altLang="zh-CN" sz="2200" dirty="0" smtClean="0">
               <a:latin typeface="微软雅黑 Light" panose="020B0502040204020203" pitchFamily="34" charset="-122"/>
               <a:ea typeface="微软雅黑 Light" panose="020B0502040204020203" pitchFamily="34" charset="-122"/>
             </a:endParaRPr>
@@ -12705,7 +17741,7 @@
         <p:spPr>
           <a:xfrm>
             <a:off x="647564" y="4416222"/>
-            <a:ext cx="7848872" cy="1446550"/>
+            <a:ext cx="7848872" cy="769441"/>
           </a:xfrm>
           <a:prstGeom prst="rect">
             <a:avLst/>
@@ -12723,7 +17759,14 @@
                 <a:latin typeface="微软雅黑 Light" panose="020B0502040204020203" pitchFamily="34" charset="-122"/>
                 <a:ea typeface="微软雅黑 Light" panose="020B0502040204020203" pitchFamily="34" charset="-122"/>
               </a:rPr>
-              <a:t>引入场景变换检测与快速跟新策略：</a:t>
+              <a:t>引入场景变换检测与快速跟新</a:t>
+            </a:r>
+            <a:r>
+              <a:rPr lang="zh-CN" altLang="en-US" sz="2200" dirty="0" smtClean="0">
+                <a:latin typeface="微软雅黑 Light" panose="020B0502040204020203" pitchFamily="34" charset="-122"/>
+                <a:ea typeface="微软雅黑 Light" panose="020B0502040204020203" pitchFamily="34" charset="-122"/>
+              </a:rPr>
+              <a:t>策略</a:t>
             </a:r>
             <a:endParaRPr lang="en-US" altLang="zh-CN" sz="2200" dirty="0" smtClean="0">
               <a:latin typeface="微软雅黑 Light" panose="020B0502040204020203" pitchFamily="34" charset="-122"/>
@@ -12733,33 +17776,6 @@
           <a:p>
             <a:pPr indent="457200" algn="just"/>
             <a:endParaRPr lang="en-US" altLang="zh-CN" sz="2200" dirty="0" smtClean="0">
-              <a:latin typeface="微软雅黑 Light" panose="020B0502040204020203" pitchFamily="34" charset="-122"/>
-              <a:ea typeface="微软雅黑 Light" panose="020B0502040204020203" pitchFamily="34" charset="-122"/>
-            </a:endParaRPr>
-          </a:p>
-          <a:p>
-            <a:pPr indent="457200" algn="just"/>
-            <a:endParaRPr lang="en-US" altLang="zh-CN" sz="2200" dirty="0">
-              <a:latin typeface="微软雅黑 Light" panose="020B0502040204020203" pitchFamily="34" charset="-122"/>
-              <a:ea typeface="微软雅黑 Light" panose="020B0502040204020203" pitchFamily="34" charset="-122"/>
-            </a:endParaRPr>
-          </a:p>
-          <a:p>
-            <a:pPr indent="457200" algn="just"/>
-            <a:r>
-              <a:rPr lang="zh-CN" altLang="en-US" sz="2200" dirty="0" smtClean="0">
-                <a:solidFill>
-                  <a:schemeClr val="accent2"/>
-                </a:solidFill>
-                <a:latin typeface="微软雅黑 Light" panose="020B0502040204020203" pitchFamily="34" charset="-122"/>
-                <a:ea typeface="微软雅黑 Light" panose="020B0502040204020203" pitchFamily="34" charset="-122"/>
-              </a:rPr>
-              <a:t>所以，需要选择这样的方案。</a:t>
-            </a:r>
-            <a:endParaRPr lang="zh-CN" altLang="en-US" sz="2200" dirty="0">
-              <a:solidFill>
-                <a:schemeClr val="accent2"/>
-              </a:solidFill>
               <a:latin typeface="微软雅黑 Light" panose="020B0502040204020203" pitchFamily="34" charset="-122"/>
               <a:ea typeface="微软雅黑 Light" panose="020B0502040204020203" pitchFamily="34" charset="-122"/>
             </a:endParaRPr>
@@ -12941,12 +17957,12 @@
           <a:graphicData uri="http://schemas.openxmlformats.org/presentationml/2006/ole">
             <mc:AlternateContent xmlns:mc="http://schemas.openxmlformats.org/markup-compatibility/2006">
               <mc:Choice xmlns:v="urn:schemas-microsoft-com:vml" Requires="v">
-                <p:oleObj spid="_x0000_s3127" name="Equation" r:id="rId3" imgW="622080" imgH="393480" progId="Equation.DSMT4">
+                <p:oleObj spid="_x0000_s3164" name="Equation" r:id="rId4" imgW="622080" imgH="393480" progId="Equation.DSMT4">
                   <p:embed/>
                 </p:oleObj>
               </mc:Choice>
               <mc:Fallback>
-                <p:oleObj name="Equation" r:id="rId3" imgW="622080" imgH="393480" progId="Equation.DSMT4">
+                <p:oleObj name="Equation" r:id="rId4" imgW="622080" imgH="393480" progId="Equation.DSMT4">
                   <p:embed/>
                   <p:pic>
                     <p:nvPicPr>
@@ -12957,7 +17973,7 @@
                       <p:nvPr/>
                     </p:nvPicPr>
                     <p:blipFill>
-                      <a:blip r:embed="rId4"/>
+                      <a:blip r:embed="rId5"/>
                       <a:srcRect/>
                       <a:stretch>
                         <a:fillRect/>
@@ -15068,7 +20084,7 @@
           <p:nvPr/>
         </p:nvPicPr>
         <p:blipFill>
-          <a:blip r:embed="rId2">
+          <a:blip r:embed="rId3">
             <a:extLst>
               <a:ext uri="{28A0092B-C50C-407E-A947-70E740481C1C}">
                 <a14:useLocalDpi xmlns:a14="http://schemas.microsoft.com/office/drawing/2010/main" val="0"/>
@@ -15101,7 +20117,7 @@
           <p:nvPr/>
         </p:nvPicPr>
         <p:blipFill>
-          <a:blip r:embed="rId3">
+          <a:blip r:embed="rId4">
             <a:extLst>
               <a:ext uri="{28A0092B-C50C-407E-A947-70E740481C1C}">
                 <a14:useLocalDpi xmlns:a14="http://schemas.microsoft.com/office/drawing/2010/main" val="0"/>
@@ -15134,7 +20150,7 @@
           <p:nvPr/>
         </p:nvPicPr>
         <p:blipFill>
-          <a:blip r:embed="rId4">
+          <a:blip r:embed="rId5">
             <a:extLst>
               <a:ext uri="{28A0092B-C50C-407E-A947-70E740481C1C}">
                 <a14:useLocalDpi xmlns:a14="http://schemas.microsoft.com/office/drawing/2010/main" val="0"/>
@@ -15167,7 +20183,7 @@
           <p:nvPr/>
         </p:nvPicPr>
         <p:blipFill>
-          <a:blip r:embed="rId5">
+          <a:blip r:embed="rId6">
             <a:extLst>
               <a:ext uri="{28A0092B-C50C-407E-A947-70E740481C1C}">
                 <a14:useLocalDpi xmlns:a14="http://schemas.microsoft.com/office/drawing/2010/main" val="0"/>
@@ -15200,7 +20216,7 @@
           <p:nvPr/>
         </p:nvPicPr>
         <p:blipFill>
-          <a:blip r:embed="rId6">
+          <a:blip r:embed="rId7">
             <a:extLst>
               <a:ext uri="{28A0092B-C50C-407E-A947-70E740481C1C}">
                 <a14:useLocalDpi xmlns:a14="http://schemas.microsoft.com/office/drawing/2010/main" val="0"/>
@@ -15233,7 +20249,7 @@
           <p:nvPr/>
         </p:nvPicPr>
         <p:blipFill>
-          <a:blip r:embed="rId7">
+          <a:blip r:embed="rId8">
             <a:extLst>
               <a:ext uri="{28A0092B-C50C-407E-A947-70E740481C1C}">
                 <a14:useLocalDpi xmlns:a14="http://schemas.microsoft.com/office/drawing/2010/main" val="0"/>
@@ -16296,7 +21312,7 @@
           <p:nvPr/>
         </p:nvPicPr>
         <p:blipFill>
-          <a:blip r:embed="rId3">
+          <a:blip r:embed="rId4">
             <a:extLst>
               <a:ext uri="{28A0092B-C50C-407E-A947-70E740481C1C}">
                 <a14:useLocalDpi xmlns:a14="http://schemas.microsoft.com/office/drawing/2010/main" val="0"/>
@@ -16329,7 +21345,7 @@
           <p:nvPr/>
         </p:nvPicPr>
         <p:blipFill>
-          <a:blip r:embed="rId4">
+          <a:blip r:embed="rId5">
             <a:extLst>
               <a:ext uri="{28A0092B-C50C-407E-A947-70E740481C1C}">
                 <a14:useLocalDpi xmlns:a14="http://schemas.microsoft.com/office/drawing/2010/main" val="0"/>
@@ -16362,7 +21378,7 @@
           <p:nvPr/>
         </p:nvPicPr>
         <p:blipFill>
-          <a:blip r:embed="rId5">
+          <a:blip r:embed="rId6">
             <a:extLst>
               <a:ext uri="{28A0092B-C50C-407E-A947-70E740481C1C}">
                 <a14:useLocalDpi xmlns:a14="http://schemas.microsoft.com/office/drawing/2010/main" val="0"/>
@@ -16473,12 +21489,12 @@
           <a:graphicData uri="http://schemas.openxmlformats.org/presentationml/2006/ole">
             <mc:AlternateContent xmlns:mc="http://schemas.openxmlformats.org/markup-compatibility/2006">
               <mc:Choice xmlns:v="urn:schemas-microsoft-com:vml" Requires="v">
-                <p:oleObj spid="_x0000_s4127" name="Equation" r:id="rId6" imgW="469900" imgH="419100" progId="Equation.DSMT4">
+                <p:oleObj spid="_x0000_s4164" name="Equation" r:id="rId7" imgW="469900" imgH="419100" progId="Equation.DSMT4">
                   <p:embed/>
                 </p:oleObj>
               </mc:Choice>
               <mc:Fallback>
-                <p:oleObj name="Equation" r:id="rId6" imgW="469900" imgH="419100" progId="Equation.DSMT4">
+                <p:oleObj name="Equation" r:id="rId7" imgW="469900" imgH="419100" progId="Equation.DSMT4">
                   <p:embed/>
                   <p:pic>
                     <p:nvPicPr>
@@ -16489,7 +21505,7 @@
                       <p:nvPr/>
                     </p:nvPicPr>
                     <p:blipFill>
-                      <a:blip r:embed="rId7">
+                      <a:blip r:embed="rId8">
                         <a:extLst>
                           <a:ext uri="{28A0092B-C50C-407E-A947-70E740481C1C}">
                             <a14:useLocalDpi xmlns:a14="http://schemas.microsoft.com/office/drawing/2010/main" val="0"/>
@@ -16734,12 +21750,12 @@
           <a:graphicData uri="http://schemas.openxmlformats.org/presentationml/2006/ole">
             <mc:AlternateContent xmlns:mc="http://schemas.openxmlformats.org/markup-compatibility/2006">
               <mc:Choice xmlns:v="urn:schemas-microsoft-com:vml" Requires="v">
-                <p:oleObj spid="_x0000_s5150" name="文档" r:id="rId3" imgW="5305693" imgH="2366719" progId="Word.Document.12">
+                <p:oleObj spid="_x0000_s5187" name="文档" r:id="rId4" imgW="5305693" imgH="2366719" progId="Word.Document.12">
                   <p:embed/>
                 </p:oleObj>
               </mc:Choice>
               <mc:Fallback>
-                <p:oleObj name="文档" r:id="rId3" imgW="5305693" imgH="2366719" progId="Word.Document.12">
+                <p:oleObj name="文档" r:id="rId4" imgW="5305693" imgH="2366719" progId="Word.Document.12">
                   <p:embed/>
                   <p:pic>
                     <p:nvPicPr>
@@ -16750,7 +21766,7 @@
                       <p:nvPr/>
                     </p:nvPicPr>
                     <p:blipFill>
-                      <a:blip r:embed="rId4">
+                      <a:blip r:embed="rId5">
                         <a:extLst>
                           <a:ext uri="{28A0092B-C50C-407E-A947-70E740481C1C}">
                             <a14:useLocalDpi xmlns:a14="http://schemas.microsoft.com/office/drawing/2010/main" val="0"/>
@@ -16980,7 +21996,7 @@
           <p:nvPr/>
         </p:nvPicPr>
         <p:blipFill>
-          <a:blip r:embed="rId2">
+          <a:blip r:embed="rId3">
             <a:extLst>
               <a:ext uri="{28A0092B-C50C-407E-A947-70E740481C1C}">
                 <a14:useLocalDpi xmlns:a14="http://schemas.microsoft.com/office/drawing/2010/main" val="0"/>
@@ -17013,7 +22029,7 @@
           <p:nvPr/>
         </p:nvPicPr>
         <p:blipFill>
-          <a:blip r:embed="rId3">
+          <a:blip r:embed="rId4">
             <a:extLst>
               <a:ext uri="{28A0092B-C50C-407E-A947-70E740481C1C}">
                 <a14:useLocalDpi xmlns:a14="http://schemas.microsoft.com/office/drawing/2010/main" val="0"/>
@@ -17046,7 +22062,7 @@
           <p:nvPr/>
         </p:nvPicPr>
         <p:blipFill>
-          <a:blip r:embed="rId4">
+          <a:blip r:embed="rId5">
             <a:extLst>
               <a:ext uri="{28A0092B-C50C-407E-A947-70E740481C1C}">
                 <a14:useLocalDpi xmlns:a14="http://schemas.microsoft.com/office/drawing/2010/main" val="0"/>
@@ -17079,7 +22095,7 @@
           <p:nvPr/>
         </p:nvPicPr>
         <p:blipFill>
-          <a:blip r:embed="rId5">
+          <a:blip r:embed="rId6">
             <a:extLst>
               <a:ext uri="{28A0092B-C50C-407E-A947-70E740481C1C}">
                 <a14:useLocalDpi xmlns:a14="http://schemas.microsoft.com/office/drawing/2010/main" val="0"/>
@@ -17112,7 +22128,7 @@
           <p:nvPr/>
         </p:nvPicPr>
         <p:blipFill>
-          <a:blip r:embed="rId6">
+          <a:blip r:embed="rId7">
             <a:extLst>
               <a:ext uri="{28A0092B-C50C-407E-A947-70E740481C1C}">
                 <a14:useLocalDpi xmlns:a14="http://schemas.microsoft.com/office/drawing/2010/main" val="0"/>
@@ -17145,7 +22161,7 @@
           <p:nvPr/>
         </p:nvPicPr>
         <p:blipFill>
-          <a:blip r:embed="rId7">
+          <a:blip r:embed="rId8">
             <a:extLst>
               <a:ext uri="{28A0092B-C50C-407E-A947-70E740481C1C}">
                 <a14:useLocalDpi xmlns:a14="http://schemas.microsoft.com/office/drawing/2010/main" val="0"/>
@@ -17320,7 +22336,7 @@
         </p:xfrm>
         <a:graphic>
           <a:graphicData uri="http://schemas.openxmlformats.org/drawingml/2006/chart">
-            <c:chart xmlns:c="http://schemas.openxmlformats.org/drawingml/2006/chart" xmlns:r="http://schemas.openxmlformats.org/officeDocument/2006/relationships" r:id="rId2"/>
+            <c:chart xmlns:c="http://schemas.openxmlformats.org/drawingml/2006/chart" xmlns:r="http://schemas.openxmlformats.org/officeDocument/2006/relationships" r:id="rId3"/>
           </a:graphicData>
         </a:graphic>
       </p:graphicFrame>
@@ -17342,7 +22358,7 @@
         </p:xfrm>
         <a:graphic>
           <a:graphicData uri="http://schemas.openxmlformats.org/drawingml/2006/chart">
-            <c:chart xmlns:c="http://schemas.openxmlformats.org/drawingml/2006/chart" xmlns:r="http://schemas.openxmlformats.org/officeDocument/2006/relationships" r:id="rId3"/>
+            <c:chart xmlns:c="http://schemas.openxmlformats.org/drawingml/2006/chart" xmlns:r="http://schemas.openxmlformats.org/officeDocument/2006/relationships" r:id="rId4"/>
           </a:graphicData>
         </a:graphic>
       </p:graphicFrame>
@@ -18079,12 +23095,12 @@
           <a:graphicData uri="http://schemas.openxmlformats.org/presentationml/2006/ole">
             <mc:AlternateContent xmlns:mc="http://schemas.openxmlformats.org/markup-compatibility/2006">
               <mc:Choice xmlns:v="urn:schemas-microsoft-com:vml" Requires="v">
-                <p:oleObj spid="_x0000_s10258" name="Visio" r:id="rId3" imgW="5781743" imgH="4791165" progId="Visio.Drawing.15">
+                <p:oleObj spid="_x0000_s10295" name="Visio" r:id="rId4" imgW="5781743" imgH="4791165" progId="Visio.Drawing.15">
                   <p:embed/>
                 </p:oleObj>
               </mc:Choice>
               <mc:Fallback>
-                <p:oleObj name="Visio" r:id="rId3" imgW="5781743" imgH="4791165" progId="Visio.Drawing.15">
+                <p:oleObj name="Visio" r:id="rId4" imgW="5781743" imgH="4791165" progId="Visio.Drawing.15">
                   <p:embed/>
                   <p:pic>
                     <p:nvPicPr>
@@ -18095,7 +23111,7 @@
                       <p:nvPr/>
                     </p:nvPicPr>
                     <p:blipFill>
-                      <a:blip r:embed="rId4">
+                      <a:blip r:embed="rId5">
                         <a:extLst>
                           <a:ext uri="{28A0092B-C50C-407E-A947-70E740481C1C}">
                             <a14:useLocalDpi xmlns:a14="http://schemas.microsoft.com/office/drawing/2010/main" val="0"/>
@@ -18781,7 +23797,7 @@
           <a:graphicData uri="http://schemas.openxmlformats.org/presentationml/2006/ole">
             <mc:AlternateContent xmlns:mc="http://schemas.openxmlformats.org/markup-compatibility/2006">
               <mc:Choice xmlns:v="urn:schemas-microsoft-com:vml" Requires="v">
-                <p:oleObj spid="_x0000_s11293" name="Equation" r:id="rId3" imgW="1841500" imgH="419100" progId="Equation.DSMT4">
+                <p:oleObj spid="_x0000_s11367" name="Equation" r:id="rId3" imgW="1841500" imgH="419100" progId="Equation.DSMT4">
                   <p:embed/>
                 </p:oleObj>
               </mc:Choice>
@@ -18848,7 +23864,7 @@
           <a:graphicData uri="http://schemas.openxmlformats.org/presentationml/2006/ole">
             <mc:AlternateContent xmlns:mc="http://schemas.openxmlformats.org/markup-compatibility/2006">
               <mc:Choice xmlns:v="urn:schemas-microsoft-com:vml" Requires="v">
-                <p:oleObj spid="_x0000_s11294" name="Equation" r:id="rId5" imgW="1841500" imgH="419100" progId="Equation.DSMT4">
+                <p:oleObj spid="_x0000_s11368" name="Equation" r:id="rId5" imgW="1841500" imgH="419100" progId="Equation.DSMT4">
                   <p:embed/>
                 </p:oleObj>
               </mc:Choice>
@@ -20300,9 +25316,6 @@
               </a:rPr>
               <a:t>白天检测烟雾，晚上？</a:t>
             </a:r>
-            <a:endParaRPr lang="zh-CN" altLang="en-US" sz="2000" dirty="0" smtClean="0">
-              <a:latin typeface="+mn-ea"/>
-            </a:endParaRPr>
           </a:p>
         </p:txBody>
       </p:sp>
@@ -20340,9 +25353,6 @@
               </a:rPr>
               <a:t>预警的同时给出火灾地点</a:t>
             </a:r>
-            <a:endParaRPr lang="zh-CN" altLang="en-US" sz="2000" dirty="0" smtClean="0">
-              <a:latin typeface="+mn-ea"/>
-            </a:endParaRPr>
           </a:p>
         </p:txBody>
       </p:sp>
@@ -20437,9 +25447,6 @@
               </a:rPr>
               <a:t>在进行有无烟雾的识别基础上判断火灾程度</a:t>
             </a:r>
-            <a:endParaRPr lang="zh-CN" altLang="en-US" sz="2000" dirty="0" smtClean="0">
-              <a:latin typeface="+mn-ea"/>
-            </a:endParaRPr>
           </a:p>
         </p:txBody>
       </p:sp>
@@ -20548,7 +25555,25 @@
                 </a:solidFill>
                 <a:latin typeface="+mn-ea"/>
               </a:rPr>
-              <a:t>感谢我的老师路小波教授</a:t>
+              <a:t>感谢我</a:t>
+            </a:r>
+            <a:r>
+              <a:rPr lang="zh-CN" altLang="en-US" sz="2800" dirty="0" smtClean="0">
+                <a:solidFill>
+                  <a:schemeClr val="accent2"/>
+                </a:solidFill>
+                <a:latin typeface="+mn-ea"/>
+              </a:rPr>
+              <a:t>的导师路小波</a:t>
+            </a:r>
+            <a:r>
+              <a:rPr lang="zh-CN" altLang="en-US" sz="2800" dirty="0" smtClean="0">
+                <a:solidFill>
+                  <a:schemeClr val="accent2"/>
+                </a:solidFill>
+                <a:latin typeface="+mn-ea"/>
+              </a:rPr>
+              <a:t>教授</a:t>
             </a:r>
             <a:endParaRPr lang="zh-CN" altLang="en-US" sz="2800" dirty="0">
               <a:solidFill>
@@ -21260,7 +26285,7 @@
           <p:nvPr/>
         </p:nvPicPr>
         <p:blipFill>
-          <a:blip r:embed="rId2">
+          <a:blip r:embed="rId3">
             <a:extLst>
               <a:ext uri="{28A0092B-C50C-407E-A947-70E740481C1C}">
                 <a14:useLocalDpi xmlns:a14="http://schemas.microsoft.com/office/drawing/2010/main" val="0"/>
@@ -21290,7 +26315,7 @@
           <p:nvPr/>
         </p:nvPicPr>
         <p:blipFill>
-          <a:blip r:embed="rId3">
+          <a:blip r:embed="rId4">
             <a:extLst>
               <a:ext uri="{28A0092B-C50C-407E-A947-70E740481C1C}">
                 <a14:useLocalDpi xmlns:a14="http://schemas.microsoft.com/office/drawing/2010/main" val="0"/>
@@ -22288,7 +27313,7 @@
           <p:nvPr/>
         </p:nvPicPr>
         <p:blipFill rotWithShape="1">
-          <a:blip r:embed="rId2">
+          <a:blip r:embed="rId3">
             <a:extLst>
               <a:ext uri="{28A0092B-C50C-407E-A947-70E740481C1C}">
                 <a14:useLocalDpi xmlns:a14="http://schemas.microsoft.com/office/drawing/2010/main" val="0"/>
@@ -22317,7 +27342,7 @@
           <p:nvPr/>
         </p:nvPicPr>
         <p:blipFill>
-          <a:blip r:embed="rId3">
+          <a:blip r:embed="rId4">
             <a:extLst>
               <a:ext uri="{28A0092B-C50C-407E-A947-70E740481C1C}">
                 <a14:useLocalDpi xmlns:a14="http://schemas.microsoft.com/office/drawing/2010/main" val="0"/>
@@ -22347,7 +27372,7 @@
           <p:nvPr/>
         </p:nvPicPr>
         <p:blipFill>
-          <a:blip r:embed="rId4">
+          <a:blip r:embed="rId5">
             <a:extLst>
               <a:ext uri="{28A0092B-C50C-407E-A947-70E740481C1C}">
                 <a14:useLocalDpi xmlns:a14="http://schemas.microsoft.com/office/drawing/2010/main" val="0"/>
@@ -22377,7 +27402,7 @@
           <p:nvPr/>
         </p:nvPicPr>
         <p:blipFill>
-          <a:blip r:embed="rId5">
+          <a:blip r:embed="rId6">
             <a:extLst>
               <a:ext uri="{28A0092B-C50C-407E-A947-70E740481C1C}">
                 <a14:useLocalDpi xmlns:a14="http://schemas.microsoft.com/office/drawing/2010/main" val="0"/>
